--- a/git/fig/start_git.pptx
+++ b/git/fig/start_git.pptx
@@ -253,7 +253,7 @@
           </a:lstStyle>
           <a:p>
             <a:fld id="{6B8D1B20-A248-FB47-8240-73C0C5F47C9D}" type="datetimeFigureOut">
-              <a:t>2020/4/11</a:t>
+              <a:t>2020/4/16</a:t>
             </a:fld>
             <a:endParaRPr kumimoji="1" lang="ja-JP" altLang="en-US"/>
           </a:p>
@@ -2857,12 +2857,12 @@
               <a:t> </a:t>
             </a:r>
             <a:r>
-              <a:rPr kumimoji="1" lang="en-US" altLang="ja-JP" dirty="0" err="1" smtClean="0"/>
-              <a:t>comit</a:t>
-            </a:r>
-            <a:r>
               <a:rPr kumimoji="1" lang="en-US" altLang="ja-JP" dirty="0" smtClean="0"/>
-              <a:t> - </a:t>
+              <a:t>commit </a:t>
+            </a:r>
+            <a:r>
+              <a:rPr kumimoji="1" lang="en-US" altLang="ja-JP" dirty="0" smtClean="0"/>
+              <a:t>- </a:t>
             </a:r>
             <a:r>
               <a:rPr kumimoji="1" lang="ja-JP" altLang="en-US" dirty="0" smtClean="0"/>
@@ -21389,7 +21389,6 @@
               <a:rPr lang="ja-JP" altLang="en-US" dirty="0"/>
               <a:t>バージョン管理システムのご利益</a:t>
             </a:r>
-            <a:endParaRPr lang="ja-JP" altLang="en-US" dirty="0"/>
           </a:p>
         </p:txBody>
       </p:sp>
@@ -44643,7 +44642,6 @@
               <a:rPr lang="ja-JP" altLang="en-US" dirty="0"/>
               <a:t>バージョン管理システムのご利益</a:t>
             </a:r>
-            <a:endParaRPr lang="ja-JP" altLang="en-US" dirty="0"/>
           </a:p>
         </p:txBody>
       </p:sp>
@@ -45831,11 +45829,7 @@
             </a:r>
             <a:r>
               <a:rPr lang="ja-JP" altLang="en-US" sz="2000" dirty="0" smtClean="0"/>
-              <a:t>研究</a:t>
-            </a:r>
-            <a:r>
-              <a:rPr lang="ja-JP" altLang="en-US" sz="2000" dirty="0" smtClean="0"/>
-              <a:t>を完結させたい</a:t>
+              <a:t>研究を完結させたい</a:t>
             </a:r>
             <a:endParaRPr lang="en-US" altLang="ja-JP" sz="2000" dirty="0"/>
           </a:p>

--- a/git/fig/start_git.pptx
+++ b/git/fig/start_git.pptx
@@ -253,7 +253,7 @@
           </a:lstStyle>
           <a:p>
             <a:fld id="{6B8D1B20-A248-FB47-8240-73C0C5F47C9D}" type="datetimeFigureOut">
-              <a:t>2020/4/16</a:t>
+              <a:t>2020/7/2</a:t>
             </a:fld>
             <a:endParaRPr kumimoji="1" lang="ja-JP" altLang="en-US"/>
           </a:p>
@@ -1073,6 +1073,13 @@
   <p:sldLayoutIdLst>
     <p:sldLayoutId id="2147483664" r:id="rId1"/>
   </p:sldLayoutIdLst>
+  <p:timing>
+    <p:tnLst>
+      <p:par>
+        <p:cTn id="1" dur="indefinite" restart="never" nodeType="tmRoot"/>
+      </p:par>
+    </p:tnLst>
+  </p:timing>
   <p:hf hdr="0" ftr="0" dt="0"/>
   <p:txStyles>
     <p:titleStyle>
@@ -2813,6 +2820,13 @@
   <p:clrMapOvr>
     <a:masterClrMapping/>
   </p:clrMapOvr>
+  <p:timing>
+    <p:tnLst>
+      <p:par>
+        <p:cTn id="1" dur="indefinite" restart="never" nodeType="tmRoot"/>
+      </p:par>
+    </p:tnLst>
+  </p:timing>
 </p:sld>
 </file>
 
@@ -2854,15 +2868,7 @@
             </a:r>
             <a:r>
               <a:rPr kumimoji="1" lang="en-US" altLang="ja-JP" dirty="0" smtClean="0"/>
-              <a:t> </a:t>
-            </a:r>
-            <a:r>
-              <a:rPr kumimoji="1" lang="en-US" altLang="ja-JP" dirty="0" smtClean="0"/>
-              <a:t>commit </a:t>
-            </a:r>
-            <a:r>
-              <a:rPr kumimoji="1" lang="en-US" altLang="ja-JP" dirty="0" smtClean="0"/>
-              <a:t>- </a:t>
+              <a:t> commit - </a:t>
             </a:r>
             <a:r>
               <a:rPr kumimoji="1" lang="ja-JP" altLang="en-US" dirty="0" smtClean="0"/>
@@ -3575,6 +3581,13 @@
   <p:clrMapOvr>
     <a:masterClrMapping/>
   </p:clrMapOvr>
+  <p:timing>
+    <p:tnLst>
+      <p:par>
+        <p:cTn id="1" dur="indefinite" restart="never" nodeType="tmRoot"/>
+      </p:par>
+    </p:tnLst>
+  </p:timing>
 </p:sld>
 </file>
 
@@ -5365,6 +5378,13 @@
   <p:clrMapOvr>
     <a:masterClrMapping/>
   </p:clrMapOvr>
+  <p:timing>
+    <p:tnLst>
+      <p:par>
+        <p:cTn id="1" dur="indefinite" restart="never" nodeType="tmRoot"/>
+      </p:par>
+    </p:tnLst>
+  </p:timing>
 </p:sld>
 </file>
 
@@ -6192,6 +6212,13 @@
   <p:clrMapOvr>
     <a:masterClrMapping/>
   </p:clrMapOvr>
+  <p:timing>
+    <p:tnLst>
+      <p:par>
+        <p:cTn id="1" dur="indefinite" restart="never" nodeType="tmRoot"/>
+      </p:par>
+    </p:tnLst>
+  </p:timing>
 </p:sld>
 </file>
 
@@ -7256,6 +7283,13 @@
   <p:clrMapOvr>
     <a:masterClrMapping/>
   </p:clrMapOvr>
+  <p:timing>
+    <p:tnLst>
+      <p:par>
+        <p:cTn id="1" dur="indefinite" restart="never" nodeType="tmRoot"/>
+      </p:par>
+    </p:tnLst>
+  </p:timing>
 </p:sld>
 </file>
 
@@ -7631,6 +7665,13 @@
   <p:clrMapOvr>
     <a:masterClrMapping/>
   </p:clrMapOvr>
+  <p:timing>
+    <p:tnLst>
+      <p:par>
+        <p:cTn id="1" dur="indefinite" restart="never" nodeType="tmRoot"/>
+      </p:par>
+    </p:tnLst>
+  </p:timing>
 </p:sld>
 </file>
 
@@ -8304,6 +8345,13 @@
   <p:clrMapOvr>
     <a:masterClrMapping/>
   </p:clrMapOvr>
+  <p:timing>
+    <p:tnLst>
+      <p:par>
+        <p:cTn id="1" dur="indefinite" restart="never" nodeType="tmRoot"/>
+      </p:par>
+    </p:tnLst>
+  </p:timing>
 </p:sld>
 </file>
 
@@ -10272,6 +10320,13 @@
   <p:clrMapOvr>
     <a:masterClrMapping/>
   </p:clrMapOvr>
+  <p:timing>
+    <p:tnLst>
+      <p:par>
+        <p:cTn id="1" dur="indefinite" restart="never" nodeType="tmRoot"/>
+      </p:par>
+    </p:tnLst>
+  </p:timing>
 </p:sld>
 </file>
 
@@ -10740,6 +10795,13 @@
   <p:clrMapOvr>
     <a:masterClrMapping/>
   </p:clrMapOvr>
+  <p:timing>
+    <p:tnLst>
+      <p:par>
+        <p:cTn id="1" dur="indefinite" restart="never" nodeType="tmRoot"/>
+      </p:par>
+    </p:tnLst>
+  </p:timing>
 </p:sld>
 </file>
 
@@ -11833,6 +11895,13 @@
   <p:clrMapOvr>
     <a:masterClrMapping/>
   </p:clrMapOvr>
+  <p:timing>
+    <p:tnLst>
+      <p:par>
+        <p:cTn id="1" dur="indefinite" restart="never" nodeType="tmRoot"/>
+      </p:par>
+    </p:tnLst>
+  </p:timing>
 </p:sld>
 </file>
 
@@ -14312,6 +14381,13 @@
   <p:clrMapOvr>
     <a:masterClrMapping/>
   </p:clrMapOvr>
+  <p:timing>
+    <p:tnLst>
+      <p:par>
+        <p:cTn id="1" dur="indefinite" restart="never" nodeType="tmRoot"/>
+      </p:par>
+    </p:tnLst>
+  </p:timing>
 </p:sld>
 </file>
 
@@ -17366,6 +17442,13 @@
   <p:clrMapOvr>
     <a:masterClrMapping/>
   </p:clrMapOvr>
+  <p:timing>
+    <p:tnLst>
+      <p:par>
+        <p:cTn id="1" dur="indefinite" restart="never" nodeType="tmRoot"/>
+      </p:par>
+    </p:tnLst>
+  </p:timing>
 </p:sld>
 </file>
 
@@ -19363,6 +19446,13 @@
   <p:clrMapOvr>
     <a:masterClrMapping/>
   </p:clrMapOvr>
+  <p:timing>
+    <p:tnLst>
+      <p:par>
+        <p:cTn id="1" dur="indefinite" restart="never" nodeType="tmRoot"/>
+      </p:par>
+    </p:tnLst>
+  </p:timing>
 </p:sld>
 </file>
 
@@ -20019,6 +20109,13 @@
   <p:clrMapOvr>
     <a:masterClrMapping/>
   </p:clrMapOvr>
+  <p:timing>
+    <p:tnLst>
+      <p:par>
+        <p:cTn id="1" dur="indefinite" restart="never" nodeType="tmRoot"/>
+      </p:par>
+    </p:tnLst>
+  </p:timing>
 </p:sld>
 </file>
 
@@ -21797,6 +21894,13 @@
   <p:clrMapOvr>
     <a:masterClrMapping/>
   </p:clrMapOvr>
+  <p:timing>
+    <p:tnLst>
+      <p:par>
+        <p:cTn id="1" dur="indefinite" restart="never" nodeType="tmRoot"/>
+      </p:par>
+    </p:tnLst>
+  </p:timing>
 </p:sld>
 </file>
 
@@ -22808,6 +22912,13 @@
   <p:clrMapOvr>
     <a:masterClrMapping/>
   </p:clrMapOvr>
+  <p:timing>
+    <p:tnLst>
+      <p:par>
+        <p:cTn id="1" dur="indefinite" restart="never" nodeType="tmRoot"/>
+      </p:par>
+    </p:tnLst>
+  </p:timing>
 </p:sld>
 </file>
 
@@ -24015,6 +24126,13 @@
   <p:clrMapOvr>
     <a:masterClrMapping/>
   </p:clrMapOvr>
+  <p:timing>
+    <p:tnLst>
+      <p:par>
+        <p:cTn id="1" dur="indefinite" restart="never" nodeType="tmRoot"/>
+      </p:par>
+    </p:tnLst>
+  </p:timing>
 </p:sld>
 </file>
 
@@ -25324,6 +25442,13 @@
   <p:clrMapOvr>
     <a:masterClrMapping/>
   </p:clrMapOvr>
+  <p:timing>
+    <p:tnLst>
+      <p:par>
+        <p:cTn id="1" dur="indefinite" restart="never" nodeType="tmRoot"/>
+      </p:par>
+    </p:tnLst>
+  </p:timing>
 </p:sld>
 </file>
 
@@ -26773,6 +26898,13 @@
   <p:clrMapOvr>
     <a:masterClrMapping/>
   </p:clrMapOvr>
+  <p:timing>
+    <p:tnLst>
+      <p:par>
+        <p:cTn id="1" dur="indefinite" restart="never" nodeType="tmRoot"/>
+      </p:par>
+    </p:tnLst>
+  </p:timing>
 </p:sld>
 </file>
 
@@ -28066,6 +28198,13 @@
   <p:clrMapOvr>
     <a:masterClrMapping/>
   </p:clrMapOvr>
+  <p:timing>
+    <p:tnLst>
+      <p:par>
+        <p:cTn id="1" dur="indefinite" restart="never" nodeType="tmRoot"/>
+      </p:par>
+    </p:tnLst>
+  </p:timing>
 </p:sld>
 </file>
 
@@ -29131,6 +29270,13 @@
   <p:clrMapOvr>
     <a:masterClrMapping/>
   </p:clrMapOvr>
+  <p:timing>
+    <p:tnLst>
+      <p:par>
+        <p:cTn id="1" dur="indefinite" restart="never" nodeType="tmRoot"/>
+      </p:par>
+    </p:tnLst>
+  </p:timing>
 </p:sld>
 </file>
 
@@ -31181,6 +31327,13 @@
   <p:clrMapOvr>
     <a:masterClrMapping/>
   </p:clrMapOvr>
+  <p:timing>
+    <p:tnLst>
+      <p:par>
+        <p:cTn id="1" dur="indefinite" restart="never" nodeType="tmRoot"/>
+      </p:par>
+    </p:tnLst>
+  </p:timing>
 </p:sld>
 </file>
 
@@ -32741,6 +32894,13 @@
   <p:clrMapOvr>
     <a:masterClrMapping/>
   </p:clrMapOvr>
+  <p:timing>
+    <p:tnLst>
+      <p:par>
+        <p:cTn id="1" dur="indefinite" restart="never" nodeType="tmRoot"/>
+      </p:par>
+    </p:tnLst>
+  </p:timing>
 </p:sld>
 </file>
 
@@ -33862,6 +34022,13 @@
   <p:clrMapOvr>
     <a:masterClrMapping/>
   </p:clrMapOvr>
+  <p:timing>
+    <p:tnLst>
+      <p:par>
+        <p:cTn id="1" dur="indefinite" restart="never" nodeType="tmRoot"/>
+      </p:par>
+    </p:tnLst>
+  </p:timing>
 </p:sld>
 </file>
 
@@ -35385,6 +35552,13 @@
   <p:clrMapOvr>
     <a:masterClrMapping/>
   </p:clrMapOvr>
+  <p:timing>
+    <p:tnLst>
+      <p:par>
+        <p:cTn id="1" dur="indefinite" restart="never" nodeType="tmRoot"/>
+      </p:par>
+    </p:tnLst>
+  </p:timing>
 </p:sld>
 </file>
 
@@ -36374,6 +36548,13 @@
   <p:clrMapOvr>
     <a:masterClrMapping/>
   </p:clrMapOvr>
+  <p:timing>
+    <p:tnLst>
+      <p:par>
+        <p:cTn id="1" dur="indefinite" restart="never" nodeType="tmRoot"/>
+      </p:par>
+    </p:tnLst>
+  </p:timing>
 </p:sld>
 </file>
 
@@ -37379,6 +37560,13 @@
   <p:clrMapOvr>
     <a:masterClrMapping/>
   </p:clrMapOvr>
+  <p:timing>
+    <p:tnLst>
+      <p:par>
+        <p:cTn id="1" dur="indefinite" restart="never" nodeType="tmRoot"/>
+      </p:par>
+    </p:tnLst>
+  </p:timing>
 </p:sld>
 </file>
 
@@ -39046,6 +39234,13 @@
   <p:clrMapOvr>
     <a:masterClrMapping/>
   </p:clrMapOvr>
+  <p:timing>
+    <p:tnLst>
+      <p:par>
+        <p:cTn id="1" dur="indefinite" restart="never" nodeType="tmRoot"/>
+      </p:par>
+    </p:tnLst>
+  </p:timing>
 </p:sld>
 </file>
 
@@ -40713,6 +40908,13 @@
   <p:clrMapOvr>
     <a:masterClrMapping/>
   </p:clrMapOvr>
+  <p:timing>
+    <p:tnLst>
+      <p:par>
+        <p:cTn id="1" dur="indefinite" restart="never" nodeType="tmRoot"/>
+      </p:par>
+    </p:tnLst>
+  </p:timing>
 </p:sld>
 </file>
 
@@ -41503,6 +41705,13 @@
   <p:clrMapOvr>
     <a:masterClrMapping/>
   </p:clrMapOvr>
+  <p:timing>
+    <p:tnLst>
+      <p:par>
+        <p:cTn id="1" dur="indefinite" restart="never" nodeType="tmRoot"/>
+      </p:par>
+    </p:tnLst>
+  </p:timing>
 </p:sld>
 </file>
 
@@ -42760,6 +42969,13 @@
   <p:clrMapOvr>
     <a:masterClrMapping/>
   </p:clrMapOvr>
+  <p:timing>
+    <p:tnLst>
+      <p:par>
+        <p:cTn id="1" dur="indefinite" restart="never" nodeType="tmRoot"/>
+      </p:par>
+    </p:tnLst>
+  </p:timing>
 </p:sld>
 </file>
 
@@ -44212,8 +44428,8 @@
         </p:nvSpPr>
         <p:spPr>
           <a:xfrm>
-            <a:off x="107504" y="6021288"/>
-            <a:ext cx="9015610" cy="461665"/>
+            <a:off x="35496" y="6021288"/>
+            <a:ext cx="8784976" cy="461665"/>
           </a:xfrm>
           <a:prstGeom prst="rect">
             <a:avLst/>
@@ -44221,7 +44437,7 @@
           <a:noFill/>
         </p:spPr>
         <p:txBody>
-          <a:bodyPr wrap="none" rtlCol="0">
+          <a:bodyPr wrap="square" rtlCol="0">
             <a:spAutoFit/>
           </a:bodyPr>
           <a:lstStyle/>
@@ -44232,7 +44448,23 @@
                   <a:srgbClr val="FF0000"/>
                 </a:solidFill>
               </a:rPr>
-              <a:t>事故が起こりやすいので、慣れるまで</a:t>
+              <a:t>事故が起こりやすい</a:t>
+            </a:r>
+            <a:r>
+              <a:rPr lang="ja-JP" altLang="en-US" sz="2400" dirty="0" smtClean="0">
+                <a:solidFill>
+                  <a:srgbClr val="FF0000"/>
+                </a:solidFill>
+              </a:rPr>
+              <a:t>ので慣れる</a:t>
+            </a:r>
+            <a:r>
+              <a:rPr lang="ja-JP" altLang="en-US" sz="2400" dirty="0" smtClean="0">
+                <a:solidFill>
+                  <a:srgbClr val="FF0000"/>
+                </a:solidFill>
+              </a:rPr>
+              <a:t>まで</a:t>
             </a:r>
             <a:r>
               <a:rPr lang="en-US" altLang="ja-JP" sz="2400" dirty="0" err="1" smtClean="0">
@@ -44323,6 +44555,13 @@
   <p:clrMapOvr>
     <a:masterClrMapping/>
   </p:clrMapOvr>
+  <p:timing>
+    <p:tnLst>
+      <p:par>
+        <p:cTn id="1" dur="indefinite" restart="never" nodeType="tmRoot"/>
+      </p:par>
+    </p:tnLst>
+  </p:timing>
 </p:sld>
 </file>
 
@@ -44603,6 +44842,13 @@
   <p:clrMapOvr>
     <a:masterClrMapping/>
   </p:clrMapOvr>
+  <p:timing>
+    <p:tnLst>
+      <p:par>
+        <p:cTn id="1" dur="indefinite" restart="never" nodeType="tmRoot"/>
+      </p:par>
+    </p:tnLst>
+  </p:timing>
 </p:sld>
 </file>
 
@@ -46500,6 +46746,13 @@
   <p:clrMapOvr>
     <a:masterClrMapping/>
   </p:clrMapOvr>
+  <p:timing>
+    <p:tnLst>
+      <p:par>
+        <p:cTn id="1" dur="indefinite" restart="never" nodeType="tmRoot"/>
+      </p:par>
+    </p:tnLst>
+  </p:timing>
 </p:sld>
 </file>
 
@@ -46721,6 +46974,13 @@
   <p:clrMapOvr>
     <a:masterClrMapping/>
   </p:clrMapOvr>
+  <p:timing>
+    <p:tnLst>
+      <p:par>
+        <p:cTn id="1" dur="indefinite" restart="never" nodeType="tmRoot"/>
+      </p:par>
+    </p:tnLst>
+  </p:timing>
 </p:sld>
 </file>
 
@@ -47377,6 +47637,13 @@
   <p:clrMapOvr>
     <a:masterClrMapping/>
   </p:clrMapOvr>
+  <p:timing>
+    <p:tnLst>
+      <p:par>
+        <p:cTn id="1" dur="indefinite" restart="never" nodeType="tmRoot"/>
+      </p:par>
+    </p:tnLst>
+  </p:timing>
 </p:sld>
 </file>
 
@@ -48166,80 +48433,16 @@
         <a:srgbClr val="738F97"/>
       </a:folHlink>
     </a:clrScheme>
-    <a:fontScheme name="パーセル">
+    <a:fontScheme name="日常使う用">
       <a:majorFont>
-        <a:latin typeface="Gill Sans MT" panose="020B0502020104020203"/>
-        <a:ea typeface=""/>
+        <a:latin typeface="Arial"/>
+        <a:ea typeface="HGｺﾞｼｯｸE"/>
         <a:cs typeface=""/>
-        <a:font script="Grek" typeface="Corbel"/>
-        <a:font script="Cyrl" typeface="Corbel"/>
-        <a:font script="Jpan" typeface="HGｺﾞｼｯｸE"/>
-        <a:font script="Hang" typeface="휴먼매직체"/>
-        <a:font script="Hans" typeface="华文中宋"/>
-        <a:font script="Hant" typeface="微軟正黑體"/>
-        <a:font script="Arab" typeface="Majalla UI"/>
-        <a:font script="Hebr" typeface="Arial"/>
-        <a:font script="Thai" typeface="Cordia New"/>
-        <a:font script="Ethi" typeface="Nyala"/>
-        <a:font script="Beng" typeface="Vrinda"/>
-        <a:font script="Gujr" typeface="Shruti"/>
-        <a:font script="Khmr" typeface="DaunPenh"/>
-        <a:font script="Knda" typeface="Tunga"/>
-        <a:font script="Guru" typeface="Raavi"/>
-        <a:font script="Cans" typeface="Euphemia"/>
-        <a:font script="Cher" typeface="Plantagenet Cherokee"/>
-        <a:font script="Yiii" typeface="Microsoft Yi Baiti"/>
-        <a:font script="Tibt" typeface="Microsoft Himalaya"/>
-        <a:font script="Thaa" typeface="MV Boli"/>
-        <a:font script="Deva" typeface="Mangal"/>
-        <a:font script="Telu" typeface="Gautami"/>
-        <a:font script="Taml" typeface="Latha"/>
-        <a:font script="Syrc" typeface="Estrangelo Edessa"/>
-        <a:font script="Orya" typeface="Kalinga"/>
-        <a:font script="Mlym" typeface="Kartika"/>
-        <a:font script="Laoo" typeface="DokChampa"/>
-        <a:font script="Sinh" typeface="Iskoola Pota"/>
-        <a:font script="Mong" typeface="Mongolian Baiti"/>
-        <a:font script="Viet" typeface="Tahoma"/>
-        <a:font script="Uigh" typeface="Microsoft Uighur"/>
-        <a:font script="Geor" typeface="Sylfaen"/>
       </a:majorFont>
       <a:minorFont>
-        <a:latin typeface="Gill Sans MT" panose="020B0502020104020203"/>
-        <a:ea typeface=""/>
+        <a:latin typeface="Arial"/>
+        <a:ea typeface="HGｺﾞｼｯｸE"/>
         <a:cs typeface=""/>
-        <a:font script="Grek" typeface="Corbel"/>
-        <a:font script="Cyrl" typeface="Corbel"/>
-        <a:font script="Jpan" typeface="HGｺﾞｼｯｸE"/>
-        <a:font script="Hang" typeface="휴먼매직체"/>
-        <a:font script="Hans" typeface="华文中宋"/>
-        <a:font script="Hant" typeface="微軟正黑體"/>
-        <a:font script="Arab" typeface="Majalla UI"/>
-        <a:font script="Hebr" typeface="Arial"/>
-        <a:font script="Thai" typeface="Cordia New"/>
-        <a:font script="Ethi" typeface="Nyala"/>
-        <a:font script="Beng" typeface="Vrinda"/>
-        <a:font script="Gujr" typeface="Shruti"/>
-        <a:font script="Khmr" typeface="DaunPenh"/>
-        <a:font script="Knda" typeface="Tunga"/>
-        <a:font script="Guru" typeface="Raavi"/>
-        <a:font script="Cans" typeface="Euphemia"/>
-        <a:font script="Cher" typeface="Plantagenet Cherokee"/>
-        <a:font script="Yiii" typeface="Microsoft Yi Baiti"/>
-        <a:font script="Tibt" typeface="Microsoft Himalaya"/>
-        <a:font script="Thaa" typeface="MV Boli"/>
-        <a:font script="Deva" typeface="Mangal"/>
-        <a:font script="Telu" typeface="Gautami"/>
-        <a:font script="Taml" typeface="Latha"/>
-        <a:font script="Syrc" typeface="Estrangelo Edessa"/>
-        <a:font script="Orya" typeface="Kalinga"/>
-        <a:font script="Mlym" typeface="Kartika"/>
-        <a:font script="Laoo" typeface="DokChampa"/>
-        <a:font script="Sinh" typeface="Iskoola Pota"/>
-        <a:font script="Mong" typeface="Mongolian Baiti"/>
-        <a:font script="Viet" typeface="Tahoma"/>
-        <a:font script="Uigh" typeface="Microsoft Uighur"/>
-        <a:font script="Geor" typeface="Sylfaen"/>
       </a:minorFont>
     </a:fontScheme>
     <a:fmtScheme name="パーセル">

--- a/git/fig/start_git.pptx
+++ b/git/fig/start_git.pptx
@@ -49,7 +49,7 @@
     <p:sldId id="362" r:id="rId40"/>
     <p:sldId id="360" r:id="rId41"/>
     <p:sldId id="363" r:id="rId42"/>
-    <p:sldId id="364" r:id="rId43"/>
+    <p:sldId id="373" r:id="rId43"/>
     <p:sldId id="365" r:id="rId44"/>
     <p:sldId id="366" r:id="rId45"/>
     <p:sldId id="367" r:id="rId46"/>
@@ -253,7 +253,7 @@
           </a:lstStyle>
           <a:p>
             <a:fld id="{6B8D1B20-A248-FB47-8240-73C0C5F47C9D}" type="datetimeFigureOut">
-              <a:t>2020/7/2</a:t>
+              <a:t>2021/3/31</a:t>
             </a:fld>
             <a:endParaRPr kumimoji="1" lang="ja-JP" altLang="en-US"/>
           </a:p>
@@ -1571,7 +1571,7 @@
         <p:spPr>
           <a:xfrm>
             <a:off x="3271520" y="4338320"/>
-            <a:ext cx="2525050" cy="707886"/>
+            <a:ext cx="2752677" cy="707886"/>
           </a:xfrm>
           <a:prstGeom prst="rect">
             <a:avLst/>
@@ -1585,16 +1585,16 @@
           <a:lstStyle/>
           <a:p>
             <a:r>
-              <a:rPr kumimoji="1" lang="en-US" altLang="ja-JP" sz="4000" dirty="0" smtClean="0"/>
-              <a:t>2020/0</a:t>
-            </a:r>
-            <a:r>
-              <a:rPr lang="en-US" altLang="ja-JP" sz="4000" dirty="0" smtClean="0"/>
+              <a:rPr kumimoji="1" lang="en-US" altLang="ja-JP" sz="4000" smtClean="0"/>
+              <a:t>2021/0</a:t>
+            </a:r>
+            <a:r>
+              <a:rPr lang="en-US" altLang="ja-JP" sz="4000" smtClean="0"/>
               <a:t>4</a:t>
             </a:r>
             <a:r>
-              <a:rPr kumimoji="1" lang="en-US" altLang="ja-JP" sz="4000" dirty="0" smtClean="0"/>
-              <a:t>/10</a:t>
+              <a:rPr kumimoji="1" lang="en-US" altLang="ja-JP" sz="4000" smtClean="0"/>
+              <a:t>/01</a:t>
             </a:r>
             <a:endParaRPr kumimoji="1" lang="ja-JP" altLang="en-US" sz="4000" dirty="0"/>
           </a:p>
@@ -8098,8 +8098,8 @@
         </p:nvSpPr>
         <p:spPr>
           <a:xfrm>
-            <a:off x="3275856" y="6381328"/>
-            <a:ext cx="4968552" cy="369332"/>
+            <a:off x="2915816" y="6381328"/>
+            <a:ext cx="5328592" cy="369332"/>
           </a:xfrm>
           <a:prstGeom prst="rect">
             <a:avLst/>
@@ -8129,7 +8129,7 @@
         </p:nvSpPr>
         <p:spPr>
           <a:xfrm>
-            <a:off x="1016777" y="6381328"/>
+            <a:off x="611560" y="6381328"/>
             <a:ext cx="2331087" cy="369332"/>
           </a:xfrm>
           <a:prstGeom prst="rect">
@@ -8660,75 +8660,6 @@
           </a:fontRef>
         </p:style>
       </p:cxnSp>
-      <p:sp>
-        <p:nvSpPr>
-          <p:cNvPr id="26" name="正方形/長方形 25"/>
-          <p:cNvSpPr/>
-          <p:nvPr/>
-        </p:nvSpPr>
-        <p:spPr>
-          <a:xfrm>
-            <a:off x="3275856" y="6381328"/>
-            <a:ext cx="4968552" cy="369332"/>
-          </a:xfrm>
-          <a:prstGeom prst="rect">
-            <a:avLst/>
-          </a:prstGeom>
-        </p:spPr>
-        <p:txBody>
-          <a:bodyPr wrap="square">
-            <a:spAutoFit/>
-          </a:bodyPr>
-          <a:lstStyle/>
-          <a:p>
-            <a:r>
-              <a:rPr lang="en-US" altLang="ja-JP" dirty="0">
-                <a:hlinkClick r:id="rId4"/>
-              </a:rPr>
-              <a:t>https://www.slideshare.net/matsukaz/git-17499005</a:t>
-            </a:r>
-            <a:endParaRPr lang="ja-JP" altLang="en-US" dirty="0"/>
-          </a:p>
-        </p:txBody>
-      </p:sp>
-      <p:sp>
-        <p:nvSpPr>
-          <p:cNvPr id="27" name="テキスト ボックス 26"/>
-          <p:cNvSpPr txBox="1"/>
-          <p:nvPr/>
-        </p:nvSpPr>
-        <p:spPr>
-          <a:xfrm>
-            <a:off x="1016777" y="6381328"/>
-            <a:ext cx="2331087" cy="369332"/>
-          </a:xfrm>
-          <a:prstGeom prst="rect">
-            <a:avLst/>
-          </a:prstGeom>
-          <a:noFill/>
-        </p:spPr>
-        <p:txBody>
-          <a:bodyPr wrap="none" rtlCol="0">
-            <a:spAutoFit/>
-          </a:bodyPr>
-          <a:lstStyle/>
-          <a:p>
-            <a:r>
-              <a:rPr lang="ja-JP" altLang="en-US" dirty="0" smtClean="0"/>
-              <a:t>いつやるの？</a:t>
-            </a:r>
-            <a:r>
-              <a:rPr lang="en-US" altLang="ja-JP" dirty="0" err="1" smtClean="0"/>
-              <a:t>Git</a:t>
-            </a:r>
-            <a:r>
-              <a:rPr lang="ja-JP" altLang="en-US" dirty="0" smtClean="0"/>
-              <a:t>入門</a:t>
-            </a:r>
-            <a:endParaRPr kumimoji="1" lang="ja-JP" altLang="en-US" dirty="0"/>
-          </a:p>
-        </p:txBody>
-      </p:sp>
       <p:pic>
         <p:nvPicPr>
           <p:cNvPr id="31" name="Picture 2" descr="ファイルアイコン（ブランク）"/>
@@ -9644,75 +9575,6 @@
           </a:fontRef>
         </p:style>
       </p:cxnSp>
-      <p:sp>
-        <p:nvSpPr>
-          <p:cNvPr id="26" name="正方形/長方形 25"/>
-          <p:cNvSpPr/>
-          <p:nvPr/>
-        </p:nvSpPr>
-        <p:spPr>
-          <a:xfrm>
-            <a:off x="3275856" y="6381328"/>
-            <a:ext cx="4968552" cy="369332"/>
-          </a:xfrm>
-          <a:prstGeom prst="rect">
-            <a:avLst/>
-          </a:prstGeom>
-        </p:spPr>
-        <p:txBody>
-          <a:bodyPr wrap="square">
-            <a:spAutoFit/>
-          </a:bodyPr>
-          <a:lstStyle/>
-          <a:p>
-            <a:r>
-              <a:rPr lang="en-US" altLang="ja-JP" dirty="0">
-                <a:hlinkClick r:id="rId4"/>
-              </a:rPr>
-              <a:t>https://www.slideshare.net/matsukaz/git-17499005</a:t>
-            </a:r>
-            <a:endParaRPr lang="ja-JP" altLang="en-US" dirty="0"/>
-          </a:p>
-        </p:txBody>
-      </p:sp>
-      <p:sp>
-        <p:nvSpPr>
-          <p:cNvPr id="27" name="テキスト ボックス 26"/>
-          <p:cNvSpPr txBox="1"/>
-          <p:nvPr/>
-        </p:nvSpPr>
-        <p:spPr>
-          <a:xfrm>
-            <a:off x="1016777" y="6381328"/>
-            <a:ext cx="2331087" cy="369332"/>
-          </a:xfrm>
-          <a:prstGeom prst="rect">
-            <a:avLst/>
-          </a:prstGeom>
-          <a:noFill/>
-        </p:spPr>
-        <p:txBody>
-          <a:bodyPr wrap="none" rtlCol="0">
-            <a:spAutoFit/>
-          </a:bodyPr>
-          <a:lstStyle/>
-          <a:p>
-            <a:r>
-              <a:rPr lang="ja-JP" altLang="en-US" dirty="0" smtClean="0"/>
-              <a:t>いつやるの？</a:t>
-            </a:r>
-            <a:r>
-              <a:rPr lang="en-US" altLang="ja-JP" dirty="0" err="1" smtClean="0"/>
-              <a:t>Git</a:t>
-            </a:r>
-            <a:r>
-              <a:rPr lang="ja-JP" altLang="en-US" dirty="0" smtClean="0"/>
-              <a:t>入門</a:t>
-            </a:r>
-            <a:endParaRPr kumimoji="1" lang="ja-JP" altLang="en-US" dirty="0"/>
-          </a:p>
-        </p:txBody>
-      </p:sp>
       <p:pic>
         <p:nvPicPr>
           <p:cNvPr id="31" name="Picture 2" descr="ファイルアイコン（ブランク）"/>
@@ -19061,7 +18923,7 @@
         </p:nvSpPr>
         <p:spPr>
           <a:xfrm>
-            <a:off x="6156176" y="3212976"/>
+            <a:off x="6660232" y="3140968"/>
             <a:ext cx="432048" cy="432048"/>
           </a:xfrm>
           <a:prstGeom prst="ellipse">
@@ -19109,7 +18971,7 @@
         </p:nvSpPr>
         <p:spPr>
           <a:xfrm>
-            <a:off x="6156176" y="4653136"/>
+            <a:off x="6660232" y="4581128"/>
             <a:ext cx="432048" cy="432048"/>
           </a:xfrm>
           <a:prstGeom prst="ellipse">
@@ -19160,7 +19022,7 @@
         </p:nvCxnSpPr>
         <p:spPr>
           <a:xfrm>
-            <a:off x="6372200" y="3645024"/>
+            <a:off x="6876256" y="3573016"/>
             <a:ext cx="0" cy="1008112"/>
           </a:xfrm>
           <a:prstGeom prst="line">
@@ -19197,7 +19059,7 @@
         </p:nvSpPr>
         <p:spPr>
           <a:xfrm>
-            <a:off x="6156176" y="6093296"/>
+            <a:off x="6660232" y="6021288"/>
             <a:ext cx="432048" cy="432048"/>
           </a:xfrm>
           <a:prstGeom prst="ellipse">
@@ -19248,7 +19110,7 @@
         </p:nvCxnSpPr>
         <p:spPr>
           <a:xfrm>
-            <a:off x="6372200" y="5085184"/>
+            <a:off x="6876256" y="5013176"/>
             <a:ext cx="0" cy="1008112"/>
           </a:xfrm>
           <a:prstGeom prst="line">
@@ -19498,230 +19360,6 @@
       </p:sp>
       <p:sp>
         <p:nvSpPr>
-          <p:cNvPr id="3" name="楕円 2"/>
-          <p:cNvSpPr/>
-          <p:nvPr/>
-        </p:nvSpPr>
-        <p:spPr>
-          <a:xfrm>
-            <a:off x="6156176" y="3212976"/>
-            <a:ext cx="432048" cy="432048"/>
-          </a:xfrm>
-          <a:prstGeom prst="ellipse">
-            <a:avLst/>
-          </a:prstGeom>
-          <a:solidFill>
-            <a:srgbClr val="011893"/>
-          </a:solidFill>
-          <a:ln>
-            <a:solidFill>
-              <a:schemeClr val="tx1"/>
-            </a:solidFill>
-          </a:ln>
-        </p:spPr>
-        <p:style>
-          <a:lnRef idx="2">
-            <a:schemeClr val="accent1">
-              <a:shade val="50000"/>
-            </a:schemeClr>
-          </a:lnRef>
-          <a:fillRef idx="1">
-            <a:schemeClr val="accent1"/>
-          </a:fillRef>
-          <a:effectRef idx="0">
-            <a:schemeClr val="accent1"/>
-          </a:effectRef>
-          <a:fontRef idx="minor">
-            <a:schemeClr val="lt1"/>
-          </a:fontRef>
-        </p:style>
-        <p:txBody>
-          <a:bodyPr rtlCol="0" anchor="ctr"/>
-          <a:lstStyle/>
-          <a:p>
-            <a:pPr algn="ctr"/>
-            <a:endParaRPr kumimoji="1" lang="ja-JP" altLang="en-US"/>
-          </a:p>
-        </p:txBody>
-      </p:sp>
-      <p:sp>
-        <p:nvSpPr>
-          <p:cNvPr id="4" name="楕円 3"/>
-          <p:cNvSpPr/>
-          <p:nvPr/>
-        </p:nvSpPr>
-        <p:spPr>
-          <a:xfrm>
-            <a:off x="6156176" y="4653136"/>
-            <a:ext cx="432048" cy="432048"/>
-          </a:xfrm>
-          <a:prstGeom prst="ellipse">
-            <a:avLst/>
-          </a:prstGeom>
-          <a:solidFill>
-            <a:srgbClr val="011893"/>
-          </a:solidFill>
-          <a:ln>
-            <a:solidFill>
-              <a:schemeClr val="tx1"/>
-            </a:solidFill>
-          </a:ln>
-        </p:spPr>
-        <p:style>
-          <a:lnRef idx="2">
-            <a:schemeClr val="accent1">
-              <a:shade val="50000"/>
-            </a:schemeClr>
-          </a:lnRef>
-          <a:fillRef idx="1">
-            <a:schemeClr val="accent1"/>
-          </a:fillRef>
-          <a:effectRef idx="0">
-            <a:schemeClr val="accent1"/>
-          </a:effectRef>
-          <a:fontRef idx="minor">
-            <a:schemeClr val="lt1"/>
-          </a:fontRef>
-        </p:style>
-        <p:txBody>
-          <a:bodyPr rtlCol="0" anchor="ctr"/>
-          <a:lstStyle/>
-          <a:p>
-            <a:pPr algn="ctr"/>
-            <a:endParaRPr kumimoji="1" lang="ja-JP" altLang="en-US"/>
-          </a:p>
-        </p:txBody>
-      </p:sp>
-      <p:cxnSp>
-        <p:nvCxnSpPr>
-          <p:cNvPr id="5" name="直線コネクタ 4"/>
-          <p:cNvCxnSpPr>
-            <a:stCxn id="3" idx="4"/>
-            <a:endCxn id="4" idx="0"/>
-          </p:cNvCxnSpPr>
-          <p:nvPr/>
-        </p:nvCxnSpPr>
-        <p:spPr>
-          <a:xfrm>
-            <a:off x="6372200" y="3645024"/>
-            <a:ext cx="0" cy="1008112"/>
-          </a:xfrm>
-          <a:prstGeom prst="line">
-            <a:avLst/>
-          </a:prstGeom>
-          <a:ln w="57150">
-            <a:solidFill>
-              <a:schemeClr val="tx1"/>
-            </a:solidFill>
-            <a:headEnd type="none" w="med" len="med"/>
-            <a:tailEnd type="none" w="med" len="med"/>
-          </a:ln>
-        </p:spPr>
-        <p:style>
-          <a:lnRef idx="1">
-            <a:schemeClr val="accent1"/>
-          </a:lnRef>
-          <a:fillRef idx="0">
-            <a:schemeClr val="accent1"/>
-          </a:fillRef>
-          <a:effectRef idx="0">
-            <a:schemeClr val="accent1"/>
-          </a:effectRef>
-          <a:fontRef idx="minor">
-            <a:schemeClr val="tx1"/>
-          </a:fontRef>
-        </p:style>
-      </p:cxnSp>
-      <p:sp>
-        <p:nvSpPr>
-          <p:cNvPr id="6" name="楕円 5"/>
-          <p:cNvSpPr/>
-          <p:nvPr/>
-        </p:nvSpPr>
-        <p:spPr>
-          <a:xfrm>
-            <a:off x="6156176" y="6093296"/>
-            <a:ext cx="432048" cy="432048"/>
-          </a:xfrm>
-          <a:prstGeom prst="ellipse">
-            <a:avLst/>
-          </a:prstGeom>
-          <a:solidFill>
-            <a:srgbClr val="011893"/>
-          </a:solidFill>
-          <a:ln>
-            <a:solidFill>
-              <a:schemeClr val="tx1"/>
-            </a:solidFill>
-          </a:ln>
-        </p:spPr>
-        <p:style>
-          <a:lnRef idx="2">
-            <a:schemeClr val="accent1">
-              <a:shade val="50000"/>
-            </a:schemeClr>
-          </a:lnRef>
-          <a:fillRef idx="1">
-            <a:schemeClr val="accent1"/>
-          </a:fillRef>
-          <a:effectRef idx="0">
-            <a:schemeClr val="accent1"/>
-          </a:effectRef>
-          <a:fontRef idx="minor">
-            <a:schemeClr val="lt1"/>
-          </a:fontRef>
-        </p:style>
-        <p:txBody>
-          <a:bodyPr rtlCol="0" anchor="ctr"/>
-          <a:lstStyle/>
-          <a:p>
-            <a:pPr algn="ctr"/>
-            <a:endParaRPr kumimoji="1" lang="ja-JP" altLang="en-US"/>
-          </a:p>
-        </p:txBody>
-      </p:sp>
-      <p:cxnSp>
-        <p:nvCxnSpPr>
-          <p:cNvPr id="7" name="直線コネクタ 6"/>
-          <p:cNvCxnSpPr>
-            <a:stCxn id="4" idx="4"/>
-            <a:endCxn id="6" idx="0"/>
-          </p:cNvCxnSpPr>
-          <p:nvPr/>
-        </p:nvCxnSpPr>
-        <p:spPr>
-          <a:xfrm>
-            <a:off x="6372200" y="5085184"/>
-            <a:ext cx="0" cy="1008112"/>
-          </a:xfrm>
-          <a:prstGeom prst="line">
-            <a:avLst/>
-          </a:prstGeom>
-          <a:ln w="57150">
-            <a:solidFill>
-              <a:schemeClr val="tx1"/>
-            </a:solidFill>
-            <a:headEnd type="none" w="med" len="med"/>
-            <a:tailEnd type="none" w="med" len="med"/>
-          </a:ln>
-        </p:spPr>
-        <p:style>
-          <a:lnRef idx="1">
-            <a:schemeClr val="accent1"/>
-          </a:lnRef>
-          <a:fillRef idx="0">
-            <a:schemeClr val="accent1"/>
-          </a:fillRef>
-          <a:effectRef idx="0">
-            <a:schemeClr val="accent1"/>
-          </a:effectRef>
-          <a:fontRef idx="minor">
-            <a:schemeClr val="tx1"/>
-          </a:fontRef>
-        </p:style>
-      </p:cxnSp>
-      <p:sp>
-        <p:nvSpPr>
           <p:cNvPr id="8" name="正方形/長方形 7"/>
           <p:cNvSpPr/>
           <p:nvPr/>
@@ -19887,7 +19525,7 @@
         </p:nvSpPr>
         <p:spPr>
           <a:xfrm>
-            <a:off x="7020272" y="2708920"/>
+            <a:off x="7563270" y="2564904"/>
             <a:ext cx="1329210" cy="584775"/>
           </a:xfrm>
           <a:prstGeom prst="rect">
@@ -19956,7 +19594,19 @@
             </a:r>
             <a:r>
               <a:rPr lang="ja-JP" altLang="en-US" sz="3200" dirty="0" smtClean="0"/>
-              <a:t>いま自分が見ているブランチ</a:t>
+              <a:t>いま</a:t>
+            </a:r>
+            <a:r>
+              <a:rPr lang="ja-JP" altLang="en-US" sz="3200" smtClean="0"/>
+              <a:t>自分</a:t>
+            </a:r>
+            <a:r>
+              <a:rPr lang="ja-JP" altLang="en-US" sz="3200" smtClean="0"/>
+              <a:t>がいる</a:t>
+            </a:r>
+            <a:r>
+              <a:rPr lang="ja-JP" altLang="en-US" sz="3200" dirty="0" smtClean="0"/>
+              <a:t>ブランチ</a:t>
             </a:r>
             <a:endParaRPr kumimoji="1" lang="ja-JP" altLang="en-US" sz="3200" dirty="0"/>
           </a:p>
@@ -19970,7 +19620,7 @@
         </p:nvSpPr>
         <p:spPr>
           <a:xfrm>
-            <a:off x="7164288" y="3861048"/>
+            <a:off x="7677465" y="3789040"/>
             <a:ext cx="998991" cy="461665"/>
           </a:xfrm>
           <a:prstGeom prst="rect">
@@ -19995,15 +19645,12 @@
       <p:cxnSp>
         <p:nvCxnSpPr>
           <p:cNvPr id="17" name="直線矢印コネクタ 16"/>
-          <p:cNvCxnSpPr>
-            <a:stCxn id="13" idx="1"/>
-            <a:endCxn id="3" idx="7"/>
-          </p:cNvCxnSpPr>
+          <p:cNvCxnSpPr/>
           <p:nvPr/>
         </p:nvCxnSpPr>
         <p:spPr>
           <a:xfrm flipH="1">
-            <a:off x="6524952" y="3001308"/>
+            <a:off x="7038129" y="2929300"/>
             <a:ext cx="495320" cy="274940"/>
           </a:xfrm>
           <a:prstGeom prst="straightConnector1">
@@ -20040,7 +19687,7 @@
         </p:nvCxnSpPr>
         <p:spPr>
           <a:xfrm flipV="1">
-            <a:off x="7668344" y="3284984"/>
+            <a:off x="8181521" y="3212976"/>
             <a:ext cx="0" cy="567354"/>
           </a:xfrm>
           <a:prstGeom prst="straightConnector1">
@@ -20099,6 +19746,230 @@
           </a:p>
         </p:txBody>
       </p:sp>
+      <p:sp>
+        <p:nvSpPr>
+          <p:cNvPr id="20" name="楕円 19"/>
+          <p:cNvSpPr/>
+          <p:nvPr/>
+        </p:nvSpPr>
+        <p:spPr>
+          <a:xfrm>
+            <a:off x="6660232" y="3140968"/>
+            <a:ext cx="432048" cy="432048"/>
+          </a:xfrm>
+          <a:prstGeom prst="ellipse">
+            <a:avLst/>
+          </a:prstGeom>
+          <a:solidFill>
+            <a:srgbClr val="011893"/>
+          </a:solidFill>
+          <a:ln>
+            <a:solidFill>
+              <a:schemeClr val="tx1"/>
+            </a:solidFill>
+          </a:ln>
+        </p:spPr>
+        <p:style>
+          <a:lnRef idx="2">
+            <a:schemeClr val="accent1">
+              <a:shade val="50000"/>
+            </a:schemeClr>
+          </a:lnRef>
+          <a:fillRef idx="1">
+            <a:schemeClr val="accent1"/>
+          </a:fillRef>
+          <a:effectRef idx="0">
+            <a:schemeClr val="accent1"/>
+          </a:effectRef>
+          <a:fontRef idx="minor">
+            <a:schemeClr val="lt1"/>
+          </a:fontRef>
+        </p:style>
+        <p:txBody>
+          <a:bodyPr rtlCol="0" anchor="ctr"/>
+          <a:lstStyle/>
+          <a:p>
+            <a:pPr algn="ctr"/>
+            <a:endParaRPr kumimoji="1" lang="ja-JP" altLang="en-US"/>
+          </a:p>
+        </p:txBody>
+      </p:sp>
+      <p:sp>
+        <p:nvSpPr>
+          <p:cNvPr id="22" name="楕円 21"/>
+          <p:cNvSpPr/>
+          <p:nvPr/>
+        </p:nvSpPr>
+        <p:spPr>
+          <a:xfrm>
+            <a:off x="6660232" y="4581128"/>
+            <a:ext cx="432048" cy="432048"/>
+          </a:xfrm>
+          <a:prstGeom prst="ellipse">
+            <a:avLst/>
+          </a:prstGeom>
+          <a:solidFill>
+            <a:srgbClr val="011893"/>
+          </a:solidFill>
+          <a:ln>
+            <a:solidFill>
+              <a:schemeClr val="tx1"/>
+            </a:solidFill>
+          </a:ln>
+        </p:spPr>
+        <p:style>
+          <a:lnRef idx="2">
+            <a:schemeClr val="accent1">
+              <a:shade val="50000"/>
+            </a:schemeClr>
+          </a:lnRef>
+          <a:fillRef idx="1">
+            <a:schemeClr val="accent1"/>
+          </a:fillRef>
+          <a:effectRef idx="0">
+            <a:schemeClr val="accent1"/>
+          </a:effectRef>
+          <a:fontRef idx="minor">
+            <a:schemeClr val="lt1"/>
+          </a:fontRef>
+        </p:style>
+        <p:txBody>
+          <a:bodyPr rtlCol="0" anchor="ctr"/>
+          <a:lstStyle/>
+          <a:p>
+            <a:pPr algn="ctr"/>
+            <a:endParaRPr kumimoji="1" lang="ja-JP" altLang="en-US"/>
+          </a:p>
+        </p:txBody>
+      </p:sp>
+      <p:cxnSp>
+        <p:nvCxnSpPr>
+          <p:cNvPr id="23" name="直線コネクタ 22"/>
+          <p:cNvCxnSpPr>
+            <a:stCxn id="20" idx="4"/>
+            <a:endCxn id="22" idx="0"/>
+          </p:cNvCxnSpPr>
+          <p:nvPr/>
+        </p:nvCxnSpPr>
+        <p:spPr>
+          <a:xfrm>
+            <a:off x="6876256" y="3573016"/>
+            <a:ext cx="0" cy="1008112"/>
+          </a:xfrm>
+          <a:prstGeom prst="line">
+            <a:avLst/>
+          </a:prstGeom>
+          <a:ln w="57150">
+            <a:solidFill>
+              <a:schemeClr val="tx1"/>
+            </a:solidFill>
+            <a:headEnd type="none" w="med" len="med"/>
+            <a:tailEnd type="none" w="med" len="med"/>
+          </a:ln>
+        </p:spPr>
+        <p:style>
+          <a:lnRef idx="1">
+            <a:schemeClr val="accent1"/>
+          </a:lnRef>
+          <a:fillRef idx="0">
+            <a:schemeClr val="accent1"/>
+          </a:fillRef>
+          <a:effectRef idx="0">
+            <a:schemeClr val="accent1"/>
+          </a:effectRef>
+          <a:fontRef idx="minor">
+            <a:schemeClr val="tx1"/>
+          </a:fontRef>
+        </p:style>
+      </p:cxnSp>
+      <p:sp>
+        <p:nvSpPr>
+          <p:cNvPr id="24" name="楕円 23"/>
+          <p:cNvSpPr/>
+          <p:nvPr/>
+        </p:nvSpPr>
+        <p:spPr>
+          <a:xfrm>
+            <a:off x="6660232" y="6021288"/>
+            <a:ext cx="432048" cy="432048"/>
+          </a:xfrm>
+          <a:prstGeom prst="ellipse">
+            <a:avLst/>
+          </a:prstGeom>
+          <a:solidFill>
+            <a:srgbClr val="011893"/>
+          </a:solidFill>
+          <a:ln>
+            <a:solidFill>
+              <a:schemeClr val="tx1"/>
+            </a:solidFill>
+          </a:ln>
+        </p:spPr>
+        <p:style>
+          <a:lnRef idx="2">
+            <a:schemeClr val="accent1">
+              <a:shade val="50000"/>
+            </a:schemeClr>
+          </a:lnRef>
+          <a:fillRef idx="1">
+            <a:schemeClr val="accent1"/>
+          </a:fillRef>
+          <a:effectRef idx="0">
+            <a:schemeClr val="accent1"/>
+          </a:effectRef>
+          <a:fontRef idx="minor">
+            <a:schemeClr val="lt1"/>
+          </a:fontRef>
+        </p:style>
+        <p:txBody>
+          <a:bodyPr rtlCol="0" anchor="ctr"/>
+          <a:lstStyle/>
+          <a:p>
+            <a:pPr algn="ctr"/>
+            <a:endParaRPr kumimoji="1" lang="ja-JP" altLang="en-US"/>
+          </a:p>
+        </p:txBody>
+      </p:sp>
+      <p:cxnSp>
+        <p:nvCxnSpPr>
+          <p:cNvPr id="25" name="直線コネクタ 24"/>
+          <p:cNvCxnSpPr>
+            <a:stCxn id="22" idx="4"/>
+            <a:endCxn id="24" idx="0"/>
+          </p:cNvCxnSpPr>
+          <p:nvPr/>
+        </p:nvCxnSpPr>
+        <p:spPr>
+          <a:xfrm>
+            <a:off x="6876256" y="5013176"/>
+            <a:ext cx="0" cy="1008112"/>
+          </a:xfrm>
+          <a:prstGeom prst="line">
+            <a:avLst/>
+          </a:prstGeom>
+          <a:ln w="57150">
+            <a:solidFill>
+              <a:schemeClr val="tx1"/>
+            </a:solidFill>
+            <a:headEnd type="none" w="med" len="med"/>
+            <a:tailEnd type="none" w="med" len="med"/>
+          </a:ln>
+        </p:spPr>
+        <p:style>
+          <a:lnRef idx="1">
+            <a:schemeClr val="accent1"/>
+          </a:lnRef>
+          <a:fillRef idx="0">
+            <a:schemeClr val="accent1"/>
+          </a:fillRef>
+          <a:effectRef idx="0">
+            <a:schemeClr val="accent1"/>
+          </a:effectRef>
+          <a:fontRef idx="minor">
+            <a:schemeClr val="tx1"/>
+          </a:fontRef>
+        </p:style>
+      </p:cxnSp>
     </p:spTree>
     <p:extLst>
       <p:ext uri="{BB962C8B-B14F-4D97-AF65-F5344CB8AC3E}">
@@ -21952,7 +21823,7 @@
         </p:nvSpPr>
         <p:spPr>
           <a:xfrm>
-            <a:off x="539552" y="3501008"/>
+            <a:off x="539552" y="3356992"/>
             <a:ext cx="432048" cy="432048"/>
           </a:xfrm>
           <a:prstGeom prst="ellipse">
@@ -22000,7 +21871,7 @@
         </p:nvSpPr>
         <p:spPr>
           <a:xfrm>
-            <a:off x="1979712" y="3501008"/>
+            <a:off x="1979712" y="3356992"/>
             <a:ext cx="432048" cy="432048"/>
           </a:xfrm>
           <a:prstGeom prst="ellipse">
@@ -22048,7 +21919,7 @@
         </p:nvSpPr>
         <p:spPr>
           <a:xfrm>
-            <a:off x="3419872" y="3501008"/>
+            <a:off x="3419872" y="3356992"/>
             <a:ext cx="432048" cy="432048"/>
           </a:xfrm>
           <a:prstGeom prst="ellipse">
@@ -22099,7 +21970,7 @@
         </p:nvCxnSpPr>
         <p:spPr>
           <a:xfrm>
-            <a:off x="971600" y="3717032"/>
+            <a:off x="971600" y="3573016"/>
             <a:ext cx="1008112" cy="0"/>
           </a:xfrm>
           <a:prstGeom prst="line">
@@ -22136,7 +22007,7 @@
         </p:nvCxnSpPr>
         <p:spPr>
           <a:xfrm>
-            <a:off x="2411760" y="3717032"/>
+            <a:off x="2411760" y="3573016"/>
             <a:ext cx="1008112" cy="0"/>
           </a:xfrm>
           <a:prstGeom prst="line">
@@ -22173,7 +22044,7 @@
         </p:nvSpPr>
         <p:spPr>
           <a:xfrm>
-            <a:off x="539552" y="5229200"/>
+            <a:off x="539552" y="5085184"/>
             <a:ext cx="432048" cy="432048"/>
           </a:xfrm>
           <a:prstGeom prst="ellipse">
@@ -22221,7 +22092,7 @@
         </p:nvSpPr>
         <p:spPr>
           <a:xfrm>
-            <a:off x="1979712" y="5229200"/>
+            <a:off x="1979712" y="5085184"/>
             <a:ext cx="432048" cy="432048"/>
           </a:xfrm>
           <a:prstGeom prst="ellipse">
@@ -22269,7 +22140,7 @@
         </p:nvSpPr>
         <p:spPr>
           <a:xfrm>
-            <a:off x="3419872" y="5229200"/>
+            <a:off x="3419872" y="5085184"/>
             <a:ext cx="432048" cy="432048"/>
           </a:xfrm>
           <a:prstGeom prst="ellipse">
@@ -22320,7 +22191,7 @@
         </p:nvCxnSpPr>
         <p:spPr>
           <a:xfrm>
-            <a:off x="971600" y="5445224"/>
+            <a:off x="971600" y="5301208"/>
             <a:ext cx="1008112" cy="0"/>
           </a:xfrm>
           <a:prstGeom prst="line">
@@ -22357,7 +22228,7 @@
         </p:nvCxnSpPr>
         <p:spPr>
           <a:xfrm>
-            <a:off x="2411760" y="5445224"/>
+            <a:off x="2411760" y="5301208"/>
             <a:ext cx="1008112" cy="0"/>
           </a:xfrm>
           <a:prstGeom prst="line">
@@ -22394,7 +22265,7 @@
         </p:nvSpPr>
         <p:spPr>
           <a:xfrm>
-            <a:off x="2915816" y="2564904"/>
+            <a:off x="2915816" y="2420888"/>
             <a:ext cx="1329210" cy="584775"/>
           </a:xfrm>
           <a:prstGeom prst="rect">
@@ -22428,7 +22299,7 @@
         </p:nvCxnSpPr>
         <p:spPr>
           <a:xfrm>
-            <a:off x="3635896" y="3140968"/>
+            <a:off x="3635896" y="2996952"/>
             <a:ext cx="0" cy="360040"/>
           </a:xfrm>
           <a:prstGeom prst="straightConnector1">
@@ -22577,7 +22448,7 @@
         </p:nvSpPr>
         <p:spPr>
           <a:xfrm rot="5400000">
-            <a:off x="1897992" y="4302808"/>
+            <a:off x="1897992" y="4158792"/>
             <a:ext cx="576064" cy="556640"/>
           </a:xfrm>
           <a:prstGeom prst="rightArrow">
@@ -22625,7 +22496,7 @@
         </p:nvSpPr>
         <p:spPr>
           <a:xfrm>
-            <a:off x="2954758" y="4365104"/>
+            <a:off x="2954758" y="4221088"/>
             <a:ext cx="1329210" cy="584775"/>
           </a:xfrm>
           <a:prstGeom prst="rect">
@@ -22663,7 +22534,7 @@
         </p:nvCxnSpPr>
         <p:spPr>
           <a:xfrm>
-            <a:off x="3635896" y="4877871"/>
+            <a:off x="3635896" y="4733855"/>
             <a:ext cx="0" cy="360040"/>
           </a:xfrm>
           <a:prstGeom prst="straightConnector1">
@@ -22700,7 +22571,7 @@
         </p:nvCxnSpPr>
         <p:spPr>
           <a:xfrm flipV="1">
-            <a:off x="3635896" y="5661248"/>
+            <a:off x="3635896" y="5517232"/>
             <a:ext cx="0" cy="360040"/>
           </a:xfrm>
           <a:prstGeom prst="straightConnector1">
@@ -22737,7 +22608,7 @@
         </p:nvSpPr>
         <p:spPr>
           <a:xfrm>
-            <a:off x="2987824" y="6021288"/>
+            <a:off x="2987824" y="5877272"/>
             <a:ext cx="1316386" cy="584775"/>
           </a:xfrm>
           <a:prstGeom prst="rect">
@@ -22771,7 +22642,7 @@
         </p:nvSpPr>
         <p:spPr>
           <a:xfrm>
-            <a:off x="1331640" y="2564904"/>
+            <a:off x="1331640" y="2420888"/>
             <a:ext cx="1271502" cy="584775"/>
           </a:xfrm>
           <a:prstGeom prst="rect">
@@ -22804,7 +22675,7 @@
         </p:nvCxnSpPr>
         <p:spPr>
           <a:xfrm>
-            <a:off x="2603142" y="2857292"/>
+            <a:off x="2603142" y="2713276"/>
             <a:ext cx="312674" cy="0"/>
           </a:xfrm>
           <a:prstGeom prst="straightConnector1">
@@ -22841,7 +22712,7 @@
         </p:nvSpPr>
         <p:spPr>
           <a:xfrm>
-            <a:off x="1331640" y="6021288"/>
+            <a:off x="1331640" y="5877272"/>
             <a:ext cx="1271502" cy="584775"/>
           </a:xfrm>
           <a:prstGeom prst="rect">
@@ -22873,7 +22744,7 @@
         </p:nvCxnSpPr>
         <p:spPr>
           <a:xfrm>
-            <a:off x="2603142" y="6313676"/>
+            <a:off x="2603142" y="6169660"/>
             <a:ext cx="312674" cy="0"/>
           </a:xfrm>
           <a:prstGeom prst="straightConnector1">
@@ -22902,6 +22773,56 @@
           </a:fontRef>
         </p:style>
       </p:cxnSp>
+      <p:sp>
+        <p:nvSpPr>
+          <p:cNvPr id="8" name="テキスト ボックス 7"/>
+          <p:cNvSpPr txBox="1"/>
+          <p:nvPr/>
+        </p:nvSpPr>
+        <p:spPr>
+          <a:xfrm>
+            <a:off x="3707904" y="6453336"/>
+            <a:ext cx="4868640" cy="307777"/>
+          </a:xfrm>
+          <a:prstGeom prst="rect">
+            <a:avLst/>
+          </a:prstGeom>
+          <a:noFill/>
+        </p:spPr>
+        <p:txBody>
+          <a:bodyPr wrap="none" rtlCol="0">
+            <a:spAutoFit/>
+          </a:bodyPr>
+          <a:lstStyle/>
+          <a:p>
+            <a:r>
+              <a:rPr kumimoji="1" lang="ja-JP" altLang="en-US" sz="1400" smtClean="0"/>
+              <a:t>この時点では</a:t>
+            </a:r>
+            <a:r>
+              <a:rPr kumimoji="1" lang="en-US" altLang="ja-JP" sz="1400" smtClean="0"/>
+              <a:t>master</a:t>
+            </a:r>
+            <a:r>
+              <a:rPr kumimoji="1" lang="ja-JP" altLang="en-US" sz="1400" smtClean="0"/>
+              <a:t>と</a:t>
+            </a:r>
+            <a:r>
+              <a:rPr kumimoji="1" lang="en-US" altLang="ja-JP" sz="1400" smtClean="0"/>
+              <a:t>branch</a:t>
+            </a:r>
+            <a:r>
+              <a:rPr kumimoji="1" lang="ja-JP" altLang="en-US" sz="1400" smtClean="0"/>
+              <a:t>は</a:t>
+            </a:r>
+            <a:r>
+              <a:rPr lang="ja-JP" altLang="en-US" sz="1400" smtClean="0"/>
+              <a:t>同じコミットを指している</a:t>
+            </a:r>
+            <a:endParaRPr kumimoji="1" lang="en-US" altLang="ja-JP" sz="1400" smtClean="0"/>
+          </a:p>
+        </p:txBody>
+      </p:sp>
     </p:spTree>
     <p:extLst>
       <p:ext uri="{BB962C8B-B14F-4D97-AF65-F5344CB8AC3E}">
@@ -32951,7 +32872,7 @@
         </p:nvSpPr>
         <p:spPr>
           <a:xfrm>
-            <a:off x="251520" y="1484784"/>
+            <a:off x="251520" y="1268760"/>
             <a:ext cx="8064896" cy="523220"/>
           </a:xfrm>
           <a:prstGeom prst="rect">
@@ -32981,7 +32902,7 @@
         </p:nvSpPr>
         <p:spPr>
           <a:xfrm>
-            <a:off x="107504" y="3573016"/>
+            <a:off x="107504" y="3356992"/>
             <a:ext cx="288032" cy="288032"/>
           </a:xfrm>
           <a:prstGeom prst="ellipse">
@@ -33032,7 +32953,7 @@
         </p:nvCxnSpPr>
         <p:spPr>
           <a:xfrm>
-            <a:off x="395536" y="3717032"/>
+            <a:off x="395536" y="3501008"/>
             <a:ext cx="432048" cy="0"/>
           </a:xfrm>
           <a:prstGeom prst="line">
@@ -33069,7 +32990,7 @@
         </p:nvSpPr>
         <p:spPr>
           <a:xfrm>
-            <a:off x="827584" y="3573016"/>
+            <a:off x="827584" y="3356992"/>
             <a:ext cx="288032" cy="288032"/>
           </a:xfrm>
           <a:prstGeom prst="ellipse">
@@ -33119,7 +33040,7 @@
         </p:nvCxnSpPr>
         <p:spPr>
           <a:xfrm>
-            <a:off x="1115616" y="3717032"/>
+            <a:off x="1115616" y="3501008"/>
             <a:ext cx="432048" cy="0"/>
           </a:xfrm>
           <a:prstGeom prst="line">
@@ -33156,7 +33077,7 @@
         </p:nvSpPr>
         <p:spPr>
           <a:xfrm>
-            <a:off x="1547664" y="3573016"/>
+            <a:off x="1547664" y="3356992"/>
             <a:ext cx="288032" cy="288032"/>
           </a:xfrm>
           <a:prstGeom prst="ellipse">
@@ -33206,7 +33127,7 @@
         </p:nvCxnSpPr>
         <p:spPr>
           <a:xfrm>
-            <a:off x="1835696" y="3717032"/>
+            <a:off x="1835696" y="3501008"/>
             <a:ext cx="432048" cy="0"/>
           </a:xfrm>
           <a:prstGeom prst="line">
@@ -33243,7 +33164,7 @@
         </p:nvSpPr>
         <p:spPr>
           <a:xfrm>
-            <a:off x="2267744" y="3573016"/>
+            <a:off x="2267744" y="3356992"/>
             <a:ext cx="288032" cy="288032"/>
           </a:xfrm>
           <a:prstGeom prst="ellipse">
@@ -33291,7 +33212,7 @@
         </p:nvGrpSpPr>
         <p:grpSpPr>
           <a:xfrm>
-            <a:off x="1763688" y="2636912"/>
+            <a:off x="1763688" y="2420888"/>
             <a:ext cx="1329210" cy="864096"/>
             <a:chOff x="2555776" y="4149080"/>
             <a:chExt cx="1329210" cy="864096"/>
@@ -33381,7 +33302,7 @@
         </p:nvSpPr>
         <p:spPr>
           <a:xfrm>
-            <a:off x="2987824" y="3212976"/>
+            <a:off x="2987824" y="2996952"/>
             <a:ext cx="288032" cy="288032"/>
           </a:xfrm>
           <a:prstGeom prst="ellipse">
@@ -33429,7 +33350,7 @@
         </p:nvSpPr>
         <p:spPr>
           <a:xfrm>
-            <a:off x="2987824" y="3933056"/>
+            <a:off x="2987824" y="3717032"/>
             <a:ext cx="288032" cy="288032"/>
           </a:xfrm>
           <a:prstGeom prst="ellipse">
@@ -33479,7 +33400,7 @@
         </p:nvCxnSpPr>
         <p:spPr>
           <a:xfrm flipV="1">
-            <a:off x="2513595" y="3356992"/>
+            <a:off x="2513595" y="3140968"/>
             <a:ext cx="474229" cy="258205"/>
           </a:xfrm>
           <a:prstGeom prst="line">
@@ -33518,7 +33439,7 @@
         </p:nvCxnSpPr>
         <p:spPr>
           <a:xfrm>
-            <a:off x="2513595" y="3818867"/>
+            <a:off x="2513595" y="3602843"/>
             <a:ext cx="474229" cy="258205"/>
           </a:xfrm>
           <a:prstGeom prst="line">
@@ -33555,7 +33476,7 @@
         </p:nvSpPr>
         <p:spPr>
           <a:xfrm>
-            <a:off x="3707904" y="3212976"/>
+            <a:off x="3707904" y="2996952"/>
             <a:ext cx="288032" cy="288032"/>
           </a:xfrm>
           <a:prstGeom prst="ellipse">
@@ -33606,7 +33527,7 @@
         </p:nvCxnSpPr>
         <p:spPr>
           <a:xfrm>
-            <a:off x="3275856" y="3356992"/>
+            <a:off x="3275856" y="3140968"/>
             <a:ext cx="432048" cy="0"/>
           </a:xfrm>
           <a:prstGeom prst="line">
@@ -33643,7 +33564,7 @@
         </p:nvSpPr>
         <p:spPr>
           <a:xfrm>
-            <a:off x="3707904" y="3933056"/>
+            <a:off x="3707904" y="3717032"/>
             <a:ext cx="288032" cy="288032"/>
           </a:xfrm>
           <a:prstGeom prst="ellipse">
@@ -33693,7 +33614,7 @@
         </p:nvCxnSpPr>
         <p:spPr>
           <a:xfrm>
-            <a:off x="3275856" y="4077072"/>
+            <a:off x="3275856" y="3861048"/>
             <a:ext cx="432048" cy="0"/>
           </a:xfrm>
           <a:prstGeom prst="line">
@@ -33730,7 +33651,7 @@
         </p:nvSpPr>
         <p:spPr>
           <a:xfrm>
-            <a:off x="3131840" y="2348880"/>
+            <a:off x="3131840" y="2132856"/>
             <a:ext cx="1590500" cy="584775"/>
           </a:xfrm>
           <a:prstGeom prst="rect">
@@ -33768,7 +33689,7 @@
         </p:nvCxnSpPr>
         <p:spPr>
           <a:xfrm>
-            <a:off x="3851920" y="2852936"/>
+            <a:off x="3851920" y="2636912"/>
             <a:ext cx="0" cy="360040"/>
           </a:xfrm>
           <a:prstGeom prst="straightConnector1">
@@ -33805,7 +33726,7 @@
         </p:nvCxnSpPr>
         <p:spPr>
           <a:xfrm flipV="1">
-            <a:off x="3851920" y="4221088"/>
+            <a:off x="3851920" y="4005064"/>
             <a:ext cx="0" cy="288032"/>
           </a:xfrm>
           <a:prstGeom prst="straightConnector1">
@@ -33842,7 +33763,7 @@
         </p:nvSpPr>
         <p:spPr>
           <a:xfrm>
-            <a:off x="3059832" y="4509120"/>
+            <a:off x="3059832" y="4293096"/>
             <a:ext cx="1590500" cy="584775"/>
           </a:xfrm>
           <a:prstGeom prst="rect">
@@ -33895,7 +33816,7 @@
         </p:blipFill>
         <p:spPr bwMode="auto">
           <a:xfrm>
-            <a:off x="4860032" y="3645024"/>
+            <a:off x="4860032" y="3429000"/>
             <a:ext cx="1117112" cy="1504528"/>
           </a:xfrm>
           <a:prstGeom prst="rect">
@@ -33921,7 +33842,7 @@
         </p:nvSpPr>
         <p:spPr>
           <a:xfrm>
-            <a:off x="6012160" y="3501008"/>
+            <a:off x="6012160" y="3284984"/>
             <a:ext cx="2877711" cy="646331"/>
           </a:xfrm>
           <a:prstGeom prst="rect">
@@ -33980,14 +33901,14 @@
       </p:sp>
       <p:sp>
         <p:nvSpPr>
-          <p:cNvPr id="34" name="テキスト ボックス 33"/>
+          <p:cNvPr id="14" name="テキスト ボックス 13"/>
           <p:cNvSpPr txBox="1"/>
           <p:nvPr/>
         </p:nvSpPr>
         <p:spPr>
           <a:xfrm>
-            <a:off x="179512" y="5661248"/>
-            <a:ext cx="8892178" cy="461665"/>
+            <a:off x="251520" y="5589240"/>
+            <a:ext cx="7848871" cy="954107"/>
           </a:xfrm>
           <a:prstGeom prst="rect">
             <a:avLst/>
@@ -33995,20 +33916,74 @@
           <a:noFill/>
         </p:spPr>
         <p:txBody>
-          <a:bodyPr wrap="none" rtlCol="0">
+          <a:bodyPr wrap="square" rtlCol="0">
             <a:spAutoFit/>
           </a:bodyPr>
           <a:lstStyle/>
           <a:p>
             <a:r>
-              <a:rPr kumimoji="1" lang="en-US" altLang="ja-JP" sz="2400" dirty="0" err="1" smtClean="0"/>
-              <a:t>Git</a:t>
-            </a:r>
-            <a:r>
-              <a:rPr kumimoji="1" lang="ja-JP" altLang="en-US" sz="2400" dirty="0" smtClean="0"/>
-              <a:t>では、ブランチを気軽に作ったり消したりしながら開発する</a:t>
-            </a:r>
-            <a:endParaRPr kumimoji="1" lang="ja-JP" altLang="en-US" sz="2400" dirty="0"/>
+              <a:rPr lang="ja-JP" altLang="en-US" sz="2800">
+                <a:solidFill>
+                  <a:srgbClr val="FF0000"/>
+                </a:solidFill>
+              </a:rPr>
+              <a:t>原則</a:t>
+            </a:r>
+            <a:r>
+              <a:rPr lang="ja-JP" altLang="en-US" sz="2800">
+                <a:solidFill>
+                  <a:srgbClr val="FF0000"/>
+                </a:solidFill>
+              </a:rPr>
+              <a:t>と</a:t>
+            </a:r>
+            <a:r>
+              <a:rPr lang="ja-JP" altLang="en-US" sz="2800" smtClean="0">
+                <a:solidFill>
+                  <a:srgbClr val="FF0000"/>
+                </a:solidFill>
+              </a:rPr>
+              <a:t>して</a:t>
+            </a:r>
+            <a:r>
+              <a:rPr lang="en-US" altLang="ja-JP" sz="2800" smtClean="0">
+                <a:solidFill>
+                  <a:srgbClr val="FF0000"/>
+                </a:solidFill>
+              </a:rPr>
+              <a:t>master</a:t>
+            </a:r>
+            <a:r>
+              <a:rPr lang="ja-JP" altLang="en-US" sz="2800" smtClean="0">
+                <a:solidFill>
+                  <a:srgbClr val="FF0000"/>
+                </a:solidFill>
+              </a:rPr>
+              <a:t>で作業しない</a:t>
+            </a:r>
+            <a:endParaRPr lang="en-US" altLang="ja-JP" sz="2800" smtClean="0">
+              <a:solidFill>
+                <a:srgbClr val="FF0000"/>
+              </a:solidFill>
+            </a:endParaRPr>
+          </a:p>
+          <a:p>
+            <a:r>
+              <a:rPr lang="ja-JP" altLang="en-US" sz="2800" smtClean="0"/>
+              <a:t>ブランチで作業し、テスト後に</a:t>
+            </a:r>
+            <a:r>
+              <a:rPr lang="en-US" altLang="ja-JP" sz="2800" smtClean="0"/>
+              <a:t>master</a:t>
+            </a:r>
+            <a:r>
+              <a:rPr lang="ja-JP" altLang="en-US" sz="2800" smtClean="0"/>
+              <a:t>に</a:t>
+            </a:r>
+            <a:r>
+              <a:rPr lang="en-US" altLang="ja-JP" sz="2800" smtClean="0"/>
+              <a:t>merge</a:t>
+            </a:r>
           </a:p>
         </p:txBody>
       </p:sp>
@@ -35640,7 +35615,7 @@
         </p:nvSpPr>
         <p:spPr>
           <a:xfrm>
-            <a:off x="5364088" y="1763524"/>
+            <a:off x="6660232" y="1700808"/>
             <a:ext cx="1951175" cy="369332"/>
           </a:xfrm>
           <a:prstGeom prst="rect">
@@ -36386,8 +36361,8 @@
         </p:nvSpPr>
         <p:spPr>
           <a:xfrm>
-            <a:off x="755576" y="4221088"/>
-            <a:ext cx="461986" cy="369332"/>
+            <a:off x="683568" y="4221088"/>
+            <a:ext cx="533994" cy="369332"/>
           </a:xfrm>
           <a:prstGeom prst="rect">
             <a:avLst/>
@@ -36420,8 +36395,8 @@
         </p:nvSpPr>
         <p:spPr>
           <a:xfrm>
-            <a:off x="6516216" y="4077072"/>
-            <a:ext cx="461986" cy="369332"/>
+            <a:off x="6444208" y="4077072"/>
+            <a:ext cx="533994" cy="369332"/>
           </a:xfrm>
           <a:prstGeom prst="rect">
             <a:avLst/>
@@ -36782,8 +36757,8 @@
         </p:nvSpPr>
         <p:spPr>
           <a:xfrm>
-            <a:off x="1259632" y="4005064"/>
-            <a:ext cx="461986" cy="369332"/>
+            <a:off x="1187624" y="4005064"/>
+            <a:ext cx="504056" cy="369332"/>
           </a:xfrm>
           <a:prstGeom prst="rect">
             <a:avLst/>
@@ -37359,8 +37334,8 @@
         </p:nvSpPr>
         <p:spPr>
           <a:xfrm>
-            <a:off x="5076056" y="4293096"/>
-            <a:ext cx="461986" cy="369332"/>
+            <a:off x="5004048" y="4293096"/>
+            <a:ext cx="533994" cy="369332"/>
           </a:xfrm>
           <a:prstGeom prst="rect">
             <a:avLst/>
@@ -37603,12 +37578,16 @@
           <a:lstStyle/>
           <a:p>
             <a:r>
-              <a:rPr kumimoji="1" lang="en-US" altLang="ja-JP" dirty="0" err="1" smtClean="0"/>
+              <a:rPr kumimoji="1" lang="en-US" altLang="ja-JP" err="1" smtClean="0"/>
               <a:t>git</a:t>
             </a:r>
             <a:r>
-              <a:rPr kumimoji="1" lang="en-US" altLang="ja-JP" dirty="0" smtClean="0"/>
-              <a:t> push</a:t>
+              <a:rPr kumimoji="1" lang="en-US" altLang="ja-JP" smtClean="0"/>
+              <a:t> </a:t>
+            </a:r>
+            <a:r>
+              <a:rPr kumimoji="1" lang="en-US" altLang="ja-JP" smtClean="0"/>
+              <a:t>push</a:t>
             </a:r>
             <a:endParaRPr kumimoji="1" lang="ja-JP" altLang="en-US" dirty="0"/>
           </a:p>
@@ -37622,7 +37601,7 @@
         </p:nvSpPr>
         <p:spPr>
           <a:xfrm>
-            <a:off x="5220072" y="2780928"/>
+            <a:off x="5148064" y="2636912"/>
             <a:ext cx="3312368" cy="1152128"/>
           </a:xfrm>
           <a:prstGeom prst="roundRect">
@@ -37669,7 +37648,7 @@
         </p:nvSpPr>
         <p:spPr>
           <a:xfrm>
-            <a:off x="395536" y="2780928"/>
+            <a:off x="323528" y="2636912"/>
             <a:ext cx="3312368" cy="1152128"/>
           </a:xfrm>
           <a:prstGeom prst="roundRect">
@@ -37716,7 +37695,7 @@
         </p:nvSpPr>
         <p:spPr>
           <a:xfrm>
-            <a:off x="611560" y="3212976"/>
+            <a:off x="539552" y="3068960"/>
             <a:ext cx="288032" cy="288032"/>
           </a:xfrm>
           <a:prstGeom prst="ellipse">
@@ -37767,7 +37746,7 @@
         </p:nvCxnSpPr>
         <p:spPr>
           <a:xfrm>
-            <a:off x="899592" y="3356992"/>
+            <a:off x="827584" y="3212976"/>
             <a:ext cx="432048" cy="0"/>
           </a:xfrm>
           <a:prstGeom prst="line">
@@ -37804,7 +37783,7 @@
         </p:nvSpPr>
         <p:spPr>
           <a:xfrm>
-            <a:off x="1331640" y="3212976"/>
+            <a:off x="1259632" y="3068960"/>
             <a:ext cx="288032" cy="288032"/>
           </a:xfrm>
           <a:prstGeom prst="ellipse">
@@ -37854,7 +37833,7 @@
         </p:nvCxnSpPr>
         <p:spPr>
           <a:xfrm>
-            <a:off x="1619672" y="3356992"/>
+            <a:off x="1547664" y="3212976"/>
             <a:ext cx="432048" cy="0"/>
           </a:xfrm>
           <a:prstGeom prst="line">
@@ -37891,7 +37870,7 @@
         </p:nvSpPr>
         <p:spPr>
           <a:xfrm>
-            <a:off x="2051720" y="3212976"/>
+            <a:off x="1979712" y="3068960"/>
             <a:ext cx="288032" cy="288032"/>
           </a:xfrm>
           <a:prstGeom prst="ellipse">
@@ -37933,13 +37912,13 @@
       </p:sp>
       <p:sp>
         <p:nvSpPr>
-          <p:cNvPr id="12" name="楕円 11"/>
+          <p:cNvPr id="10" name="楕円 9"/>
           <p:cNvSpPr/>
           <p:nvPr/>
         </p:nvSpPr>
         <p:spPr>
           <a:xfrm>
-            <a:off x="5436096" y="3212976"/>
+            <a:off x="5364088" y="3068960"/>
             <a:ext cx="288032" cy="288032"/>
           </a:xfrm>
           <a:prstGeom prst="ellipse">
@@ -37981,16 +37960,16 @@
       </p:sp>
       <p:cxnSp>
         <p:nvCxnSpPr>
-          <p:cNvPr id="13" name="直線コネクタ 12"/>
+          <p:cNvPr id="11" name="直線コネクタ 10"/>
           <p:cNvCxnSpPr>
-            <a:stCxn id="12" idx="6"/>
-            <a:endCxn id="14" idx="2"/>
+            <a:stCxn id="10" idx="6"/>
+            <a:endCxn id="12" idx="2"/>
           </p:cNvCxnSpPr>
           <p:nvPr/>
         </p:nvCxnSpPr>
         <p:spPr>
           <a:xfrm>
-            <a:off x="5724128" y="3356992"/>
+            <a:off x="5652120" y="3212976"/>
             <a:ext cx="432048" cy="0"/>
           </a:xfrm>
           <a:prstGeom prst="line">
@@ -38021,13 +38000,13 @@
       </p:cxnSp>
       <p:sp>
         <p:nvSpPr>
-          <p:cNvPr id="14" name="楕円 13"/>
+          <p:cNvPr id="12" name="楕円 11"/>
           <p:cNvSpPr/>
           <p:nvPr/>
         </p:nvSpPr>
         <p:spPr>
           <a:xfrm>
-            <a:off x="6156176" y="3212976"/>
+            <a:off x="6084168" y="3068960"/>
             <a:ext cx="288032" cy="288032"/>
           </a:xfrm>
           <a:prstGeom prst="ellipse">
@@ -38069,15 +38048,15 @@
       </p:sp>
       <p:cxnSp>
         <p:nvCxnSpPr>
-          <p:cNvPr id="15" name="直線コネクタ 14"/>
+          <p:cNvPr id="13" name="直線コネクタ 12"/>
           <p:cNvCxnSpPr>
-            <a:endCxn id="16" idx="2"/>
+            <a:endCxn id="14" idx="2"/>
           </p:cNvCxnSpPr>
           <p:nvPr/>
         </p:nvCxnSpPr>
         <p:spPr>
           <a:xfrm>
-            <a:off x="6444208" y="3356992"/>
+            <a:off x="6372200" y="3212976"/>
             <a:ext cx="432048" cy="0"/>
           </a:xfrm>
           <a:prstGeom prst="line">
@@ -38108,13 +38087,13 @@
       </p:cxnSp>
       <p:sp>
         <p:nvSpPr>
-          <p:cNvPr id="16" name="楕円 15"/>
+          <p:cNvPr id="14" name="楕円 13"/>
           <p:cNvSpPr/>
           <p:nvPr/>
         </p:nvSpPr>
         <p:spPr>
           <a:xfrm>
-            <a:off x="6876256" y="3212976"/>
+            <a:off x="6804248" y="3068960"/>
             <a:ext cx="288032" cy="288032"/>
           </a:xfrm>
           <a:prstGeom prst="ellipse">
@@ -38154,17 +38133,288 @@
           </a:p>
         </p:txBody>
       </p:sp>
+      <p:sp>
+        <p:nvSpPr>
+          <p:cNvPr id="17" name="テキスト ボックス 16"/>
+          <p:cNvSpPr txBox="1"/>
+          <p:nvPr/>
+        </p:nvSpPr>
+        <p:spPr>
+          <a:xfrm>
+            <a:off x="3851920" y="2636912"/>
+            <a:ext cx="1263487" cy="461665"/>
+          </a:xfrm>
+          <a:prstGeom prst="rect">
+            <a:avLst/>
+          </a:prstGeom>
+          <a:noFill/>
+        </p:spPr>
+        <p:txBody>
+          <a:bodyPr wrap="none" rtlCol="0">
+            <a:spAutoFit/>
+          </a:bodyPr>
+          <a:lstStyle/>
+          <a:p>
+            <a:r>
+              <a:rPr kumimoji="1" lang="en-US" altLang="ja-JP" sz="2400" err="1" smtClean="0"/>
+              <a:t>git</a:t>
+            </a:r>
+            <a:r>
+              <a:rPr kumimoji="1" lang="en-US" altLang="ja-JP" sz="2400" smtClean="0"/>
+              <a:t> </a:t>
+            </a:r>
+            <a:r>
+              <a:rPr kumimoji="1" lang="en-US" altLang="ja-JP" sz="2400" smtClean="0"/>
+              <a:t>push</a:t>
+            </a:r>
+            <a:endParaRPr kumimoji="1" lang="ja-JP" altLang="en-US" sz="2400" dirty="0"/>
+          </a:p>
+        </p:txBody>
+      </p:sp>
+      <p:sp>
+        <p:nvSpPr>
+          <p:cNvPr id="19" name="テキスト ボックス 18"/>
+          <p:cNvSpPr txBox="1"/>
+          <p:nvPr/>
+        </p:nvSpPr>
+        <p:spPr>
+          <a:xfrm>
+            <a:off x="539552" y="2060848"/>
+            <a:ext cx="2954655" cy="461665"/>
+          </a:xfrm>
+          <a:prstGeom prst="rect">
+            <a:avLst/>
+          </a:prstGeom>
+          <a:noFill/>
+        </p:spPr>
+        <p:txBody>
+          <a:bodyPr wrap="none" rtlCol="0">
+            <a:spAutoFit/>
+          </a:bodyPr>
+          <a:lstStyle/>
+          <a:p>
+            <a:r>
+              <a:rPr kumimoji="1" lang="ja-JP" altLang="en-US" sz="2400" dirty="0" smtClean="0"/>
+              <a:t>ローカルリポジトリ</a:t>
+            </a:r>
+            <a:endParaRPr kumimoji="1" lang="ja-JP" altLang="en-US" sz="2400" dirty="0"/>
+          </a:p>
+        </p:txBody>
+      </p:sp>
+      <p:sp>
+        <p:nvSpPr>
+          <p:cNvPr id="20" name="テキスト ボックス 19"/>
+          <p:cNvSpPr txBox="1"/>
+          <p:nvPr/>
+        </p:nvSpPr>
+        <p:spPr>
+          <a:xfrm>
+            <a:off x="5220072" y="2132856"/>
+            <a:ext cx="2954655" cy="461665"/>
+          </a:xfrm>
+          <a:prstGeom prst="rect">
+            <a:avLst/>
+          </a:prstGeom>
+          <a:noFill/>
+        </p:spPr>
+        <p:txBody>
+          <a:bodyPr wrap="none" rtlCol="0">
+            <a:spAutoFit/>
+          </a:bodyPr>
+          <a:lstStyle/>
+          <a:p>
+            <a:r>
+              <a:rPr kumimoji="1" lang="ja-JP" altLang="en-US" sz="2400" dirty="0" smtClean="0"/>
+              <a:t>リモートリポジトリ</a:t>
+            </a:r>
+            <a:endParaRPr kumimoji="1" lang="ja-JP" altLang="en-US" sz="2400" dirty="0"/>
+          </a:p>
+        </p:txBody>
+      </p:sp>
+      <p:sp>
+        <p:nvSpPr>
+          <p:cNvPr id="21" name="テキスト ボックス 20"/>
+          <p:cNvSpPr txBox="1"/>
+          <p:nvPr/>
+        </p:nvSpPr>
+        <p:spPr>
+          <a:xfrm>
+            <a:off x="395536" y="1196752"/>
+            <a:ext cx="7879080" cy="461665"/>
+          </a:xfrm>
+          <a:prstGeom prst="rect">
+            <a:avLst/>
+          </a:prstGeom>
+          <a:noFill/>
+        </p:spPr>
+        <p:txBody>
+          <a:bodyPr wrap="none" rtlCol="0">
+            <a:spAutoFit/>
+          </a:bodyPr>
+          <a:lstStyle/>
+          <a:p>
+            <a:r>
+              <a:rPr lang="ja-JP" altLang="en-US" sz="2400"/>
+              <a:t>ローカルで変更された「歴史」をリモートに反映させる</a:t>
+            </a:r>
+            <a:endParaRPr lang="ja-JP" altLang="en-US" sz="2400" dirty="0"/>
+          </a:p>
+        </p:txBody>
+      </p:sp>
+      <p:sp>
+        <p:nvSpPr>
+          <p:cNvPr id="22" name="角丸四角形 21"/>
+          <p:cNvSpPr/>
+          <p:nvPr/>
+        </p:nvSpPr>
+        <p:spPr>
+          <a:xfrm>
+            <a:off x="5220072" y="5229200"/>
+            <a:ext cx="3312368" cy="1152128"/>
+          </a:xfrm>
+          <a:prstGeom prst="roundRect">
+            <a:avLst/>
+          </a:prstGeom>
+          <a:noFill/>
+          <a:ln w="28575">
+            <a:solidFill>
+              <a:schemeClr val="tx1"/>
+            </a:solidFill>
+            <a:prstDash val="dash"/>
+          </a:ln>
+        </p:spPr>
+        <p:style>
+          <a:lnRef idx="2">
+            <a:schemeClr val="accent1">
+              <a:shade val="50000"/>
+            </a:schemeClr>
+          </a:lnRef>
+          <a:fillRef idx="1">
+            <a:schemeClr val="accent1"/>
+          </a:fillRef>
+          <a:effectRef idx="0">
+            <a:schemeClr val="accent1"/>
+          </a:effectRef>
+          <a:fontRef idx="minor">
+            <a:schemeClr val="lt1"/>
+          </a:fontRef>
+        </p:style>
+        <p:txBody>
+          <a:bodyPr rtlCol="0" anchor="ctr"/>
+          <a:lstStyle/>
+          <a:p>
+            <a:pPr algn="ctr"/>
+            <a:endParaRPr kumimoji="1" lang="ja-JP" altLang="en-US"/>
+          </a:p>
+        </p:txBody>
+      </p:sp>
+      <p:sp>
+        <p:nvSpPr>
+          <p:cNvPr id="23" name="角丸四角形 22"/>
+          <p:cNvSpPr/>
+          <p:nvPr/>
+        </p:nvSpPr>
+        <p:spPr>
+          <a:xfrm>
+            <a:off x="395536" y="5229200"/>
+            <a:ext cx="3312368" cy="1152128"/>
+          </a:xfrm>
+          <a:prstGeom prst="roundRect">
+            <a:avLst/>
+          </a:prstGeom>
+          <a:noFill/>
+          <a:ln w="28575">
+            <a:solidFill>
+              <a:schemeClr val="tx1"/>
+            </a:solidFill>
+            <a:prstDash val="dash"/>
+          </a:ln>
+        </p:spPr>
+        <p:style>
+          <a:lnRef idx="2">
+            <a:schemeClr val="accent1">
+              <a:shade val="50000"/>
+            </a:schemeClr>
+          </a:lnRef>
+          <a:fillRef idx="1">
+            <a:schemeClr val="accent1"/>
+          </a:fillRef>
+          <a:effectRef idx="0">
+            <a:schemeClr val="accent1"/>
+          </a:effectRef>
+          <a:fontRef idx="minor">
+            <a:schemeClr val="lt1"/>
+          </a:fontRef>
+        </p:style>
+        <p:txBody>
+          <a:bodyPr rtlCol="0" anchor="ctr"/>
+          <a:lstStyle/>
+          <a:p>
+            <a:pPr algn="ctr"/>
+            <a:endParaRPr kumimoji="1" lang="ja-JP" altLang="en-US"/>
+          </a:p>
+        </p:txBody>
+      </p:sp>
+      <p:sp>
+        <p:nvSpPr>
+          <p:cNvPr id="24" name="楕円 23"/>
+          <p:cNvSpPr/>
+          <p:nvPr/>
+        </p:nvSpPr>
+        <p:spPr>
+          <a:xfrm>
+            <a:off x="611560" y="5661248"/>
+            <a:ext cx="288032" cy="288032"/>
+          </a:xfrm>
+          <a:prstGeom prst="ellipse">
+            <a:avLst/>
+          </a:prstGeom>
+          <a:solidFill>
+            <a:srgbClr val="011893"/>
+          </a:solidFill>
+          <a:ln>
+            <a:solidFill>
+              <a:schemeClr val="tx1"/>
+            </a:solidFill>
+          </a:ln>
+        </p:spPr>
+        <p:style>
+          <a:lnRef idx="2">
+            <a:schemeClr val="accent1">
+              <a:shade val="50000"/>
+            </a:schemeClr>
+          </a:lnRef>
+          <a:fillRef idx="1">
+            <a:schemeClr val="accent1"/>
+          </a:fillRef>
+          <a:effectRef idx="0">
+            <a:schemeClr val="accent1"/>
+          </a:effectRef>
+          <a:fontRef idx="minor">
+            <a:schemeClr val="lt1"/>
+          </a:fontRef>
+        </p:style>
+        <p:txBody>
+          <a:bodyPr rtlCol="0" anchor="ctr"/>
+          <a:lstStyle/>
+          <a:p>
+            <a:pPr algn="ctr"/>
+            <a:endParaRPr kumimoji="1" lang="ja-JP" altLang="en-US"/>
+          </a:p>
+        </p:txBody>
+      </p:sp>
       <p:cxnSp>
         <p:nvCxnSpPr>
-          <p:cNvPr id="17" name="直線コネクタ 16"/>
+          <p:cNvPr id="25" name="直線コネクタ 24"/>
           <p:cNvCxnSpPr>
-            <a:endCxn id="18" idx="2"/>
+            <a:stCxn id="24" idx="6"/>
+            <a:endCxn id="26" idx="2"/>
           </p:cNvCxnSpPr>
           <p:nvPr/>
         </p:nvCxnSpPr>
         <p:spPr>
           <a:xfrm>
-            <a:off x="2339752" y="3356992"/>
+            <a:off x="899592" y="5805264"/>
             <a:ext cx="432048" cy="0"/>
           </a:xfrm>
           <a:prstGeom prst="line">
@@ -38172,7 +38422,7 @@
           </a:prstGeom>
           <a:ln w="57150">
             <a:solidFill>
-              <a:srgbClr val="FF0000"/>
+              <a:schemeClr val="tx1"/>
             </a:solidFill>
             <a:headEnd type="none" w="med" len="med"/>
             <a:tailEnd type="none" w="med" len="med"/>
@@ -38195,13 +38445,410 @@
       </p:cxnSp>
       <p:sp>
         <p:nvSpPr>
-          <p:cNvPr id="18" name="楕円 17"/>
+          <p:cNvPr id="26" name="楕円 25"/>
           <p:cNvSpPr/>
           <p:nvPr/>
         </p:nvSpPr>
         <p:spPr>
           <a:xfrm>
-            <a:off x="2771800" y="3212976"/>
+            <a:off x="1331640" y="5661248"/>
+            <a:ext cx="288032" cy="288032"/>
+          </a:xfrm>
+          <a:prstGeom prst="ellipse">
+            <a:avLst/>
+          </a:prstGeom>
+          <a:solidFill>
+            <a:srgbClr val="011893"/>
+          </a:solidFill>
+          <a:ln>
+            <a:solidFill>
+              <a:schemeClr val="tx1"/>
+            </a:solidFill>
+          </a:ln>
+        </p:spPr>
+        <p:style>
+          <a:lnRef idx="2">
+            <a:schemeClr val="accent1">
+              <a:shade val="50000"/>
+            </a:schemeClr>
+          </a:lnRef>
+          <a:fillRef idx="1">
+            <a:schemeClr val="accent1"/>
+          </a:fillRef>
+          <a:effectRef idx="0">
+            <a:schemeClr val="accent1"/>
+          </a:effectRef>
+          <a:fontRef idx="minor">
+            <a:schemeClr val="lt1"/>
+          </a:fontRef>
+        </p:style>
+        <p:txBody>
+          <a:bodyPr rtlCol="0" anchor="ctr"/>
+          <a:lstStyle/>
+          <a:p>
+            <a:pPr algn="ctr"/>
+            <a:endParaRPr kumimoji="1" lang="ja-JP" altLang="en-US"/>
+          </a:p>
+        </p:txBody>
+      </p:sp>
+      <p:cxnSp>
+        <p:nvCxnSpPr>
+          <p:cNvPr id="27" name="直線コネクタ 26"/>
+          <p:cNvCxnSpPr>
+            <a:endCxn id="28" idx="2"/>
+          </p:cNvCxnSpPr>
+          <p:nvPr/>
+        </p:nvCxnSpPr>
+        <p:spPr>
+          <a:xfrm>
+            <a:off x="1619672" y="5805264"/>
+            <a:ext cx="432048" cy="0"/>
+          </a:xfrm>
+          <a:prstGeom prst="line">
+            <a:avLst/>
+          </a:prstGeom>
+          <a:ln w="57150">
+            <a:solidFill>
+              <a:schemeClr val="tx1"/>
+            </a:solidFill>
+            <a:headEnd type="none" w="med" len="med"/>
+            <a:tailEnd type="none" w="med" len="med"/>
+          </a:ln>
+        </p:spPr>
+        <p:style>
+          <a:lnRef idx="1">
+            <a:schemeClr val="accent1"/>
+          </a:lnRef>
+          <a:fillRef idx="0">
+            <a:schemeClr val="accent1"/>
+          </a:fillRef>
+          <a:effectRef idx="0">
+            <a:schemeClr val="accent1"/>
+          </a:effectRef>
+          <a:fontRef idx="minor">
+            <a:schemeClr val="tx1"/>
+          </a:fontRef>
+        </p:style>
+      </p:cxnSp>
+      <p:sp>
+        <p:nvSpPr>
+          <p:cNvPr id="28" name="楕円 27"/>
+          <p:cNvSpPr/>
+          <p:nvPr/>
+        </p:nvSpPr>
+        <p:spPr>
+          <a:xfrm>
+            <a:off x="2051720" y="5661248"/>
+            <a:ext cx="288032" cy="288032"/>
+          </a:xfrm>
+          <a:prstGeom prst="ellipse">
+            <a:avLst/>
+          </a:prstGeom>
+          <a:solidFill>
+            <a:srgbClr val="011893"/>
+          </a:solidFill>
+          <a:ln>
+            <a:solidFill>
+              <a:schemeClr val="tx1"/>
+            </a:solidFill>
+          </a:ln>
+        </p:spPr>
+        <p:style>
+          <a:lnRef idx="2">
+            <a:schemeClr val="accent1">
+              <a:shade val="50000"/>
+            </a:schemeClr>
+          </a:lnRef>
+          <a:fillRef idx="1">
+            <a:schemeClr val="accent1"/>
+          </a:fillRef>
+          <a:effectRef idx="0">
+            <a:schemeClr val="accent1"/>
+          </a:effectRef>
+          <a:fontRef idx="minor">
+            <a:schemeClr val="lt1"/>
+          </a:fontRef>
+        </p:style>
+        <p:txBody>
+          <a:bodyPr rtlCol="0" anchor="ctr"/>
+          <a:lstStyle/>
+          <a:p>
+            <a:pPr algn="ctr"/>
+            <a:endParaRPr kumimoji="1" lang="ja-JP" altLang="en-US"/>
+          </a:p>
+        </p:txBody>
+      </p:sp>
+      <p:sp>
+        <p:nvSpPr>
+          <p:cNvPr id="29" name="楕円 28"/>
+          <p:cNvSpPr/>
+          <p:nvPr/>
+        </p:nvSpPr>
+        <p:spPr>
+          <a:xfrm>
+            <a:off x="5436096" y="5661248"/>
+            <a:ext cx="288032" cy="288032"/>
+          </a:xfrm>
+          <a:prstGeom prst="ellipse">
+            <a:avLst/>
+          </a:prstGeom>
+          <a:solidFill>
+            <a:srgbClr val="011893"/>
+          </a:solidFill>
+          <a:ln>
+            <a:solidFill>
+              <a:schemeClr val="tx1"/>
+            </a:solidFill>
+          </a:ln>
+        </p:spPr>
+        <p:style>
+          <a:lnRef idx="2">
+            <a:schemeClr val="accent1">
+              <a:shade val="50000"/>
+            </a:schemeClr>
+          </a:lnRef>
+          <a:fillRef idx="1">
+            <a:schemeClr val="accent1"/>
+          </a:fillRef>
+          <a:effectRef idx="0">
+            <a:schemeClr val="accent1"/>
+          </a:effectRef>
+          <a:fontRef idx="minor">
+            <a:schemeClr val="lt1"/>
+          </a:fontRef>
+        </p:style>
+        <p:txBody>
+          <a:bodyPr rtlCol="0" anchor="ctr"/>
+          <a:lstStyle/>
+          <a:p>
+            <a:pPr algn="ctr"/>
+            <a:endParaRPr kumimoji="1" lang="ja-JP" altLang="en-US"/>
+          </a:p>
+        </p:txBody>
+      </p:sp>
+      <p:cxnSp>
+        <p:nvCxnSpPr>
+          <p:cNvPr id="30" name="直線コネクタ 29"/>
+          <p:cNvCxnSpPr>
+            <a:stCxn id="29" idx="6"/>
+            <a:endCxn id="31" idx="2"/>
+          </p:cNvCxnSpPr>
+          <p:nvPr/>
+        </p:nvCxnSpPr>
+        <p:spPr>
+          <a:xfrm>
+            <a:off x="5724128" y="5805264"/>
+            <a:ext cx="432048" cy="0"/>
+          </a:xfrm>
+          <a:prstGeom prst="line">
+            <a:avLst/>
+          </a:prstGeom>
+          <a:ln w="57150">
+            <a:solidFill>
+              <a:schemeClr val="tx1"/>
+            </a:solidFill>
+            <a:headEnd type="none" w="med" len="med"/>
+            <a:tailEnd type="none" w="med" len="med"/>
+          </a:ln>
+        </p:spPr>
+        <p:style>
+          <a:lnRef idx="1">
+            <a:schemeClr val="accent1"/>
+          </a:lnRef>
+          <a:fillRef idx="0">
+            <a:schemeClr val="accent1"/>
+          </a:fillRef>
+          <a:effectRef idx="0">
+            <a:schemeClr val="accent1"/>
+          </a:effectRef>
+          <a:fontRef idx="minor">
+            <a:schemeClr val="tx1"/>
+          </a:fontRef>
+        </p:style>
+      </p:cxnSp>
+      <p:sp>
+        <p:nvSpPr>
+          <p:cNvPr id="31" name="楕円 30"/>
+          <p:cNvSpPr/>
+          <p:nvPr/>
+        </p:nvSpPr>
+        <p:spPr>
+          <a:xfrm>
+            <a:off x="6156176" y="5661248"/>
+            <a:ext cx="288032" cy="288032"/>
+          </a:xfrm>
+          <a:prstGeom prst="ellipse">
+            <a:avLst/>
+          </a:prstGeom>
+          <a:solidFill>
+            <a:srgbClr val="011893"/>
+          </a:solidFill>
+          <a:ln>
+            <a:solidFill>
+              <a:schemeClr val="tx1"/>
+            </a:solidFill>
+          </a:ln>
+        </p:spPr>
+        <p:style>
+          <a:lnRef idx="2">
+            <a:schemeClr val="accent1">
+              <a:shade val="50000"/>
+            </a:schemeClr>
+          </a:lnRef>
+          <a:fillRef idx="1">
+            <a:schemeClr val="accent1"/>
+          </a:fillRef>
+          <a:effectRef idx="0">
+            <a:schemeClr val="accent1"/>
+          </a:effectRef>
+          <a:fontRef idx="minor">
+            <a:schemeClr val="lt1"/>
+          </a:fontRef>
+        </p:style>
+        <p:txBody>
+          <a:bodyPr rtlCol="0" anchor="ctr"/>
+          <a:lstStyle/>
+          <a:p>
+            <a:pPr algn="ctr"/>
+            <a:endParaRPr kumimoji="1" lang="ja-JP" altLang="en-US"/>
+          </a:p>
+        </p:txBody>
+      </p:sp>
+      <p:cxnSp>
+        <p:nvCxnSpPr>
+          <p:cNvPr id="32" name="直線コネクタ 31"/>
+          <p:cNvCxnSpPr>
+            <a:endCxn id="33" idx="2"/>
+          </p:cNvCxnSpPr>
+          <p:nvPr/>
+        </p:nvCxnSpPr>
+        <p:spPr>
+          <a:xfrm>
+            <a:off x="6444208" y="5805264"/>
+            <a:ext cx="432048" cy="0"/>
+          </a:xfrm>
+          <a:prstGeom prst="line">
+            <a:avLst/>
+          </a:prstGeom>
+          <a:ln w="57150">
+            <a:solidFill>
+              <a:schemeClr val="tx1"/>
+            </a:solidFill>
+            <a:headEnd type="none" w="med" len="med"/>
+            <a:tailEnd type="none" w="med" len="med"/>
+          </a:ln>
+        </p:spPr>
+        <p:style>
+          <a:lnRef idx="1">
+            <a:schemeClr val="accent1"/>
+          </a:lnRef>
+          <a:fillRef idx="0">
+            <a:schemeClr val="accent1"/>
+          </a:fillRef>
+          <a:effectRef idx="0">
+            <a:schemeClr val="accent1"/>
+          </a:effectRef>
+          <a:fontRef idx="minor">
+            <a:schemeClr val="tx1"/>
+          </a:fontRef>
+        </p:style>
+      </p:cxnSp>
+      <p:sp>
+        <p:nvSpPr>
+          <p:cNvPr id="33" name="楕円 32"/>
+          <p:cNvSpPr/>
+          <p:nvPr/>
+        </p:nvSpPr>
+        <p:spPr>
+          <a:xfrm>
+            <a:off x="6876256" y="5661248"/>
+            <a:ext cx="288032" cy="288032"/>
+          </a:xfrm>
+          <a:prstGeom prst="ellipse">
+            <a:avLst/>
+          </a:prstGeom>
+          <a:solidFill>
+            <a:srgbClr val="011893"/>
+          </a:solidFill>
+          <a:ln>
+            <a:solidFill>
+              <a:schemeClr val="tx1"/>
+            </a:solidFill>
+          </a:ln>
+        </p:spPr>
+        <p:style>
+          <a:lnRef idx="2">
+            <a:schemeClr val="accent1">
+              <a:shade val="50000"/>
+            </a:schemeClr>
+          </a:lnRef>
+          <a:fillRef idx="1">
+            <a:schemeClr val="accent1"/>
+          </a:fillRef>
+          <a:effectRef idx="0">
+            <a:schemeClr val="accent1"/>
+          </a:effectRef>
+          <a:fontRef idx="minor">
+            <a:schemeClr val="lt1"/>
+          </a:fontRef>
+        </p:style>
+        <p:txBody>
+          <a:bodyPr rtlCol="0" anchor="ctr"/>
+          <a:lstStyle/>
+          <a:p>
+            <a:pPr algn="ctr"/>
+            <a:endParaRPr kumimoji="1" lang="ja-JP" altLang="en-US"/>
+          </a:p>
+        </p:txBody>
+      </p:sp>
+      <p:cxnSp>
+        <p:nvCxnSpPr>
+          <p:cNvPr id="34" name="直線コネクタ 33"/>
+          <p:cNvCxnSpPr>
+            <a:endCxn id="35" idx="2"/>
+          </p:cNvCxnSpPr>
+          <p:nvPr/>
+        </p:nvCxnSpPr>
+        <p:spPr>
+          <a:xfrm>
+            <a:off x="7164288" y="5805264"/>
+            <a:ext cx="432048" cy="0"/>
+          </a:xfrm>
+          <a:prstGeom prst="line">
+            <a:avLst/>
+          </a:prstGeom>
+          <a:ln w="57150">
+            <a:solidFill>
+              <a:srgbClr val="FF0000"/>
+            </a:solidFill>
+            <a:headEnd type="none" w="med" len="med"/>
+            <a:tailEnd type="none" w="med" len="med"/>
+          </a:ln>
+        </p:spPr>
+        <p:style>
+          <a:lnRef idx="1">
+            <a:schemeClr val="accent1"/>
+          </a:lnRef>
+          <a:fillRef idx="0">
+            <a:schemeClr val="accent1"/>
+          </a:fillRef>
+          <a:effectRef idx="0">
+            <a:schemeClr val="accent1"/>
+          </a:effectRef>
+          <a:fontRef idx="minor">
+            <a:schemeClr val="tx1"/>
+          </a:fontRef>
+        </p:style>
+      </p:cxnSp>
+      <p:sp>
+        <p:nvSpPr>
+          <p:cNvPr id="35" name="楕円 34"/>
+          <p:cNvSpPr/>
+          <p:nvPr/>
+        </p:nvSpPr>
+        <p:spPr>
+          <a:xfrm>
+            <a:off x="7596336" y="5661248"/>
             <a:ext cx="288032" cy="288032"/>
           </a:xfrm>
           <a:prstGeom prst="ellipse">
@@ -38243,14 +38890,14 @@
       </p:sp>
       <p:sp>
         <p:nvSpPr>
-          <p:cNvPr id="19" name="テキスト ボックス 18"/>
+          <p:cNvPr id="38" name="テキスト ボックス 37"/>
           <p:cNvSpPr txBox="1"/>
           <p:nvPr/>
         </p:nvSpPr>
         <p:spPr>
           <a:xfrm>
-            <a:off x="3923928" y="2780928"/>
-            <a:ext cx="1151277" cy="461665"/>
+            <a:off x="611560" y="4653136"/>
+            <a:ext cx="2954655" cy="461665"/>
           </a:xfrm>
           <a:prstGeom prst="rect">
             <a:avLst/>
@@ -38264,12 +38911,8 @@
           <a:lstStyle/>
           <a:p>
             <a:r>
-              <a:rPr kumimoji="1" lang="en-US" altLang="ja-JP" sz="2400" dirty="0" err="1" smtClean="0"/>
-              <a:t>git</a:t>
-            </a:r>
-            <a:r>
-              <a:rPr kumimoji="1" lang="en-US" altLang="ja-JP" sz="2400" dirty="0" smtClean="0"/>
-              <a:t> push</a:t>
+              <a:rPr kumimoji="1" lang="ja-JP" altLang="en-US" sz="2400" dirty="0" smtClean="0"/>
+              <a:t>ローカルリポジトリ</a:t>
             </a:r>
             <a:endParaRPr kumimoji="1" lang="ja-JP" altLang="en-US" sz="2400" dirty="0"/>
           </a:p>
@@ -38277,13 +38920,13 @@
       </p:sp>
       <p:sp>
         <p:nvSpPr>
-          <p:cNvPr id="21" name="テキスト ボックス 20"/>
+          <p:cNvPr id="39" name="テキスト ボックス 38"/>
           <p:cNvSpPr txBox="1"/>
           <p:nvPr/>
         </p:nvSpPr>
         <p:spPr>
           <a:xfrm>
-            <a:off x="611560" y="2204864"/>
+            <a:off x="5292080" y="4725144"/>
             <a:ext cx="2954655" cy="461665"/>
           </a:xfrm>
           <a:prstGeom prst="rect">
@@ -38299,62 +38942,72 @@
           <a:p>
             <a:r>
               <a:rPr kumimoji="1" lang="ja-JP" altLang="en-US" sz="2400" dirty="0" smtClean="0"/>
-              <a:t>ローカルリポジトリ</a:t>
+              <a:t>リモートリポジトリ</a:t>
             </a:r>
             <a:endParaRPr kumimoji="1" lang="ja-JP" altLang="en-US" sz="2400" dirty="0"/>
           </a:p>
         </p:txBody>
       </p:sp>
-      <p:sp>
-        <p:nvSpPr>
-          <p:cNvPr id="22" name="テキスト ボックス 21"/>
-          <p:cNvSpPr txBox="1"/>
-          <p:nvPr/>
-        </p:nvSpPr>
-        <p:spPr>
-          <a:xfrm>
-            <a:off x="5292080" y="2276872"/>
-            <a:ext cx="2954655" cy="461665"/>
-          </a:xfrm>
-          <a:prstGeom prst="rect">
-            <a:avLst/>
-          </a:prstGeom>
-          <a:noFill/>
-        </p:spPr>
-        <p:txBody>
-          <a:bodyPr wrap="none" rtlCol="0">
-            <a:spAutoFit/>
-          </a:bodyPr>
-          <a:lstStyle/>
-          <a:p>
-            <a:r>
-              <a:rPr kumimoji="1" lang="ja-JP" altLang="en-US" sz="2400" dirty="0" smtClean="0"/>
-              <a:t>リモートリポジトリ</a:t>
-            </a:r>
-            <a:endParaRPr kumimoji="1" lang="ja-JP" altLang="en-US" sz="2400" dirty="0"/>
-          </a:p>
-        </p:txBody>
-      </p:sp>
-      <p:sp>
-        <p:nvSpPr>
-          <p:cNvPr id="23" name="角丸四角形 22"/>
+      <p:cxnSp>
+        <p:nvCxnSpPr>
+          <p:cNvPr id="40" name="直線コネクタ 39"/>
+          <p:cNvCxnSpPr>
+            <a:endCxn id="41" idx="2"/>
+          </p:cNvCxnSpPr>
+          <p:nvPr/>
+        </p:nvCxnSpPr>
+        <p:spPr>
+          <a:xfrm>
+            <a:off x="2339752" y="5805264"/>
+            <a:ext cx="432048" cy="0"/>
+          </a:xfrm>
+          <a:prstGeom prst="line">
+            <a:avLst/>
+          </a:prstGeom>
+          <a:ln w="57150">
+            <a:solidFill>
+              <a:srgbClr val="FF0000"/>
+            </a:solidFill>
+            <a:headEnd type="none" w="med" len="med"/>
+            <a:tailEnd type="none" w="med" len="med"/>
+          </a:ln>
+        </p:spPr>
+        <p:style>
+          <a:lnRef idx="1">
+            <a:schemeClr val="accent1"/>
+          </a:lnRef>
+          <a:fillRef idx="0">
+            <a:schemeClr val="accent1"/>
+          </a:fillRef>
+          <a:effectRef idx="0">
+            <a:schemeClr val="accent1"/>
+          </a:effectRef>
+          <a:fontRef idx="minor">
+            <a:schemeClr val="tx1"/>
+          </a:fontRef>
+        </p:style>
+      </p:cxnSp>
+      <p:sp>
+        <p:nvSpPr>
+          <p:cNvPr id="41" name="楕円 40"/>
           <p:cNvSpPr/>
           <p:nvPr/>
         </p:nvSpPr>
         <p:spPr>
           <a:xfrm>
-            <a:off x="5220072" y="5301208"/>
-            <a:ext cx="3312368" cy="1152128"/>
-          </a:xfrm>
-          <a:prstGeom prst="roundRect">
-            <a:avLst/>
-          </a:prstGeom>
-          <a:noFill/>
-          <a:ln w="28575">
-            <a:solidFill>
-              <a:schemeClr val="tx1"/>
-            </a:solidFill>
-            <a:prstDash val="dash"/>
+            <a:off x="2771800" y="5661248"/>
+            <a:ext cx="288032" cy="288032"/>
+          </a:xfrm>
+          <a:prstGeom prst="ellipse">
+            <a:avLst/>
+          </a:prstGeom>
+          <a:solidFill>
+            <a:srgbClr val="FF0000"/>
+          </a:solidFill>
+          <a:ln>
+            <a:solidFill>
+              <a:srgbClr val="FF0000"/>
+            </a:solidFill>
           </a:ln>
         </p:spPr>
         <p:style>
@@ -38382,26 +39035,64 @@
           </a:p>
         </p:txBody>
       </p:sp>
-      <p:sp>
-        <p:nvSpPr>
-          <p:cNvPr id="24" name="角丸四角形 23"/>
+      <p:cxnSp>
+        <p:nvCxnSpPr>
+          <p:cNvPr id="43" name="直線矢印コネクタ 42"/>
+          <p:cNvCxnSpPr/>
+          <p:nvPr/>
+        </p:nvCxnSpPr>
+        <p:spPr>
+          <a:xfrm flipH="1">
+            <a:off x="3923928" y="3140968"/>
+            <a:ext cx="1008112" cy="0"/>
+          </a:xfrm>
+          <a:prstGeom prst="straightConnector1">
+            <a:avLst/>
+          </a:prstGeom>
+          <a:ln>
+            <a:solidFill>
+              <a:schemeClr val="tx1"/>
+            </a:solidFill>
+            <a:headEnd type="triangle" w="med" len="med"/>
+            <a:tailEnd type="none" w="med" len="med"/>
+          </a:ln>
+        </p:spPr>
+        <p:style>
+          <a:lnRef idx="1">
+            <a:schemeClr val="accent1"/>
+          </a:lnRef>
+          <a:fillRef idx="0">
+            <a:schemeClr val="accent1"/>
+          </a:fillRef>
+          <a:effectRef idx="0">
+            <a:schemeClr val="accent1"/>
+          </a:effectRef>
+          <a:fontRef idx="minor">
+            <a:schemeClr val="tx1"/>
+          </a:fontRef>
+        </p:style>
+      </p:cxnSp>
+      <p:sp>
+        <p:nvSpPr>
+          <p:cNvPr id="44" name="右矢印 43"/>
           <p:cNvSpPr/>
           <p:nvPr/>
         </p:nvSpPr>
         <p:spPr>
-          <a:xfrm>
-            <a:off x="395536" y="5301208"/>
-            <a:ext cx="3312368" cy="1152128"/>
-          </a:xfrm>
-          <a:prstGeom prst="roundRect">
-            <a:avLst/>
-          </a:prstGeom>
-          <a:noFill/>
-          <a:ln w="28575">
-            <a:solidFill>
-              <a:schemeClr val="tx1"/>
-            </a:solidFill>
-            <a:prstDash val="dash"/>
+          <a:xfrm rot="5400000">
+            <a:off x="4221672" y="4221088"/>
+            <a:ext cx="566352" cy="566352"/>
+          </a:xfrm>
+          <a:prstGeom prst="rightArrow">
+            <a:avLst/>
+          </a:prstGeom>
+          <a:solidFill>
+            <a:srgbClr val="FF0000"/>
+          </a:solidFill>
+          <a:ln>
+            <a:solidFill>
+              <a:schemeClr val="tx1"/>
+            </a:solidFill>
           </a:ln>
         </p:spPr>
         <p:style>
@@ -38429,26 +39120,65 @@
           </a:p>
         </p:txBody>
       </p:sp>
-      <p:sp>
-        <p:nvSpPr>
-          <p:cNvPr id="25" name="楕円 24"/>
+      <p:cxnSp>
+        <p:nvCxnSpPr>
+          <p:cNvPr id="42" name="直線コネクタ 41"/>
+          <p:cNvCxnSpPr>
+            <a:endCxn id="45" idx="2"/>
+          </p:cNvCxnSpPr>
+          <p:nvPr/>
+        </p:nvCxnSpPr>
+        <p:spPr>
+          <a:xfrm>
+            <a:off x="2267744" y="3212976"/>
+            <a:ext cx="432048" cy="0"/>
+          </a:xfrm>
+          <a:prstGeom prst="line">
+            <a:avLst/>
+          </a:prstGeom>
+          <a:ln w="57150">
+            <a:solidFill>
+              <a:srgbClr val="FF0000"/>
+            </a:solidFill>
+            <a:headEnd type="none" w="med" len="med"/>
+            <a:tailEnd type="none" w="med" len="med"/>
+          </a:ln>
+        </p:spPr>
+        <p:style>
+          <a:lnRef idx="1">
+            <a:schemeClr val="accent1"/>
+          </a:lnRef>
+          <a:fillRef idx="0">
+            <a:schemeClr val="accent1"/>
+          </a:fillRef>
+          <a:effectRef idx="0">
+            <a:schemeClr val="accent1"/>
+          </a:effectRef>
+          <a:fontRef idx="minor">
+            <a:schemeClr val="tx1"/>
+          </a:fontRef>
+        </p:style>
+      </p:cxnSp>
+      <p:sp>
+        <p:nvSpPr>
+          <p:cNvPr id="45" name="楕円 44"/>
           <p:cNvSpPr/>
           <p:nvPr/>
         </p:nvSpPr>
         <p:spPr>
           <a:xfrm>
-            <a:off x="611560" y="5733256"/>
+            <a:off x="2699792" y="3068960"/>
             <a:ext cx="288032" cy="288032"/>
           </a:xfrm>
           <a:prstGeom prst="ellipse">
             <a:avLst/>
           </a:prstGeom>
           <a:solidFill>
-            <a:srgbClr val="011893"/>
+            <a:srgbClr val="FF0000"/>
           </a:solidFill>
           <a:ln>
             <a:solidFill>
-              <a:schemeClr val="tx1"/>
+              <a:srgbClr val="FF0000"/>
             </a:solidFill>
           </a:ln>
         </p:spPr>
@@ -38477,757 +39207,10 @@
           </a:p>
         </p:txBody>
       </p:sp>
-      <p:cxnSp>
-        <p:nvCxnSpPr>
-          <p:cNvPr id="26" name="直線コネクタ 25"/>
-          <p:cNvCxnSpPr>
-            <a:stCxn id="25" idx="6"/>
-            <a:endCxn id="27" idx="2"/>
-          </p:cNvCxnSpPr>
-          <p:nvPr/>
-        </p:nvCxnSpPr>
-        <p:spPr>
-          <a:xfrm>
-            <a:off x="899592" y="5877272"/>
-            <a:ext cx="432048" cy="0"/>
-          </a:xfrm>
-          <a:prstGeom prst="line">
-            <a:avLst/>
-          </a:prstGeom>
-          <a:ln w="57150">
-            <a:solidFill>
-              <a:schemeClr val="tx1"/>
-            </a:solidFill>
-            <a:headEnd type="none" w="med" len="med"/>
-            <a:tailEnd type="none" w="med" len="med"/>
-          </a:ln>
-        </p:spPr>
-        <p:style>
-          <a:lnRef idx="1">
-            <a:schemeClr val="accent1"/>
-          </a:lnRef>
-          <a:fillRef idx="0">
-            <a:schemeClr val="accent1"/>
-          </a:fillRef>
-          <a:effectRef idx="0">
-            <a:schemeClr val="accent1"/>
-          </a:effectRef>
-          <a:fontRef idx="minor">
-            <a:schemeClr val="tx1"/>
-          </a:fontRef>
-        </p:style>
-      </p:cxnSp>
-      <p:sp>
-        <p:nvSpPr>
-          <p:cNvPr id="27" name="楕円 26"/>
-          <p:cNvSpPr/>
-          <p:nvPr/>
-        </p:nvSpPr>
-        <p:spPr>
-          <a:xfrm>
-            <a:off x="1331640" y="5733256"/>
-            <a:ext cx="288032" cy="288032"/>
-          </a:xfrm>
-          <a:prstGeom prst="ellipse">
-            <a:avLst/>
-          </a:prstGeom>
-          <a:solidFill>
-            <a:srgbClr val="011893"/>
-          </a:solidFill>
-          <a:ln>
-            <a:solidFill>
-              <a:schemeClr val="tx1"/>
-            </a:solidFill>
-          </a:ln>
-        </p:spPr>
-        <p:style>
-          <a:lnRef idx="2">
-            <a:schemeClr val="accent1">
-              <a:shade val="50000"/>
-            </a:schemeClr>
-          </a:lnRef>
-          <a:fillRef idx="1">
-            <a:schemeClr val="accent1"/>
-          </a:fillRef>
-          <a:effectRef idx="0">
-            <a:schemeClr val="accent1"/>
-          </a:effectRef>
-          <a:fontRef idx="minor">
-            <a:schemeClr val="lt1"/>
-          </a:fontRef>
-        </p:style>
-        <p:txBody>
-          <a:bodyPr rtlCol="0" anchor="ctr"/>
-          <a:lstStyle/>
-          <a:p>
-            <a:pPr algn="ctr"/>
-            <a:endParaRPr kumimoji="1" lang="ja-JP" altLang="en-US"/>
-          </a:p>
-        </p:txBody>
-      </p:sp>
-      <p:cxnSp>
-        <p:nvCxnSpPr>
-          <p:cNvPr id="28" name="直線コネクタ 27"/>
-          <p:cNvCxnSpPr>
-            <a:endCxn id="29" idx="2"/>
-          </p:cNvCxnSpPr>
-          <p:nvPr/>
-        </p:nvCxnSpPr>
-        <p:spPr>
-          <a:xfrm>
-            <a:off x="1619672" y="5877272"/>
-            <a:ext cx="432048" cy="0"/>
-          </a:xfrm>
-          <a:prstGeom prst="line">
-            <a:avLst/>
-          </a:prstGeom>
-          <a:ln w="57150">
-            <a:solidFill>
-              <a:schemeClr val="tx1"/>
-            </a:solidFill>
-            <a:headEnd type="none" w="med" len="med"/>
-            <a:tailEnd type="none" w="med" len="med"/>
-          </a:ln>
-        </p:spPr>
-        <p:style>
-          <a:lnRef idx="1">
-            <a:schemeClr val="accent1"/>
-          </a:lnRef>
-          <a:fillRef idx="0">
-            <a:schemeClr val="accent1"/>
-          </a:fillRef>
-          <a:effectRef idx="0">
-            <a:schemeClr val="accent1"/>
-          </a:effectRef>
-          <a:fontRef idx="minor">
-            <a:schemeClr val="tx1"/>
-          </a:fontRef>
-        </p:style>
-      </p:cxnSp>
-      <p:sp>
-        <p:nvSpPr>
-          <p:cNvPr id="29" name="楕円 28"/>
-          <p:cNvSpPr/>
-          <p:nvPr/>
-        </p:nvSpPr>
-        <p:spPr>
-          <a:xfrm>
-            <a:off x="2051720" y="5733256"/>
-            <a:ext cx="288032" cy="288032"/>
-          </a:xfrm>
-          <a:prstGeom prst="ellipse">
-            <a:avLst/>
-          </a:prstGeom>
-          <a:solidFill>
-            <a:srgbClr val="011893"/>
-          </a:solidFill>
-          <a:ln>
-            <a:solidFill>
-              <a:schemeClr val="tx1"/>
-            </a:solidFill>
-          </a:ln>
-        </p:spPr>
-        <p:style>
-          <a:lnRef idx="2">
-            <a:schemeClr val="accent1">
-              <a:shade val="50000"/>
-            </a:schemeClr>
-          </a:lnRef>
-          <a:fillRef idx="1">
-            <a:schemeClr val="accent1"/>
-          </a:fillRef>
-          <a:effectRef idx="0">
-            <a:schemeClr val="accent1"/>
-          </a:effectRef>
-          <a:fontRef idx="minor">
-            <a:schemeClr val="lt1"/>
-          </a:fontRef>
-        </p:style>
-        <p:txBody>
-          <a:bodyPr rtlCol="0" anchor="ctr"/>
-          <a:lstStyle/>
-          <a:p>
-            <a:pPr algn="ctr"/>
-            <a:endParaRPr kumimoji="1" lang="ja-JP" altLang="en-US"/>
-          </a:p>
-        </p:txBody>
-      </p:sp>
-      <p:sp>
-        <p:nvSpPr>
-          <p:cNvPr id="30" name="楕円 29"/>
-          <p:cNvSpPr/>
-          <p:nvPr/>
-        </p:nvSpPr>
-        <p:spPr>
-          <a:xfrm>
-            <a:off x="5436096" y="5733256"/>
-            <a:ext cx="288032" cy="288032"/>
-          </a:xfrm>
-          <a:prstGeom prst="ellipse">
-            <a:avLst/>
-          </a:prstGeom>
-          <a:solidFill>
-            <a:srgbClr val="011893"/>
-          </a:solidFill>
-          <a:ln>
-            <a:solidFill>
-              <a:schemeClr val="tx1"/>
-            </a:solidFill>
-          </a:ln>
-        </p:spPr>
-        <p:style>
-          <a:lnRef idx="2">
-            <a:schemeClr val="accent1">
-              <a:shade val="50000"/>
-            </a:schemeClr>
-          </a:lnRef>
-          <a:fillRef idx="1">
-            <a:schemeClr val="accent1"/>
-          </a:fillRef>
-          <a:effectRef idx="0">
-            <a:schemeClr val="accent1"/>
-          </a:effectRef>
-          <a:fontRef idx="minor">
-            <a:schemeClr val="lt1"/>
-          </a:fontRef>
-        </p:style>
-        <p:txBody>
-          <a:bodyPr rtlCol="0" anchor="ctr"/>
-          <a:lstStyle/>
-          <a:p>
-            <a:pPr algn="ctr"/>
-            <a:endParaRPr kumimoji="1" lang="ja-JP" altLang="en-US"/>
-          </a:p>
-        </p:txBody>
-      </p:sp>
-      <p:cxnSp>
-        <p:nvCxnSpPr>
-          <p:cNvPr id="31" name="直線コネクタ 30"/>
-          <p:cNvCxnSpPr>
-            <a:stCxn id="30" idx="6"/>
-            <a:endCxn id="32" idx="2"/>
-          </p:cNvCxnSpPr>
-          <p:nvPr/>
-        </p:nvCxnSpPr>
-        <p:spPr>
-          <a:xfrm>
-            <a:off x="5724128" y="5877272"/>
-            <a:ext cx="432048" cy="0"/>
-          </a:xfrm>
-          <a:prstGeom prst="line">
-            <a:avLst/>
-          </a:prstGeom>
-          <a:ln w="57150">
-            <a:solidFill>
-              <a:schemeClr val="tx1"/>
-            </a:solidFill>
-            <a:headEnd type="none" w="med" len="med"/>
-            <a:tailEnd type="none" w="med" len="med"/>
-          </a:ln>
-        </p:spPr>
-        <p:style>
-          <a:lnRef idx="1">
-            <a:schemeClr val="accent1"/>
-          </a:lnRef>
-          <a:fillRef idx="0">
-            <a:schemeClr val="accent1"/>
-          </a:fillRef>
-          <a:effectRef idx="0">
-            <a:schemeClr val="accent1"/>
-          </a:effectRef>
-          <a:fontRef idx="minor">
-            <a:schemeClr val="tx1"/>
-          </a:fontRef>
-        </p:style>
-      </p:cxnSp>
-      <p:sp>
-        <p:nvSpPr>
-          <p:cNvPr id="32" name="楕円 31"/>
-          <p:cNvSpPr/>
-          <p:nvPr/>
-        </p:nvSpPr>
-        <p:spPr>
-          <a:xfrm>
-            <a:off x="6156176" y="5733256"/>
-            <a:ext cx="288032" cy="288032"/>
-          </a:xfrm>
-          <a:prstGeom prst="ellipse">
-            <a:avLst/>
-          </a:prstGeom>
-          <a:solidFill>
-            <a:srgbClr val="011893"/>
-          </a:solidFill>
-          <a:ln>
-            <a:solidFill>
-              <a:schemeClr val="tx1"/>
-            </a:solidFill>
-          </a:ln>
-        </p:spPr>
-        <p:style>
-          <a:lnRef idx="2">
-            <a:schemeClr val="accent1">
-              <a:shade val="50000"/>
-            </a:schemeClr>
-          </a:lnRef>
-          <a:fillRef idx="1">
-            <a:schemeClr val="accent1"/>
-          </a:fillRef>
-          <a:effectRef idx="0">
-            <a:schemeClr val="accent1"/>
-          </a:effectRef>
-          <a:fontRef idx="minor">
-            <a:schemeClr val="lt1"/>
-          </a:fontRef>
-        </p:style>
-        <p:txBody>
-          <a:bodyPr rtlCol="0" anchor="ctr"/>
-          <a:lstStyle/>
-          <a:p>
-            <a:pPr algn="ctr"/>
-            <a:endParaRPr kumimoji="1" lang="ja-JP" altLang="en-US"/>
-          </a:p>
-        </p:txBody>
-      </p:sp>
-      <p:cxnSp>
-        <p:nvCxnSpPr>
-          <p:cNvPr id="33" name="直線コネクタ 32"/>
-          <p:cNvCxnSpPr>
-            <a:endCxn id="34" idx="2"/>
-          </p:cNvCxnSpPr>
-          <p:nvPr/>
-        </p:nvCxnSpPr>
-        <p:spPr>
-          <a:xfrm>
-            <a:off x="6444208" y="5877272"/>
-            <a:ext cx="432048" cy="0"/>
-          </a:xfrm>
-          <a:prstGeom prst="line">
-            <a:avLst/>
-          </a:prstGeom>
-          <a:ln w="57150">
-            <a:solidFill>
-              <a:schemeClr val="tx1"/>
-            </a:solidFill>
-            <a:headEnd type="none" w="med" len="med"/>
-            <a:tailEnd type="none" w="med" len="med"/>
-          </a:ln>
-        </p:spPr>
-        <p:style>
-          <a:lnRef idx="1">
-            <a:schemeClr val="accent1"/>
-          </a:lnRef>
-          <a:fillRef idx="0">
-            <a:schemeClr val="accent1"/>
-          </a:fillRef>
-          <a:effectRef idx="0">
-            <a:schemeClr val="accent1"/>
-          </a:effectRef>
-          <a:fontRef idx="minor">
-            <a:schemeClr val="tx1"/>
-          </a:fontRef>
-        </p:style>
-      </p:cxnSp>
-      <p:sp>
-        <p:nvSpPr>
-          <p:cNvPr id="34" name="楕円 33"/>
-          <p:cNvSpPr/>
-          <p:nvPr/>
-        </p:nvSpPr>
-        <p:spPr>
-          <a:xfrm>
-            <a:off x="6876256" y="5733256"/>
-            <a:ext cx="288032" cy="288032"/>
-          </a:xfrm>
-          <a:prstGeom prst="ellipse">
-            <a:avLst/>
-          </a:prstGeom>
-          <a:solidFill>
-            <a:srgbClr val="011893"/>
-          </a:solidFill>
-          <a:ln>
-            <a:solidFill>
-              <a:schemeClr val="tx1"/>
-            </a:solidFill>
-          </a:ln>
-        </p:spPr>
-        <p:style>
-          <a:lnRef idx="2">
-            <a:schemeClr val="accent1">
-              <a:shade val="50000"/>
-            </a:schemeClr>
-          </a:lnRef>
-          <a:fillRef idx="1">
-            <a:schemeClr val="accent1"/>
-          </a:fillRef>
-          <a:effectRef idx="0">
-            <a:schemeClr val="accent1"/>
-          </a:effectRef>
-          <a:fontRef idx="minor">
-            <a:schemeClr val="lt1"/>
-          </a:fontRef>
-        </p:style>
-        <p:txBody>
-          <a:bodyPr rtlCol="0" anchor="ctr"/>
-          <a:lstStyle/>
-          <a:p>
-            <a:pPr algn="ctr"/>
-            <a:endParaRPr kumimoji="1" lang="ja-JP" altLang="en-US"/>
-          </a:p>
-        </p:txBody>
-      </p:sp>
-      <p:cxnSp>
-        <p:nvCxnSpPr>
-          <p:cNvPr id="35" name="直線コネクタ 34"/>
-          <p:cNvCxnSpPr>
-            <a:endCxn id="36" idx="2"/>
-          </p:cNvCxnSpPr>
-          <p:nvPr/>
-        </p:nvCxnSpPr>
-        <p:spPr>
-          <a:xfrm>
-            <a:off x="2339752" y="5877272"/>
-            <a:ext cx="432048" cy="0"/>
-          </a:xfrm>
-          <a:prstGeom prst="line">
-            <a:avLst/>
-          </a:prstGeom>
-          <a:ln w="57150">
-            <a:solidFill>
-              <a:srgbClr val="FF0000"/>
-            </a:solidFill>
-            <a:headEnd type="none" w="med" len="med"/>
-            <a:tailEnd type="none" w="med" len="med"/>
-          </a:ln>
-        </p:spPr>
-        <p:style>
-          <a:lnRef idx="1">
-            <a:schemeClr val="accent1"/>
-          </a:lnRef>
-          <a:fillRef idx="0">
-            <a:schemeClr val="accent1"/>
-          </a:fillRef>
-          <a:effectRef idx="0">
-            <a:schemeClr val="accent1"/>
-          </a:effectRef>
-          <a:fontRef idx="minor">
-            <a:schemeClr val="tx1"/>
-          </a:fontRef>
-        </p:style>
-      </p:cxnSp>
-      <p:sp>
-        <p:nvSpPr>
-          <p:cNvPr id="36" name="楕円 35"/>
-          <p:cNvSpPr/>
-          <p:nvPr/>
-        </p:nvSpPr>
-        <p:spPr>
-          <a:xfrm>
-            <a:off x="2771800" y="5733256"/>
-            <a:ext cx="288032" cy="288032"/>
-          </a:xfrm>
-          <a:prstGeom prst="ellipse">
-            <a:avLst/>
-          </a:prstGeom>
-          <a:solidFill>
-            <a:srgbClr val="FF0000"/>
-          </a:solidFill>
-          <a:ln>
-            <a:solidFill>
-              <a:srgbClr val="FF0000"/>
-            </a:solidFill>
-          </a:ln>
-        </p:spPr>
-        <p:style>
-          <a:lnRef idx="2">
-            <a:schemeClr val="accent1">
-              <a:shade val="50000"/>
-            </a:schemeClr>
-          </a:lnRef>
-          <a:fillRef idx="1">
-            <a:schemeClr val="accent1"/>
-          </a:fillRef>
-          <a:effectRef idx="0">
-            <a:schemeClr val="accent1"/>
-          </a:effectRef>
-          <a:fontRef idx="minor">
-            <a:schemeClr val="lt1"/>
-          </a:fontRef>
-        </p:style>
-        <p:txBody>
-          <a:bodyPr rtlCol="0" anchor="ctr"/>
-          <a:lstStyle/>
-          <a:p>
-            <a:pPr algn="ctr"/>
-            <a:endParaRPr kumimoji="1" lang="ja-JP" altLang="en-US"/>
-          </a:p>
-        </p:txBody>
-      </p:sp>
-      <p:sp>
-        <p:nvSpPr>
-          <p:cNvPr id="38" name="右矢印 37"/>
-          <p:cNvSpPr/>
-          <p:nvPr/>
-        </p:nvSpPr>
-        <p:spPr>
-          <a:xfrm rot="5400000">
-            <a:off x="4211960" y="4221088"/>
-            <a:ext cx="566352" cy="566352"/>
-          </a:xfrm>
-          <a:prstGeom prst="rightArrow">
-            <a:avLst/>
-          </a:prstGeom>
-          <a:solidFill>
-            <a:srgbClr val="FF0000"/>
-          </a:solidFill>
-          <a:ln>
-            <a:solidFill>
-              <a:schemeClr val="tx1"/>
-            </a:solidFill>
-          </a:ln>
-        </p:spPr>
-        <p:style>
-          <a:lnRef idx="2">
-            <a:schemeClr val="accent1">
-              <a:shade val="50000"/>
-            </a:schemeClr>
-          </a:lnRef>
-          <a:fillRef idx="1">
-            <a:schemeClr val="accent1"/>
-          </a:fillRef>
-          <a:effectRef idx="0">
-            <a:schemeClr val="accent1"/>
-          </a:effectRef>
-          <a:fontRef idx="minor">
-            <a:schemeClr val="lt1"/>
-          </a:fontRef>
-        </p:style>
-        <p:txBody>
-          <a:bodyPr rtlCol="0" anchor="ctr"/>
-          <a:lstStyle/>
-          <a:p>
-            <a:pPr algn="ctr"/>
-            <a:endParaRPr kumimoji="1" lang="ja-JP" altLang="en-US"/>
-          </a:p>
-        </p:txBody>
-      </p:sp>
-      <p:sp>
-        <p:nvSpPr>
-          <p:cNvPr id="39" name="テキスト ボックス 38"/>
-          <p:cNvSpPr txBox="1"/>
-          <p:nvPr/>
-        </p:nvSpPr>
-        <p:spPr>
-          <a:xfrm>
-            <a:off x="611560" y="4725144"/>
-            <a:ext cx="2954655" cy="461665"/>
-          </a:xfrm>
-          <a:prstGeom prst="rect">
-            <a:avLst/>
-          </a:prstGeom>
-          <a:noFill/>
-        </p:spPr>
-        <p:txBody>
-          <a:bodyPr wrap="none" rtlCol="0">
-            <a:spAutoFit/>
-          </a:bodyPr>
-          <a:lstStyle/>
-          <a:p>
-            <a:r>
-              <a:rPr kumimoji="1" lang="ja-JP" altLang="en-US" sz="2400" dirty="0" smtClean="0"/>
-              <a:t>ローカルリポジトリ</a:t>
-            </a:r>
-            <a:endParaRPr kumimoji="1" lang="ja-JP" altLang="en-US" sz="2400" dirty="0"/>
-          </a:p>
-        </p:txBody>
-      </p:sp>
-      <p:sp>
-        <p:nvSpPr>
-          <p:cNvPr id="40" name="テキスト ボックス 39"/>
-          <p:cNvSpPr txBox="1"/>
-          <p:nvPr/>
-        </p:nvSpPr>
-        <p:spPr>
-          <a:xfrm>
-            <a:off x="5292080" y="4797152"/>
-            <a:ext cx="2954655" cy="461665"/>
-          </a:xfrm>
-          <a:prstGeom prst="rect">
-            <a:avLst/>
-          </a:prstGeom>
-          <a:noFill/>
-        </p:spPr>
-        <p:txBody>
-          <a:bodyPr wrap="none" rtlCol="0">
-            <a:spAutoFit/>
-          </a:bodyPr>
-          <a:lstStyle/>
-          <a:p>
-            <a:r>
-              <a:rPr kumimoji="1" lang="ja-JP" altLang="en-US" sz="2400" dirty="0" smtClean="0"/>
-              <a:t>リモートリポジトリ</a:t>
-            </a:r>
-            <a:endParaRPr kumimoji="1" lang="ja-JP" altLang="en-US" sz="2400" dirty="0"/>
-          </a:p>
-        </p:txBody>
-      </p:sp>
-      <p:cxnSp>
-        <p:nvCxnSpPr>
-          <p:cNvPr id="41" name="直線コネクタ 40"/>
-          <p:cNvCxnSpPr>
-            <a:endCxn id="42" idx="2"/>
-          </p:cNvCxnSpPr>
-          <p:nvPr/>
-        </p:nvCxnSpPr>
-        <p:spPr>
-          <a:xfrm>
-            <a:off x="7164288" y="5877272"/>
-            <a:ext cx="432048" cy="0"/>
-          </a:xfrm>
-          <a:prstGeom prst="line">
-            <a:avLst/>
-          </a:prstGeom>
-          <a:ln w="57150">
-            <a:solidFill>
-              <a:srgbClr val="FF0000"/>
-            </a:solidFill>
-            <a:headEnd type="none" w="med" len="med"/>
-            <a:tailEnd type="none" w="med" len="med"/>
-          </a:ln>
-        </p:spPr>
-        <p:style>
-          <a:lnRef idx="1">
-            <a:schemeClr val="accent1"/>
-          </a:lnRef>
-          <a:fillRef idx="0">
-            <a:schemeClr val="accent1"/>
-          </a:fillRef>
-          <a:effectRef idx="0">
-            <a:schemeClr val="accent1"/>
-          </a:effectRef>
-          <a:fontRef idx="minor">
-            <a:schemeClr val="tx1"/>
-          </a:fontRef>
-        </p:style>
-      </p:cxnSp>
-      <p:sp>
-        <p:nvSpPr>
-          <p:cNvPr id="42" name="楕円 41"/>
-          <p:cNvSpPr/>
-          <p:nvPr/>
-        </p:nvSpPr>
-        <p:spPr>
-          <a:xfrm>
-            <a:off x="7596336" y="5733256"/>
-            <a:ext cx="288032" cy="288032"/>
-          </a:xfrm>
-          <a:prstGeom prst="ellipse">
-            <a:avLst/>
-          </a:prstGeom>
-          <a:solidFill>
-            <a:srgbClr val="FF0000"/>
-          </a:solidFill>
-          <a:ln>
-            <a:solidFill>
-              <a:srgbClr val="FF0000"/>
-            </a:solidFill>
-          </a:ln>
-        </p:spPr>
-        <p:style>
-          <a:lnRef idx="2">
-            <a:schemeClr val="accent1">
-              <a:shade val="50000"/>
-            </a:schemeClr>
-          </a:lnRef>
-          <a:fillRef idx="1">
-            <a:schemeClr val="accent1"/>
-          </a:fillRef>
-          <a:effectRef idx="0">
-            <a:schemeClr val="accent1"/>
-          </a:effectRef>
-          <a:fontRef idx="minor">
-            <a:schemeClr val="lt1"/>
-          </a:fontRef>
-        </p:style>
-        <p:txBody>
-          <a:bodyPr rtlCol="0" anchor="ctr"/>
-          <a:lstStyle/>
-          <a:p>
-            <a:pPr algn="ctr"/>
-            <a:endParaRPr kumimoji="1" lang="ja-JP" altLang="en-US"/>
-          </a:p>
-        </p:txBody>
-      </p:sp>
-      <p:sp>
-        <p:nvSpPr>
-          <p:cNvPr id="43" name="テキスト ボックス 42"/>
-          <p:cNvSpPr txBox="1"/>
-          <p:nvPr/>
-        </p:nvSpPr>
-        <p:spPr>
-          <a:xfrm>
-            <a:off x="395536" y="1196752"/>
-            <a:ext cx="7879080" cy="461665"/>
-          </a:xfrm>
-          <a:prstGeom prst="rect">
-            <a:avLst/>
-          </a:prstGeom>
-          <a:noFill/>
-        </p:spPr>
-        <p:txBody>
-          <a:bodyPr wrap="none" rtlCol="0">
-            <a:spAutoFit/>
-          </a:bodyPr>
-          <a:lstStyle/>
-          <a:p>
-            <a:r>
-              <a:rPr lang="ja-JP" altLang="en-US" sz="2400" dirty="0" smtClean="0"/>
-              <a:t>ローカルで変更された「歴史」をリモートに反映させる</a:t>
-            </a:r>
-            <a:endParaRPr kumimoji="1" lang="ja-JP" altLang="en-US" sz="2400" dirty="0"/>
-          </a:p>
-        </p:txBody>
-      </p:sp>
-      <p:cxnSp>
-        <p:nvCxnSpPr>
-          <p:cNvPr id="45" name="直線矢印コネクタ 44"/>
-          <p:cNvCxnSpPr/>
-          <p:nvPr/>
-        </p:nvCxnSpPr>
-        <p:spPr>
-          <a:xfrm>
-            <a:off x="4067944" y="3356992"/>
-            <a:ext cx="864096" cy="0"/>
-          </a:xfrm>
-          <a:prstGeom prst="straightConnector1">
-            <a:avLst/>
-          </a:prstGeom>
-          <a:ln>
-            <a:solidFill>
-              <a:schemeClr val="tx1"/>
-            </a:solidFill>
-            <a:headEnd type="none" w="med" len="med"/>
-            <a:tailEnd type="triangle"/>
-          </a:ln>
-        </p:spPr>
-        <p:style>
-          <a:lnRef idx="1">
-            <a:schemeClr val="accent1"/>
-          </a:lnRef>
-          <a:fillRef idx="0">
-            <a:schemeClr val="accent1"/>
-          </a:fillRef>
-          <a:effectRef idx="0">
-            <a:schemeClr val="accent1"/>
-          </a:effectRef>
-          <a:fontRef idx="minor">
-            <a:schemeClr val="tx1"/>
-          </a:fontRef>
-        </p:style>
-      </p:cxnSp>
     </p:spTree>
     <p:extLst>
       <p:ext uri="{BB962C8B-B14F-4D97-AF65-F5344CB8AC3E}">
-        <p14:creationId xmlns:p14="http://schemas.microsoft.com/office/powerpoint/2010/main" val="3583094573"/>
+        <p14:creationId xmlns:p14="http://schemas.microsoft.com/office/powerpoint/2010/main" val="1288390333"/>
       </p:ext>
     </p:extLst>
   </p:cSld>
@@ -39296,7 +39279,7 @@
         </p:nvSpPr>
         <p:spPr>
           <a:xfrm>
-            <a:off x="5148064" y="2348880"/>
+            <a:off x="5148064" y="2636912"/>
             <a:ext cx="3312368" cy="1152128"/>
           </a:xfrm>
           <a:prstGeom prst="roundRect">
@@ -39343,7 +39326,7 @@
         </p:nvSpPr>
         <p:spPr>
           <a:xfrm>
-            <a:off x="323528" y="2348880"/>
+            <a:off x="323528" y="2636912"/>
             <a:ext cx="3312368" cy="1152128"/>
           </a:xfrm>
           <a:prstGeom prst="roundRect">
@@ -39390,7 +39373,7 @@
         </p:nvSpPr>
         <p:spPr>
           <a:xfrm>
-            <a:off x="539552" y="2780928"/>
+            <a:off x="539552" y="3068960"/>
             <a:ext cx="288032" cy="288032"/>
           </a:xfrm>
           <a:prstGeom prst="ellipse">
@@ -39441,7 +39424,7 @@
         </p:nvCxnSpPr>
         <p:spPr>
           <a:xfrm>
-            <a:off x="827584" y="2924944"/>
+            <a:off x="827584" y="3212976"/>
             <a:ext cx="432048" cy="0"/>
           </a:xfrm>
           <a:prstGeom prst="line">
@@ -39478,7 +39461,7 @@
         </p:nvSpPr>
         <p:spPr>
           <a:xfrm>
-            <a:off x="1259632" y="2780928"/>
+            <a:off x="1259632" y="3068960"/>
             <a:ext cx="288032" cy="288032"/>
           </a:xfrm>
           <a:prstGeom prst="ellipse">
@@ -39528,7 +39511,7 @@
         </p:nvCxnSpPr>
         <p:spPr>
           <a:xfrm>
-            <a:off x="1547664" y="2924944"/>
+            <a:off x="1547664" y="3212976"/>
             <a:ext cx="432048" cy="0"/>
           </a:xfrm>
           <a:prstGeom prst="line">
@@ -39565,7 +39548,7 @@
         </p:nvSpPr>
         <p:spPr>
           <a:xfrm>
-            <a:off x="1979712" y="2780928"/>
+            <a:off x="1979712" y="3068960"/>
             <a:ext cx="288032" cy="288032"/>
           </a:xfrm>
           <a:prstGeom prst="ellipse">
@@ -39613,7 +39596,7 @@
         </p:nvSpPr>
         <p:spPr>
           <a:xfrm>
-            <a:off x="5364088" y="2780928"/>
+            <a:off x="5364088" y="3068960"/>
             <a:ext cx="288032" cy="288032"/>
           </a:xfrm>
           <a:prstGeom prst="ellipse">
@@ -39664,7 +39647,7 @@
         </p:nvCxnSpPr>
         <p:spPr>
           <a:xfrm>
-            <a:off x="5652120" y="2924944"/>
+            <a:off x="5652120" y="3212976"/>
             <a:ext cx="432048" cy="0"/>
           </a:xfrm>
           <a:prstGeom prst="line">
@@ -39701,7 +39684,7 @@
         </p:nvSpPr>
         <p:spPr>
           <a:xfrm>
-            <a:off x="6084168" y="2780928"/>
+            <a:off x="6084168" y="3068960"/>
             <a:ext cx="288032" cy="288032"/>
           </a:xfrm>
           <a:prstGeom prst="ellipse">
@@ -39751,7 +39734,7 @@
         </p:nvCxnSpPr>
         <p:spPr>
           <a:xfrm>
-            <a:off x="6372200" y="2924944"/>
+            <a:off x="6372200" y="3212976"/>
             <a:ext cx="432048" cy="0"/>
           </a:xfrm>
           <a:prstGeom prst="line">
@@ -39788,7 +39771,7 @@
         </p:nvSpPr>
         <p:spPr>
           <a:xfrm>
-            <a:off x="6804248" y="2780928"/>
+            <a:off x="6804248" y="3068960"/>
             <a:ext cx="288032" cy="288032"/>
           </a:xfrm>
           <a:prstGeom prst="ellipse">
@@ -39838,7 +39821,7 @@
         </p:nvCxnSpPr>
         <p:spPr>
           <a:xfrm>
-            <a:off x="7092280" y="2924944"/>
+            <a:off x="7092280" y="3212976"/>
             <a:ext cx="432048" cy="0"/>
           </a:xfrm>
           <a:prstGeom prst="line">
@@ -39875,7 +39858,7 @@
         </p:nvSpPr>
         <p:spPr>
           <a:xfrm>
-            <a:off x="7524328" y="2780928"/>
+            <a:off x="7524328" y="3068960"/>
             <a:ext cx="288032" cy="288032"/>
           </a:xfrm>
           <a:prstGeom prst="ellipse">
@@ -39923,7 +39906,7 @@
         </p:nvSpPr>
         <p:spPr>
           <a:xfrm>
-            <a:off x="3851920" y="2348880"/>
+            <a:off x="3851920" y="2636912"/>
             <a:ext cx="1183529" cy="461665"/>
           </a:xfrm>
           <a:prstGeom prst="rect">
@@ -39957,7 +39940,7 @@
         </p:nvSpPr>
         <p:spPr>
           <a:xfrm>
-            <a:off x="539552" y="1772816"/>
+            <a:off x="539552" y="2060848"/>
             <a:ext cx="2954655" cy="461665"/>
           </a:xfrm>
           <a:prstGeom prst="rect">
@@ -39987,7 +39970,7 @@
         </p:nvSpPr>
         <p:spPr>
           <a:xfrm>
-            <a:off x="5220072" y="1844824"/>
+            <a:off x="5220072" y="2132856"/>
             <a:ext cx="2954655" cy="461665"/>
           </a:xfrm>
           <a:prstGeom prst="rect">
@@ -40047,7 +40030,7 @@
         </p:nvSpPr>
         <p:spPr>
           <a:xfrm>
-            <a:off x="5220072" y="4941168"/>
+            <a:off x="5220072" y="5229200"/>
             <a:ext cx="3312368" cy="1152128"/>
           </a:xfrm>
           <a:prstGeom prst="roundRect">
@@ -40094,7 +40077,7 @@
         </p:nvSpPr>
         <p:spPr>
           <a:xfrm>
-            <a:off x="395536" y="4941168"/>
+            <a:off x="395536" y="5229200"/>
             <a:ext cx="3312368" cy="1152128"/>
           </a:xfrm>
           <a:prstGeom prst="roundRect">
@@ -40141,7 +40124,7 @@
         </p:nvSpPr>
         <p:spPr>
           <a:xfrm>
-            <a:off x="611560" y="5373216"/>
+            <a:off x="611560" y="5661248"/>
             <a:ext cx="288032" cy="288032"/>
           </a:xfrm>
           <a:prstGeom prst="ellipse">
@@ -40192,7 +40175,7 @@
         </p:nvCxnSpPr>
         <p:spPr>
           <a:xfrm>
-            <a:off x="899592" y="5517232"/>
+            <a:off x="899592" y="5805264"/>
             <a:ext cx="432048" cy="0"/>
           </a:xfrm>
           <a:prstGeom prst="line">
@@ -40229,7 +40212,7 @@
         </p:nvSpPr>
         <p:spPr>
           <a:xfrm>
-            <a:off x="1331640" y="5373216"/>
+            <a:off x="1331640" y="5661248"/>
             <a:ext cx="288032" cy="288032"/>
           </a:xfrm>
           <a:prstGeom prst="ellipse">
@@ -40279,7 +40262,7 @@
         </p:nvCxnSpPr>
         <p:spPr>
           <a:xfrm>
-            <a:off x="1619672" y="5517232"/>
+            <a:off x="1619672" y="5805264"/>
             <a:ext cx="432048" cy="0"/>
           </a:xfrm>
           <a:prstGeom prst="line">
@@ -40316,7 +40299,7 @@
         </p:nvSpPr>
         <p:spPr>
           <a:xfrm>
-            <a:off x="2051720" y="5373216"/>
+            <a:off x="2051720" y="5661248"/>
             <a:ext cx="288032" cy="288032"/>
           </a:xfrm>
           <a:prstGeom prst="ellipse">
@@ -40364,7 +40347,7 @@
         </p:nvSpPr>
         <p:spPr>
           <a:xfrm>
-            <a:off x="5436096" y="5373216"/>
+            <a:off x="5436096" y="5661248"/>
             <a:ext cx="288032" cy="288032"/>
           </a:xfrm>
           <a:prstGeom prst="ellipse">
@@ -40415,7 +40398,7 @@
         </p:nvCxnSpPr>
         <p:spPr>
           <a:xfrm>
-            <a:off x="5724128" y="5517232"/>
+            <a:off x="5724128" y="5805264"/>
             <a:ext cx="432048" cy="0"/>
           </a:xfrm>
           <a:prstGeom prst="line">
@@ -40452,7 +40435,7 @@
         </p:nvSpPr>
         <p:spPr>
           <a:xfrm>
-            <a:off x="6156176" y="5373216"/>
+            <a:off x="6156176" y="5661248"/>
             <a:ext cx="288032" cy="288032"/>
           </a:xfrm>
           <a:prstGeom prst="ellipse">
@@ -40502,7 +40485,7 @@
         </p:nvCxnSpPr>
         <p:spPr>
           <a:xfrm>
-            <a:off x="6444208" y="5517232"/>
+            <a:off x="6444208" y="5805264"/>
             <a:ext cx="432048" cy="0"/>
           </a:xfrm>
           <a:prstGeom prst="line">
@@ -40539,7 +40522,7 @@
         </p:nvSpPr>
         <p:spPr>
           <a:xfrm>
-            <a:off x="6876256" y="5373216"/>
+            <a:off x="6876256" y="5661248"/>
             <a:ext cx="288032" cy="288032"/>
           </a:xfrm>
           <a:prstGeom prst="ellipse">
@@ -40589,7 +40572,7 @@
         </p:nvCxnSpPr>
         <p:spPr>
           <a:xfrm>
-            <a:off x="7164288" y="5517232"/>
+            <a:off x="7164288" y="5805264"/>
             <a:ext cx="432048" cy="0"/>
           </a:xfrm>
           <a:prstGeom prst="line">
@@ -40626,7 +40609,7 @@
         </p:nvSpPr>
         <p:spPr>
           <a:xfrm>
-            <a:off x="7596336" y="5373216"/>
+            <a:off x="7596336" y="5661248"/>
             <a:ext cx="288032" cy="288032"/>
           </a:xfrm>
           <a:prstGeom prst="ellipse">
@@ -40674,7 +40657,7 @@
         </p:nvSpPr>
         <p:spPr>
           <a:xfrm>
-            <a:off x="611560" y="4365104"/>
+            <a:off x="611560" y="4653136"/>
             <a:ext cx="2954655" cy="461665"/>
           </a:xfrm>
           <a:prstGeom prst="rect">
@@ -40704,7 +40687,7 @@
         </p:nvSpPr>
         <p:spPr>
           <a:xfrm>
-            <a:off x="5292080" y="4437112"/>
+            <a:off x="5292080" y="4725144"/>
             <a:ext cx="2954655" cy="461665"/>
           </a:xfrm>
           <a:prstGeom prst="rect">
@@ -40736,7 +40719,7 @@
         </p:nvCxnSpPr>
         <p:spPr>
           <a:xfrm>
-            <a:off x="2339752" y="5517232"/>
+            <a:off x="2339752" y="5805264"/>
             <a:ext cx="432048" cy="0"/>
           </a:xfrm>
           <a:prstGeom prst="line">
@@ -40773,7 +40756,7 @@
         </p:nvSpPr>
         <p:spPr>
           <a:xfrm>
-            <a:off x="2771800" y="5373216"/>
+            <a:off x="2771800" y="5661248"/>
             <a:ext cx="288032" cy="288032"/>
           </a:xfrm>
           <a:prstGeom prst="ellipse">
@@ -40821,7 +40804,7 @@
         </p:nvCxnSpPr>
         <p:spPr>
           <a:xfrm flipH="1">
-            <a:off x="3923928" y="2852936"/>
+            <a:off x="3923928" y="3140968"/>
             <a:ext cx="1008112" cy="0"/>
           </a:xfrm>
           <a:prstGeom prst="straightConnector1">
@@ -40858,7 +40841,7 @@
         </p:nvSpPr>
         <p:spPr>
           <a:xfrm rot="5400000">
-            <a:off x="4139952" y="3933056"/>
+            <a:off x="4221672" y="4221088"/>
             <a:ext cx="566352" cy="566352"/>
           </a:xfrm>
           <a:prstGeom prst="rightArrow">
@@ -41280,7 +41263,7 @@
         </p:nvSpPr>
         <p:spPr>
           <a:xfrm>
-            <a:off x="3779912" y="3861048"/>
+            <a:off x="3836183" y="3861048"/>
             <a:ext cx="2392001" cy="584775"/>
           </a:xfrm>
           <a:prstGeom prst="rect">
@@ -41355,8 +41338,8 @@
         </p:nvSpPr>
         <p:spPr>
           <a:xfrm>
-            <a:off x="80324" y="1412776"/>
-            <a:ext cx="9036496" cy="523220"/>
+            <a:off x="251520" y="1340768"/>
+            <a:ext cx="8640960" cy="523220"/>
           </a:xfrm>
           <a:prstGeom prst="rect">
             <a:avLst/>
@@ -41370,20 +41353,28 @@
           <a:lstStyle/>
           <a:p>
             <a:r>
-              <a:rPr kumimoji="1" lang="en-US" altLang="ja-JP" sz="2800" dirty="0" err="1" smtClean="0"/>
+              <a:rPr kumimoji="1" lang="en-US" altLang="ja-JP" sz="2800" err="1" smtClean="0"/>
               <a:t>git</a:t>
             </a:r>
             <a:r>
-              <a:rPr kumimoji="1" lang="en-US" altLang="ja-JP" sz="2800" dirty="0" smtClean="0"/>
-              <a:t> fetch</a:t>
-            </a:r>
-            <a:r>
-              <a:rPr kumimoji="1" lang="ja-JP" altLang="en-US" sz="2800" dirty="0" smtClean="0"/>
-              <a:t>しても</a:t>
+              <a:rPr kumimoji="1" lang="en-US" altLang="ja-JP" sz="2800" smtClean="0"/>
+              <a:t> </a:t>
+            </a:r>
+            <a:r>
+              <a:rPr kumimoji="1" lang="en-US" altLang="ja-JP" sz="2800" smtClean="0"/>
+              <a:t>fetch</a:t>
+            </a:r>
+            <a:r>
+              <a:rPr lang="ja-JP" altLang="en-US" sz="2800"/>
+              <a:t>で</a:t>
+            </a:r>
+            <a:r>
+              <a:rPr lang="ja-JP" altLang="en-US" sz="2800" smtClean="0"/>
+              <a:t>ローカル</a:t>
             </a:r>
             <a:r>
               <a:rPr lang="ja-JP" altLang="en-US" sz="2800" dirty="0" smtClean="0"/>
-              <a:t>ローカルの</a:t>
+              <a:t>の</a:t>
             </a:r>
             <a:r>
               <a:rPr kumimoji="1" lang="en-US" altLang="ja-JP" sz="2800" dirty="0" smtClean="0"/>
@@ -41576,7 +41567,7 @@
         </p:nvSpPr>
         <p:spPr>
           <a:xfrm>
-            <a:off x="3707904" y="2996952"/>
+            <a:off x="3851920" y="2996952"/>
             <a:ext cx="2520280" cy="1512168"/>
           </a:xfrm>
           <a:prstGeom prst="roundRect">
@@ -43031,8 +43022,8 @@
         </p:nvSpPr>
         <p:spPr>
           <a:xfrm>
-            <a:off x="323528" y="908720"/>
-            <a:ext cx="8681351" cy="584775"/>
+            <a:off x="539552" y="908720"/>
+            <a:ext cx="8280920" cy="523220"/>
           </a:xfrm>
           <a:prstGeom prst="rect">
             <a:avLst/>
@@ -43040,36 +43031,36 @@
           <a:noFill/>
         </p:spPr>
         <p:txBody>
-          <a:bodyPr wrap="none" rtlCol="0">
+          <a:bodyPr wrap="square" rtlCol="0">
             <a:spAutoFit/>
           </a:bodyPr>
           <a:lstStyle/>
           <a:p>
             <a:r>
-              <a:rPr kumimoji="1" lang="en-US" altLang="ja-JP" sz="3200" dirty="0" err="1" smtClean="0"/>
+              <a:rPr kumimoji="1" lang="en-US" altLang="ja-JP" sz="2800" dirty="0" err="1" smtClean="0"/>
               <a:t>git</a:t>
             </a:r>
             <a:r>
-              <a:rPr kumimoji="1" lang="en-US" altLang="ja-JP" sz="3200" dirty="0" smtClean="0"/>
+              <a:rPr kumimoji="1" lang="en-US" altLang="ja-JP" sz="2800" dirty="0" smtClean="0"/>
               <a:t> fetch</a:t>
             </a:r>
             <a:r>
-              <a:rPr kumimoji="1" lang="ja-JP" altLang="en-US" sz="3200" dirty="0" smtClean="0"/>
+              <a:rPr kumimoji="1" lang="ja-JP" altLang="en-US" sz="2800" dirty="0" smtClean="0"/>
               <a:t>して</a:t>
             </a:r>
             <a:r>
-              <a:rPr kumimoji="1" lang="en-US" altLang="ja-JP" sz="3200" dirty="0" err="1" smtClean="0"/>
+              <a:rPr kumimoji="1" lang="en-US" altLang="ja-JP" sz="2800" dirty="0" err="1" smtClean="0"/>
               <a:t>git</a:t>
             </a:r>
             <a:r>
-              <a:rPr kumimoji="1" lang="en-US" altLang="ja-JP" sz="3200" dirty="0" smtClean="0"/>
+              <a:rPr kumimoji="1" lang="en-US" altLang="ja-JP" sz="2800" dirty="0" smtClean="0"/>
               <a:t> merge origin/master</a:t>
             </a:r>
             <a:r>
-              <a:rPr kumimoji="1" lang="ja-JP" altLang="en-US" sz="3200" dirty="0" smtClean="0"/>
+              <a:rPr kumimoji="1" lang="ja-JP" altLang="en-US" sz="2800" dirty="0" smtClean="0"/>
               <a:t>を一度に行う</a:t>
             </a:r>
-            <a:endParaRPr kumimoji="1" lang="ja-JP" altLang="en-US" sz="3200" dirty="0"/>
+            <a:endParaRPr kumimoji="1" lang="ja-JP" altLang="en-US" sz="2800" dirty="0"/>
           </a:p>
         </p:txBody>
       </p:sp>
@@ -44448,23 +44439,7 @@
                   <a:srgbClr val="FF0000"/>
                 </a:solidFill>
               </a:rPr>
-              <a:t>事故が起こりやすい</a:t>
-            </a:r>
-            <a:r>
-              <a:rPr lang="ja-JP" altLang="en-US" sz="2400" dirty="0" smtClean="0">
-                <a:solidFill>
-                  <a:srgbClr val="FF0000"/>
-                </a:solidFill>
-              </a:rPr>
-              <a:t>ので慣れる</a:t>
-            </a:r>
-            <a:r>
-              <a:rPr lang="ja-JP" altLang="en-US" sz="2400" dirty="0" smtClean="0">
-                <a:solidFill>
-                  <a:srgbClr val="FF0000"/>
-                </a:solidFill>
-              </a:rPr>
-              <a:t>まで</a:t>
+              <a:t>事故が起こりやすいので慣れるまで</a:t>
             </a:r>
             <a:r>
               <a:rPr lang="en-US" altLang="ja-JP" sz="2400" dirty="0" err="1" smtClean="0">

--- a/git/fig/start_git.pptx
+++ b/git/fig/start_git.pptx
@@ -253,7 +253,7 @@
           </a:lstStyle>
           <a:p>
             <a:fld id="{6B8D1B20-A248-FB47-8240-73C0C5F47C9D}" type="datetimeFigureOut">
-              <a:t>2021/3/31</a:t>
+              <a:t>2022/3/28</a:t>
             </a:fld>
             <a:endParaRPr kumimoji="1" lang="ja-JP" altLang="en-US"/>
           </a:p>
@@ -881,105 +881,6 @@
       </p:grpSpPr>
       <p:sp>
         <p:nvSpPr>
-          <p:cNvPr id="4" name="円/楕円 3">
-            <a:extLst>
-              <a:ext uri="{FF2B5EF4-FFF2-40B4-BE49-F238E27FC236}">
-                <a16:creationId xmlns:a16="http://schemas.microsoft.com/office/drawing/2014/main" id="{40BD511A-FE9E-B641-A323-1F2451D0C873}"/>
-              </a:ext>
-            </a:extLst>
-          </p:cNvPr>
-          <p:cNvSpPr/>
-          <p:nvPr userDrawn="1"/>
-        </p:nvSpPr>
-        <p:spPr>
-          <a:xfrm>
-            <a:off x="8651631" y="6350558"/>
-            <a:ext cx="411982" cy="411982"/>
-          </a:xfrm>
-          <a:prstGeom prst="ellipse">
-            <a:avLst/>
-          </a:prstGeom>
-          <a:solidFill>
-            <a:schemeClr val="bg1">
-              <a:lumMod val="75000"/>
-            </a:schemeClr>
-          </a:solidFill>
-          <a:ln>
-            <a:solidFill>
-              <a:schemeClr val="bg1">
-                <a:lumMod val="85000"/>
-              </a:schemeClr>
-            </a:solidFill>
-          </a:ln>
-        </p:spPr>
-        <p:style>
-          <a:lnRef idx="2">
-            <a:schemeClr val="dk1">
-              <a:shade val="50000"/>
-            </a:schemeClr>
-          </a:lnRef>
-          <a:fillRef idx="1">
-            <a:schemeClr val="dk1"/>
-          </a:fillRef>
-          <a:effectRef idx="0">
-            <a:schemeClr val="dk1"/>
-          </a:effectRef>
-          <a:fontRef idx="minor">
-            <a:schemeClr val="lt1"/>
-          </a:fontRef>
-        </p:style>
-        <p:txBody>
-          <a:bodyPr rtlCol="0" anchor="ctr"/>
-          <a:lstStyle/>
-          <a:p>
-            <a:pPr algn="ctr"/>
-            <a:endParaRPr kumimoji="1" lang="ja-JP" altLang="en-US" sz="1050">
-              <a:latin typeface="+mj-ea"/>
-              <a:ea typeface="+mj-ea"/>
-            </a:endParaRPr>
-          </a:p>
-        </p:txBody>
-      </p:sp>
-      <p:sp>
-        <p:nvSpPr>
-          <p:cNvPr id="5" name="テキスト ボックス 4">
-            <a:extLst>
-              <a:ext uri="{FF2B5EF4-FFF2-40B4-BE49-F238E27FC236}">
-                <a16:creationId xmlns:a16="http://schemas.microsoft.com/office/drawing/2014/main" id="{80A01A1C-B0C5-904D-963A-785848775F4A}"/>
-              </a:ext>
-            </a:extLst>
-          </p:cNvPr>
-          <p:cNvSpPr txBox="1"/>
-          <p:nvPr userDrawn="1"/>
-        </p:nvSpPr>
-        <p:spPr>
-          <a:xfrm>
-            <a:off x="8661679" y="6400799"/>
-            <a:ext cx="401072" cy="307777"/>
-          </a:xfrm>
-          <a:prstGeom prst="rect">
-            <a:avLst/>
-          </a:prstGeom>
-          <a:noFill/>
-        </p:spPr>
-        <p:txBody>
-          <a:bodyPr wrap="none" rtlCol="0">
-            <a:spAutoFit/>
-          </a:bodyPr>
-          <a:lstStyle/>
-          <a:p>
-            <a:pPr algn="ctr"/>
-            <a:fld id="{E8E17320-8F29-C346-80F3-7693511BE498}" type="slidenum">
-              <a:rPr kumimoji="1" lang="ja-JP" altLang="en-US" sz="1400"/>
-              <a:pPr algn="ctr"/>
-              <a:t>‹#›</a:t>
-            </a:fld>
-            <a:endParaRPr kumimoji="1" lang="ja-JP" altLang="en-US" sz="1400"/>
-          </a:p>
-        </p:txBody>
-      </p:sp>
-      <p:sp>
-        <p:nvSpPr>
           <p:cNvPr id="7" name="テキスト プレースホルダー 6">
             <a:extLst>
               <a:ext uri="{FF2B5EF4-FFF2-40B4-BE49-F238E27FC236}">
@@ -1019,6 +920,301 @@
           </a:lstStyle>
           <a:p>
             <a:endParaRPr kumimoji="1" lang="ja-JP" altLang="en-US"/>
+          </a:p>
+        </p:txBody>
+      </p:sp>
+      <p:sp>
+        <p:nvSpPr>
+          <p:cNvPr id="6" name="円/楕円 3">
+            <a:extLst>
+              <a:ext uri="{FF2B5EF4-FFF2-40B4-BE49-F238E27FC236}">
+                <a16:creationId xmlns:a16="http://schemas.microsoft.com/office/drawing/2014/main" id="{017B95BE-D7DB-4C8A-B060-293545D6B750}"/>
+              </a:ext>
+            </a:extLst>
+          </p:cNvPr>
+          <p:cNvSpPr/>
+          <p:nvPr userDrawn="1"/>
+        </p:nvSpPr>
+        <p:spPr>
+          <a:xfrm>
+            <a:off x="8651631" y="6350558"/>
+            <a:ext cx="411982" cy="411982"/>
+          </a:xfrm>
+          <a:prstGeom prst="ellipse">
+            <a:avLst/>
+          </a:prstGeom>
+          <a:solidFill>
+            <a:schemeClr val="bg1">
+              <a:lumMod val="75000"/>
+            </a:schemeClr>
+          </a:solidFill>
+          <a:ln>
+            <a:solidFill>
+              <a:schemeClr val="bg1">
+                <a:lumMod val="85000"/>
+              </a:schemeClr>
+            </a:solidFill>
+          </a:ln>
+        </p:spPr>
+        <p:style>
+          <a:lnRef idx="2">
+            <a:schemeClr val="dk1">
+              <a:shade val="50000"/>
+            </a:schemeClr>
+          </a:lnRef>
+          <a:fillRef idx="1">
+            <a:schemeClr val="dk1"/>
+          </a:fillRef>
+          <a:effectRef idx="0">
+            <a:schemeClr val="dk1"/>
+          </a:effectRef>
+          <a:fontRef idx="minor">
+            <a:schemeClr val="lt1"/>
+          </a:fontRef>
+        </p:style>
+        <p:txBody>
+          <a:bodyPr rtlCol="0" anchor="ctr"/>
+          <a:lstStyle/>
+          <a:p>
+            <a:pPr algn="ctr"/>
+            <a:endParaRPr kumimoji="1" lang="ja-JP" altLang="en-US" sz="1050">
+              <a:latin typeface="+mj-ea"/>
+              <a:ea typeface="+mj-ea"/>
+            </a:endParaRPr>
+          </a:p>
+        </p:txBody>
+      </p:sp>
+      <p:sp>
+        <p:nvSpPr>
+          <p:cNvPr id="8" name="テキスト ボックス 7">
+            <a:extLst>
+              <a:ext uri="{FF2B5EF4-FFF2-40B4-BE49-F238E27FC236}">
+                <a16:creationId xmlns:a16="http://schemas.microsoft.com/office/drawing/2014/main" id="{DCADC169-CF3B-43B1-BB70-AAF2237E2D13}"/>
+              </a:ext>
+            </a:extLst>
+          </p:cNvPr>
+          <p:cNvSpPr txBox="1"/>
+          <p:nvPr userDrawn="1"/>
+        </p:nvSpPr>
+        <p:spPr>
+          <a:xfrm>
+            <a:off x="8661679" y="6400799"/>
+            <a:ext cx="401072" cy="307777"/>
+          </a:xfrm>
+          <a:prstGeom prst="rect">
+            <a:avLst/>
+          </a:prstGeom>
+          <a:noFill/>
+        </p:spPr>
+        <p:txBody>
+          <a:bodyPr wrap="none" rtlCol="0">
+            <a:spAutoFit/>
+          </a:bodyPr>
+          <a:lstStyle/>
+          <a:p>
+            <a:pPr algn="ctr"/>
+            <a:fld id="{E8E17320-8F29-C346-80F3-7693511BE498}" type="slidenum">
+              <a:rPr kumimoji="1" lang="ja-JP" altLang="en-US" sz="1400"/>
+              <a:pPr algn="ctr"/>
+              <a:t>‹#›</a:t>
+            </a:fld>
+            <a:endParaRPr kumimoji="1" lang="ja-JP" altLang="en-US" sz="1400"/>
+          </a:p>
+        </p:txBody>
+      </p:sp>
+      <p:sp>
+        <p:nvSpPr>
+          <p:cNvPr id="9" name="円/楕円 3">
+            <a:extLst>
+              <a:ext uri="{FF2B5EF4-FFF2-40B4-BE49-F238E27FC236}">
+                <a16:creationId xmlns:a16="http://schemas.microsoft.com/office/drawing/2014/main" id="{D5D2FB4D-D76D-4B2B-BB2A-6456B4A7A442}"/>
+              </a:ext>
+            </a:extLst>
+          </p:cNvPr>
+          <p:cNvSpPr/>
+          <p:nvPr userDrawn="1"/>
+        </p:nvSpPr>
+        <p:spPr>
+          <a:xfrm>
+            <a:off x="8532440" y="6237312"/>
+            <a:ext cx="531173" cy="531173"/>
+          </a:xfrm>
+          <a:prstGeom prst="ellipse">
+            <a:avLst/>
+          </a:prstGeom>
+          <a:solidFill>
+            <a:schemeClr val="bg1">
+              <a:lumMod val="75000"/>
+            </a:schemeClr>
+          </a:solidFill>
+          <a:ln>
+            <a:solidFill>
+              <a:schemeClr val="bg1">
+                <a:lumMod val="85000"/>
+              </a:schemeClr>
+            </a:solidFill>
+          </a:ln>
+        </p:spPr>
+        <p:style>
+          <a:lnRef idx="2">
+            <a:schemeClr val="dk1">
+              <a:shade val="50000"/>
+            </a:schemeClr>
+          </a:lnRef>
+          <a:fillRef idx="1">
+            <a:schemeClr val="dk1"/>
+          </a:fillRef>
+          <a:effectRef idx="0">
+            <a:schemeClr val="dk1"/>
+          </a:effectRef>
+          <a:fontRef idx="minor">
+            <a:schemeClr val="lt1"/>
+          </a:fontRef>
+        </p:style>
+        <p:txBody>
+          <a:bodyPr rtlCol="0" anchor="ctr"/>
+          <a:lstStyle/>
+          <a:p>
+            <a:pPr algn="ctr"/>
+            <a:endParaRPr kumimoji="1" lang="ja-JP" altLang="en-US" sz="1050">
+              <a:latin typeface="+mj-ea"/>
+              <a:ea typeface="+mj-ea"/>
+            </a:endParaRPr>
+          </a:p>
+        </p:txBody>
+      </p:sp>
+      <p:sp>
+        <p:nvSpPr>
+          <p:cNvPr id="10" name="テキスト ボックス 9">
+            <a:extLst>
+              <a:ext uri="{FF2B5EF4-FFF2-40B4-BE49-F238E27FC236}">
+                <a16:creationId xmlns:a16="http://schemas.microsoft.com/office/drawing/2014/main" id="{E5873F54-399D-48CB-A551-CF538005CC9A}"/>
+              </a:ext>
+            </a:extLst>
+          </p:cNvPr>
+          <p:cNvSpPr txBox="1"/>
+          <p:nvPr userDrawn="1"/>
+        </p:nvSpPr>
+        <p:spPr>
+          <a:xfrm>
+            <a:off x="8491428" y="6270575"/>
+            <a:ext cx="401072" cy="307777"/>
+          </a:xfrm>
+          <a:prstGeom prst="rect">
+            <a:avLst/>
+          </a:prstGeom>
+          <a:noFill/>
+        </p:spPr>
+        <p:txBody>
+          <a:bodyPr wrap="none" rtlCol="0">
+            <a:spAutoFit/>
+          </a:bodyPr>
+          <a:lstStyle/>
+          <a:p>
+            <a:pPr algn="ctr"/>
+            <a:fld id="{E8E17320-8F29-C346-80F3-7693511BE498}" type="slidenum">
+              <a:rPr kumimoji="1" lang="ja-JP" altLang="en-US" sz="1400"/>
+              <a:pPr algn="ctr"/>
+              <a:t>‹#›</a:t>
+            </a:fld>
+            <a:endParaRPr kumimoji="1" lang="ja-JP" altLang="en-US" sz="1400" dirty="0"/>
+          </a:p>
+        </p:txBody>
+      </p:sp>
+      <p:sp>
+        <p:nvSpPr>
+          <p:cNvPr id="11" name="弦 10">
+            <a:extLst>
+              <a:ext uri="{FF2B5EF4-FFF2-40B4-BE49-F238E27FC236}">
+                <a16:creationId xmlns:a16="http://schemas.microsoft.com/office/drawing/2014/main" id="{AADD768B-94A7-4AC2-ADC7-12A335A55FE2}"/>
+              </a:ext>
+            </a:extLst>
+          </p:cNvPr>
+          <p:cNvSpPr/>
+          <p:nvPr userDrawn="1"/>
+        </p:nvSpPr>
+        <p:spPr>
+          <a:xfrm rot="15300000">
+            <a:off x="8520720" y="6221077"/>
+            <a:ext cx="565274" cy="565274"/>
+          </a:xfrm>
+          <a:prstGeom prst="chord">
+            <a:avLst>
+              <a:gd name="adj1" fmla="val 2700000"/>
+              <a:gd name="adj2" fmla="val 14142403"/>
+            </a:avLst>
+          </a:prstGeom>
+          <a:solidFill>
+            <a:schemeClr val="bg1">
+              <a:lumMod val="65000"/>
+            </a:schemeClr>
+          </a:solidFill>
+          <a:ln>
+            <a:noFill/>
+          </a:ln>
+          <a:effectLst>
+            <a:softEdge rad="31750"/>
+          </a:effectLst>
+        </p:spPr>
+        <p:style>
+          <a:lnRef idx="2">
+            <a:schemeClr val="accent1">
+              <a:shade val="50000"/>
+            </a:schemeClr>
+          </a:lnRef>
+          <a:fillRef idx="1">
+            <a:schemeClr val="accent1"/>
+          </a:fillRef>
+          <a:effectRef idx="0">
+            <a:schemeClr val="accent1"/>
+          </a:effectRef>
+          <a:fontRef idx="minor">
+            <a:schemeClr val="lt1"/>
+          </a:fontRef>
+        </p:style>
+        <p:txBody>
+          <a:bodyPr rtlCol="0" anchor="ctr"/>
+          <a:lstStyle/>
+          <a:p>
+            <a:pPr algn="ctr"/>
+            <a:endParaRPr kumimoji="1" lang="ja-JP" altLang="en-US"/>
+          </a:p>
+        </p:txBody>
+      </p:sp>
+      <p:sp>
+        <p:nvSpPr>
+          <p:cNvPr id="12" name="テキスト ボックス 11">
+            <a:extLst>
+              <a:ext uri="{FF2B5EF4-FFF2-40B4-BE49-F238E27FC236}">
+                <a16:creationId xmlns:a16="http://schemas.microsoft.com/office/drawing/2014/main" id="{A030C310-3391-461C-89C8-A8EEE9F47EF4}"/>
+              </a:ext>
+            </a:extLst>
+          </p:cNvPr>
+          <p:cNvSpPr txBox="1"/>
+          <p:nvPr userDrawn="1"/>
+        </p:nvSpPr>
+        <p:spPr>
+          <a:xfrm>
+            <a:off x="8717320" y="6437838"/>
+            <a:ext cx="383438" cy="307777"/>
+          </a:xfrm>
+          <a:prstGeom prst="rect">
+            <a:avLst/>
+          </a:prstGeom>
+          <a:noFill/>
+        </p:spPr>
+        <p:txBody>
+          <a:bodyPr wrap="none" rtlCol="0">
+            <a:spAutoFit/>
+          </a:bodyPr>
+          <a:lstStyle/>
+          <a:p>
+            <a:pPr algn="ctr"/>
+            <a:r>
+              <a:rPr kumimoji="1" lang="en-US" altLang="ja-JP" sz="1400"/>
+              <a:t>47</a:t>
+            </a:r>
+            <a:endParaRPr kumimoji="1" lang="en-US" altLang="ja-JP" sz="1400" dirty="0"/>
           </a:p>
         </p:txBody>
       </p:sp>
@@ -1073,13 +1269,6 @@
   <p:sldLayoutIdLst>
     <p:sldLayoutId id="2147483664" r:id="rId1"/>
   </p:sldLayoutIdLst>
-  <p:timing>
-    <p:tnLst>
-      <p:par>
-        <p:cTn id="1" dur="indefinite" restart="never" nodeType="tmRoot"/>
-      </p:par>
-    </p:tnLst>
-  </p:timing>
   <p:hf hdr="0" ftr="0" dt="0"/>
   <p:txStyles>
     <p:titleStyle>
@@ -1453,7 +1642,7 @@
           <a:p>
             <a:pPr algn="ctr"/>
             <a:r>
-              <a:rPr lang="ja-JP" altLang="en-US" sz="3200" dirty="0" smtClean="0">
+              <a:rPr lang="ja-JP" altLang="en-US" sz="3200" dirty="0">
                 <a:solidFill>
                   <a:srgbClr val="011893"/>
                 </a:solidFill>
@@ -1461,7 +1650,7 @@
               <a:t>数値計算屋のための</a:t>
             </a:r>
             <a:r>
-              <a:rPr lang="en-US" altLang="ja-JP" sz="3200" dirty="0" err="1" smtClean="0">
+              <a:rPr lang="en-US" altLang="ja-JP" sz="3200" dirty="0" err="1">
                 <a:solidFill>
                   <a:srgbClr val="011893"/>
                 </a:solidFill>
@@ -1469,7 +1658,7 @@
               <a:t>Git</a:t>
             </a:r>
             <a:r>
-              <a:rPr lang="ja-JP" altLang="en-US" sz="3200" dirty="0" smtClean="0">
+              <a:rPr lang="ja-JP" altLang="en-US" sz="3200" dirty="0">
                 <a:solidFill>
                   <a:srgbClr val="011893"/>
                 </a:solidFill>
@@ -1553,50 +1742,6 @@
               <a:t>渡辺</a:t>
             </a:r>
             <a:endParaRPr lang="en-US" altLang="ja-JP" sz="2400"/>
-          </a:p>
-        </p:txBody>
-      </p:sp>
-      <p:sp>
-        <p:nvSpPr>
-          <p:cNvPr id="7" name="テキスト ボックス 6">
-            <a:extLst>
-              <a:ext uri="{FF2B5EF4-FFF2-40B4-BE49-F238E27FC236}">
-                <a16:creationId xmlns:a16="http://schemas.microsoft.com/office/drawing/2014/main" id="{D5E05EE1-8957-9F44-8F8E-6BD27683056C}"/>
-              </a:ext>
-            </a:extLst>
-          </p:cNvPr>
-          <p:cNvSpPr txBox="1"/>
-          <p:nvPr/>
-        </p:nvSpPr>
-        <p:spPr>
-          <a:xfrm>
-            <a:off x="3271520" y="4338320"/>
-            <a:ext cx="2752677" cy="707886"/>
-          </a:xfrm>
-          <a:prstGeom prst="rect">
-            <a:avLst/>
-          </a:prstGeom>
-          <a:noFill/>
-        </p:spPr>
-        <p:txBody>
-          <a:bodyPr wrap="none" rtlCol="0">
-            <a:spAutoFit/>
-          </a:bodyPr>
-          <a:lstStyle/>
-          <a:p>
-            <a:r>
-              <a:rPr kumimoji="1" lang="en-US" altLang="ja-JP" sz="4000" smtClean="0"/>
-              <a:t>2021/0</a:t>
-            </a:r>
-            <a:r>
-              <a:rPr lang="en-US" altLang="ja-JP" sz="4000" smtClean="0"/>
-              <a:t>4</a:t>
-            </a:r>
-            <a:r>
-              <a:rPr kumimoji="1" lang="en-US" altLang="ja-JP" sz="4000" smtClean="0"/>
-              <a:t>/01</a:t>
-            </a:r>
-            <a:endParaRPr kumimoji="1" lang="ja-JP" altLang="en-US" sz="4000" dirty="0"/>
           </a:p>
         </p:txBody>
       </p:sp>
@@ -1610,13 +1755,6 @@
   <p:clrMapOvr>
     <a:masterClrMapping/>
   </p:clrMapOvr>
-  <p:timing>
-    <p:tnLst>
-      <p:par>
-        <p:cTn id="1" dur="indefinite" restart="never" nodeType="tmRoot"/>
-      </p:par>
-    </p:tnLst>
-  </p:timing>
 </p:sld>
 </file>
 
@@ -1653,26 +1791,25 @@
           <a:lstStyle/>
           <a:p>
             <a:r>
-              <a:rPr kumimoji="1" lang="en-US" altLang="ja-JP" dirty="0" err="1" smtClean="0"/>
+              <a:rPr kumimoji="1" lang="en-US" altLang="ja-JP" dirty="0" err="1"/>
               <a:t>git</a:t>
             </a:r>
             <a:r>
-              <a:rPr kumimoji="1" lang="en-US" altLang="ja-JP" dirty="0" smtClean="0"/>
+              <a:rPr kumimoji="1" lang="en-US" altLang="ja-JP" dirty="0"/>
               <a:t> </a:t>
             </a:r>
             <a:r>
-              <a:rPr kumimoji="1" lang="en-US" altLang="ja-JP" dirty="0" err="1" smtClean="0"/>
+              <a:rPr kumimoji="1" lang="en-US" altLang="ja-JP" dirty="0" err="1"/>
               <a:t>init</a:t>
             </a:r>
             <a:r>
-              <a:rPr kumimoji="1" lang="en-US" altLang="ja-JP" dirty="0" smtClean="0"/>
+              <a:rPr kumimoji="1" lang="en-US" altLang="ja-JP" dirty="0"/>
               <a:t> - </a:t>
             </a:r>
             <a:r>
-              <a:rPr kumimoji="1" lang="ja-JP" altLang="en-US" dirty="0" smtClean="0"/>
+              <a:rPr kumimoji="1" lang="ja-JP" altLang="en-US" dirty="0"/>
               <a:t>管理を始める</a:t>
             </a:r>
-            <a:endParaRPr kumimoji="1" lang="ja-JP" altLang="en-US" dirty="0"/>
           </a:p>
         </p:txBody>
       </p:sp>
@@ -1699,23 +1836,23 @@
           <a:lstStyle/>
           <a:p>
             <a:r>
-              <a:rPr lang="ja-JP" altLang="en-US" sz="2400" dirty="0" smtClean="0"/>
+              <a:rPr lang="ja-JP" altLang="en-US" sz="2400" dirty="0"/>
               <a:t>管理したいファイルを含むディレクトリで </a:t>
             </a:r>
             <a:r>
-              <a:rPr lang="en-US" altLang="ja-JP" sz="2400" dirty="0" err="1" smtClean="0"/>
+              <a:rPr lang="en-US" altLang="ja-JP" sz="2400" dirty="0" err="1"/>
               <a:t>git</a:t>
             </a:r>
             <a:r>
-              <a:rPr lang="en-US" altLang="ja-JP" sz="2400" dirty="0" smtClean="0"/>
+              <a:rPr lang="en-US" altLang="ja-JP" sz="2400" dirty="0"/>
               <a:t> </a:t>
             </a:r>
             <a:r>
-              <a:rPr lang="en-US" altLang="ja-JP" sz="2400" dirty="0" err="1" smtClean="0"/>
+              <a:rPr lang="en-US" altLang="ja-JP" sz="2400" dirty="0" err="1"/>
               <a:t>init</a:t>
             </a:r>
             <a:r>
-              <a:rPr lang="ja-JP" altLang="en-US" sz="2400" dirty="0" smtClean="0"/>
+              <a:rPr lang="ja-JP" altLang="en-US" sz="2400" dirty="0"/>
               <a:t>を実行する</a:t>
             </a:r>
             <a:endParaRPr kumimoji="1" lang="ja-JP" altLang="en-US" sz="2400" dirty="0"/>
@@ -1996,17 +2133,16 @@
           <a:lstStyle/>
           <a:p>
             <a:r>
-              <a:rPr kumimoji="1" lang="ja-JP" altLang="en-US" dirty="0" smtClean="0"/>
+              <a:rPr kumimoji="1" lang="ja-JP" altLang="en-US" dirty="0"/>
               <a:t>データ</a:t>
             </a:r>
-            <a:endParaRPr kumimoji="1" lang="en-US" altLang="ja-JP" dirty="0" smtClean="0"/>
-          </a:p>
-          <a:p>
-            <a:r>
-              <a:rPr kumimoji="1" lang="ja-JP" altLang="en-US" dirty="0" smtClean="0"/>
+            <a:endParaRPr kumimoji="1" lang="en-US" altLang="ja-JP" dirty="0"/>
+          </a:p>
+          <a:p>
+            <a:r>
+              <a:rPr kumimoji="1" lang="ja-JP" altLang="en-US" dirty="0"/>
               <a:t>ベース</a:t>
             </a:r>
-            <a:endParaRPr kumimoji="1" lang="ja-JP" altLang="en-US" dirty="0"/>
           </a:p>
         </p:txBody>
       </p:sp>
@@ -2279,14 +2415,14 @@
           <a:lstStyle/>
           <a:p>
             <a:r>
-              <a:rPr kumimoji="1" lang="ja-JP" altLang="en-US" dirty="0" smtClean="0"/>
+              <a:rPr kumimoji="1" lang="ja-JP" altLang="en-US" dirty="0"/>
               <a:t>管理されている</a:t>
             </a:r>
-            <a:endParaRPr kumimoji="1" lang="en-US" altLang="ja-JP" dirty="0" smtClean="0"/>
-          </a:p>
-          <a:p>
-            <a:r>
-              <a:rPr lang="ja-JP" altLang="en-US" dirty="0" smtClean="0"/>
+            <a:endParaRPr kumimoji="1" lang="en-US" altLang="ja-JP" dirty="0"/>
+          </a:p>
+          <a:p>
+            <a:r>
+              <a:rPr lang="ja-JP" altLang="en-US" dirty="0"/>
               <a:t>ファイルやフォルダ</a:t>
             </a:r>
             <a:endParaRPr kumimoji="1" lang="ja-JP" altLang="en-US" dirty="0"/>
@@ -2647,11 +2783,11 @@
           <a:lstStyle/>
           <a:p>
             <a:r>
-              <a:rPr kumimoji="1" lang="ja-JP" altLang="en-US" dirty="0" smtClean="0"/>
+              <a:rPr kumimoji="1" lang="ja-JP" altLang="en-US" dirty="0"/>
               <a:t>管理したい</a:t>
             </a:r>
             <a:r>
-              <a:rPr lang="ja-JP" altLang="en-US" dirty="0" smtClean="0"/>
+              <a:rPr lang="ja-JP" altLang="en-US" dirty="0"/>
               <a:t>ファイルやフォルダ</a:t>
             </a:r>
             <a:endParaRPr kumimoji="1" lang="ja-JP" altLang="en-US" dirty="0"/>
@@ -2729,15 +2865,15 @@
           <a:lstStyle/>
           <a:p>
             <a:r>
-              <a:rPr lang="en-US" altLang="ja-JP" sz="2400" dirty="0" err="1" smtClean="0"/>
+              <a:rPr lang="en-US" altLang="ja-JP" sz="2400" dirty="0" err="1"/>
               <a:t>git</a:t>
             </a:r>
             <a:r>
-              <a:rPr lang="en-US" altLang="ja-JP" sz="2400" dirty="0" smtClean="0"/>
+              <a:rPr lang="en-US" altLang="ja-JP" sz="2400" dirty="0"/>
               <a:t> </a:t>
             </a:r>
             <a:r>
-              <a:rPr lang="en-US" altLang="ja-JP" sz="2400" dirty="0" err="1" smtClean="0"/>
+              <a:rPr lang="en-US" altLang="ja-JP" sz="2400" dirty="0" err="1"/>
               <a:t>init</a:t>
             </a:r>
             <a:endParaRPr kumimoji="1" lang="ja-JP" altLang="en-US" sz="2400" dirty="0"/>
@@ -2767,46 +2903,46 @@
           <a:lstStyle/>
           <a:p>
             <a:r>
-              <a:rPr lang="en-US" altLang="ja-JP" dirty="0" smtClean="0"/>
+              <a:rPr lang="en-US" altLang="ja-JP" dirty="0"/>
               <a:t>※ </a:t>
             </a:r>
             <a:r>
-              <a:rPr lang="ja-JP" altLang="en-US" dirty="0" smtClean="0"/>
+              <a:rPr lang="ja-JP" altLang="en-US" dirty="0"/>
               <a:t>実際には</a:t>
             </a:r>
             <a:r>
-              <a:rPr lang="en-US" altLang="ja-JP" dirty="0" err="1" smtClean="0"/>
+              <a:rPr lang="en-US" altLang="ja-JP" dirty="0" err="1"/>
               <a:t>git</a:t>
             </a:r>
             <a:r>
-              <a:rPr lang="en-US" altLang="ja-JP" dirty="0" smtClean="0"/>
+              <a:rPr lang="en-US" altLang="ja-JP" dirty="0"/>
               <a:t> add</a:t>
             </a:r>
             <a:r>
-              <a:rPr lang="ja-JP" altLang="en-US" dirty="0" smtClean="0"/>
+              <a:rPr lang="ja-JP" altLang="en-US" dirty="0"/>
               <a:t>してから</a:t>
             </a:r>
             <a:r>
-              <a:rPr lang="en-US" altLang="ja-JP" dirty="0" err="1" smtClean="0"/>
+              <a:rPr lang="en-US" altLang="ja-JP" dirty="0" err="1"/>
               <a:t>git</a:t>
             </a:r>
             <a:r>
-              <a:rPr lang="en-US" altLang="ja-JP" dirty="0" smtClean="0"/>
+              <a:rPr lang="en-US" altLang="ja-JP" dirty="0"/>
               <a:t> commit</a:t>
             </a:r>
             <a:r>
-              <a:rPr lang="ja-JP" altLang="en-US" dirty="0" smtClean="0"/>
+              <a:rPr lang="ja-JP" altLang="en-US" dirty="0"/>
               <a:t>しないと</a:t>
             </a:r>
             <a:r>
-              <a:rPr lang="en-US" altLang="ja-JP" dirty="0" err="1" smtClean="0"/>
+              <a:rPr lang="en-US" altLang="ja-JP" dirty="0" err="1"/>
               <a:t>git</a:t>
             </a:r>
             <a:r>
-              <a:rPr lang="ja-JP" altLang="en-US" dirty="0" smtClean="0"/>
+              <a:rPr lang="ja-JP" altLang="en-US" dirty="0"/>
               <a:t>の管理下に入らない</a:t>
             </a:r>
-            <a:endParaRPr lang="en-US" altLang="ja-JP" dirty="0" smtClean="0"/>
+            <a:endParaRPr lang="en-US" altLang="ja-JP" dirty="0"/>
           </a:p>
         </p:txBody>
       </p:sp>
@@ -2820,13 +2956,6 @@
   <p:clrMapOvr>
     <a:masterClrMapping/>
   </p:clrMapOvr>
-  <p:timing>
-    <p:tnLst>
-      <p:par>
-        <p:cTn id="1" dur="indefinite" restart="never" nodeType="tmRoot"/>
-      </p:par>
-    </p:tnLst>
-  </p:timing>
 </p:sld>
 </file>
 
@@ -2863,18 +2992,17 @@
           <a:lstStyle/>
           <a:p>
             <a:r>
-              <a:rPr kumimoji="1" lang="en-US" altLang="ja-JP" dirty="0" err="1" smtClean="0"/>
+              <a:rPr kumimoji="1" lang="en-US" altLang="ja-JP" dirty="0" err="1"/>
               <a:t>git</a:t>
             </a:r>
             <a:r>
-              <a:rPr kumimoji="1" lang="en-US" altLang="ja-JP" dirty="0" smtClean="0"/>
+              <a:rPr kumimoji="1" lang="en-US" altLang="ja-JP" dirty="0"/>
               <a:t> commit - </a:t>
             </a:r>
             <a:r>
-              <a:rPr kumimoji="1" lang="ja-JP" altLang="en-US" dirty="0" smtClean="0"/>
+              <a:rPr kumimoji="1" lang="ja-JP" altLang="en-US" dirty="0"/>
               <a:t>コミットとは</a:t>
             </a:r>
-            <a:endParaRPr kumimoji="1" lang="ja-JP" altLang="en-US" dirty="0"/>
           </a:p>
         </p:txBody>
       </p:sp>
@@ -2901,14 +3029,14 @@
           <a:lstStyle/>
           <a:p>
             <a:r>
-              <a:rPr kumimoji="1" lang="en-US" altLang="ja-JP" sz="2800" dirty="0" err="1" smtClean="0"/>
+              <a:rPr kumimoji="1" lang="en-US" altLang="ja-JP" sz="2800" dirty="0" err="1"/>
               <a:t>Git</a:t>
             </a:r>
             <a:r>
-              <a:rPr kumimoji="1" lang="ja-JP" altLang="en-US" sz="2800" dirty="0" smtClean="0"/>
+              <a:rPr kumimoji="1" lang="ja-JP" altLang="en-US" sz="2800" dirty="0"/>
               <a:t>では「歴史」を丸と線で表現する</a:t>
             </a:r>
-            <a:endParaRPr kumimoji="1" lang="en-US" altLang="ja-JP" sz="2800" dirty="0" smtClean="0"/>
+            <a:endParaRPr kumimoji="1" lang="en-US" altLang="ja-JP" sz="2800" dirty="0"/>
           </a:p>
           <a:p>
             <a:pPr marL="457200" indent="-457200">
@@ -2916,10 +3044,10 @@
               <a:buChar char="•"/>
             </a:pPr>
             <a:r>
-              <a:rPr lang="ja-JP" altLang="en-US" sz="2800" dirty="0" smtClean="0"/>
+              <a:rPr lang="ja-JP" altLang="en-US" sz="2800" dirty="0"/>
               <a:t>丸：ある時点の「状態」</a:t>
             </a:r>
-            <a:endParaRPr lang="en-US" altLang="ja-JP" sz="2800" dirty="0" smtClean="0"/>
+            <a:endParaRPr lang="en-US" altLang="ja-JP" sz="2800" dirty="0"/>
           </a:p>
           <a:p>
             <a:pPr marL="457200" indent="-457200">
@@ -2927,19 +3055,19 @@
               <a:buChar char="•"/>
             </a:pPr>
             <a:r>
-              <a:rPr kumimoji="1" lang="ja-JP" altLang="en-US" sz="2800" dirty="0" smtClean="0"/>
+              <a:rPr kumimoji="1" lang="ja-JP" altLang="en-US" sz="2800" dirty="0"/>
               <a:t>線：二つの状態の関係</a:t>
             </a:r>
             <a:r>
-              <a:rPr kumimoji="1" lang="en-US" altLang="ja-JP" sz="2800" dirty="0" smtClean="0"/>
+              <a:rPr kumimoji="1" lang="en-US" altLang="ja-JP" sz="2800" dirty="0"/>
               <a:t>(</a:t>
             </a:r>
             <a:r>
-              <a:rPr kumimoji="1" lang="ja-JP" altLang="en-US" sz="2800" dirty="0" smtClean="0"/>
+              <a:rPr kumimoji="1" lang="ja-JP" altLang="en-US" sz="2800" dirty="0"/>
               <a:t>差分</a:t>
             </a:r>
             <a:r>
-              <a:rPr kumimoji="1" lang="en-US" altLang="ja-JP" sz="2800" dirty="0" smtClean="0"/>
+              <a:rPr kumimoji="1" lang="en-US" altLang="ja-JP" sz="2800" dirty="0"/>
               <a:t>)</a:t>
             </a:r>
             <a:endParaRPr kumimoji="1" lang="ja-JP" altLang="en-US" sz="2800" dirty="0"/>
@@ -3190,14 +3318,13 @@
           <a:lstStyle/>
           <a:p>
             <a:r>
-              <a:rPr lang="ja-JP" altLang="en-US" dirty="0" smtClean="0"/>
+              <a:rPr lang="ja-JP" altLang="en-US" dirty="0"/>
               <a:t>三</a:t>
             </a:r>
             <a:r>
-              <a:rPr kumimoji="1" lang="ja-JP" altLang="en-US" dirty="0" smtClean="0"/>
+              <a:rPr kumimoji="1" lang="ja-JP" altLang="en-US" dirty="0"/>
               <a:t>日前</a:t>
             </a:r>
-            <a:endParaRPr kumimoji="1" lang="ja-JP" altLang="en-US" dirty="0"/>
           </a:p>
         </p:txBody>
       </p:sp>
@@ -3224,10 +3351,9 @@
           <a:lstStyle/>
           <a:p>
             <a:r>
-              <a:rPr kumimoji="1" lang="ja-JP" altLang="en-US" dirty="0" smtClean="0"/>
+              <a:rPr kumimoji="1" lang="ja-JP" altLang="en-US" dirty="0"/>
               <a:t>二日前</a:t>
             </a:r>
-            <a:endParaRPr kumimoji="1" lang="ja-JP" altLang="en-US" dirty="0"/>
           </a:p>
         </p:txBody>
       </p:sp>
@@ -3534,7 +3660,7 @@
           <a:lstStyle/>
           <a:p>
             <a:r>
-              <a:rPr lang="ja-JP" altLang="en-US" dirty="0" smtClean="0"/>
+              <a:rPr lang="ja-JP" altLang="en-US" dirty="0"/>
               <a:t>昨日から修正を加えたファイル</a:t>
             </a:r>
             <a:endParaRPr kumimoji="1" lang="ja-JP" altLang="en-US" dirty="0"/>
@@ -3564,10 +3690,9 @@
           <a:lstStyle/>
           <a:p>
             <a:r>
-              <a:rPr kumimoji="1" lang="ja-JP" altLang="en-US" sz="2800" dirty="0" smtClean="0"/>
+              <a:rPr kumimoji="1" lang="ja-JP" altLang="en-US" sz="2800" dirty="0"/>
               <a:t>歴史</a:t>
             </a:r>
-            <a:endParaRPr kumimoji="1" lang="ja-JP" altLang="en-US" sz="2800" dirty="0"/>
           </a:p>
         </p:txBody>
       </p:sp>
@@ -3581,13 +3706,6 @@
   <p:clrMapOvr>
     <a:masterClrMapping/>
   </p:clrMapOvr>
-  <p:timing>
-    <p:tnLst>
-      <p:par>
-        <p:cTn id="1" dur="indefinite" restart="never" nodeType="tmRoot"/>
-      </p:par>
-    </p:tnLst>
-  </p:timing>
 </p:sld>
 </file>
 
@@ -3624,18 +3742,17 @@
           <a:lstStyle/>
           <a:p>
             <a:r>
-              <a:rPr kumimoji="1" lang="en-US" altLang="ja-JP" dirty="0" err="1" smtClean="0"/>
+              <a:rPr kumimoji="1" lang="en-US" altLang="ja-JP" dirty="0" err="1"/>
               <a:t>git</a:t>
             </a:r>
             <a:r>
-              <a:rPr kumimoji="1" lang="en-US" altLang="ja-JP" dirty="0" smtClean="0"/>
+              <a:rPr kumimoji="1" lang="en-US" altLang="ja-JP" dirty="0"/>
               <a:t> commit - </a:t>
             </a:r>
             <a:r>
-              <a:rPr kumimoji="1" lang="ja-JP" altLang="en-US" dirty="0" smtClean="0"/>
+              <a:rPr kumimoji="1" lang="ja-JP" altLang="en-US" dirty="0"/>
               <a:t>コミットとは</a:t>
             </a:r>
-            <a:endParaRPr kumimoji="1" lang="ja-JP" altLang="en-US" dirty="0"/>
           </a:p>
         </p:txBody>
       </p:sp>
@@ -3662,16 +3779,8 @@
           <a:lstStyle/>
           <a:p>
             <a:r>
-              <a:rPr lang="ja-JP" altLang="en-US" sz="2800" dirty="0" smtClean="0"/>
-              <a:t>コミット</a:t>
-            </a:r>
-            <a:r>
               <a:rPr lang="ja-JP" altLang="en-US" sz="2800" dirty="0"/>
-              <a:t>：</a:t>
-            </a:r>
-            <a:r>
-              <a:rPr lang="ja-JP" altLang="en-US" sz="2800" dirty="0" smtClean="0"/>
-              <a:t>現在の状態を保存して「歴史」に加える</a:t>
+              <a:t>コミット：現在の状態を保存して「歴史」に加える</a:t>
             </a:r>
             <a:endParaRPr kumimoji="1" lang="ja-JP" altLang="en-US" sz="2800" dirty="0"/>
           </a:p>
@@ -3921,14 +4030,13 @@
           <a:lstStyle/>
           <a:p>
             <a:r>
-              <a:rPr lang="ja-JP" altLang="en-US" dirty="0" smtClean="0"/>
+              <a:rPr lang="ja-JP" altLang="en-US" dirty="0"/>
               <a:t>三</a:t>
             </a:r>
             <a:r>
-              <a:rPr kumimoji="1" lang="ja-JP" altLang="en-US" dirty="0" smtClean="0"/>
+              <a:rPr kumimoji="1" lang="ja-JP" altLang="en-US" dirty="0"/>
               <a:t>日前</a:t>
             </a:r>
-            <a:endParaRPr kumimoji="1" lang="ja-JP" altLang="en-US" dirty="0"/>
           </a:p>
         </p:txBody>
       </p:sp>
@@ -3955,10 +4063,9 @@
           <a:lstStyle/>
           <a:p>
             <a:r>
-              <a:rPr kumimoji="1" lang="ja-JP" altLang="en-US" dirty="0" smtClean="0"/>
+              <a:rPr kumimoji="1" lang="ja-JP" altLang="en-US" dirty="0"/>
               <a:t>二日前</a:t>
             </a:r>
-            <a:endParaRPr kumimoji="1" lang="ja-JP" altLang="en-US" dirty="0"/>
           </a:p>
         </p:txBody>
       </p:sp>
@@ -4265,7 +4372,7 @@
           <a:lstStyle/>
           <a:p>
             <a:r>
-              <a:rPr lang="ja-JP" altLang="en-US" dirty="0" smtClean="0"/>
+              <a:rPr lang="ja-JP" altLang="en-US" dirty="0"/>
               <a:t>昨日から修正を加えたファイル</a:t>
             </a:r>
             <a:endParaRPr kumimoji="1" lang="ja-JP" altLang="en-US" dirty="0"/>
@@ -4458,10 +4565,9 @@
           <a:lstStyle/>
           <a:p>
             <a:r>
-              <a:rPr kumimoji="1" lang="ja-JP" altLang="en-US" sz="2800" dirty="0" smtClean="0"/>
+              <a:rPr kumimoji="1" lang="ja-JP" altLang="en-US" sz="2800" dirty="0"/>
               <a:t>歴史</a:t>
             </a:r>
-            <a:endParaRPr kumimoji="1" lang="ja-JP" altLang="en-US" sz="2800" dirty="0"/>
           </a:p>
         </p:txBody>
       </p:sp>
@@ -4769,14 +4875,13 @@
           <a:lstStyle/>
           <a:p>
             <a:r>
-              <a:rPr lang="ja-JP" altLang="en-US" dirty="0" smtClean="0"/>
+              <a:rPr lang="ja-JP" altLang="en-US" dirty="0"/>
               <a:t>三</a:t>
             </a:r>
             <a:r>
-              <a:rPr kumimoji="1" lang="ja-JP" altLang="en-US" dirty="0" smtClean="0"/>
+              <a:rPr kumimoji="1" lang="ja-JP" altLang="en-US" dirty="0"/>
               <a:t>日前</a:t>
             </a:r>
-            <a:endParaRPr kumimoji="1" lang="ja-JP" altLang="en-US" dirty="0"/>
           </a:p>
         </p:txBody>
       </p:sp>
@@ -4803,10 +4908,9 @@
           <a:lstStyle/>
           <a:p>
             <a:r>
-              <a:rPr kumimoji="1" lang="ja-JP" altLang="en-US" dirty="0" smtClean="0"/>
+              <a:rPr kumimoji="1" lang="ja-JP" altLang="en-US" dirty="0"/>
               <a:t>二日前</a:t>
             </a:r>
-            <a:endParaRPr kumimoji="1" lang="ja-JP" altLang="en-US" dirty="0"/>
           </a:p>
         </p:txBody>
       </p:sp>
@@ -4948,10 +5052,9 @@
           <a:lstStyle/>
           <a:p>
             <a:r>
-              <a:rPr kumimoji="1" lang="ja-JP" altLang="en-US" sz="2800" dirty="0" smtClean="0"/>
+              <a:rPr kumimoji="1" lang="ja-JP" altLang="en-US" sz="2800" dirty="0"/>
               <a:t>歴史</a:t>
             </a:r>
-            <a:endParaRPr kumimoji="1" lang="ja-JP" altLang="en-US" sz="2800" dirty="0"/>
           </a:p>
         </p:txBody>
       </p:sp>
@@ -5156,7 +5259,7 @@
           <a:lstStyle/>
           <a:p>
             <a:r>
-              <a:rPr lang="ja-JP" altLang="en-US" sz="2800" dirty="0" smtClean="0"/>
+              <a:rPr lang="ja-JP" altLang="en-US" sz="2800" dirty="0"/>
               <a:t>この玉それぞれを「コミット」と呼ぶ</a:t>
             </a:r>
             <a:endParaRPr kumimoji="1" lang="ja-JP" altLang="en-US" sz="2800" dirty="0"/>
@@ -5186,7 +5289,7 @@
           <a:lstStyle/>
           <a:p>
             <a:r>
-              <a:rPr lang="ja-JP" altLang="en-US" sz="2800" dirty="0" smtClean="0"/>
+              <a:rPr lang="ja-JP" altLang="en-US" sz="2800" dirty="0"/>
               <a:t>この玉を新たに作る作業を「コミットする」と呼ぶ</a:t>
             </a:r>
             <a:endParaRPr kumimoji="1" lang="ja-JP" altLang="en-US" sz="2800" dirty="0"/>
@@ -5216,41 +5319,41 @@
           <a:lstStyle/>
           <a:p>
             <a:r>
-              <a:rPr kumimoji="1" lang="en-US" altLang="ja-JP" sz="2000" dirty="0" smtClean="0"/>
+              <a:rPr kumimoji="1" lang="en-US" altLang="ja-JP" sz="2000" dirty="0"/>
               <a:t>commit (</a:t>
             </a:r>
             <a:r>
-              <a:rPr kumimoji="1" lang="ja-JP" altLang="en-US" sz="2000" dirty="0" smtClean="0"/>
+              <a:rPr kumimoji="1" lang="ja-JP" altLang="en-US" sz="2000" dirty="0"/>
               <a:t>名詞</a:t>
             </a:r>
             <a:r>
-              <a:rPr kumimoji="1" lang="en-US" altLang="ja-JP" sz="2000" dirty="0" smtClean="0"/>
+              <a:rPr kumimoji="1" lang="en-US" altLang="ja-JP" sz="2000" dirty="0"/>
               <a:t>) : </a:t>
             </a:r>
             <a:r>
-              <a:rPr kumimoji="1" lang="en-US" altLang="ja-JP" sz="2000" dirty="0" err="1" smtClean="0"/>
+              <a:rPr kumimoji="1" lang="en-US" altLang="ja-JP" sz="2000" dirty="0" err="1"/>
               <a:t>Git</a:t>
             </a:r>
             <a:r>
-              <a:rPr kumimoji="1" lang="ja-JP" altLang="en-US" sz="2000" dirty="0" smtClean="0"/>
+              <a:rPr kumimoji="1" lang="ja-JP" altLang="en-US" sz="2000" dirty="0"/>
               <a:t>の歴史のある「点」</a:t>
             </a:r>
             <a:r>
-              <a:rPr kumimoji="1" lang="en-US" altLang="ja-JP" sz="2000" dirty="0" smtClean="0"/>
+              <a:rPr kumimoji="1" lang="en-US" altLang="ja-JP" sz="2000" dirty="0"/>
               <a:t>(</a:t>
             </a:r>
             <a:r>
-              <a:rPr kumimoji="1" lang="ja-JP" altLang="en-US" sz="2000" dirty="0" smtClean="0"/>
+              <a:rPr kumimoji="1" lang="ja-JP" altLang="en-US" sz="2000" dirty="0"/>
               <a:t>スナップショット</a:t>
             </a:r>
             <a:r>
-              <a:rPr kumimoji="1" lang="en-US" altLang="ja-JP" sz="2000" dirty="0" smtClean="0"/>
+              <a:rPr kumimoji="1" lang="en-US" altLang="ja-JP" sz="2000" dirty="0"/>
               <a:t>)</a:t>
             </a:r>
           </a:p>
           <a:p>
             <a:r>
-              <a:rPr lang="en-US" altLang="ja-JP" sz="2000" dirty="0" smtClean="0"/>
+              <a:rPr lang="en-US" altLang="ja-JP" sz="2000" dirty="0"/>
               <a:t>commit</a:t>
             </a:r>
             <a:r>
@@ -5258,15 +5361,15 @@
               <a:t> </a:t>
             </a:r>
             <a:r>
-              <a:rPr lang="en-US" altLang="ja-JP" sz="2000" dirty="0" smtClean="0"/>
+              <a:rPr lang="en-US" altLang="ja-JP" sz="2000" dirty="0"/>
               <a:t>(</a:t>
             </a:r>
             <a:r>
-              <a:rPr lang="ja-JP" altLang="en-US" sz="2000" dirty="0" smtClean="0"/>
+              <a:rPr lang="ja-JP" altLang="en-US" sz="2000" dirty="0"/>
               <a:t>動詞</a:t>
             </a:r>
             <a:r>
-              <a:rPr lang="en-US" altLang="ja-JP" sz="2000" dirty="0" smtClean="0"/>
+              <a:rPr lang="en-US" altLang="ja-JP" sz="2000" dirty="0"/>
               <a:t>): </a:t>
             </a:r>
             <a:r>
@@ -5274,11 +5377,11 @@
               <a:t> </a:t>
             </a:r>
             <a:r>
-              <a:rPr lang="en-US" altLang="ja-JP" sz="2000" dirty="0" err="1" smtClean="0"/>
+              <a:rPr lang="en-US" altLang="ja-JP" sz="2000" dirty="0" err="1"/>
               <a:t>Git</a:t>
             </a:r>
             <a:r>
-              <a:rPr lang="ja-JP" altLang="en-US" sz="2000" dirty="0" smtClean="0"/>
+              <a:rPr lang="ja-JP" altLang="en-US" sz="2000" dirty="0"/>
               <a:t>の歴史に新たにスナップショットを付け加えること</a:t>
             </a:r>
             <a:endParaRPr kumimoji="1" lang="ja-JP" altLang="en-US" sz="2000" dirty="0"/>
@@ -5378,13 +5481,6 @@
   <p:clrMapOvr>
     <a:masterClrMapping/>
   </p:clrMapOvr>
-  <p:timing>
-    <p:tnLst>
-      <p:par>
-        <p:cTn id="1" dur="indefinite" restart="never" nodeType="tmRoot"/>
-      </p:par>
-    </p:tnLst>
-  </p:timing>
 </p:sld>
 </file>
 
@@ -5469,10 +5565,9 @@
           <a:lstStyle/>
           <a:p>
             <a:r>
-              <a:rPr kumimoji="1" lang="ja-JP" altLang="en-US" dirty="0" smtClean="0"/>
+              <a:rPr kumimoji="1" lang="ja-JP" altLang="en-US" dirty="0"/>
               <a:t>歴史があるとできること</a:t>
             </a:r>
-            <a:endParaRPr kumimoji="1" lang="ja-JP" altLang="en-US" dirty="0"/>
           </a:p>
         </p:txBody>
       </p:sp>
@@ -5720,14 +5815,13 @@
           <a:lstStyle/>
           <a:p>
             <a:r>
-              <a:rPr lang="ja-JP" altLang="en-US" dirty="0" smtClean="0"/>
+              <a:rPr lang="ja-JP" altLang="en-US" dirty="0"/>
               <a:t>三</a:t>
             </a:r>
             <a:r>
-              <a:rPr kumimoji="1" lang="ja-JP" altLang="en-US" dirty="0" smtClean="0"/>
+              <a:rPr kumimoji="1" lang="ja-JP" altLang="en-US" dirty="0"/>
               <a:t>日前</a:t>
             </a:r>
-            <a:endParaRPr kumimoji="1" lang="ja-JP" altLang="en-US" dirty="0"/>
           </a:p>
         </p:txBody>
       </p:sp>
@@ -5754,10 +5848,9 @@
           <a:lstStyle/>
           <a:p>
             <a:r>
-              <a:rPr kumimoji="1" lang="ja-JP" altLang="en-US" dirty="0" smtClean="0"/>
+              <a:rPr kumimoji="1" lang="ja-JP" altLang="en-US" dirty="0"/>
               <a:t>二日前</a:t>
             </a:r>
-            <a:endParaRPr kumimoji="1" lang="ja-JP" altLang="en-US" dirty="0"/>
           </a:p>
         </p:txBody>
       </p:sp>
@@ -5929,18 +6022,17 @@
           <a:lstStyle/>
           <a:p>
             <a:r>
-              <a:rPr kumimoji="1" lang="en-US" altLang="ja-JP" sz="3200" dirty="0" err="1" smtClean="0"/>
+              <a:rPr kumimoji="1" lang="en-US" altLang="ja-JP" sz="3200" dirty="0" err="1"/>
               <a:t>git</a:t>
             </a:r>
             <a:r>
-              <a:rPr kumimoji="1" lang="en-US" altLang="ja-JP" sz="3200" dirty="0" smtClean="0"/>
+              <a:rPr kumimoji="1" lang="en-US" altLang="ja-JP" sz="3200" dirty="0"/>
               <a:t> diff - </a:t>
             </a:r>
             <a:r>
-              <a:rPr kumimoji="1" lang="ja-JP" altLang="en-US" sz="3200" dirty="0" smtClean="0"/>
+              <a:rPr kumimoji="1" lang="ja-JP" altLang="en-US" sz="3200" dirty="0"/>
               <a:t>任意の二点の「差分」が取れる</a:t>
             </a:r>
-            <a:endParaRPr kumimoji="1" lang="ja-JP" altLang="en-US" sz="3200" dirty="0"/>
           </a:p>
         </p:txBody>
       </p:sp>
@@ -6008,16 +6100,6 @@
           <a:lstStyle/>
           <a:p>
             <a:r>
-              <a:rPr lang="ja-JP" altLang="en-US" sz="2800" dirty="0" smtClean="0">
-                <a:solidFill>
-                  <a:schemeClr val="bg1"/>
-                </a:solidFill>
-                <a:latin typeface="ＭＳ ゴシック" panose="020B0609070205080204" pitchFamily="49" charset="-128"/>
-                <a:ea typeface="ＭＳ ゴシック" panose="020B0609070205080204" pitchFamily="49" charset="-128"/>
-              </a:rPr>
-              <a:t> これ</a:t>
-            </a:r>
-            <a:r>
               <a:rPr lang="ja-JP" altLang="en-US" sz="2800" dirty="0">
                 <a:solidFill>
                   <a:schemeClr val="bg1"/>
@@ -6025,7 +6107,7 @@
                 <a:latin typeface="ＭＳ ゴシック" panose="020B0609070205080204" pitchFamily="49" charset="-128"/>
                 <a:ea typeface="ＭＳ ゴシック" panose="020B0609070205080204" pitchFamily="49" charset="-128"/>
               </a:rPr>
-              <a:t>は昨日書いた文章です。</a:t>
+              <a:t> これは昨日書いた文章です。</a:t>
             </a:r>
           </a:p>
           <a:p>
@@ -6097,7 +6179,7 @@
           <a:lstStyle/>
           <a:p>
             <a:r>
-              <a:rPr lang="en-US" altLang="ja-JP" sz="2800" dirty="0" smtClean="0">
+              <a:rPr lang="en-US" altLang="ja-JP" sz="2800" dirty="0">
                 <a:solidFill>
                   <a:schemeClr val="bg1"/>
                 </a:solidFill>
@@ -6105,7 +6187,7 @@
               <a:t>$ </a:t>
             </a:r>
             <a:r>
-              <a:rPr lang="en-US" altLang="ja-JP" sz="2800" dirty="0" err="1" smtClean="0">
+              <a:rPr lang="en-US" altLang="ja-JP" sz="2800" dirty="0" err="1">
                 <a:solidFill>
                   <a:schemeClr val="bg1"/>
                 </a:solidFill>
@@ -6113,7 +6195,7 @@
               <a:t>git</a:t>
             </a:r>
             <a:r>
-              <a:rPr lang="en-US" altLang="ja-JP" sz="2800" dirty="0" smtClean="0">
+              <a:rPr lang="en-US" altLang="ja-JP" sz="2800" dirty="0">
                 <a:solidFill>
                   <a:schemeClr val="bg1"/>
                 </a:solidFill>
@@ -6151,24 +6233,23 @@
           <a:lstStyle/>
           <a:p>
             <a:r>
-              <a:rPr kumimoji="1" lang="ja-JP" altLang="en-US" dirty="0" smtClean="0"/>
+              <a:rPr kumimoji="1" lang="ja-JP" altLang="en-US" dirty="0"/>
               <a:t>白地：変更なし</a:t>
             </a:r>
-            <a:endParaRPr kumimoji="1" lang="en-US" altLang="ja-JP" dirty="0" smtClean="0"/>
-          </a:p>
-          <a:p>
-            <a:r>
-              <a:rPr lang="ja-JP" altLang="en-US" dirty="0" smtClean="0"/>
+            <a:endParaRPr kumimoji="1" lang="en-US" altLang="ja-JP" dirty="0"/>
+          </a:p>
+          <a:p>
+            <a:r>
+              <a:rPr lang="ja-JP" altLang="en-US" dirty="0"/>
               <a:t>赤字：削除</a:t>
             </a:r>
-            <a:endParaRPr lang="en-US" altLang="ja-JP" dirty="0" smtClean="0"/>
-          </a:p>
-          <a:p>
-            <a:r>
-              <a:rPr kumimoji="1" lang="ja-JP" altLang="en-US" dirty="0" smtClean="0"/>
+            <a:endParaRPr lang="en-US" altLang="ja-JP" dirty="0"/>
+          </a:p>
+          <a:p>
+            <a:r>
+              <a:rPr kumimoji="1" lang="ja-JP" altLang="en-US" dirty="0"/>
               <a:t>緑字：追加</a:t>
             </a:r>
-            <a:endParaRPr kumimoji="1" lang="ja-JP" altLang="en-US" dirty="0"/>
           </a:p>
         </p:txBody>
       </p:sp>
@@ -6195,10 +6276,9 @@
           <a:lstStyle/>
           <a:p>
             <a:r>
-              <a:rPr kumimoji="1" lang="ja-JP" altLang="en-US" sz="2800" dirty="0" smtClean="0"/>
+              <a:rPr kumimoji="1" lang="ja-JP" altLang="en-US" sz="2800" dirty="0"/>
               <a:t>自分がいつどこを修正したか確認できて便利</a:t>
             </a:r>
-            <a:endParaRPr kumimoji="1" lang="ja-JP" altLang="en-US" sz="2800" dirty="0"/>
           </a:p>
         </p:txBody>
       </p:sp>
@@ -6212,13 +6292,6 @@
   <p:clrMapOvr>
     <a:masterClrMapping/>
   </p:clrMapOvr>
-  <p:timing>
-    <p:tnLst>
-      <p:par>
-        <p:cTn id="1" dur="indefinite" restart="never" nodeType="tmRoot"/>
-      </p:par>
-    </p:tnLst>
-  </p:timing>
 </p:sld>
 </file>
 
@@ -6255,10 +6328,9 @@
           <a:lstStyle/>
           <a:p>
             <a:r>
-              <a:rPr kumimoji="1" lang="ja-JP" altLang="en-US" dirty="0" smtClean="0"/>
+              <a:rPr kumimoji="1" lang="ja-JP" altLang="en-US" dirty="0"/>
               <a:t>歴史があるとできること</a:t>
             </a:r>
-            <a:endParaRPr kumimoji="1" lang="ja-JP" altLang="en-US" dirty="0"/>
           </a:p>
         </p:txBody>
       </p:sp>
@@ -6520,14 +6592,13 @@
             <a:lstStyle/>
             <a:p>
               <a:r>
-                <a:rPr lang="ja-JP" altLang="en-US" dirty="0" smtClean="0"/>
+                <a:rPr lang="ja-JP" altLang="en-US" dirty="0"/>
                 <a:t>三</a:t>
               </a:r>
               <a:r>
-                <a:rPr kumimoji="1" lang="ja-JP" altLang="en-US" dirty="0" smtClean="0"/>
+                <a:rPr kumimoji="1" lang="ja-JP" altLang="en-US" dirty="0"/>
                 <a:t>日前</a:t>
               </a:r>
-              <a:endParaRPr kumimoji="1" lang="ja-JP" altLang="en-US" dirty="0"/>
             </a:p>
           </p:txBody>
         </p:sp>
@@ -6554,10 +6625,9 @@
             <a:lstStyle/>
             <a:p>
               <a:r>
-                <a:rPr kumimoji="1" lang="ja-JP" altLang="en-US" dirty="0" smtClean="0"/>
+                <a:rPr kumimoji="1" lang="ja-JP" altLang="en-US" dirty="0"/>
                 <a:t>二日前</a:t>
               </a:r>
-              <a:endParaRPr kumimoji="1" lang="ja-JP" altLang="en-US" dirty="0"/>
             </a:p>
           </p:txBody>
         </p:sp>
@@ -6716,7 +6786,7 @@
         <p:spPr>
           <a:xfrm>
             <a:off x="395536" y="1340768"/>
-            <a:ext cx="8318880" cy="584775"/>
+            <a:ext cx="7980070" cy="584775"/>
           </a:xfrm>
           <a:prstGeom prst="rect">
             <a:avLst/>
@@ -6730,18 +6800,13 @@
           <a:lstStyle/>
           <a:p>
             <a:r>
-              <a:rPr kumimoji="1" lang="en-US" altLang="ja-JP" sz="3200" dirty="0" err="1" smtClean="0"/>
-              <a:t>git</a:t>
-            </a:r>
-            <a:r>
-              <a:rPr kumimoji="1" lang="en-US" altLang="ja-JP" sz="3200" dirty="0" smtClean="0"/>
-              <a:t> checkout - </a:t>
-            </a:r>
-            <a:r>
-              <a:rPr kumimoji="1" lang="ja-JP" altLang="en-US" sz="3200" dirty="0" smtClean="0"/>
+              <a:rPr kumimoji="1" lang="en-US" altLang="ja-JP" sz="3200" dirty="0"/>
+              <a:t>git switch - </a:t>
+            </a:r>
+            <a:r>
+              <a:rPr kumimoji="1" lang="ja-JP" altLang="en-US" sz="3200" dirty="0"/>
               <a:t>任意の時間に戻ることができる</a:t>
             </a:r>
-            <a:endParaRPr kumimoji="1" lang="ja-JP" altLang="en-US" sz="3200" dirty="0"/>
           </a:p>
         </p:txBody>
       </p:sp>
@@ -6816,7 +6881,7 @@
           <p:spPr>
             <a:xfrm>
               <a:off x="323528" y="3789040"/>
-              <a:ext cx="5887637" cy="523220"/>
+              <a:ext cx="5915402" cy="523220"/>
             </a:xfrm>
             <a:prstGeom prst="rect">
               <a:avLst/>
@@ -6830,31 +6895,15 @@
             <a:lstStyle/>
             <a:p>
               <a:r>
-                <a:rPr lang="en-US" altLang="ja-JP" sz="2800" dirty="0" smtClean="0">
+                <a:rPr lang="en-US" altLang="ja-JP" sz="2800" dirty="0">
                   <a:solidFill>
                     <a:schemeClr val="bg1"/>
                   </a:solidFill>
                 </a:rPr>
-                <a:t>$ </a:t>
+                <a:t>$ git switch –c </a:t>
               </a:r>
               <a:r>
-                <a:rPr lang="en-US" altLang="ja-JP" sz="2800" dirty="0" err="1" smtClean="0">
-                  <a:solidFill>
-                    <a:schemeClr val="bg1"/>
-                  </a:solidFill>
-                </a:rPr>
-                <a:t>git</a:t>
-              </a:r>
-              <a:r>
-                <a:rPr lang="en-US" altLang="ja-JP" sz="2800" dirty="0" smtClean="0">
-                  <a:solidFill>
-                    <a:schemeClr val="bg1"/>
-                  </a:solidFill>
-                </a:rPr>
-                <a:t> checkout –b </a:t>
-              </a:r>
-              <a:r>
-                <a:rPr lang="en-US" altLang="ja-JP" sz="2800" dirty="0" err="1" smtClean="0">
+                <a:rPr lang="en-US" altLang="ja-JP" sz="2800" dirty="0" err="1">
                   <a:solidFill>
                     <a:schemeClr val="bg1"/>
                   </a:solidFill>
@@ -6862,7 +6911,7 @@
                 <a:t>twodaysago</a:t>
               </a:r>
               <a:r>
-                <a:rPr lang="en-US" altLang="ja-JP" sz="2800" dirty="0" smtClean="0">
+                <a:rPr lang="en-US" altLang="ja-JP" sz="2800" dirty="0">
                   <a:solidFill>
                     <a:schemeClr val="bg1"/>
                   </a:solidFill>
@@ -7232,7 +7281,7 @@
           <a:lstStyle/>
           <a:p>
             <a:r>
-              <a:rPr lang="ja-JP" altLang="en-US" dirty="0" smtClean="0"/>
+              <a:rPr lang="ja-JP" altLang="en-US" dirty="0"/>
               <a:t>二日前の状態</a:t>
             </a:r>
             <a:endParaRPr kumimoji="1" lang="ja-JP" altLang="en-US" dirty="0"/>
@@ -7262,11 +7311,11 @@
           <a:lstStyle/>
           <a:p>
             <a:r>
-              <a:rPr kumimoji="1" lang="ja-JP" altLang="en-US" sz="2400" dirty="0" smtClean="0"/>
+              <a:rPr kumimoji="1" lang="ja-JP" altLang="en-US" sz="2400" dirty="0"/>
               <a:t>「いつの間にか動かなくなった」時に</a:t>
             </a:r>
             <a:r>
-              <a:rPr lang="ja-JP" altLang="en-US" sz="2400" dirty="0" smtClean="0"/>
+              <a:rPr lang="ja-JP" altLang="en-US" sz="2400" dirty="0"/>
               <a:t>「この時点では動く」ことを確認できる</a:t>
             </a:r>
             <a:endParaRPr kumimoji="1" lang="ja-JP" altLang="en-US" sz="2400" dirty="0"/>
@@ -7283,13 +7332,6 @@
   <p:clrMapOvr>
     <a:masterClrMapping/>
   </p:clrMapOvr>
-  <p:timing>
-    <p:tnLst>
-      <p:par>
-        <p:cTn id="1" dur="indefinite" restart="never" nodeType="tmRoot"/>
-      </p:par>
-    </p:tnLst>
-  </p:timing>
 </p:sld>
 </file>
 
@@ -7355,15 +7397,15 @@
           <a:lstStyle/>
           <a:p>
             <a:r>
-              <a:rPr kumimoji="1" lang="en-US" altLang="ja-JP" sz="3200" dirty="0" err="1" smtClean="0"/>
+              <a:rPr kumimoji="1" lang="en-US" altLang="ja-JP" sz="3200" dirty="0" err="1"/>
               <a:t>git</a:t>
             </a:r>
             <a:r>
-              <a:rPr kumimoji="1" lang="en-US" altLang="ja-JP" sz="3200" dirty="0" smtClean="0"/>
+              <a:rPr kumimoji="1" lang="en-US" altLang="ja-JP" sz="3200" dirty="0"/>
               <a:t> log –</a:t>
             </a:r>
             <a:r>
-              <a:rPr lang="ja-JP" altLang="en-US" sz="3200" dirty="0" smtClean="0"/>
+              <a:rPr lang="ja-JP" altLang="en-US" sz="3200" dirty="0"/>
               <a:t> これまでの履歴を確認できる</a:t>
             </a:r>
             <a:endParaRPr kumimoji="1" lang="ja-JP" altLang="en-US" sz="3200" dirty="0"/>
@@ -7400,21 +7442,8 @@
                   <a:schemeClr val="bg1"/>
                 </a:solidFill>
               </a:rPr>
-              <a:t>$ git </a:t>
-            </a:r>
-            <a:r>
-              <a:rPr lang="ja-JP" altLang="en-US" sz="1600" dirty="0" smtClean="0">
-                <a:solidFill>
-                  <a:schemeClr val="bg1"/>
-                </a:solidFill>
-              </a:rPr>
-              <a:t>log</a:t>
-            </a:r>
-            <a:endParaRPr lang="ja-JP" altLang="en-US" sz="1600" dirty="0">
-              <a:solidFill>
-                <a:schemeClr val="bg1"/>
-              </a:solidFill>
-            </a:endParaRPr>
+              <a:t>$ git log</a:t>
+            </a:r>
           </a:p>
           <a:p>
             <a:r>
@@ -7445,12 +7474,12 @@
               <a:t>HEAD -&gt; </a:t>
             </a:r>
             <a:r>
-              <a:rPr lang="ja-JP" altLang="en-US" sz="1600" dirty="0">
+              <a:rPr lang="en-US" altLang="ja-JP" sz="1600" dirty="0">
                 <a:solidFill>
                   <a:srgbClr val="00B050"/>
                 </a:solidFill>
               </a:rPr>
-              <a:t>master</a:t>
+              <a:t>main</a:t>
             </a:r>
             <a:r>
               <a:rPr lang="ja-JP" altLang="en-US" sz="1600" dirty="0">
@@ -7506,17 +7535,6 @@
             </a:endParaRPr>
           </a:p>
           <a:p>
-            <a:r>
-              <a:rPr lang="ja-JP" altLang="en-US" sz="1600" dirty="0" smtClean="0">
-                <a:solidFill>
-                  <a:schemeClr val="accent1">
-                    <a:lumMod val="40000"/>
-                    <a:lumOff val="60000"/>
-                  </a:schemeClr>
-                </a:solidFill>
-              </a:rPr>
-              <a:t>commit </a:t>
-            </a:r>
             <a:r>
               <a:rPr lang="ja-JP" altLang="en-US" sz="1600" dirty="0">
                 <a:solidFill>
@@ -7526,7 +7544,7 @@
                   </a:schemeClr>
                 </a:solidFill>
               </a:rPr>
-              <a:t>2a2ae2c7f601bf3d2a6d727745e57fa4a7de83b0</a:t>
+              <a:t>commit 2a2ae2c7f601bf3d2a6d727745e57fa4a7de83b0</a:t>
             </a:r>
           </a:p>
           <a:p>
@@ -7648,10 +7666,9 @@
           <a:lstStyle/>
           <a:p>
             <a:r>
-              <a:rPr kumimoji="1" lang="ja-JP" altLang="en-US" dirty="0" smtClean="0"/>
+              <a:rPr kumimoji="1" lang="ja-JP" altLang="en-US" dirty="0"/>
               <a:t>誰が、いつ、どんな修正をしたかを確認できる</a:t>
             </a:r>
-            <a:endParaRPr kumimoji="1" lang="ja-JP" altLang="en-US" dirty="0"/>
           </a:p>
         </p:txBody>
       </p:sp>
@@ -7665,13 +7682,6 @@
   <p:clrMapOvr>
     <a:masterClrMapping/>
   </p:clrMapOvr>
-  <p:timing>
-    <p:tnLst>
-      <p:par>
-        <p:cTn id="1" dur="indefinite" restart="never" nodeType="tmRoot"/>
-      </p:par>
-    </p:tnLst>
-  </p:timing>
 </p:sld>
 </file>
 
@@ -7708,11 +7718,11 @@
           <a:lstStyle/>
           <a:p>
             <a:r>
-              <a:rPr kumimoji="1" lang="en-US" altLang="ja-JP" dirty="0" err="1" smtClean="0"/>
+              <a:rPr kumimoji="1" lang="en-US" altLang="ja-JP" dirty="0" err="1"/>
               <a:t>git</a:t>
             </a:r>
             <a:r>
-              <a:rPr kumimoji="1" lang="en-US" altLang="ja-JP" dirty="0" smtClean="0"/>
+              <a:rPr kumimoji="1" lang="en-US" altLang="ja-JP" dirty="0"/>
               <a:t> add </a:t>
             </a:r>
             <a:endParaRPr kumimoji="1" lang="ja-JP" altLang="en-US" dirty="0"/>
@@ -7742,11 +7752,11 @@
           <a:lstStyle/>
           <a:p>
             <a:r>
-              <a:rPr kumimoji="1" lang="en-US" altLang="ja-JP" sz="2800" dirty="0" err="1" smtClean="0"/>
+              <a:rPr kumimoji="1" lang="en-US" altLang="ja-JP" sz="2800" dirty="0" err="1"/>
               <a:t>git</a:t>
             </a:r>
             <a:r>
-              <a:rPr lang="ja-JP" altLang="en-US" sz="2800" dirty="0" smtClean="0"/>
+              <a:rPr lang="ja-JP" altLang="en-US" sz="2800" dirty="0"/>
               <a:t>には、三種類のエリアがある</a:t>
             </a:r>
             <a:endParaRPr kumimoji="1" lang="ja-JP" altLang="en-US" sz="2800" dirty="0"/>
@@ -7776,10 +7786,9 @@
           <a:lstStyle/>
           <a:p>
             <a:r>
-              <a:rPr kumimoji="1" lang="ja-JP" altLang="en-US" sz="3200" dirty="0" smtClean="0"/>
+              <a:rPr kumimoji="1" lang="ja-JP" altLang="en-US" sz="3200" dirty="0"/>
               <a:t>ワークツリー</a:t>
             </a:r>
-            <a:endParaRPr kumimoji="1" lang="ja-JP" altLang="en-US" sz="3200" dirty="0"/>
           </a:p>
         </p:txBody>
       </p:sp>
@@ -7806,10 +7815,9 @@
           <a:lstStyle/>
           <a:p>
             <a:r>
-              <a:rPr kumimoji="1" lang="ja-JP" altLang="en-US" sz="3200" dirty="0" smtClean="0"/>
+              <a:rPr kumimoji="1" lang="ja-JP" altLang="en-US" sz="3200" dirty="0"/>
               <a:t>インデックス</a:t>
             </a:r>
-            <a:endParaRPr kumimoji="1" lang="ja-JP" altLang="en-US" sz="3200" dirty="0"/>
           </a:p>
         </p:txBody>
       </p:sp>
@@ -8067,26 +8075,25 @@
           <a:lstStyle/>
           <a:p>
             <a:r>
-              <a:rPr kumimoji="1" lang="en-US" altLang="ja-JP" sz="2800" dirty="0" err="1" smtClean="0"/>
+              <a:rPr kumimoji="1" lang="en-US" altLang="ja-JP" sz="2800" dirty="0" err="1"/>
               <a:t>git</a:t>
             </a:r>
             <a:r>
-              <a:rPr kumimoji="1" lang="en-US" altLang="ja-JP" sz="2800" dirty="0" smtClean="0"/>
+              <a:rPr kumimoji="1" lang="en-US" altLang="ja-JP" sz="2800" dirty="0"/>
               <a:t> </a:t>
             </a:r>
             <a:r>
-              <a:rPr kumimoji="1" lang="en-US" altLang="ja-JP" sz="2800" dirty="0" err="1" smtClean="0"/>
+              <a:rPr kumimoji="1" lang="en-US" altLang="ja-JP" sz="2800" dirty="0" err="1"/>
               <a:t>init</a:t>
             </a:r>
             <a:r>
-              <a:rPr kumimoji="1" lang="en-US" altLang="ja-JP" sz="2800" dirty="0" smtClean="0"/>
+              <a:rPr kumimoji="1" lang="en-US" altLang="ja-JP" sz="2800" dirty="0"/>
               <a:t> </a:t>
             </a:r>
             <a:r>
-              <a:rPr kumimoji="1" lang="ja-JP" altLang="en-US" sz="2800" dirty="0" smtClean="0"/>
+              <a:rPr kumimoji="1" lang="ja-JP" altLang="en-US" sz="2800" dirty="0"/>
               <a:t>直後の状態</a:t>
             </a:r>
-            <a:endParaRPr kumimoji="1" lang="ja-JP" altLang="en-US" sz="2800" dirty="0"/>
           </a:p>
         </p:txBody>
       </p:sp>
@@ -8144,15 +8151,15 @@
           <a:lstStyle/>
           <a:p>
             <a:r>
-              <a:rPr lang="ja-JP" altLang="en-US" dirty="0" smtClean="0"/>
+              <a:rPr lang="ja-JP" altLang="en-US" dirty="0"/>
               <a:t>いつやるの？</a:t>
             </a:r>
             <a:r>
-              <a:rPr lang="en-US" altLang="ja-JP" dirty="0" err="1" smtClean="0"/>
+              <a:rPr lang="en-US" altLang="ja-JP" dirty="0" err="1"/>
               <a:t>Git</a:t>
             </a:r>
             <a:r>
-              <a:rPr lang="ja-JP" altLang="en-US" dirty="0" smtClean="0"/>
+              <a:rPr lang="ja-JP" altLang="en-US" dirty="0"/>
               <a:t>入門</a:t>
             </a:r>
             <a:endParaRPr kumimoji="1" lang="ja-JP" altLang="en-US" dirty="0"/>
@@ -8223,7 +8230,7 @@
           <a:lstStyle/>
           <a:p>
             <a:r>
-              <a:rPr kumimoji="1" lang="en-US" altLang="ja-JP" dirty="0" smtClean="0"/>
+              <a:rPr kumimoji="1" lang="en-US" altLang="ja-JP" dirty="0"/>
               <a:t>file1</a:t>
             </a:r>
             <a:endParaRPr kumimoji="1" lang="ja-JP" altLang="en-US" dirty="0"/>
@@ -8253,7 +8260,7 @@
           <a:lstStyle/>
           <a:p>
             <a:r>
-              <a:rPr kumimoji="1" lang="en-US" altLang="ja-JP" dirty="0" smtClean="0"/>
+              <a:rPr kumimoji="1" lang="en-US" altLang="ja-JP" dirty="0"/>
               <a:t>file2</a:t>
             </a:r>
             <a:endParaRPr kumimoji="1" lang="ja-JP" altLang="en-US" dirty="0"/>
@@ -8320,18 +8327,17 @@
           <a:lstStyle/>
           <a:p>
             <a:r>
-              <a:rPr kumimoji="1" lang="ja-JP" altLang="en-US" dirty="0" smtClean="0"/>
+              <a:rPr kumimoji="1" lang="ja-JP" altLang="en-US" dirty="0"/>
               <a:t>まだ</a:t>
             </a:r>
             <a:r>
-              <a:rPr kumimoji="1" lang="en-US" altLang="ja-JP" dirty="0" err="1" smtClean="0"/>
+              <a:rPr kumimoji="1" lang="en-US" altLang="ja-JP" dirty="0" err="1"/>
               <a:t>Git</a:t>
             </a:r>
             <a:r>
-              <a:rPr kumimoji="1" lang="ja-JP" altLang="en-US" dirty="0" smtClean="0"/>
+              <a:rPr kumimoji="1" lang="ja-JP" altLang="en-US" dirty="0"/>
               <a:t>管理下に置かれていない</a:t>
             </a:r>
-            <a:endParaRPr kumimoji="1" lang="ja-JP" altLang="en-US" dirty="0"/>
           </a:p>
         </p:txBody>
       </p:sp>
@@ -8345,13 +8351,6 @@
   <p:clrMapOvr>
     <a:masterClrMapping/>
   </p:clrMapOvr>
-  <p:timing>
-    <p:tnLst>
-      <p:par>
-        <p:cTn id="1" dur="indefinite" restart="never" nodeType="tmRoot"/>
-      </p:par>
-    </p:tnLst>
-  </p:timing>
 </p:sld>
 </file>
 
@@ -8388,11 +8387,11 @@
           <a:lstStyle/>
           <a:p>
             <a:r>
-              <a:rPr kumimoji="1" lang="en-US" altLang="ja-JP" dirty="0" err="1" smtClean="0"/>
+              <a:rPr kumimoji="1" lang="en-US" altLang="ja-JP" dirty="0" err="1"/>
               <a:t>git</a:t>
             </a:r>
             <a:r>
-              <a:rPr kumimoji="1" lang="en-US" altLang="ja-JP" dirty="0" smtClean="0"/>
+              <a:rPr kumimoji="1" lang="en-US" altLang="ja-JP" dirty="0"/>
               <a:t> add </a:t>
             </a:r>
             <a:endParaRPr kumimoji="1" lang="ja-JP" altLang="en-US" dirty="0"/>
@@ -8422,10 +8421,9 @@
           <a:lstStyle/>
           <a:p>
             <a:r>
-              <a:rPr kumimoji="1" lang="ja-JP" altLang="en-US" sz="3200" dirty="0" smtClean="0"/>
+              <a:rPr kumimoji="1" lang="ja-JP" altLang="en-US" sz="3200" dirty="0"/>
               <a:t>ワークツリー</a:t>
             </a:r>
-            <a:endParaRPr kumimoji="1" lang="ja-JP" altLang="en-US" sz="3200" dirty="0"/>
           </a:p>
         </p:txBody>
       </p:sp>
@@ -8724,7 +8722,7 @@
           <a:lstStyle/>
           <a:p>
             <a:r>
-              <a:rPr kumimoji="1" lang="en-US" altLang="ja-JP" dirty="0" smtClean="0"/>
+              <a:rPr kumimoji="1" lang="en-US" altLang="ja-JP" dirty="0"/>
               <a:t>file1</a:t>
             </a:r>
             <a:endParaRPr kumimoji="1" lang="ja-JP" altLang="en-US" dirty="0"/>
@@ -8754,7 +8752,7 @@
           <a:lstStyle/>
           <a:p>
             <a:r>
-              <a:rPr kumimoji="1" lang="en-US" altLang="ja-JP" dirty="0" smtClean="0"/>
+              <a:rPr kumimoji="1" lang="en-US" altLang="ja-JP" dirty="0"/>
               <a:t>file2</a:t>
             </a:r>
             <a:endParaRPr kumimoji="1" lang="ja-JP" altLang="en-US" dirty="0"/>
@@ -8821,7 +8819,7 @@
           <a:lstStyle/>
           <a:p>
             <a:r>
-              <a:rPr lang="ja-JP" altLang="en-US" dirty="0" smtClean="0"/>
+              <a:rPr lang="ja-JP" altLang="en-US" dirty="0"/>
               <a:t>リポジトリへの追加が予約された</a:t>
             </a:r>
             <a:endParaRPr kumimoji="1" lang="ja-JP" altLang="en-US" dirty="0"/>
@@ -8851,30 +8849,22 @@
           <a:lstStyle/>
           <a:p>
             <a:r>
-              <a:rPr lang="ja-JP" altLang="en-US" sz="2400" dirty="0" smtClean="0"/>
+              <a:rPr lang="ja-JP" altLang="en-US" sz="2400" dirty="0"/>
               <a:t>「</a:t>
             </a:r>
             <a:r>
-              <a:rPr lang="en-US" altLang="ja-JP" sz="2400" dirty="0" err="1" smtClean="0"/>
+              <a:rPr lang="en-US" altLang="ja-JP" sz="2400" dirty="0" err="1"/>
               <a:t>git</a:t>
             </a:r>
             <a:r>
-              <a:rPr lang="en-US" altLang="ja-JP" sz="2400" dirty="0" smtClean="0"/>
+              <a:rPr lang="en-US" altLang="ja-JP" sz="2400" dirty="0"/>
               <a:t> add </a:t>
             </a:r>
             <a:r>
-              <a:rPr lang="ja-JP" altLang="en-US" sz="2400" dirty="0" smtClean="0"/>
-              <a:t>ファイル名」により、</a:t>
-            </a:r>
-            <a:r>
               <a:rPr lang="ja-JP" altLang="en-US" sz="2400" dirty="0"/>
-              <a:t>インデックス</a:t>
-            </a:r>
-            <a:r>
-              <a:rPr lang="ja-JP" altLang="en-US" sz="2400" dirty="0" smtClean="0"/>
-              <a:t>に入る</a:t>
-            </a:r>
-            <a:endParaRPr lang="en-US" altLang="ja-JP" sz="2400" dirty="0" smtClean="0"/>
+              <a:t>ファイル名」により、インデックスに入る</a:t>
+            </a:r>
+            <a:endParaRPr lang="en-US" altLang="ja-JP" sz="2400" dirty="0"/>
           </a:p>
         </p:txBody>
       </p:sp>
@@ -8901,15 +8891,15 @@
           <a:lstStyle/>
           <a:p>
             <a:r>
-              <a:rPr kumimoji="1" lang="en-US" altLang="ja-JP" sz="3200" dirty="0" err="1" smtClean="0"/>
+              <a:rPr kumimoji="1" lang="en-US" altLang="ja-JP" sz="3200" dirty="0" err="1"/>
               <a:t>git</a:t>
             </a:r>
             <a:r>
-              <a:rPr kumimoji="1" lang="en-US" altLang="ja-JP" sz="3200" dirty="0" smtClean="0"/>
+              <a:rPr kumimoji="1" lang="en-US" altLang="ja-JP" sz="3200" dirty="0"/>
               <a:t> add file</a:t>
             </a:r>
             <a:r>
-              <a:rPr lang="en-US" altLang="ja-JP" sz="3200" dirty="0" smtClean="0"/>
+              <a:rPr lang="en-US" altLang="ja-JP" sz="3200" dirty="0"/>
               <a:t>1 file2</a:t>
             </a:r>
             <a:endParaRPr kumimoji="1" lang="ja-JP" altLang="en-US" sz="3200" dirty="0"/>
@@ -9101,7 +9091,7 @@
           <a:lstStyle/>
           <a:p>
             <a:r>
-              <a:rPr kumimoji="1" lang="en-US" altLang="ja-JP" dirty="0" smtClean="0"/>
+              <a:rPr kumimoji="1" lang="en-US" altLang="ja-JP" dirty="0"/>
               <a:t>file1</a:t>
             </a:r>
             <a:endParaRPr kumimoji="1" lang="ja-JP" altLang="en-US" dirty="0"/>
@@ -9131,7 +9121,7 @@
           <a:lstStyle/>
           <a:p>
             <a:r>
-              <a:rPr kumimoji="1" lang="en-US" altLang="ja-JP" dirty="0" smtClean="0"/>
+              <a:rPr kumimoji="1" lang="en-US" altLang="ja-JP" dirty="0"/>
               <a:t>file2</a:t>
             </a:r>
             <a:endParaRPr kumimoji="1" lang="ja-JP" altLang="en-US" dirty="0"/>
@@ -9250,10 +9240,9 @@
           <a:lstStyle/>
           <a:p>
             <a:r>
-              <a:rPr kumimoji="1" lang="ja-JP" altLang="en-US" sz="3200" dirty="0" smtClean="0"/>
+              <a:rPr kumimoji="1" lang="ja-JP" altLang="en-US" sz="3200" dirty="0"/>
               <a:t>インデックス</a:t>
             </a:r>
-            <a:endParaRPr kumimoji="1" lang="ja-JP" altLang="en-US" sz="3200" dirty="0"/>
           </a:p>
         </p:txBody>
       </p:sp>
@@ -9303,11 +9292,11 @@
           <a:lstStyle/>
           <a:p>
             <a:r>
-              <a:rPr kumimoji="1" lang="en-US" altLang="ja-JP" dirty="0" err="1" smtClean="0"/>
+              <a:rPr kumimoji="1" lang="en-US" altLang="ja-JP" dirty="0" err="1"/>
               <a:t>git</a:t>
             </a:r>
             <a:r>
-              <a:rPr kumimoji="1" lang="en-US" altLang="ja-JP" dirty="0" smtClean="0"/>
+              <a:rPr kumimoji="1" lang="en-US" altLang="ja-JP" dirty="0"/>
               <a:t> add </a:t>
             </a:r>
             <a:endParaRPr kumimoji="1" lang="ja-JP" altLang="en-US" dirty="0"/>
@@ -9337,10 +9326,9 @@
           <a:lstStyle/>
           <a:p>
             <a:r>
-              <a:rPr kumimoji="1" lang="ja-JP" altLang="en-US" sz="3200" dirty="0" smtClean="0"/>
+              <a:rPr kumimoji="1" lang="ja-JP" altLang="en-US" sz="3200" dirty="0"/>
               <a:t>ワークツリー</a:t>
             </a:r>
-            <a:endParaRPr kumimoji="1" lang="ja-JP" altLang="en-US" sz="3200" dirty="0"/>
           </a:p>
         </p:txBody>
       </p:sp>
@@ -9639,7 +9627,7 @@
           <a:lstStyle/>
           <a:p>
             <a:r>
-              <a:rPr kumimoji="1" lang="en-US" altLang="ja-JP" dirty="0" smtClean="0"/>
+              <a:rPr kumimoji="1" lang="en-US" altLang="ja-JP" dirty="0"/>
               <a:t>file1</a:t>
             </a:r>
             <a:endParaRPr kumimoji="1" lang="ja-JP" altLang="en-US" dirty="0"/>
@@ -9669,7 +9657,7 @@
           <a:lstStyle/>
           <a:p>
             <a:r>
-              <a:rPr kumimoji="1" lang="en-US" altLang="ja-JP" dirty="0" smtClean="0"/>
+              <a:rPr kumimoji="1" lang="en-US" altLang="ja-JP" dirty="0"/>
               <a:t>file2</a:t>
             </a:r>
             <a:endParaRPr kumimoji="1" lang="ja-JP" altLang="en-US" dirty="0"/>
@@ -9736,7 +9724,7 @@
           <a:lstStyle/>
           <a:p>
             <a:r>
-              <a:rPr lang="ja-JP" altLang="en-US" dirty="0" smtClean="0"/>
+              <a:rPr lang="ja-JP" altLang="en-US" dirty="0"/>
               <a:t>リポジトリ管理下に入った</a:t>
             </a:r>
             <a:endParaRPr kumimoji="1" lang="ja-JP" altLang="en-US" dirty="0"/>
@@ -9766,18 +9754,18 @@
           <a:lstStyle/>
           <a:p>
             <a:r>
-              <a:rPr lang="en-US" altLang="ja-JP" sz="2400" dirty="0" err="1" smtClean="0"/>
+              <a:rPr lang="en-US" altLang="ja-JP" sz="2400" dirty="0" err="1"/>
               <a:t>git</a:t>
             </a:r>
             <a:r>
-              <a:rPr lang="en-US" altLang="ja-JP" sz="2400" dirty="0" smtClean="0"/>
+              <a:rPr lang="en-US" altLang="ja-JP" sz="2400" dirty="0"/>
               <a:t> commit</a:t>
             </a:r>
             <a:r>
-              <a:rPr lang="ja-JP" altLang="en-US" sz="2400" dirty="0" smtClean="0"/>
+              <a:rPr lang="ja-JP" altLang="en-US" sz="2400" dirty="0"/>
               <a:t>により、変更がリポジトリに記録される</a:t>
             </a:r>
-            <a:endParaRPr lang="en-US" altLang="ja-JP" sz="2400" dirty="0" smtClean="0"/>
+            <a:endParaRPr lang="en-US" altLang="ja-JP" sz="2400" dirty="0"/>
           </a:p>
         </p:txBody>
       </p:sp>
@@ -9804,27 +9792,27 @@
           <a:lstStyle/>
           <a:p>
             <a:r>
-              <a:rPr kumimoji="1" lang="en-US" altLang="ja-JP" sz="3200" dirty="0" err="1" smtClean="0"/>
+              <a:rPr kumimoji="1" lang="en-US" altLang="ja-JP" sz="3200" dirty="0" err="1"/>
               <a:t>git</a:t>
             </a:r>
             <a:r>
-              <a:rPr kumimoji="1" lang="en-US" altLang="ja-JP" sz="3200" dirty="0" smtClean="0"/>
+              <a:rPr kumimoji="1" lang="en-US" altLang="ja-JP" sz="3200" dirty="0"/>
               <a:t> commit –m “file1</a:t>
             </a:r>
             <a:r>
-              <a:rPr kumimoji="1" lang="ja-JP" altLang="en-US" sz="3200" dirty="0" smtClean="0"/>
+              <a:rPr kumimoji="1" lang="ja-JP" altLang="en-US" sz="3200" dirty="0"/>
               <a:t>と</a:t>
             </a:r>
             <a:r>
-              <a:rPr kumimoji="1" lang="en-US" altLang="ja-JP" sz="3200" dirty="0" smtClean="0"/>
+              <a:rPr kumimoji="1" lang="en-US" altLang="ja-JP" sz="3200" dirty="0"/>
               <a:t>file2</a:t>
             </a:r>
             <a:r>
-              <a:rPr kumimoji="1" lang="ja-JP" altLang="en-US" sz="3200" dirty="0" smtClean="0"/>
+              <a:rPr kumimoji="1" lang="ja-JP" altLang="en-US" sz="3200" dirty="0"/>
               <a:t>を追加</a:t>
             </a:r>
             <a:r>
-              <a:rPr kumimoji="1" lang="en-US" altLang="ja-JP" sz="3200" dirty="0" smtClean="0"/>
+              <a:rPr kumimoji="1" lang="en-US" altLang="ja-JP" sz="3200" dirty="0"/>
               <a:t>”</a:t>
             </a:r>
             <a:endParaRPr kumimoji="1" lang="ja-JP" altLang="en-US" sz="3200" dirty="0"/>
@@ -10016,7 +10004,7 @@
           <a:lstStyle/>
           <a:p>
             <a:r>
-              <a:rPr kumimoji="1" lang="en-US" altLang="ja-JP" dirty="0" smtClean="0"/>
+              <a:rPr kumimoji="1" lang="en-US" altLang="ja-JP" dirty="0"/>
               <a:t>file1</a:t>
             </a:r>
             <a:endParaRPr kumimoji="1" lang="ja-JP" altLang="en-US" dirty="0"/>
@@ -10046,7 +10034,7 @@
           <a:lstStyle/>
           <a:p>
             <a:r>
-              <a:rPr kumimoji="1" lang="en-US" altLang="ja-JP" dirty="0" smtClean="0"/>
+              <a:rPr kumimoji="1" lang="en-US" altLang="ja-JP" dirty="0"/>
               <a:t>file2</a:t>
             </a:r>
             <a:endParaRPr kumimoji="1" lang="ja-JP" altLang="en-US" dirty="0"/>
@@ -10165,10 +10153,9 @@
           <a:lstStyle/>
           <a:p>
             <a:r>
-              <a:rPr kumimoji="1" lang="ja-JP" altLang="en-US" sz="3200" dirty="0" smtClean="0"/>
+              <a:rPr kumimoji="1" lang="ja-JP" altLang="en-US" sz="3200" dirty="0"/>
               <a:t>インデックス</a:t>
             </a:r>
-            <a:endParaRPr kumimoji="1" lang="ja-JP" altLang="en-US" sz="3200" dirty="0"/>
           </a:p>
         </p:txBody>
       </p:sp>
@@ -10182,13 +10169,6 @@
   <p:clrMapOvr>
     <a:masterClrMapping/>
   </p:clrMapOvr>
-  <p:timing>
-    <p:tnLst>
-      <p:par>
-        <p:cTn id="1" dur="indefinite" restart="never" nodeType="tmRoot"/>
-      </p:par>
-    </p:tnLst>
-  </p:timing>
 </p:sld>
 </file>
 
@@ -10231,14 +10211,13 @@
           <a:lstStyle/>
           <a:p>
             <a:r>
-              <a:rPr kumimoji="1" lang="en-US" altLang="ja-JP" dirty="0" err="1" smtClean="0"/>
+              <a:rPr kumimoji="1" lang="en-US" altLang="ja-JP" dirty="0" err="1"/>
               <a:t>Git</a:t>
             </a:r>
             <a:r>
-              <a:rPr kumimoji="1" lang="ja-JP" altLang="en-US" dirty="0" smtClean="0"/>
+              <a:rPr kumimoji="1" lang="ja-JP" altLang="en-US" dirty="0"/>
               <a:t>とは何か</a:t>
             </a:r>
-            <a:endParaRPr kumimoji="1" lang="ja-JP" altLang="en-US" dirty="0"/>
           </a:p>
         </p:txBody>
       </p:sp>
@@ -10275,10 +10254,10 @@
               <a:buChar char="•"/>
             </a:pPr>
             <a:r>
-              <a:rPr kumimoji="1" lang="ja-JP" altLang="en-US" sz="3200" dirty="0" smtClean="0"/>
+              <a:rPr kumimoji="1" lang="ja-JP" altLang="en-US" sz="3200" dirty="0"/>
               <a:t>バージョンを管理してくれる</a:t>
             </a:r>
-            <a:endParaRPr kumimoji="1" lang="en-US" altLang="ja-JP" sz="3200" dirty="0" smtClean="0"/>
+            <a:endParaRPr kumimoji="1" lang="en-US" altLang="ja-JP" sz="3200" dirty="0"/>
           </a:p>
           <a:p>
             <a:pPr marL="457200" indent="-457200">
@@ -10287,13 +10266,9 @@
             </a:pPr>
             <a:r>
               <a:rPr lang="ja-JP" altLang="en-US" sz="3200" dirty="0"/>
-              <a:t>変更点</a:t>
-            </a:r>
-            <a:r>
-              <a:rPr lang="ja-JP" altLang="en-US" sz="3200" dirty="0" smtClean="0"/>
-              <a:t>を後から見やすくしてくれる</a:t>
-            </a:r>
-            <a:endParaRPr lang="en-US" altLang="ja-JP" sz="3200" dirty="0" smtClean="0"/>
+              <a:t>変更点を後から見やすくしてくれる</a:t>
+            </a:r>
+            <a:endParaRPr lang="en-US" altLang="ja-JP" sz="3200" dirty="0"/>
           </a:p>
           <a:p>
             <a:pPr marL="457200" indent="-457200">
@@ -10301,11 +10276,11 @@
               <a:buChar char="•"/>
             </a:pPr>
             <a:r>
-              <a:rPr kumimoji="1" lang="ja-JP" altLang="en-US" sz="3200" dirty="0" smtClean="0"/>
+              <a:rPr kumimoji="1" lang="ja-JP" altLang="en-US" sz="3200" dirty="0"/>
               <a:t>多人数</a:t>
             </a:r>
             <a:r>
-              <a:rPr lang="ja-JP" altLang="en-US" sz="3200" dirty="0" smtClean="0"/>
+              <a:rPr lang="ja-JP" altLang="en-US" sz="3200" dirty="0"/>
               <a:t>による開発を容易にしてくれる</a:t>
             </a:r>
             <a:endParaRPr kumimoji="1" lang="ja-JP" altLang="en-US" sz="3200" dirty="0"/>
@@ -10335,7 +10310,7 @@
           <a:lstStyle/>
           <a:p>
             <a:r>
-              <a:rPr lang="ja-JP" altLang="en-US" sz="3600" dirty="0" smtClean="0"/>
+              <a:rPr lang="ja-JP" altLang="en-US" sz="3600" dirty="0"/>
               <a:t>バージョン管理システムの一つ</a:t>
             </a:r>
             <a:endParaRPr kumimoji="1" lang="ja-JP" altLang="en-US" sz="3600" dirty="0"/>
@@ -10365,11 +10340,11 @@
           <a:lstStyle/>
           <a:p>
             <a:r>
-              <a:rPr kumimoji="1" lang="en-US" altLang="ja-JP" sz="3200" dirty="0" smtClean="0"/>
+              <a:rPr kumimoji="1" lang="en-US" altLang="ja-JP" sz="3200" dirty="0"/>
               <a:t>(</a:t>
             </a:r>
             <a:r>
-              <a:rPr kumimoji="1" lang="en-US" altLang="ja-JP" sz="3200" dirty="0" smtClean="0">
+              <a:rPr kumimoji="1" lang="en-US" altLang="ja-JP" sz="3200" dirty="0">
                 <a:solidFill>
                   <a:srgbClr val="FF0000"/>
                 </a:solidFill>
@@ -10377,11 +10352,11 @@
               <a:t>V</a:t>
             </a:r>
             <a:r>
-              <a:rPr kumimoji="1" lang="en-US" altLang="ja-JP" sz="3200" dirty="0" smtClean="0"/>
+              <a:rPr kumimoji="1" lang="en-US" altLang="ja-JP" sz="3200" dirty="0"/>
               <a:t>ersion </a:t>
             </a:r>
             <a:r>
-              <a:rPr kumimoji="1" lang="en-US" altLang="ja-JP" sz="3200" dirty="0" smtClean="0">
+              <a:rPr kumimoji="1" lang="en-US" altLang="ja-JP" sz="3200" dirty="0">
                 <a:solidFill>
                   <a:srgbClr val="FF0000"/>
                 </a:solidFill>
@@ -10389,11 +10364,11 @@
               <a:t>C</a:t>
             </a:r>
             <a:r>
-              <a:rPr kumimoji="1" lang="en-US" altLang="ja-JP" sz="3200" dirty="0" smtClean="0"/>
+              <a:rPr kumimoji="1" lang="en-US" altLang="ja-JP" sz="3200" dirty="0"/>
               <a:t>ontrol </a:t>
             </a:r>
             <a:r>
-              <a:rPr kumimoji="1" lang="en-US" altLang="ja-JP" sz="3200" dirty="0" smtClean="0">
+              <a:rPr kumimoji="1" lang="en-US" altLang="ja-JP" sz="3200" dirty="0">
                 <a:solidFill>
                   <a:srgbClr val="FF0000"/>
                 </a:solidFill>
@@ -10401,19 +10376,19 @@
               <a:t>S</a:t>
             </a:r>
             <a:r>
-              <a:rPr kumimoji="1" lang="en-US" altLang="ja-JP" sz="3200" dirty="0" smtClean="0"/>
+              <a:rPr kumimoji="1" lang="en-US" altLang="ja-JP" sz="3200" dirty="0"/>
               <a:t>ystem</a:t>
             </a:r>
             <a:r>
-              <a:rPr lang="en-US" altLang="ja-JP" sz="3200" dirty="0" smtClean="0"/>
+              <a:rPr lang="en-US" altLang="ja-JP" sz="3200" dirty="0"/>
               <a:t>: </a:t>
             </a:r>
             <a:r>
-              <a:rPr kumimoji="1" lang="ja-JP" altLang="en-US" sz="3200" dirty="0" smtClean="0"/>
+              <a:rPr kumimoji="1" lang="ja-JP" altLang="en-US" sz="3200" dirty="0"/>
               <a:t>略して</a:t>
             </a:r>
             <a:r>
-              <a:rPr kumimoji="1" lang="en-US" altLang="ja-JP" sz="3200" dirty="0" smtClean="0"/>
+              <a:rPr kumimoji="1" lang="en-US" altLang="ja-JP" sz="3200" dirty="0"/>
               <a:t>VCS)</a:t>
             </a:r>
           </a:p>
@@ -10442,7 +10417,7 @@
           <a:lstStyle/>
           <a:p>
             <a:r>
-              <a:rPr lang="ja-JP" altLang="en-US" sz="3200" dirty="0" smtClean="0">
+              <a:rPr lang="ja-JP" altLang="en-US" sz="3200" dirty="0">
                 <a:solidFill>
                   <a:srgbClr val="FF0000"/>
                 </a:solidFill>
@@ -10450,7 +10425,7 @@
               <a:t>プログラム開発現場では</a:t>
             </a:r>
             <a:r>
-              <a:rPr lang="en-US" altLang="ja-JP" sz="3200" dirty="0" smtClean="0">
+              <a:rPr lang="en-US" altLang="ja-JP" sz="3200" dirty="0">
                 <a:solidFill>
                   <a:srgbClr val="FF0000"/>
                 </a:solidFill>
@@ -10458,7 +10433,7 @@
               <a:t>VCS</a:t>
             </a:r>
             <a:r>
-              <a:rPr lang="ja-JP" altLang="en-US" sz="3200" dirty="0" smtClean="0">
+              <a:rPr lang="ja-JP" altLang="en-US" sz="3200" dirty="0">
                 <a:solidFill>
                   <a:srgbClr val="FF0000"/>
                 </a:solidFill>
@@ -10496,31 +10471,23 @@
           <a:lstStyle/>
           <a:p>
             <a:r>
-              <a:rPr lang="ja-JP" altLang="en-US" dirty="0" smtClean="0"/>
+              <a:rPr lang="ja-JP" altLang="en-US" dirty="0"/>
               <a:t>いまどき</a:t>
             </a:r>
             <a:r>
-              <a:rPr lang="en-US" altLang="ja-JP" dirty="0" smtClean="0"/>
+              <a:rPr lang="en-US" altLang="ja-JP" dirty="0"/>
               <a:t>VCS</a:t>
             </a:r>
             <a:r>
-              <a:rPr lang="ja-JP" altLang="en-US" dirty="0" smtClean="0"/>
-              <a:t>を使ってない</a:t>
-            </a:r>
-            <a:r>
               <a:rPr lang="ja-JP" altLang="en-US" dirty="0"/>
-              <a:t>開発</a:t>
-            </a:r>
-            <a:r>
-              <a:rPr lang="ja-JP" altLang="en-US" dirty="0" smtClean="0"/>
-              <a:t>現場は無い</a:t>
-            </a:r>
-            <a:r>
-              <a:rPr lang="en-US" altLang="ja-JP" dirty="0" smtClean="0"/>
+              <a:t>を使ってない開発現場は無い</a:t>
+            </a:r>
+            <a:r>
+              <a:rPr lang="en-US" altLang="ja-JP" dirty="0"/>
               <a:t>……</a:t>
             </a:r>
             <a:r>
-              <a:rPr lang="ja-JP" altLang="en-US" dirty="0" smtClean="0"/>
+              <a:rPr lang="ja-JP" altLang="en-US" dirty="0"/>
               <a:t>と思う</a:t>
             </a:r>
             <a:endParaRPr kumimoji="1" lang="ja-JP" altLang="en-US" dirty="0"/>
@@ -10537,13 +10504,6 @@
   <p:clrMapOvr>
     <a:masterClrMapping/>
   </p:clrMapOvr>
-  <p:timing>
-    <p:tnLst>
-      <p:par>
-        <p:cTn id="1" dur="indefinite" restart="never" nodeType="tmRoot"/>
-      </p:par>
-    </p:tnLst>
-  </p:timing>
 </p:sld>
 </file>
 
@@ -10580,11 +10540,11 @@
           <a:lstStyle/>
           <a:p>
             <a:r>
-              <a:rPr kumimoji="1" lang="en-US" altLang="ja-JP" dirty="0" err="1" smtClean="0"/>
+              <a:rPr kumimoji="1" lang="en-US" altLang="ja-JP" dirty="0" err="1"/>
               <a:t>git</a:t>
             </a:r>
             <a:r>
-              <a:rPr kumimoji="1" lang="en-US" altLang="ja-JP" dirty="0" smtClean="0"/>
+              <a:rPr kumimoji="1" lang="en-US" altLang="ja-JP" dirty="0"/>
               <a:t> add</a:t>
             </a:r>
             <a:endParaRPr kumimoji="1" lang="ja-JP" altLang="en-US" dirty="0"/>
@@ -10614,11 +10574,11 @@
           <a:lstStyle/>
           <a:p>
             <a:r>
-              <a:rPr kumimoji="1" lang="en-US" altLang="ja-JP" sz="4000" dirty="0" smtClean="0"/>
+              <a:rPr kumimoji="1" lang="en-US" altLang="ja-JP" sz="4000" dirty="0"/>
               <a:t>Q: </a:t>
             </a:r>
             <a:r>
-              <a:rPr kumimoji="1" lang="ja-JP" altLang="en-US" sz="4000" dirty="0" smtClean="0"/>
+              <a:rPr kumimoji="1" lang="ja-JP" altLang="en-US" sz="4000" dirty="0"/>
               <a:t>なぜ</a:t>
             </a:r>
             <a:r>
@@ -10626,24 +10586,23 @@
               <a:t>インデックス</a:t>
             </a:r>
             <a:r>
-              <a:rPr kumimoji="1" lang="ja-JP" altLang="en-US" sz="4000" dirty="0" smtClean="0"/>
+              <a:rPr kumimoji="1" lang="ja-JP" altLang="en-US" sz="4000" dirty="0"/>
               <a:t>があるか？</a:t>
             </a:r>
-            <a:endParaRPr kumimoji="1" lang="en-US" altLang="ja-JP" sz="4000" dirty="0" smtClean="0"/>
+            <a:endParaRPr kumimoji="1" lang="en-US" altLang="ja-JP" sz="4000" dirty="0"/>
           </a:p>
           <a:p>
             <a:endParaRPr lang="en-US" altLang="ja-JP" sz="4000" dirty="0"/>
           </a:p>
           <a:p>
             <a:r>
-              <a:rPr kumimoji="1" lang="en-US" altLang="ja-JP" sz="4000" dirty="0" smtClean="0"/>
+              <a:rPr kumimoji="1" lang="en-US" altLang="ja-JP" sz="4000" dirty="0"/>
               <a:t>A: </a:t>
             </a:r>
             <a:r>
-              <a:rPr kumimoji="1" lang="ja-JP" altLang="en-US" sz="4000" dirty="0" smtClean="0"/>
+              <a:rPr kumimoji="1" lang="ja-JP" altLang="en-US" sz="4000" dirty="0"/>
               <a:t>複数の修正がある時、一部の修正を選んでコミットを作るため</a:t>
             </a:r>
-            <a:endParaRPr kumimoji="1" lang="ja-JP" altLang="en-US" sz="4000" dirty="0"/>
           </a:p>
         </p:txBody>
       </p:sp>
@@ -10657,13 +10616,6 @@
   <p:clrMapOvr>
     <a:masterClrMapping/>
   </p:clrMapOvr>
-  <p:timing>
-    <p:tnLst>
-      <p:par>
-        <p:cTn id="1" dur="indefinite" restart="never" nodeType="tmRoot"/>
-      </p:par>
-    </p:tnLst>
-  </p:timing>
 </p:sld>
 </file>
 
@@ -10700,11 +10652,11 @@
           <a:lstStyle/>
           <a:p>
             <a:r>
-              <a:rPr kumimoji="1" lang="en-US" altLang="ja-JP" dirty="0" err="1" smtClean="0"/>
+              <a:rPr kumimoji="1" lang="en-US" altLang="ja-JP" dirty="0" err="1"/>
               <a:t>git</a:t>
             </a:r>
             <a:r>
-              <a:rPr kumimoji="1" lang="en-US" altLang="ja-JP" dirty="0" smtClean="0"/>
+              <a:rPr kumimoji="1" lang="en-US" altLang="ja-JP" dirty="0"/>
               <a:t> add </a:t>
             </a:r>
             <a:endParaRPr kumimoji="1" lang="ja-JP" altLang="en-US" dirty="0"/>
@@ -10734,10 +10686,9 @@
           <a:lstStyle/>
           <a:p>
             <a:r>
-              <a:rPr kumimoji="1" lang="ja-JP" altLang="en-US" sz="3200" dirty="0" smtClean="0"/>
+              <a:rPr kumimoji="1" lang="ja-JP" altLang="en-US" sz="3200" dirty="0"/>
               <a:t>ワークツリー</a:t>
             </a:r>
-            <a:endParaRPr kumimoji="1" lang="ja-JP" altLang="en-US" sz="3200" dirty="0"/>
           </a:p>
         </p:txBody>
       </p:sp>
@@ -11219,7 +11170,7 @@
           <a:lstStyle/>
           <a:p>
             <a:r>
-              <a:rPr kumimoji="1" lang="en-US" altLang="ja-JP" dirty="0" smtClean="0"/>
+              <a:rPr kumimoji="1" lang="en-US" altLang="ja-JP" dirty="0"/>
               <a:t>file1</a:t>
             </a:r>
             <a:endParaRPr kumimoji="1" lang="ja-JP" altLang="en-US" dirty="0"/>
@@ -11249,7 +11200,7 @@
           <a:lstStyle/>
           <a:p>
             <a:r>
-              <a:rPr kumimoji="1" lang="en-US" altLang="ja-JP" dirty="0" smtClean="0"/>
+              <a:rPr kumimoji="1" lang="en-US" altLang="ja-JP" dirty="0"/>
               <a:t>file2</a:t>
             </a:r>
             <a:endParaRPr kumimoji="1" lang="ja-JP" altLang="en-US" dirty="0"/>
@@ -11630,7 +11581,7 @@
           <a:lstStyle/>
           <a:p>
             <a:r>
-              <a:rPr kumimoji="1" lang="en-US" altLang="ja-JP" dirty="0" smtClean="0"/>
+              <a:rPr kumimoji="1" lang="en-US" altLang="ja-JP" dirty="0"/>
               <a:t>file1</a:t>
             </a:r>
             <a:endParaRPr kumimoji="1" lang="ja-JP" altLang="en-US" dirty="0"/>
@@ -11660,7 +11611,7 @@
           <a:lstStyle/>
           <a:p>
             <a:r>
-              <a:rPr kumimoji="1" lang="en-US" altLang="ja-JP" dirty="0" smtClean="0"/>
+              <a:rPr kumimoji="1" lang="en-US" altLang="ja-JP" dirty="0"/>
               <a:t>file2</a:t>
             </a:r>
             <a:endParaRPr kumimoji="1" lang="ja-JP" altLang="en-US" dirty="0"/>
@@ -11690,30 +11641,29 @@
           <a:lstStyle/>
           <a:p>
             <a:r>
-              <a:rPr kumimoji="1" lang="ja-JP" altLang="en-US" sz="2400" dirty="0" smtClean="0"/>
+              <a:rPr kumimoji="1" lang="ja-JP" altLang="en-US" sz="2400" dirty="0"/>
               <a:t>最後にコミットした状態から、</a:t>
             </a:r>
             <a:r>
-              <a:rPr kumimoji="1" lang="en-US" altLang="ja-JP" sz="2400" dirty="0" smtClean="0"/>
+              <a:rPr kumimoji="1" lang="en-US" altLang="ja-JP" sz="2400" dirty="0"/>
               <a:t>file1</a:t>
             </a:r>
             <a:r>
-              <a:rPr kumimoji="1" lang="ja-JP" altLang="en-US" sz="2400" dirty="0" smtClean="0"/>
+              <a:rPr kumimoji="1" lang="ja-JP" altLang="en-US" sz="2400" dirty="0"/>
               <a:t>と</a:t>
             </a:r>
             <a:r>
-              <a:rPr kumimoji="1" lang="en-US" altLang="ja-JP" sz="2400" dirty="0" smtClean="0"/>
+              <a:rPr kumimoji="1" lang="en-US" altLang="ja-JP" sz="2400" dirty="0"/>
               <a:t>file2</a:t>
             </a:r>
             <a:r>
-              <a:rPr kumimoji="1" lang="ja-JP" altLang="en-US" sz="2400" dirty="0" err="1" smtClean="0"/>
+              <a:rPr kumimoji="1" lang="ja-JP" altLang="en-US" sz="2400" dirty="0" err="1"/>
               <a:t>を修</a:t>
             </a:r>
             <a:r>
-              <a:rPr kumimoji="1" lang="ja-JP" altLang="en-US" sz="2400" dirty="0" smtClean="0"/>
+              <a:rPr kumimoji="1" lang="ja-JP" altLang="en-US" sz="2400" dirty="0"/>
               <a:t>正した</a:t>
             </a:r>
-            <a:endParaRPr kumimoji="1" lang="ja-JP" altLang="en-US" sz="2400" dirty="0"/>
           </a:p>
         </p:txBody>
       </p:sp>
@@ -11740,10 +11690,9 @@
           <a:lstStyle/>
           <a:p>
             <a:r>
-              <a:rPr kumimoji="1" lang="ja-JP" altLang="en-US" sz="3200" dirty="0" smtClean="0"/>
+              <a:rPr kumimoji="1" lang="ja-JP" altLang="en-US" sz="3200" dirty="0"/>
               <a:t>インデックス</a:t>
             </a:r>
-            <a:endParaRPr kumimoji="1" lang="ja-JP" altLang="en-US" sz="3200" dirty="0"/>
           </a:p>
         </p:txBody>
       </p:sp>
@@ -11757,13 +11706,6 @@
   <p:clrMapOvr>
     <a:masterClrMapping/>
   </p:clrMapOvr>
-  <p:timing>
-    <p:tnLst>
-      <p:par>
-        <p:cTn id="1" dur="indefinite" restart="never" nodeType="tmRoot"/>
-      </p:par>
-    </p:tnLst>
-  </p:timing>
 </p:sld>
 </file>
 
@@ -11800,11 +11742,11 @@
           <a:lstStyle/>
           <a:p>
             <a:r>
-              <a:rPr kumimoji="1" lang="en-US" altLang="ja-JP" dirty="0" err="1" smtClean="0"/>
+              <a:rPr kumimoji="1" lang="en-US" altLang="ja-JP" dirty="0" err="1"/>
               <a:t>git</a:t>
             </a:r>
             <a:r>
-              <a:rPr kumimoji="1" lang="en-US" altLang="ja-JP" dirty="0" smtClean="0"/>
+              <a:rPr kumimoji="1" lang="en-US" altLang="ja-JP" dirty="0"/>
               <a:t> add </a:t>
             </a:r>
             <a:endParaRPr kumimoji="1" lang="ja-JP" altLang="en-US" dirty="0"/>
@@ -11834,10 +11776,9 @@
           <a:lstStyle/>
           <a:p>
             <a:r>
-              <a:rPr kumimoji="1" lang="ja-JP" altLang="en-US" sz="3200" dirty="0" smtClean="0"/>
+              <a:rPr kumimoji="1" lang="ja-JP" altLang="en-US" sz="3200" dirty="0"/>
               <a:t>ワークツリー</a:t>
             </a:r>
-            <a:endParaRPr kumimoji="1" lang="ja-JP" altLang="en-US" sz="3200" dirty="0"/>
           </a:p>
         </p:txBody>
       </p:sp>
@@ -12319,7 +12260,7 @@
           <a:lstStyle/>
           <a:p>
             <a:r>
-              <a:rPr kumimoji="1" lang="en-US" altLang="ja-JP" dirty="0" smtClean="0"/>
+              <a:rPr kumimoji="1" lang="en-US" altLang="ja-JP" dirty="0"/>
               <a:t>file1</a:t>
             </a:r>
             <a:endParaRPr kumimoji="1" lang="ja-JP" altLang="en-US" dirty="0"/>
@@ -12349,7 +12290,7 @@
           <a:lstStyle/>
           <a:p>
             <a:r>
-              <a:rPr kumimoji="1" lang="en-US" altLang="ja-JP" dirty="0" smtClean="0"/>
+              <a:rPr kumimoji="1" lang="en-US" altLang="ja-JP" dirty="0"/>
               <a:t>file2</a:t>
             </a:r>
             <a:endParaRPr kumimoji="1" lang="ja-JP" altLang="en-US" dirty="0"/>
@@ -12730,7 +12671,7 @@
           <a:lstStyle/>
           <a:p>
             <a:r>
-              <a:rPr kumimoji="1" lang="en-US" altLang="ja-JP" dirty="0" smtClean="0"/>
+              <a:rPr kumimoji="1" lang="en-US" altLang="ja-JP" dirty="0"/>
               <a:t>file1</a:t>
             </a:r>
             <a:endParaRPr kumimoji="1" lang="ja-JP" altLang="en-US" dirty="0"/>
@@ -12760,7 +12701,7 @@
           <a:lstStyle/>
           <a:p>
             <a:r>
-              <a:rPr kumimoji="1" lang="en-US" altLang="ja-JP" dirty="0" smtClean="0"/>
+              <a:rPr kumimoji="1" lang="en-US" altLang="ja-JP" dirty="0"/>
               <a:t>file2</a:t>
             </a:r>
             <a:endParaRPr kumimoji="1" lang="ja-JP" altLang="en-US" dirty="0"/>
@@ -12790,22 +12731,21 @@
           <a:lstStyle/>
           <a:p>
             <a:r>
-              <a:rPr kumimoji="1" lang="en-US" altLang="ja-JP" sz="3200" dirty="0" smtClean="0"/>
+              <a:rPr kumimoji="1" lang="en-US" altLang="ja-JP" sz="3200" dirty="0"/>
               <a:t>file1</a:t>
             </a:r>
             <a:r>
-              <a:rPr kumimoji="1" lang="ja-JP" altLang="en-US" sz="3200" dirty="0" smtClean="0"/>
+              <a:rPr kumimoji="1" lang="ja-JP" altLang="en-US" sz="3200" dirty="0"/>
               <a:t>だけ</a:t>
             </a:r>
             <a:r>
-              <a:rPr kumimoji="1" lang="en-US" altLang="ja-JP" sz="3200" dirty="0" smtClean="0"/>
+              <a:rPr kumimoji="1" lang="en-US" altLang="ja-JP" sz="3200" dirty="0"/>
               <a:t>add</a:t>
             </a:r>
             <a:r>
-              <a:rPr kumimoji="1" lang="ja-JP" altLang="en-US" sz="3200" dirty="0" smtClean="0"/>
+              <a:rPr kumimoji="1" lang="ja-JP" altLang="en-US" sz="3200" dirty="0"/>
               <a:t>する</a:t>
             </a:r>
-            <a:endParaRPr kumimoji="1" lang="ja-JP" altLang="en-US" sz="3200" dirty="0"/>
           </a:p>
         </p:txBody>
       </p:sp>
@@ -12832,10 +12772,9 @@
           <a:lstStyle/>
           <a:p>
             <a:r>
-              <a:rPr kumimoji="1" lang="ja-JP" altLang="en-US" sz="3200" dirty="0" smtClean="0"/>
+              <a:rPr kumimoji="1" lang="ja-JP" altLang="en-US" sz="3200" dirty="0"/>
               <a:t>インデックス</a:t>
             </a:r>
-            <a:endParaRPr kumimoji="1" lang="ja-JP" altLang="en-US" sz="3200" dirty="0"/>
           </a:p>
         </p:txBody>
       </p:sp>
@@ -12977,7 +12916,7 @@
           <a:lstStyle/>
           <a:p>
             <a:r>
-              <a:rPr kumimoji="1" lang="en-US" altLang="ja-JP" dirty="0" smtClean="0"/>
+              <a:rPr kumimoji="1" lang="en-US" altLang="ja-JP" dirty="0"/>
               <a:t>file1</a:t>
             </a:r>
             <a:endParaRPr kumimoji="1" lang="ja-JP" altLang="en-US" dirty="0"/>
@@ -13055,11 +12994,11 @@
           <a:lstStyle/>
           <a:p>
             <a:r>
-              <a:rPr kumimoji="1" lang="en-US" altLang="ja-JP" sz="3200" dirty="0" err="1" smtClean="0"/>
+              <a:rPr kumimoji="1" lang="en-US" altLang="ja-JP" sz="3200" dirty="0" err="1"/>
               <a:t>git</a:t>
             </a:r>
             <a:r>
-              <a:rPr kumimoji="1" lang="en-US" altLang="ja-JP" sz="3200" dirty="0" smtClean="0"/>
+              <a:rPr kumimoji="1" lang="en-US" altLang="ja-JP" sz="3200" dirty="0"/>
               <a:t> add file1</a:t>
             </a:r>
             <a:endParaRPr kumimoji="1" lang="ja-JP" altLang="en-US" sz="3200" dirty="0"/>
@@ -13112,11 +13051,11 @@
           <a:lstStyle/>
           <a:p>
             <a:r>
-              <a:rPr kumimoji="1" lang="en-US" altLang="ja-JP" dirty="0" err="1" smtClean="0"/>
+              <a:rPr kumimoji="1" lang="en-US" altLang="ja-JP" dirty="0" err="1"/>
               <a:t>git</a:t>
             </a:r>
             <a:r>
-              <a:rPr kumimoji="1" lang="en-US" altLang="ja-JP" dirty="0" smtClean="0"/>
+              <a:rPr kumimoji="1" lang="en-US" altLang="ja-JP" dirty="0"/>
               <a:t> add </a:t>
             </a:r>
             <a:endParaRPr kumimoji="1" lang="ja-JP" altLang="en-US" dirty="0"/>
@@ -13146,10 +13085,9 @@
           <a:lstStyle/>
           <a:p>
             <a:r>
-              <a:rPr kumimoji="1" lang="ja-JP" altLang="en-US" sz="3200" dirty="0" smtClean="0"/>
+              <a:rPr kumimoji="1" lang="ja-JP" altLang="en-US" sz="3200" dirty="0"/>
               <a:t>ワークツリー</a:t>
             </a:r>
-            <a:endParaRPr kumimoji="1" lang="ja-JP" altLang="en-US" sz="3200" dirty="0"/>
           </a:p>
         </p:txBody>
       </p:sp>
@@ -13631,7 +13569,7 @@
           <a:lstStyle/>
           <a:p>
             <a:r>
-              <a:rPr kumimoji="1" lang="en-US" altLang="ja-JP" dirty="0" smtClean="0"/>
+              <a:rPr kumimoji="1" lang="en-US" altLang="ja-JP" dirty="0"/>
               <a:t>file1</a:t>
             </a:r>
             <a:endParaRPr kumimoji="1" lang="ja-JP" altLang="en-US" dirty="0"/>
@@ -13661,7 +13599,7 @@
           <a:lstStyle/>
           <a:p>
             <a:r>
-              <a:rPr kumimoji="1" lang="en-US" altLang="ja-JP" dirty="0" smtClean="0"/>
+              <a:rPr kumimoji="1" lang="en-US" altLang="ja-JP" dirty="0"/>
               <a:t>file2</a:t>
             </a:r>
             <a:endParaRPr kumimoji="1" lang="ja-JP" altLang="en-US" dirty="0"/>
@@ -14042,7 +13980,7 @@
           <a:lstStyle/>
           <a:p>
             <a:r>
-              <a:rPr kumimoji="1" lang="en-US" altLang="ja-JP" dirty="0" smtClean="0"/>
+              <a:rPr kumimoji="1" lang="en-US" altLang="ja-JP" dirty="0"/>
               <a:t>file1</a:t>
             </a:r>
             <a:endParaRPr kumimoji="1" lang="ja-JP" altLang="en-US" dirty="0"/>
@@ -14072,7 +14010,7 @@
           <a:lstStyle/>
           <a:p>
             <a:r>
-              <a:rPr kumimoji="1" lang="en-US" altLang="ja-JP" dirty="0" smtClean="0"/>
+              <a:rPr kumimoji="1" lang="en-US" altLang="ja-JP" dirty="0"/>
               <a:t>file2</a:t>
             </a:r>
             <a:endParaRPr kumimoji="1" lang="ja-JP" altLang="en-US" dirty="0"/>
@@ -14102,12 +14040,8 @@
           <a:lstStyle/>
           <a:p>
             <a:r>
-              <a:rPr lang="ja-JP" altLang="en-US" sz="3200" dirty="0" smtClean="0"/>
-              <a:t>コミットす</a:t>
-            </a:r>
-            <a:r>
               <a:rPr lang="ja-JP" altLang="en-US" sz="3200" dirty="0"/>
-              <a:t>る</a:t>
+              <a:t>コミットする</a:t>
             </a:r>
             <a:endParaRPr kumimoji="1" lang="ja-JP" altLang="en-US" sz="3200" dirty="0"/>
           </a:p>
@@ -14136,10 +14070,9 @@
           <a:lstStyle/>
           <a:p>
             <a:r>
-              <a:rPr kumimoji="1" lang="ja-JP" altLang="en-US" sz="3200" dirty="0" smtClean="0"/>
+              <a:rPr kumimoji="1" lang="ja-JP" altLang="en-US" sz="3200" dirty="0"/>
               <a:t>インデックス</a:t>
             </a:r>
-            <a:endParaRPr kumimoji="1" lang="ja-JP" altLang="en-US" sz="3200" dirty="0"/>
           </a:p>
         </p:txBody>
       </p:sp>
@@ -14166,19 +14099,19 @@
           <a:lstStyle/>
           <a:p>
             <a:r>
-              <a:rPr kumimoji="1" lang="en-US" altLang="ja-JP" sz="3200" dirty="0" err="1" smtClean="0"/>
+              <a:rPr kumimoji="1" lang="en-US" altLang="ja-JP" sz="3200" dirty="0" err="1"/>
               <a:t>git</a:t>
             </a:r>
             <a:r>
-              <a:rPr kumimoji="1" lang="en-US" altLang="ja-JP" sz="3200" dirty="0" smtClean="0"/>
+              <a:rPr kumimoji="1" lang="en-US" altLang="ja-JP" sz="3200" dirty="0"/>
               <a:t> commit –m “file1</a:t>
             </a:r>
             <a:r>
-              <a:rPr kumimoji="1" lang="ja-JP" altLang="en-US" sz="3200" dirty="0" smtClean="0"/>
+              <a:rPr kumimoji="1" lang="ja-JP" altLang="en-US" sz="3200" dirty="0"/>
               <a:t>を修正</a:t>
             </a:r>
             <a:r>
-              <a:rPr kumimoji="1" lang="en-US" altLang="ja-JP" sz="3200" dirty="0" smtClean="0"/>
+              <a:rPr kumimoji="1" lang="en-US" altLang="ja-JP" sz="3200" dirty="0"/>
               <a:t>”</a:t>
             </a:r>
             <a:endParaRPr kumimoji="1" lang="ja-JP" altLang="en-US" sz="3200" dirty="0"/>
@@ -14243,13 +14176,6 @@
   <p:clrMapOvr>
     <a:masterClrMapping/>
   </p:clrMapOvr>
-  <p:timing>
-    <p:tnLst>
-      <p:par>
-        <p:cTn id="1" dur="indefinite" restart="never" nodeType="tmRoot"/>
-      </p:par>
-    </p:tnLst>
-  </p:timing>
 </p:sld>
 </file>
 
@@ -14286,11 +14212,11 @@
           <a:lstStyle/>
           <a:p>
             <a:r>
-              <a:rPr kumimoji="1" lang="en-US" altLang="ja-JP" dirty="0" err="1" smtClean="0"/>
+              <a:rPr kumimoji="1" lang="en-US" altLang="ja-JP" dirty="0" err="1"/>
               <a:t>git</a:t>
             </a:r>
             <a:r>
-              <a:rPr kumimoji="1" lang="en-US" altLang="ja-JP" dirty="0" smtClean="0"/>
+              <a:rPr kumimoji="1" lang="en-US" altLang="ja-JP" dirty="0"/>
               <a:t> add </a:t>
             </a:r>
             <a:endParaRPr kumimoji="1" lang="ja-JP" altLang="en-US" dirty="0"/>
@@ -14320,10 +14246,9 @@
           <a:lstStyle/>
           <a:p>
             <a:r>
-              <a:rPr kumimoji="1" lang="ja-JP" altLang="en-US" sz="3200" dirty="0" smtClean="0"/>
+              <a:rPr kumimoji="1" lang="ja-JP" altLang="en-US" sz="3200" dirty="0"/>
               <a:t>ワークツリー</a:t>
             </a:r>
-            <a:endParaRPr kumimoji="1" lang="ja-JP" altLang="en-US" sz="3200" dirty="0"/>
           </a:p>
         </p:txBody>
       </p:sp>
@@ -14805,7 +14730,7 @@
           <a:lstStyle/>
           <a:p>
             <a:r>
-              <a:rPr kumimoji="1" lang="en-US" altLang="ja-JP" dirty="0" smtClean="0"/>
+              <a:rPr kumimoji="1" lang="en-US" altLang="ja-JP" dirty="0"/>
               <a:t>file1</a:t>
             </a:r>
             <a:endParaRPr kumimoji="1" lang="ja-JP" altLang="en-US" dirty="0"/>
@@ -14835,7 +14760,7 @@
           <a:lstStyle/>
           <a:p>
             <a:r>
-              <a:rPr kumimoji="1" lang="en-US" altLang="ja-JP" dirty="0" smtClean="0"/>
+              <a:rPr kumimoji="1" lang="en-US" altLang="ja-JP" dirty="0"/>
               <a:t>file2</a:t>
             </a:r>
             <a:endParaRPr kumimoji="1" lang="ja-JP" altLang="en-US" dirty="0"/>
@@ -15216,7 +15141,7 @@
           <a:lstStyle/>
           <a:p>
             <a:r>
-              <a:rPr kumimoji="1" lang="en-US" altLang="ja-JP" dirty="0" smtClean="0"/>
+              <a:rPr kumimoji="1" lang="en-US" altLang="ja-JP" dirty="0"/>
               <a:t>file1</a:t>
             </a:r>
             <a:endParaRPr kumimoji="1" lang="ja-JP" altLang="en-US" dirty="0"/>
@@ -15246,7 +15171,7 @@
           <a:lstStyle/>
           <a:p>
             <a:r>
-              <a:rPr kumimoji="1" lang="en-US" altLang="ja-JP" dirty="0" smtClean="0"/>
+              <a:rPr kumimoji="1" lang="en-US" altLang="ja-JP" dirty="0"/>
               <a:t>file2</a:t>
             </a:r>
             <a:endParaRPr kumimoji="1" lang="ja-JP" altLang="en-US" dirty="0"/>
@@ -15276,11 +15201,11 @@
           <a:lstStyle/>
           <a:p>
             <a:r>
-              <a:rPr lang="en-US" altLang="ja-JP" sz="3200" dirty="0" smtClean="0"/>
+              <a:rPr lang="en-US" altLang="ja-JP" sz="3200" dirty="0"/>
               <a:t>file2</a:t>
             </a:r>
             <a:r>
-              <a:rPr lang="ja-JP" altLang="en-US" sz="3200" dirty="0" smtClean="0"/>
+              <a:rPr lang="ja-JP" altLang="en-US" sz="3200" dirty="0"/>
               <a:t>も同様にする</a:t>
             </a:r>
             <a:endParaRPr kumimoji="1" lang="ja-JP" altLang="en-US" sz="3200" dirty="0"/>
@@ -15310,10 +15235,9 @@
           <a:lstStyle/>
           <a:p>
             <a:r>
-              <a:rPr kumimoji="1" lang="ja-JP" altLang="en-US" sz="3200" dirty="0" smtClean="0"/>
+              <a:rPr kumimoji="1" lang="ja-JP" altLang="en-US" sz="3200" dirty="0"/>
               <a:t>インデックス</a:t>
             </a:r>
-            <a:endParaRPr kumimoji="1" lang="ja-JP" altLang="en-US" sz="3200" dirty="0"/>
           </a:p>
         </p:txBody>
       </p:sp>
@@ -15340,29 +15264,29 @@
           <a:lstStyle/>
           <a:p>
             <a:r>
-              <a:rPr kumimoji="1" lang="en-US" altLang="ja-JP" sz="3200" dirty="0" err="1" smtClean="0"/>
+              <a:rPr kumimoji="1" lang="en-US" altLang="ja-JP" sz="3200" dirty="0" err="1"/>
               <a:t>git</a:t>
             </a:r>
             <a:r>
-              <a:rPr kumimoji="1" lang="en-US" altLang="ja-JP" sz="3200" dirty="0" smtClean="0"/>
+              <a:rPr kumimoji="1" lang="en-US" altLang="ja-JP" sz="3200" dirty="0"/>
               <a:t> add file2</a:t>
             </a:r>
           </a:p>
           <a:p>
             <a:r>
-              <a:rPr kumimoji="1" lang="en-US" altLang="ja-JP" sz="3200" dirty="0" err="1" smtClean="0"/>
+              <a:rPr kumimoji="1" lang="en-US" altLang="ja-JP" sz="3200" dirty="0" err="1"/>
               <a:t>git</a:t>
             </a:r>
             <a:r>
-              <a:rPr kumimoji="1" lang="en-US" altLang="ja-JP" sz="3200" dirty="0" smtClean="0"/>
+              <a:rPr kumimoji="1" lang="en-US" altLang="ja-JP" sz="3200" dirty="0"/>
               <a:t> commit –m “file2</a:t>
             </a:r>
             <a:r>
-              <a:rPr kumimoji="1" lang="ja-JP" altLang="en-US" sz="3200" dirty="0" smtClean="0"/>
+              <a:rPr kumimoji="1" lang="ja-JP" altLang="en-US" sz="3200" dirty="0"/>
               <a:t>を修正</a:t>
             </a:r>
             <a:r>
-              <a:rPr kumimoji="1" lang="en-US" altLang="ja-JP" sz="3200" dirty="0" smtClean="0"/>
+              <a:rPr kumimoji="1" lang="en-US" altLang="ja-JP" sz="3200" dirty="0"/>
               <a:t>”</a:t>
             </a:r>
             <a:endParaRPr kumimoji="1" lang="ja-JP" altLang="en-US" sz="3200" dirty="0"/>
@@ -15603,7 +15527,7 @@
           <a:lstStyle/>
           <a:p>
             <a:r>
-              <a:rPr kumimoji="1" lang="en-US" altLang="ja-JP" dirty="0" smtClean="0"/>
+              <a:rPr kumimoji="1" lang="en-US" altLang="ja-JP" dirty="0"/>
               <a:t>file2</a:t>
             </a:r>
             <a:endParaRPr kumimoji="1" lang="ja-JP" altLang="en-US" dirty="0"/>
@@ -15656,11 +15580,11 @@
           <a:lstStyle/>
           <a:p>
             <a:r>
-              <a:rPr lang="en-US" altLang="ja-JP" dirty="0" err="1" smtClean="0"/>
+              <a:rPr lang="en-US" altLang="ja-JP" dirty="0" err="1"/>
               <a:t>git</a:t>
             </a:r>
             <a:r>
-              <a:rPr lang="en-US" altLang="ja-JP" dirty="0" smtClean="0"/>
+              <a:rPr lang="en-US" altLang="ja-JP" dirty="0"/>
               <a:t> add</a:t>
             </a:r>
             <a:endParaRPr kumimoji="1" lang="ja-JP" altLang="en-US" dirty="0"/>
@@ -16177,7 +16101,7 @@
           <a:lstStyle/>
           <a:p>
             <a:r>
-              <a:rPr kumimoji="1" lang="en-US" altLang="ja-JP" dirty="0" smtClean="0"/>
+              <a:rPr kumimoji="1" lang="en-US" altLang="ja-JP" dirty="0"/>
               <a:t>file1</a:t>
             </a:r>
             <a:endParaRPr kumimoji="1" lang="ja-JP" altLang="en-US" dirty="0"/>
@@ -16207,7 +16131,7 @@
           <a:lstStyle/>
           <a:p>
             <a:r>
-              <a:rPr kumimoji="1" lang="en-US" altLang="ja-JP" dirty="0" smtClean="0"/>
+              <a:rPr kumimoji="1" lang="en-US" altLang="ja-JP" dirty="0"/>
               <a:t>file2</a:t>
             </a:r>
             <a:endParaRPr kumimoji="1" lang="ja-JP" altLang="en-US" dirty="0"/>
@@ -16588,7 +16512,7 @@
           <a:lstStyle/>
           <a:p>
             <a:r>
-              <a:rPr kumimoji="1" lang="en-US" altLang="ja-JP" dirty="0" smtClean="0"/>
+              <a:rPr kumimoji="1" lang="en-US" altLang="ja-JP" dirty="0"/>
               <a:t>file1</a:t>
             </a:r>
             <a:endParaRPr kumimoji="1" lang="ja-JP" altLang="en-US" dirty="0"/>
@@ -16618,7 +16542,7 @@
           <a:lstStyle/>
           <a:p>
             <a:r>
-              <a:rPr kumimoji="1" lang="en-US" altLang="ja-JP" dirty="0" smtClean="0"/>
+              <a:rPr kumimoji="1" lang="en-US" altLang="ja-JP" dirty="0"/>
               <a:t>file2</a:t>
             </a:r>
             <a:endParaRPr kumimoji="1" lang="ja-JP" altLang="en-US" dirty="0"/>
@@ -16999,7 +16923,7 @@
           <a:lstStyle/>
           <a:p>
             <a:r>
-              <a:rPr kumimoji="1" lang="en-US" altLang="ja-JP" dirty="0" smtClean="0"/>
+              <a:rPr kumimoji="1" lang="en-US" altLang="ja-JP" dirty="0"/>
               <a:t>file1</a:t>
             </a:r>
             <a:endParaRPr kumimoji="1" lang="ja-JP" altLang="en-US" dirty="0"/>
@@ -17029,7 +16953,7 @@
           <a:lstStyle/>
           <a:p>
             <a:r>
-              <a:rPr kumimoji="1" lang="en-US" altLang="ja-JP" dirty="0" smtClean="0"/>
+              <a:rPr kumimoji="1" lang="en-US" altLang="ja-JP" dirty="0"/>
               <a:t>file2</a:t>
             </a:r>
             <a:endParaRPr kumimoji="1" lang="ja-JP" altLang="en-US" dirty="0"/>
@@ -17147,10 +17071,9 @@
           <a:lstStyle/>
           <a:p>
             <a:r>
-              <a:rPr kumimoji="1" lang="ja-JP" altLang="en-US" sz="3200" dirty="0" smtClean="0"/>
+              <a:rPr kumimoji="1" lang="ja-JP" altLang="en-US" sz="3200" dirty="0"/>
               <a:t>こんな歴史ができあがった</a:t>
             </a:r>
-            <a:endParaRPr kumimoji="1" lang="ja-JP" altLang="en-US" sz="3200" dirty="0"/>
           </a:p>
         </p:txBody>
       </p:sp>
@@ -17216,14 +17139,13 @@
           <a:lstStyle/>
           <a:p>
             <a:r>
-              <a:rPr lang="en-US" altLang="ja-JP" sz="2800" dirty="0" smtClean="0"/>
+              <a:rPr lang="en-US" altLang="ja-JP" sz="2800" dirty="0"/>
               <a:t>file1</a:t>
             </a:r>
             <a:r>
-              <a:rPr lang="ja-JP" altLang="en-US" sz="2800" dirty="0" smtClean="0"/>
+              <a:rPr lang="ja-JP" altLang="en-US" sz="2800" dirty="0"/>
               <a:t>を修正</a:t>
             </a:r>
-            <a:endParaRPr lang="ja-JP" altLang="en-US" sz="2800" dirty="0"/>
           </a:p>
         </p:txBody>
       </p:sp>
@@ -17249,14 +17171,13 @@
           <a:lstStyle/>
           <a:p>
             <a:r>
-              <a:rPr lang="en-US" altLang="ja-JP" sz="2800" dirty="0" smtClean="0"/>
+              <a:rPr lang="en-US" altLang="ja-JP" sz="2800" dirty="0"/>
               <a:t>file2</a:t>
             </a:r>
             <a:r>
-              <a:rPr lang="ja-JP" altLang="en-US" sz="2800" dirty="0" smtClean="0"/>
+              <a:rPr lang="ja-JP" altLang="en-US" sz="2800" dirty="0"/>
               <a:t>を修正</a:t>
             </a:r>
-            <a:endParaRPr lang="ja-JP" altLang="en-US" sz="2800" dirty="0"/>
           </a:p>
         </p:txBody>
       </p:sp>
@@ -17283,14 +17204,13 @@
           <a:lstStyle/>
           <a:p>
             <a:r>
-              <a:rPr kumimoji="1" lang="en-US" altLang="ja-JP" sz="3200" dirty="0" err="1" smtClean="0"/>
+              <a:rPr kumimoji="1" lang="en-US" altLang="ja-JP" sz="3200" dirty="0" err="1"/>
               <a:t>Git</a:t>
             </a:r>
             <a:r>
-              <a:rPr kumimoji="1" lang="ja-JP" altLang="en-US" sz="3200" dirty="0" smtClean="0"/>
+              <a:rPr kumimoji="1" lang="ja-JP" altLang="en-US" sz="3200" dirty="0"/>
               <a:t>では積極的に歴史を作成、改変する</a:t>
             </a:r>
-            <a:endParaRPr kumimoji="1" lang="ja-JP" altLang="en-US" sz="3200" dirty="0"/>
           </a:p>
         </p:txBody>
       </p:sp>
@@ -17304,13 +17224,6 @@
   <p:clrMapOvr>
     <a:masterClrMapping/>
   </p:clrMapOvr>
-  <p:timing>
-    <p:tnLst>
-      <p:par>
-        <p:cTn id="1" dur="indefinite" restart="never" nodeType="tmRoot"/>
-      </p:par>
-    </p:tnLst>
-  </p:timing>
 </p:sld>
 </file>
 
@@ -17347,11 +17260,11 @@
           <a:lstStyle/>
           <a:p>
             <a:r>
-              <a:rPr kumimoji="1" lang="en-US" altLang="ja-JP" dirty="0" err="1" smtClean="0"/>
+              <a:rPr kumimoji="1" lang="en-US" altLang="ja-JP" dirty="0" err="1"/>
               <a:t>git</a:t>
             </a:r>
             <a:r>
-              <a:rPr kumimoji="1" lang="en-US" altLang="ja-JP" dirty="0" smtClean="0"/>
+              <a:rPr kumimoji="1" lang="en-US" altLang="ja-JP" dirty="0"/>
               <a:t> commit -a</a:t>
             </a:r>
             <a:endParaRPr kumimoji="1" lang="ja-JP" altLang="en-US" dirty="0"/>
@@ -17381,10 +17294,9 @@
           <a:lstStyle/>
           <a:p>
             <a:r>
-              <a:rPr kumimoji="1" lang="ja-JP" altLang="en-US" sz="3200" dirty="0" smtClean="0"/>
+              <a:rPr kumimoji="1" lang="ja-JP" altLang="en-US" sz="3200" dirty="0"/>
               <a:t>ワークツリー</a:t>
             </a:r>
-            <a:endParaRPr kumimoji="1" lang="ja-JP" altLang="en-US" sz="3200" dirty="0"/>
           </a:p>
         </p:txBody>
       </p:sp>
@@ -17866,7 +17778,7 @@
           <a:lstStyle/>
           <a:p>
             <a:r>
-              <a:rPr kumimoji="1" lang="en-US" altLang="ja-JP" dirty="0" smtClean="0"/>
+              <a:rPr kumimoji="1" lang="en-US" altLang="ja-JP" dirty="0"/>
               <a:t>file1</a:t>
             </a:r>
             <a:endParaRPr kumimoji="1" lang="ja-JP" altLang="en-US" dirty="0"/>
@@ -17896,7 +17808,7 @@
           <a:lstStyle/>
           <a:p>
             <a:r>
-              <a:rPr kumimoji="1" lang="en-US" altLang="ja-JP" dirty="0" smtClean="0"/>
+              <a:rPr kumimoji="1" lang="en-US" altLang="ja-JP" dirty="0"/>
               <a:t>file2</a:t>
             </a:r>
             <a:endParaRPr kumimoji="1" lang="ja-JP" altLang="en-US" dirty="0"/>
@@ -18277,7 +18189,7 @@
           <a:lstStyle/>
           <a:p>
             <a:r>
-              <a:rPr kumimoji="1" lang="en-US" altLang="ja-JP" dirty="0" smtClean="0"/>
+              <a:rPr kumimoji="1" lang="en-US" altLang="ja-JP" dirty="0"/>
               <a:t>file1</a:t>
             </a:r>
             <a:endParaRPr kumimoji="1" lang="ja-JP" altLang="en-US" dirty="0"/>
@@ -18307,7 +18219,7 @@
           <a:lstStyle/>
           <a:p>
             <a:r>
-              <a:rPr kumimoji="1" lang="en-US" altLang="ja-JP" dirty="0" smtClean="0"/>
+              <a:rPr kumimoji="1" lang="en-US" altLang="ja-JP" dirty="0"/>
               <a:t>file2</a:t>
             </a:r>
             <a:endParaRPr kumimoji="1" lang="ja-JP" altLang="en-US" dirty="0"/>
@@ -18337,10 +18249,9 @@
           <a:lstStyle/>
           <a:p>
             <a:r>
-              <a:rPr kumimoji="1" lang="ja-JP" altLang="en-US" sz="3200" dirty="0" smtClean="0"/>
+              <a:rPr kumimoji="1" lang="ja-JP" altLang="en-US" sz="3200" dirty="0"/>
               <a:t>インデックス</a:t>
             </a:r>
-            <a:endParaRPr kumimoji="1" lang="ja-JP" altLang="en-US" sz="3200" dirty="0"/>
           </a:p>
         </p:txBody>
       </p:sp>
@@ -18578,7 +18489,7 @@
           <a:lstStyle/>
           <a:p>
             <a:r>
-              <a:rPr kumimoji="1" lang="en-US" altLang="ja-JP" dirty="0" smtClean="0"/>
+              <a:rPr kumimoji="1" lang="en-US" altLang="ja-JP" dirty="0"/>
               <a:t>file2</a:t>
             </a:r>
             <a:endParaRPr kumimoji="1" lang="ja-JP" altLang="en-US" dirty="0"/>
@@ -18723,7 +18634,7 @@
           <a:lstStyle/>
           <a:p>
             <a:r>
-              <a:rPr kumimoji="1" lang="en-US" altLang="ja-JP" dirty="0" smtClean="0"/>
+              <a:rPr kumimoji="1" lang="en-US" altLang="ja-JP" dirty="0"/>
               <a:t>file1</a:t>
             </a:r>
             <a:endParaRPr kumimoji="1" lang="ja-JP" altLang="en-US" dirty="0"/>
@@ -18753,49 +18664,49 @@
           <a:lstStyle/>
           <a:p>
             <a:r>
-              <a:rPr kumimoji="1" lang="en-US" altLang="ja-JP" sz="2800" dirty="0" err="1" smtClean="0"/>
+              <a:rPr kumimoji="1" lang="en-US" altLang="ja-JP" sz="2800" dirty="0" err="1"/>
               <a:t>git</a:t>
             </a:r>
             <a:r>
-              <a:rPr kumimoji="1" lang="en-US" altLang="ja-JP" sz="2800" dirty="0" smtClean="0"/>
+              <a:rPr kumimoji="1" lang="en-US" altLang="ja-JP" sz="2800" dirty="0"/>
               <a:t> commit –a </a:t>
             </a:r>
             <a:r>
-              <a:rPr kumimoji="1" lang="ja-JP" altLang="en-US" sz="2800" dirty="0" smtClean="0"/>
+              <a:rPr kumimoji="1" lang="ja-JP" altLang="en-US" sz="2800" dirty="0"/>
               <a:t>オプションで</a:t>
             </a:r>
-            <a:endParaRPr kumimoji="1" lang="en-US" altLang="ja-JP" sz="2800" dirty="0" smtClean="0"/>
-          </a:p>
-          <a:p>
-            <a:r>
-              <a:rPr kumimoji="1" lang="ja-JP" altLang="en-US" sz="2800" dirty="0" smtClean="0"/>
+            <a:endParaRPr kumimoji="1" lang="en-US" altLang="ja-JP" sz="2800" dirty="0"/>
+          </a:p>
+          <a:p>
+            <a:r>
+              <a:rPr kumimoji="1" lang="ja-JP" altLang="en-US" sz="2800" dirty="0"/>
               <a:t>「修正があったファイルを全てコミットに含める」</a:t>
             </a:r>
-            <a:endParaRPr kumimoji="1" lang="en-US" altLang="ja-JP" sz="2800" dirty="0" smtClean="0"/>
-          </a:p>
-          <a:p>
-            <a:r>
-              <a:rPr lang="ja-JP" altLang="en-US" sz="2800" dirty="0" smtClean="0"/>
+            <a:endParaRPr kumimoji="1" lang="en-US" altLang="ja-JP" sz="2800" dirty="0"/>
+          </a:p>
+          <a:p>
+            <a:r>
+              <a:rPr lang="ja-JP" altLang="en-US" sz="2800" dirty="0"/>
               <a:t>ことができる</a:t>
             </a:r>
             <a:r>
-              <a:rPr lang="en-US" altLang="ja-JP" sz="2800" dirty="0" smtClean="0"/>
+              <a:rPr lang="en-US" altLang="ja-JP" sz="2800" dirty="0"/>
               <a:t>(</a:t>
             </a:r>
             <a:r>
-              <a:rPr lang="en-US" altLang="ja-JP" sz="2800" dirty="0" err="1" smtClean="0"/>
+              <a:rPr lang="en-US" altLang="ja-JP" sz="2800" dirty="0" err="1"/>
               <a:t>git</a:t>
             </a:r>
             <a:r>
-              <a:rPr lang="en-US" altLang="ja-JP" sz="2800" dirty="0" smtClean="0"/>
+              <a:rPr lang="en-US" altLang="ja-JP" sz="2800" dirty="0"/>
               <a:t> add</a:t>
             </a:r>
             <a:r>
-              <a:rPr lang="ja-JP" altLang="en-US" sz="2800" dirty="0" smtClean="0"/>
+              <a:rPr lang="ja-JP" altLang="en-US" sz="2800" dirty="0"/>
               <a:t>を省略できる</a:t>
             </a:r>
             <a:r>
-              <a:rPr lang="en-US" altLang="ja-JP" sz="2800" dirty="0" smtClean="0"/>
+              <a:rPr lang="en-US" altLang="ja-JP" sz="2800" dirty="0"/>
               <a:t>)</a:t>
             </a:r>
             <a:endParaRPr kumimoji="1" lang="ja-JP" altLang="en-US" sz="2800" dirty="0"/>
@@ -18825,10 +18736,9 @@
           <a:lstStyle/>
           <a:p>
             <a:r>
-              <a:rPr kumimoji="1" lang="ja-JP" altLang="en-US" sz="2000" dirty="0" smtClean="0"/>
+              <a:rPr kumimoji="1" lang="ja-JP" altLang="en-US" sz="2000" dirty="0"/>
               <a:t>一人で使っている時は、慣れるまではこれで良いと思う</a:t>
             </a:r>
-            <a:endParaRPr kumimoji="1" lang="ja-JP" altLang="en-US" sz="2000" dirty="0"/>
           </a:p>
         </p:txBody>
       </p:sp>
@@ -18878,10 +18788,9 @@
           <a:lstStyle/>
           <a:p>
             <a:r>
-              <a:rPr kumimoji="1" lang="ja-JP" altLang="en-US" dirty="0" smtClean="0"/>
+              <a:rPr kumimoji="1" lang="ja-JP" altLang="en-US" dirty="0"/>
               <a:t>ブランチ</a:t>
             </a:r>
-            <a:endParaRPr kumimoji="1" lang="ja-JP" altLang="en-US" dirty="0"/>
           </a:p>
         </p:txBody>
       </p:sp>
@@ -18908,10 +18817,9 @@
           <a:lstStyle/>
           <a:p>
             <a:r>
-              <a:rPr kumimoji="1" lang="ja-JP" altLang="en-US" sz="2800" dirty="0" smtClean="0"/>
+              <a:rPr kumimoji="1" lang="ja-JP" altLang="en-US" sz="2800" dirty="0"/>
               <a:t>コミットが作成されると自動的に「ハッシュ」と呼ばれる識別子がつく</a:t>
             </a:r>
-            <a:endParaRPr kumimoji="1" lang="ja-JP" altLang="en-US" sz="2800" dirty="0"/>
           </a:p>
         </p:txBody>
       </p:sp>
@@ -19308,13 +19216,6 @@
   <p:clrMapOvr>
     <a:masterClrMapping/>
   </p:clrMapOvr>
-  <p:timing>
-    <p:tnLst>
-      <p:par>
-        <p:cTn id="1" dur="indefinite" restart="never" nodeType="tmRoot"/>
-      </p:par>
-    </p:tnLst>
-  </p:timing>
 </p:sld>
 </file>
 
@@ -19351,10 +19252,9 @@
           <a:lstStyle/>
           <a:p>
             <a:r>
-              <a:rPr kumimoji="1" lang="ja-JP" altLang="en-US" dirty="0" smtClean="0"/>
+              <a:rPr kumimoji="1" lang="ja-JP" altLang="en-US" dirty="0"/>
               <a:t>ブランチ</a:t>
             </a:r>
-            <a:endParaRPr kumimoji="1" lang="ja-JP" altLang="en-US" dirty="0"/>
           </a:p>
         </p:txBody>
       </p:sp>
@@ -19526,7 +19426,7 @@
         <p:spPr>
           <a:xfrm>
             <a:off x="7563270" y="2564904"/>
-            <a:ext cx="1329210" cy="584775"/>
+            <a:ext cx="1072730" cy="584775"/>
           </a:xfrm>
           <a:prstGeom prst="rect">
             <a:avLst/>
@@ -19540,12 +19440,12 @@
           <a:lstStyle/>
           <a:p>
             <a:r>
-              <a:rPr kumimoji="1" lang="en-US" altLang="ja-JP" sz="3200" dirty="0" smtClean="0">
+              <a:rPr kumimoji="1" lang="en-US" altLang="ja-JP" sz="3200" dirty="0">
                 <a:solidFill>
                   <a:srgbClr val="00B050"/>
                 </a:solidFill>
               </a:rPr>
-              <a:t>master</a:t>
+              <a:t>main</a:t>
             </a:r>
             <a:endParaRPr kumimoji="1" lang="ja-JP" altLang="en-US" sz="3200" dirty="0">
               <a:solidFill>
@@ -19564,7 +19464,7 @@
         <p:spPr>
           <a:xfrm>
             <a:off x="611560" y="1628800"/>
-            <a:ext cx="6768776" cy="1077218"/>
+            <a:ext cx="6224781" cy="1077218"/>
           </a:xfrm>
           <a:prstGeom prst="rect">
             <a:avLst/>
@@ -19578,35 +19478,23 @@
           <a:lstStyle/>
           <a:p>
             <a:r>
-              <a:rPr kumimoji="1" lang="en-US" altLang="ja-JP" sz="3200" dirty="0" smtClean="0"/>
-              <a:t>master: </a:t>
-            </a:r>
-            <a:r>
-              <a:rPr kumimoji="1" lang="ja-JP" altLang="en-US" sz="3200" dirty="0" smtClean="0"/>
+              <a:rPr kumimoji="1" lang="en-US" altLang="ja-JP" sz="3200" dirty="0"/>
+              <a:t>main: </a:t>
+            </a:r>
+            <a:r>
+              <a:rPr kumimoji="1" lang="ja-JP" altLang="en-US" sz="3200" dirty="0"/>
               <a:t>最初に作成されるブランチ</a:t>
             </a:r>
-            <a:endParaRPr kumimoji="1" lang="en-US" altLang="ja-JP" sz="3200" dirty="0" smtClean="0"/>
-          </a:p>
-          <a:p>
-            <a:r>
-              <a:rPr lang="en-US" altLang="ja-JP" sz="3200" dirty="0" smtClean="0"/>
+            <a:endParaRPr kumimoji="1" lang="en-US" altLang="ja-JP" sz="3200" dirty="0"/>
+          </a:p>
+          <a:p>
+            <a:r>
+              <a:rPr lang="en-US" altLang="ja-JP" sz="3200" dirty="0"/>
               <a:t>HEAD: </a:t>
             </a:r>
             <a:r>
-              <a:rPr lang="ja-JP" altLang="en-US" sz="3200" dirty="0" smtClean="0"/>
-              <a:t>いま</a:t>
-            </a:r>
-            <a:r>
-              <a:rPr lang="ja-JP" altLang="en-US" sz="3200" smtClean="0"/>
-              <a:t>自分</a:t>
-            </a:r>
-            <a:r>
-              <a:rPr lang="ja-JP" altLang="en-US" sz="3200" smtClean="0"/>
-              <a:t>がいる</a:t>
-            </a:r>
-            <a:r>
-              <a:rPr lang="ja-JP" altLang="en-US" sz="3200" dirty="0" smtClean="0"/>
-              <a:t>ブランチ</a:t>
+              <a:rPr lang="ja-JP" altLang="en-US" sz="3200" dirty="0"/>
+              <a:t>いま自分がいるブランチ</a:t>
             </a:r>
             <a:endParaRPr kumimoji="1" lang="ja-JP" altLang="en-US" sz="3200" dirty="0"/>
           </a:p>
@@ -19635,7 +19523,7 @@
           <a:lstStyle/>
           <a:p>
             <a:r>
-              <a:rPr kumimoji="1" lang="en-US" altLang="ja-JP" sz="2400" dirty="0" smtClean="0"/>
+              <a:rPr kumimoji="1" lang="en-US" altLang="ja-JP" sz="2400" dirty="0"/>
               <a:t>HEAD</a:t>
             </a:r>
             <a:endParaRPr kumimoji="1" lang="ja-JP" altLang="en-US" sz="2400" dirty="0"/>
@@ -19739,10 +19627,9 @@
           <a:lstStyle/>
           <a:p>
             <a:r>
-              <a:rPr kumimoji="1" lang="ja-JP" altLang="en-US" sz="3200" dirty="0" smtClean="0"/>
+              <a:rPr kumimoji="1" lang="ja-JP" altLang="en-US" sz="3200" dirty="0"/>
               <a:t>ブランチとはコミットにつけられた「別名」</a:t>
             </a:r>
-            <a:endParaRPr kumimoji="1" lang="ja-JP" altLang="en-US" sz="3200" dirty="0"/>
           </a:p>
         </p:txBody>
       </p:sp>
@@ -19980,13 +19867,6 @@
   <p:clrMapOvr>
     <a:masterClrMapping/>
   </p:clrMapOvr>
-  <p:timing>
-    <p:tnLst>
-      <p:par>
-        <p:cTn id="1" dur="indefinite" restart="never" nodeType="tmRoot"/>
-      </p:par>
-    </p:tnLst>
-  </p:timing>
 </p:sld>
 </file>
 
@@ -20023,10 +19903,9 @@
           <a:lstStyle/>
           <a:p>
             <a:r>
-              <a:rPr kumimoji="1" lang="ja-JP" altLang="en-US" dirty="0" smtClean="0"/>
+              <a:rPr kumimoji="1" lang="ja-JP" altLang="en-US" dirty="0"/>
               <a:t>ブランチ</a:t>
             </a:r>
-            <a:endParaRPr kumimoji="1" lang="ja-JP" altLang="en-US" dirty="0"/>
           </a:p>
         </p:txBody>
       </p:sp>
@@ -20872,7 +20751,7 @@
         <p:spPr>
           <a:xfrm>
             <a:off x="2738734" y="2052137"/>
-            <a:ext cx="1329210" cy="584775"/>
+            <a:ext cx="1072730" cy="584775"/>
           </a:xfrm>
           <a:prstGeom prst="rect">
             <a:avLst/>
@@ -20886,12 +20765,12 @@
           <a:lstStyle/>
           <a:p>
             <a:r>
-              <a:rPr kumimoji="1" lang="en-US" altLang="ja-JP" sz="3200" dirty="0" smtClean="0">
+              <a:rPr kumimoji="1" lang="en-US" altLang="ja-JP" sz="3200" dirty="0">
                 <a:solidFill>
                   <a:srgbClr val="00B050"/>
                 </a:solidFill>
               </a:rPr>
-              <a:t>master</a:t>
+              <a:t>main</a:t>
             </a:r>
             <a:endParaRPr kumimoji="1" lang="ja-JP" altLang="en-US" sz="3200" dirty="0">
               <a:solidFill>
@@ -20947,7 +20826,7 @@
         <p:spPr>
           <a:xfrm>
             <a:off x="2738734" y="3501008"/>
-            <a:ext cx="1329210" cy="584775"/>
+            <a:ext cx="1072730" cy="584775"/>
           </a:xfrm>
           <a:prstGeom prst="rect">
             <a:avLst/>
@@ -20961,12 +20840,12 @@
           <a:lstStyle/>
           <a:p>
             <a:r>
-              <a:rPr kumimoji="1" lang="en-US" altLang="ja-JP" sz="3200" dirty="0" smtClean="0">
+              <a:rPr kumimoji="1" lang="en-US" altLang="ja-JP" sz="3200" dirty="0">
                 <a:solidFill>
                   <a:srgbClr val="00B050"/>
                 </a:solidFill>
               </a:rPr>
-              <a:t>master</a:t>
+              <a:t>main</a:t>
             </a:r>
             <a:endParaRPr kumimoji="1" lang="ja-JP" altLang="en-US" sz="3200" dirty="0">
               <a:solidFill>
@@ -21022,7 +20901,7 @@
         <p:spPr>
           <a:xfrm>
             <a:off x="4178894" y="4941168"/>
-            <a:ext cx="1329210" cy="584775"/>
+            <a:ext cx="1072730" cy="584775"/>
           </a:xfrm>
           <a:prstGeom prst="rect">
             <a:avLst/>
@@ -21036,12 +20915,12 @@
           <a:lstStyle/>
           <a:p>
             <a:r>
-              <a:rPr kumimoji="1" lang="en-US" altLang="ja-JP" sz="3200" dirty="0" smtClean="0">
+              <a:rPr kumimoji="1" lang="en-US" altLang="ja-JP" sz="3200" dirty="0">
                 <a:solidFill>
                   <a:srgbClr val="00B050"/>
                 </a:solidFill>
               </a:rPr>
-              <a:t>master</a:t>
+              <a:t>main</a:t>
             </a:r>
             <a:endParaRPr kumimoji="1" lang="ja-JP" altLang="en-US" sz="3200" dirty="0">
               <a:solidFill>
@@ -21207,11 +21086,11 @@
           <a:lstStyle/>
           <a:p>
             <a:r>
-              <a:rPr kumimoji="1" lang="ja-JP" altLang="en-US" sz="2400" dirty="0" smtClean="0"/>
+              <a:rPr kumimoji="1" lang="ja-JP" altLang="en-US" sz="2400" dirty="0"/>
               <a:t>「現在自分がいるブランチ」は、コミットすると自動的</a:t>
             </a:r>
             <a:r>
-              <a:rPr lang="ja-JP" altLang="en-US" sz="2400" dirty="0" smtClean="0"/>
+              <a:rPr lang="ja-JP" altLang="en-US" sz="2400" dirty="0"/>
               <a:t>に動く</a:t>
             </a:r>
             <a:endParaRPr kumimoji="1" lang="ja-JP" altLang="en-US" sz="2400" dirty="0"/>
@@ -21241,10 +21120,9 @@
           <a:lstStyle/>
           <a:p>
             <a:r>
-              <a:rPr kumimoji="1" lang="ja-JP" altLang="en-US" sz="2800" dirty="0" smtClean="0"/>
+              <a:rPr kumimoji="1" lang="ja-JP" altLang="en-US" sz="2800" dirty="0"/>
               <a:t>現在の状態</a:t>
             </a:r>
-            <a:endParaRPr kumimoji="1" lang="ja-JP" altLang="en-US" sz="2800" dirty="0"/>
           </a:p>
         </p:txBody>
       </p:sp>
@@ -21271,10 +21149,9 @@
           <a:lstStyle/>
           <a:p>
             <a:r>
-              <a:rPr kumimoji="1" lang="ja-JP" altLang="en-US" sz="2800" dirty="0" smtClean="0"/>
+              <a:rPr kumimoji="1" lang="ja-JP" altLang="en-US" sz="2800" dirty="0"/>
               <a:t>コミットを作成</a:t>
             </a:r>
-            <a:endParaRPr kumimoji="1" lang="ja-JP" altLang="en-US" sz="2800" dirty="0"/>
           </a:p>
         </p:txBody>
       </p:sp>
@@ -21301,10 +21178,9 @@
           <a:lstStyle/>
           <a:p>
             <a:r>
-              <a:rPr kumimoji="1" lang="ja-JP" altLang="en-US" sz="2800" dirty="0" smtClean="0"/>
+              <a:rPr kumimoji="1" lang="ja-JP" altLang="en-US" sz="2800" dirty="0"/>
               <a:t>コミットを作成</a:t>
             </a:r>
-            <a:endParaRPr kumimoji="1" lang="ja-JP" altLang="en-US" sz="2800" dirty="0"/>
           </a:p>
         </p:txBody>
       </p:sp>
@@ -21449,20 +21325,16 @@
           <a:lstStyle/>
           <a:p>
             <a:r>
-              <a:rPr kumimoji="1" lang="ja-JP" altLang="en-US" sz="2000" dirty="0" smtClean="0"/>
+              <a:rPr kumimoji="1" lang="ja-JP" altLang="en-US" sz="2000" dirty="0"/>
               <a:t>「</a:t>
             </a:r>
             <a:r>
-              <a:rPr lang="ja-JP" altLang="en-US" sz="2000" dirty="0" smtClean="0"/>
+              <a:rPr lang="ja-JP" altLang="en-US" sz="2000" dirty="0"/>
               <a:t>しまった！</a:t>
             </a:r>
             <a:r>
-              <a:rPr kumimoji="1" lang="ja-JP" altLang="en-US" sz="2000" dirty="0" smtClean="0"/>
-              <a:t>」を「なかったこと」に</a:t>
-            </a:r>
-            <a:r>
               <a:rPr kumimoji="1" lang="ja-JP" altLang="en-US" sz="2000" dirty="0"/>
-              <a:t>できる</a:t>
+              <a:t>」を「なかったこと」にできる</a:t>
             </a:r>
             <a:endParaRPr kumimoji="1" lang="en-US" altLang="ja-JP" sz="2000" dirty="0"/>
           </a:p>
@@ -21609,18 +21481,14 @@
           <a:p>
             <a:r>
               <a:rPr kumimoji="1" lang="ja-JP" altLang="en-US" sz="2000" dirty="0"/>
-              <a:t>修士論文提出直前</a:t>
-            </a:r>
-            <a:r>
-              <a:rPr kumimoji="1" lang="ja-JP" altLang="en-US" sz="2000" dirty="0" smtClean="0"/>
-              <a:t>に</a:t>
-            </a:r>
-            <a:r>
-              <a:rPr kumimoji="1" lang="en-US" altLang="ja-JP" sz="2000" dirty="0" smtClean="0"/>
+              <a:t>修士論文提出直前に</a:t>
+            </a:r>
+            <a:r>
+              <a:rPr kumimoji="1" lang="en-US" altLang="ja-JP" sz="2000" dirty="0"/>
               <a:t>PC</a:t>
             </a:r>
             <a:r>
-              <a:rPr kumimoji="1" lang="ja-JP" altLang="en-US" sz="2000" dirty="0" smtClean="0"/>
+              <a:rPr kumimoji="1" lang="ja-JP" altLang="en-US" sz="2000" dirty="0"/>
               <a:t>が壊れた</a:t>
             </a:r>
             <a:endParaRPr kumimoji="1" lang="en-US" altLang="ja-JP" sz="2000" dirty="0"/>
@@ -21748,7 +21616,7 @@
           <a:lstStyle/>
           <a:p>
             <a:r>
-              <a:rPr lang="ja-JP" altLang="en-US" sz="2400" dirty="0" smtClean="0"/>
+              <a:rPr lang="ja-JP" altLang="en-US" sz="2400" dirty="0"/>
               <a:t>編集の歴史を保存し、いつでも過去に戻ることができる</a:t>
             </a:r>
             <a:endParaRPr lang="en-US" altLang="ja-JP" sz="2400" dirty="0"/>
@@ -21765,13 +21633,6 @@
   <p:clrMapOvr>
     <a:masterClrMapping/>
   </p:clrMapOvr>
-  <p:timing>
-    <p:tnLst>
-      <p:par>
-        <p:cTn id="1" dur="indefinite" restart="never" nodeType="tmRoot"/>
-      </p:par>
-    </p:tnLst>
-  </p:timing>
 </p:sld>
 </file>
 
@@ -21808,10 +21669,9 @@
           <a:lstStyle/>
           <a:p>
             <a:r>
-              <a:rPr kumimoji="1" lang="ja-JP" altLang="en-US" dirty="0" smtClean="0"/>
+              <a:rPr kumimoji="1" lang="ja-JP" altLang="en-US" dirty="0"/>
               <a:t>ブランチ</a:t>
             </a:r>
-            <a:endParaRPr kumimoji="1" lang="ja-JP" altLang="en-US" dirty="0"/>
           </a:p>
         </p:txBody>
       </p:sp>
@@ -22266,7 +22126,7 @@
         <p:spPr>
           <a:xfrm>
             <a:off x="2915816" y="2420888"/>
-            <a:ext cx="1329210" cy="584775"/>
+            <a:ext cx="1072730" cy="584775"/>
           </a:xfrm>
           <a:prstGeom prst="rect">
             <a:avLst/>
@@ -22280,12 +22140,12 @@
           <a:lstStyle/>
           <a:p>
             <a:r>
-              <a:rPr kumimoji="1" lang="en-US" altLang="ja-JP" sz="3200" dirty="0" smtClean="0">
+              <a:rPr kumimoji="1" lang="en-US" altLang="ja-JP" sz="3200" dirty="0">
                 <a:solidFill>
                   <a:srgbClr val="00B050"/>
                 </a:solidFill>
               </a:rPr>
-              <a:t>master</a:t>
+              <a:t>main</a:t>
             </a:r>
             <a:endParaRPr kumimoji="1" lang="ja-JP" altLang="en-US" sz="3200" dirty="0"/>
           </a:p>
@@ -22337,7 +22197,7 @@
         <p:spPr>
           <a:xfrm>
             <a:off x="323528" y="836712"/>
-            <a:ext cx="7146508" cy="1384995"/>
+            <a:ext cx="7374135" cy="1384995"/>
           </a:xfrm>
           <a:prstGeom prst="rect">
             <a:avLst/>
@@ -22351,58 +22211,54 @@
           <a:lstStyle/>
           <a:p>
             <a:r>
-              <a:rPr kumimoji="1" lang="ja-JP" altLang="en-US" sz="2800" dirty="0" smtClean="0"/>
+              <a:rPr kumimoji="1" lang="ja-JP" altLang="en-US" sz="2800" dirty="0"/>
               <a:t>「</a:t>
             </a:r>
             <a:r>
-              <a:rPr kumimoji="1" lang="en-US" altLang="ja-JP" sz="2800" dirty="0" err="1" smtClean="0"/>
-              <a:t>git</a:t>
-            </a:r>
-            <a:r>
-              <a:rPr kumimoji="1" lang="en-US" altLang="ja-JP" sz="2800" dirty="0" smtClean="0"/>
-              <a:t> checkout –b </a:t>
-            </a:r>
-            <a:r>
-              <a:rPr lang="en-US" altLang="ja-JP" sz="2800" i="1" dirty="0" err="1" smtClean="0"/>
+              <a:rPr kumimoji="1" lang="en-US" altLang="ja-JP" sz="2800" dirty="0"/>
+              <a:t>git switch –c </a:t>
+            </a:r>
+            <a:r>
+              <a:rPr lang="en-US" altLang="ja-JP" sz="2800" i="1" dirty="0" err="1"/>
               <a:t>branchname</a:t>
             </a:r>
             <a:r>
-              <a:rPr lang="ja-JP" altLang="en-US" sz="2800" dirty="0" smtClean="0"/>
+              <a:rPr lang="ja-JP" altLang="en-US" sz="2800" dirty="0"/>
               <a:t>」により</a:t>
             </a:r>
-            <a:endParaRPr lang="en-US" altLang="ja-JP" sz="2800" dirty="0" smtClean="0"/>
+            <a:endParaRPr lang="en-US" altLang="ja-JP" sz="2800" dirty="0"/>
           </a:p>
           <a:p>
             <a:pPr marL="514350" indent="-514350">
               <a:buAutoNum type="arabicPeriod"/>
             </a:pPr>
             <a:r>
-              <a:rPr lang="en-US" altLang="ja-JP" sz="2800" dirty="0" err="1" smtClean="0"/>
+              <a:rPr lang="en-US" altLang="ja-JP" sz="2800" dirty="0" err="1"/>
               <a:t>branchname</a:t>
             </a:r>
             <a:r>
-              <a:rPr lang="ja-JP" altLang="en-US" sz="2800" dirty="0" smtClean="0"/>
+              <a:rPr lang="ja-JP" altLang="en-US" sz="2800" dirty="0"/>
               <a:t>という名前のブランチを作り</a:t>
             </a:r>
-            <a:endParaRPr lang="en-US" altLang="ja-JP" sz="2800" dirty="0" smtClean="0"/>
+            <a:endParaRPr lang="en-US" altLang="ja-JP" sz="2800" dirty="0"/>
           </a:p>
           <a:p>
             <a:pPr marL="514350" indent="-514350">
               <a:buAutoNum type="arabicPeriod"/>
             </a:pPr>
             <a:r>
-              <a:rPr kumimoji="1" lang="ja-JP" altLang="en-US" sz="2800" dirty="0" smtClean="0"/>
+              <a:rPr kumimoji="1" lang="ja-JP" altLang="en-US" sz="2800" dirty="0"/>
               <a:t>そのブランチに自分</a:t>
             </a:r>
             <a:r>
-              <a:rPr kumimoji="1" lang="en-US" altLang="ja-JP" sz="2800" dirty="0" smtClean="0"/>
+              <a:rPr kumimoji="1" lang="en-US" altLang="ja-JP" sz="2800" dirty="0"/>
               <a:t>(HEAD)</a:t>
             </a:r>
             <a:r>
-              <a:rPr kumimoji="1" lang="ja-JP" altLang="en-US" sz="2800" dirty="0" smtClean="0"/>
+              <a:rPr kumimoji="1" lang="ja-JP" altLang="en-US" sz="2800" dirty="0"/>
               <a:t>が移る</a:t>
             </a:r>
-            <a:endParaRPr kumimoji="1" lang="en-US" altLang="ja-JP" sz="2800" dirty="0" smtClean="0"/>
+            <a:endParaRPr kumimoji="1" lang="en-US" altLang="ja-JP" sz="2800" dirty="0"/>
           </a:p>
         </p:txBody>
       </p:sp>
@@ -22415,7 +22271,7 @@
         <p:spPr>
           <a:xfrm>
             <a:off x="5364088" y="4149080"/>
-            <a:ext cx="3511410" cy="523220"/>
+            <a:ext cx="3363421" cy="523220"/>
           </a:xfrm>
           <a:prstGeom prst="rect">
             <a:avLst/>
@@ -22429,12 +22285,16 @@
           <a:lstStyle/>
           <a:p>
             <a:r>
-              <a:rPr kumimoji="1" lang="en-US" altLang="ja-JP" sz="2800" dirty="0" err="1" smtClean="0"/>
-              <a:t>git</a:t>
-            </a:r>
-            <a:r>
-              <a:rPr kumimoji="1" lang="en-US" altLang="ja-JP" sz="2800" dirty="0" smtClean="0"/>
-              <a:t> checkout –b branch</a:t>
+              <a:rPr kumimoji="1" lang="en-US" altLang="ja-JP" sz="2800" dirty="0"/>
+              <a:t>git </a:t>
+            </a:r>
+            <a:r>
+              <a:rPr lang="en-US" altLang="ja-JP" sz="2800" dirty="0"/>
+              <a:t>switch</a:t>
+            </a:r>
+            <a:r>
+              <a:rPr kumimoji="1" lang="en-US" altLang="ja-JP" sz="2800" dirty="0"/>
+              <a:t> –c branch</a:t>
             </a:r>
             <a:endParaRPr kumimoji="1" lang="ja-JP" altLang="en-US" sz="2800" dirty="0"/>
           </a:p>
@@ -22497,7 +22357,7 @@
         <p:spPr>
           <a:xfrm>
             <a:off x="2954758" y="4221088"/>
-            <a:ext cx="1329210" cy="584775"/>
+            <a:ext cx="1072730" cy="584775"/>
           </a:xfrm>
           <a:prstGeom prst="rect">
             <a:avLst/>
@@ -22511,12 +22371,12 @@
           <a:lstStyle/>
           <a:p>
             <a:r>
-              <a:rPr kumimoji="1" lang="en-US" altLang="ja-JP" sz="3200" dirty="0" smtClean="0">
+              <a:rPr kumimoji="1" lang="en-US" altLang="ja-JP" sz="3200" dirty="0">
                 <a:solidFill>
                   <a:srgbClr val="00B050"/>
                 </a:solidFill>
               </a:rPr>
-              <a:t>master</a:t>
+              <a:t>main</a:t>
             </a:r>
             <a:endParaRPr kumimoji="1" lang="ja-JP" altLang="en-US" sz="3200" dirty="0">
               <a:solidFill>
@@ -22623,7 +22483,7 @@
           <a:lstStyle/>
           <a:p>
             <a:r>
-              <a:rPr kumimoji="1" lang="en-US" altLang="ja-JP" sz="3200" dirty="0" smtClean="0">
+              <a:rPr kumimoji="1" lang="en-US" altLang="ja-JP" sz="3200" dirty="0">
                 <a:solidFill>
                   <a:srgbClr val="FF0000"/>
                 </a:solidFill>
@@ -22657,7 +22517,7 @@
           <a:lstStyle/>
           <a:p>
             <a:r>
-              <a:rPr kumimoji="1" lang="en-US" altLang="ja-JP" sz="3200" dirty="0" smtClean="0"/>
+              <a:rPr kumimoji="1" lang="en-US" altLang="ja-JP" sz="3200" dirty="0"/>
               <a:t>HEAD</a:t>
             </a:r>
             <a:endParaRPr kumimoji="1" lang="ja-JP" altLang="en-US" sz="3200" dirty="0"/>
@@ -22727,7 +22587,7 @@
           <a:lstStyle/>
           <a:p>
             <a:r>
-              <a:rPr kumimoji="1" lang="en-US" altLang="ja-JP" sz="3200" dirty="0" smtClean="0"/>
+              <a:rPr kumimoji="1" lang="en-US" altLang="ja-JP" sz="3200" dirty="0"/>
               <a:t>HEAD</a:t>
             </a:r>
             <a:endParaRPr kumimoji="1" lang="ja-JP" altLang="en-US" sz="3200" dirty="0"/>
@@ -22796,30 +22656,30 @@
           <a:lstStyle/>
           <a:p>
             <a:r>
-              <a:rPr kumimoji="1" lang="ja-JP" altLang="en-US" sz="1400" smtClean="0"/>
+              <a:rPr kumimoji="1" lang="ja-JP" altLang="en-US" sz="1400" dirty="0"/>
               <a:t>この時点では</a:t>
             </a:r>
             <a:r>
-              <a:rPr kumimoji="1" lang="en-US" altLang="ja-JP" sz="1400" smtClean="0"/>
-              <a:t>master</a:t>
-            </a:r>
-            <a:r>
-              <a:rPr kumimoji="1" lang="ja-JP" altLang="en-US" sz="1400" smtClean="0"/>
+              <a:rPr kumimoji="1" lang="en-US" altLang="ja-JP" sz="1400" dirty="0"/>
+              <a:t>main</a:t>
+            </a:r>
+            <a:r>
+              <a:rPr kumimoji="1" lang="ja-JP" altLang="en-US" sz="1400" dirty="0"/>
               <a:t>と</a:t>
             </a:r>
             <a:r>
-              <a:rPr kumimoji="1" lang="en-US" altLang="ja-JP" sz="1400" smtClean="0"/>
+              <a:rPr kumimoji="1" lang="en-US" altLang="ja-JP" sz="1400" dirty="0"/>
               <a:t>branch</a:t>
             </a:r>
             <a:r>
-              <a:rPr kumimoji="1" lang="ja-JP" altLang="en-US" sz="1400" smtClean="0"/>
+              <a:rPr kumimoji="1" lang="ja-JP" altLang="en-US" sz="1400" dirty="0"/>
               <a:t>は</a:t>
             </a:r>
             <a:r>
-              <a:rPr lang="ja-JP" altLang="en-US" sz="1400" smtClean="0"/>
+              <a:rPr lang="ja-JP" altLang="en-US" sz="1400" dirty="0"/>
               <a:t>同じコミットを指している</a:t>
             </a:r>
-            <a:endParaRPr kumimoji="1" lang="en-US" altLang="ja-JP" sz="1400" smtClean="0"/>
+            <a:endParaRPr kumimoji="1" lang="en-US" altLang="ja-JP" sz="1400" dirty="0"/>
           </a:p>
         </p:txBody>
       </p:sp>
@@ -22833,13 +22693,6 @@
   <p:clrMapOvr>
     <a:masterClrMapping/>
   </p:clrMapOvr>
-  <p:timing>
-    <p:tnLst>
-      <p:par>
-        <p:cTn id="1" dur="indefinite" restart="never" nodeType="tmRoot"/>
-      </p:par>
-    </p:tnLst>
-  </p:timing>
 </p:sld>
 </file>
 
@@ -22876,10 +22729,9 @@
           <a:lstStyle/>
           <a:p>
             <a:r>
-              <a:rPr kumimoji="1" lang="ja-JP" altLang="en-US" dirty="0" smtClean="0"/>
+              <a:rPr kumimoji="1" lang="ja-JP" altLang="en-US" dirty="0"/>
               <a:t>ブランチ</a:t>
             </a:r>
-            <a:endParaRPr kumimoji="1" lang="ja-JP" altLang="en-US" dirty="0"/>
           </a:p>
         </p:txBody>
       </p:sp>
@@ -23113,7 +22965,7 @@
         <p:spPr>
           <a:xfrm>
             <a:off x="2812384" y="1628800"/>
-            <a:ext cx="1329210" cy="584775"/>
+            <a:ext cx="1072730" cy="584775"/>
           </a:xfrm>
           <a:prstGeom prst="rect">
             <a:avLst/>
@@ -23127,12 +22979,12 @@
           <a:lstStyle/>
           <a:p>
             <a:r>
-              <a:rPr kumimoji="1" lang="en-US" altLang="ja-JP" sz="3200" dirty="0" smtClean="0">
+              <a:rPr kumimoji="1" lang="en-US" altLang="ja-JP" sz="3200" dirty="0">
                 <a:solidFill>
                   <a:srgbClr val="00B050"/>
                 </a:solidFill>
               </a:rPr>
-              <a:t>master</a:t>
+              <a:t>main</a:t>
             </a:r>
             <a:endParaRPr kumimoji="1" lang="ja-JP" altLang="en-US" sz="3200" dirty="0">
               <a:solidFill>
@@ -23239,7 +23091,7 @@
           <a:lstStyle/>
           <a:p>
             <a:r>
-              <a:rPr kumimoji="1" lang="en-US" altLang="ja-JP" sz="3200" dirty="0" smtClean="0">
+              <a:rPr kumimoji="1" lang="en-US" altLang="ja-JP" sz="3200" dirty="0">
                 <a:solidFill>
                   <a:srgbClr val="FF0000"/>
                 </a:solidFill>
@@ -23273,34 +23125,33 @@
           <a:lstStyle/>
           <a:p>
             <a:r>
-              <a:rPr kumimoji="1" lang="ja-JP" altLang="en-US" sz="2000" dirty="0" smtClean="0"/>
+              <a:rPr kumimoji="1" lang="ja-JP" altLang="en-US" sz="2000" dirty="0"/>
               <a:t>「コミット」により動くのは、</a:t>
             </a:r>
             <a:r>
-              <a:rPr kumimoji="1" lang="en-US" altLang="ja-JP" sz="2000" dirty="0" smtClean="0"/>
+              <a:rPr kumimoji="1" lang="en-US" altLang="ja-JP" sz="2000" dirty="0"/>
               <a:t>HEAD</a:t>
             </a:r>
             <a:r>
-              <a:rPr kumimoji="1" lang="ja-JP" altLang="en-US" sz="2000" dirty="0" smtClean="0"/>
+              <a:rPr kumimoji="1" lang="ja-JP" altLang="en-US" sz="2000" dirty="0"/>
               <a:t>がある</a:t>
             </a:r>
             <a:r>
-              <a:rPr kumimoji="1" lang="en-US" altLang="ja-JP" sz="2000" dirty="0" smtClean="0"/>
+              <a:rPr kumimoji="1" lang="en-US" altLang="ja-JP" sz="2000" dirty="0"/>
               <a:t>(</a:t>
             </a:r>
             <a:r>
-              <a:rPr kumimoji="1" lang="ja-JP" altLang="en-US" sz="2000" dirty="0" smtClean="0"/>
+              <a:rPr kumimoji="1" lang="ja-JP" altLang="en-US" sz="2000" dirty="0"/>
               <a:t>自分が今見ている</a:t>
             </a:r>
             <a:r>
-              <a:rPr kumimoji="1" lang="en-US" altLang="ja-JP" sz="2000" dirty="0" smtClean="0"/>
+              <a:rPr kumimoji="1" lang="en-US" altLang="ja-JP" sz="2000" dirty="0"/>
               <a:t>)</a:t>
             </a:r>
             <a:r>
-              <a:rPr kumimoji="1" lang="ja-JP" altLang="en-US" sz="2000" dirty="0" smtClean="0"/>
+              <a:rPr kumimoji="1" lang="ja-JP" altLang="en-US" sz="2000" dirty="0"/>
               <a:t>ブランチ</a:t>
             </a:r>
-            <a:endParaRPr kumimoji="1" lang="ja-JP" altLang="en-US" sz="2000" dirty="0"/>
           </a:p>
         </p:txBody>
       </p:sp>
@@ -23571,7 +23422,7 @@
         <p:spPr>
           <a:xfrm>
             <a:off x="2843808" y="4509120"/>
-            <a:ext cx="1329210" cy="584775"/>
+            <a:ext cx="1072730" cy="584775"/>
           </a:xfrm>
           <a:prstGeom prst="rect">
             <a:avLst/>
@@ -23585,12 +23436,12 @@
           <a:lstStyle/>
           <a:p>
             <a:r>
-              <a:rPr kumimoji="1" lang="en-US" altLang="ja-JP" sz="3200" dirty="0" smtClean="0">
+              <a:rPr kumimoji="1" lang="en-US" altLang="ja-JP" sz="3200" dirty="0">
                 <a:solidFill>
                   <a:srgbClr val="00B050"/>
                 </a:solidFill>
               </a:rPr>
-              <a:t>master</a:t>
+              <a:t>main</a:t>
             </a:r>
             <a:endParaRPr kumimoji="1" lang="ja-JP" altLang="en-US" sz="3200" dirty="0">
               <a:solidFill>
@@ -23708,7 +23559,7 @@
           <a:lstStyle/>
           <a:p>
             <a:r>
-              <a:rPr kumimoji="1" lang="en-US" altLang="ja-JP" sz="3200" dirty="0" smtClean="0">
+              <a:rPr kumimoji="1" lang="en-US" altLang="ja-JP" sz="3200" dirty="0">
                 <a:solidFill>
                   <a:srgbClr val="FF0000"/>
                 </a:solidFill>
@@ -23827,14 +23678,13 @@
           <a:lstStyle/>
           <a:p>
             <a:r>
-              <a:rPr kumimoji="1" lang="en-US" altLang="ja-JP" sz="2000" dirty="0" err="1" smtClean="0"/>
+              <a:rPr kumimoji="1" lang="en-US" altLang="ja-JP" sz="2000" dirty="0" err="1"/>
               <a:t>banch</a:t>
             </a:r>
             <a:r>
-              <a:rPr kumimoji="1" lang="ja-JP" altLang="en-US" sz="2000" dirty="0" smtClean="0"/>
+              <a:rPr kumimoji="1" lang="ja-JP" altLang="en-US" sz="2000" dirty="0"/>
               <a:t>上でコミットした</a:t>
             </a:r>
-            <a:endParaRPr kumimoji="1" lang="ja-JP" altLang="en-US" sz="2000" dirty="0"/>
           </a:p>
         </p:txBody>
       </p:sp>
@@ -23861,38 +23711,38 @@
           <a:lstStyle/>
           <a:p>
             <a:r>
-              <a:rPr kumimoji="1" lang="ja-JP" altLang="en-US" sz="2000" dirty="0" smtClean="0"/>
+              <a:rPr kumimoji="1" lang="ja-JP" altLang="en-US" sz="2000" dirty="0"/>
               <a:t>コミットが作られ、</a:t>
             </a:r>
             <a:r>
-              <a:rPr kumimoji="1" lang="en-US" altLang="ja-JP" sz="2000" dirty="0" smtClean="0"/>
+              <a:rPr kumimoji="1" lang="en-US" altLang="ja-JP" sz="2000" dirty="0"/>
               <a:t>branch</a:t>
             </a:r>
             <a:r>
-              <a:rPr kumimoji="1" lang="ja-JP" altLang="en-US" sz="2000" dirty="0" smtClean="0"/>
+              <a:rPr kumimoji="1" lang="ja-JP" altLang="en-US" sz="2000" dirty="0"/>
               <a:t>と</a:t>
             </a:r>
-            <a:endParaRPr kumimoji="1" lang="en-US" altLang="ja-JP" sz="2000" dirty="0" smtClean="0"/>
-          </a:p>
-          <a:p>
-            <a:r>
-              <a:rPr lang="en-US" altLang="ja-JP" sz="2000" dirty="0" smtClean="0"/>
+            <a:endParaRPr kumimoji="1" lang="en-US" altLang="ja-JP" sz="2000" dirty="0"/>
+          </a:p>
+          <a:p>
+            <a:r>
+              <a:rPr lang="en-US" altLang="ja-JP" sz="2000" dirty="0"/>
               <a:t>HEAD</a:t>
             </a:r>
             <a:r>
-              <a:rPr lang="ja-JP" altLang="en-US" sz="2000" dirty="0" smtClean="0"/>
+              <a:rPr lang="ja-JP" altLang="en-US" sz="2000" dirty="0"/>
               <a:t>が動く</a:t>
             </a:r>
             <a:r>
-              <a:rPr lang="en-US" altLang="ja-JP" sz="2000" dirty="0" smtClean="0"/>
-              <a:t>(master</a:t>
-            </a:r>
-            <a:r>
-              <a:rPr lang="ja-JP" altLang="en-US" sz="2000" dirty="0" smtClean="0"/>
+              <a:rPr lang="en-US" altLang="ja-JP" sz="2000" dirty="0"/>
+              <a:t>(main</a:t>
+            </a:r>
+            <a:r>
+              <a:rPr lang="ja-JP" altLang="en-US" sz="2000" dirty="0"/>
               <a:t>はそのまま</a:t>
             </a:r>
             <a:r>
-              <a:rPr lang="en-US" altLang="ja-JP" sz="2000" dirty="0" smtClean="0"/>
+              <a:rPr lang="en-US" altLang="ja-JP" sz="2000" dirty="0"/>
               <a:t>)</a:t>
             </a:r>
             <a:endParaRPr kumimoji="1" lang="ja-JP" altLang="en-US" sz="2000" dirty="0"/>
@@ -23922,7 +23772,7 @@
           <a:lstStyle/>
           <a:p>
             <a:r>
-              <a:rPr kumimoji="1" lang="en-US" altLang="ja-JP" sz="3200" dirty="0" smtClean="0"/>
+              <a:rPr kumimoji="1" lang="en-US" altLang="ja-JP" sz="3200" dirty="0"/>
               <a:t>HEAD</a:t>
             </a:r>
             <a:endParaRPr kumimoji="1" lang="ja-JP" altLang="en-US" sz="3200" dirty="0"/>
@@ -23991,7 +23841,7 @@
           <a:lstStyle/>
           <a:p>
             <a:r>
-              <a:rPr kumimoji="1" lang="en-US" altLang="ja-JP" sz="3200" dirty="0" smtClean="0"/>
+              <a:rPr kumimoji="1" lang="en-US" altLang="ja-JP" sz="3200" dirty="0"/>
               <a:t>HEAD</a:t>
             </a:r>
             <a:endParaRPr kumimoji="1" lang="ja-JP" altLang="en-US" sz="3200" dirty="0"/>
@@ -24047,13 +23897,6 @@
   <p:clrMapOvr>
     <a:masterClrMapping/>
   </p:clrMapOvr>
-  <p:timing>
-    <p:tnLst>
-      <p:par>
-        <p:cTn id="1" dur="indefinite" restart="never" nodeType="tmRoot"/>
-      </p:par>
-    </p:tnLst>
-  </p:timing>
 </p:sld>
 </file>
 
@@ -24105,7 +23948,7 @@
         <p:spPr>
           <a:xfrm>
             <a:off x="2555776" y="836712"/>
-            <a:ext cx="4252061" cy="584775"/>
+            <a:ext cx="4261103" cy="584775"/>
           </a:xfrm>
           <a:prstGeom prst="rect">
             <a:avLst/>
@@ -24119,15 +23962,11 @@
           <a:lstStyle/>
           <a:p>
             <a:r>
-              <a:rPr kumimoji="1" lang="en-US" altLang="ja-JP" sz="3200" dirty="0" err="1" smtClean="0"/>
-              <a:t>git</a:t>
-            </a:r>
-            <a:r>
-              <a:rPr kumimoji="1" lang="en-US" altLang="ja-JP" sz="3200" dirty="0" smtClean="0"/>
-              <a:t> checkout </a:t>
-            </a:r>
-            <a:r>
-              <a:rPr kumimoji="1" lang="en-US" altLang="ja-JP" sz="3200" i="1" dirty="0" err="1" smtClean="0"/>
+              <a:rPr kumimoji="1" lang="en-US" altLang="ja-JP" sz="3200" dirty="0"/>
+              <a:t>git switch </a:t>
+            </a:r>
+            <a:r>
+              <a:rPr kumimoji="1" lang="en-US" altLang="ja-JP" sz="3200" i="1" dirty="0" err="1"/>
               <a:t>branchname</a:t>
             </a:r>
             <a:endParaRPr kumimoji="1" lang="ja-JP" altLang="en-US" sz="3200" i="1" dirty="0"/>
@@ -24157,34 +23996,33 @@
           <a:lstStyle/>
           <a:p>
             <a:r>
-              <a:rPr kumimoji="1" lang="ja-JP" altLang="en-US" sz="2000" dirty="0" smtClean="0"/>
+              <a:rPr kumimoji="1" lang="ja-JP" altLang="en-US" sz="2000" dirty="0"/>
               <a:t>自分が見るブランチ</a:t>
             </a:r>
             <a:r>
-              <a:rPr kumimoji="1" lang="en-US" altLang="ja-JP" sz="2000" dirty="0" smtClean="0"/>
+              <a:rPr kumimoji="1" lang="en-US" altLang="ja-JP" sz="2000" dirty="0"/>
               <a:t>(HEAD</a:t>
             </a:r>
             <a:r>
-              <a:rPr kumimoji="1" lang="ja-JP" altLang="en-US" sz="2000" dirty="0" smtClean="0"/>
+              <a:rPr kumimoji="1" lang="ja-JP" altLang="en-US" sz="2000" dirty="0"/>
               <a:t>が指すブランチ</a:t>
             </a:r>
             <a:r>
-              <a:rPr kumimoji="1" lang="en-US" altLang="ja-JP" sz="2000" dirty="0" smtClean="0"/>
+              <a:rPr kumimoji="1" lang="en-US" altLang="ja-JP" sz="2000" dirty="0"/>
               <a:t>)</a:t>
             </a:r>
             <a:r>
-              <a:rPr kumimoji="1" lang="ja-JP" altLang="en-US" sz="2000" dirty="0" smtClean="0"/>
+              <a:rPr kumimoji="1" lang="ja-JP" altLang="en-US" sz="2000" dirty="0"/>
               <a:t>を</a:t>
             </a:r>
             <a:r>
-              <a:rPr kumimoji="1" lang="en-US" altLang="ja-JP" sz="2000" dirty="0" err="1" smtClean="0"/>
+              <a:rPr kumimoji="1" lang="en-US" altLang="ja-JP" sz="2000" dirty="0" err="1"/>
               <a:t>branchname</a:t>
             </a:r>
             <a:r>
-              <a:rPr kumimoji="1" lang="ja-JP" altLang="en-US" sz="2000" dirty="0" smtClean="0"/>
+              <a:rPr kumimoji="1" lang="ja-JP" altLang="en-US" sz="2000" dirty="0"/>
               <a:t>に変更する</a:t>
             </a:r>
-            <a:endParaRPr kumimoji="1" lang="ja-JP" altLang="en-US" sz="2000" dirty="0"/>
           </a:p>
         </p:txBody>
       </p:sp>
@@ -24455,7 +24293,7 @@
         <p:spPr>
           <a:xfrm>
             <a:off x="2915816" y="1700808"/>
-            <a:ext cx="1329210" cy="584775"/>
+            <a:ext cx="1072730" cy="584775"/>
           </a:xfrm>
           <a:prstGeom prst="rect">
             <a:avLst/>
@@ -24469,12 +24307,12 @@
           <a:lstStyle/>
           <a:p>
             <a:r>
-              <a:rPr kumimoji="1" lang="en-US" altLang="ja-JP" sz="3200" dirty="0" smtClean="0">
+              <a:rPr kumimoji="1" lang="en-US" altLang="ja-JP" sz="3200" dirty="0">
                 <a:solidFill>
                   <a:srgbClr val="00B050"/>
                 </a:solidFill>
               </a:rPr>
-              <a:t>master</a:t>
+              <a:t>main</a:t>
             </a:r>
             <a:endParaRPr kumimoji="1" lang="ja-JP" altLang="en-US" sz="3200" dirty="0">
               <a:solidFill>
@@ -24592,7 +24430,7 @@
           <a:lstStyle/>
           <a:p>
             <a:r>
-              <a:rPr kumimoji="1" lang="en-US" altLang="ja-JP" sz="3200" dirty="0" smtClean="0">
+              <a:rPr kumimoji="1" lang="en-US" altLang="ja-JP" sz="3200" dirty="0">
                 <a:solidFill>
                   <a:srgbClr val="FF0000"/>
                 </a:solidFill>
@@ -24663,7 +24501,7 @@
           <a:lstStyle/>
           <a:p>
             <a:r>
-              <a:rPr kumimoji="1" lang="en-US" altLang="ja-JP" sz="3200" dirty="0" smtClean="0"/>
+              <a:rPr kumimoji="1" lang="en-US" altLang="ja-JP" sz="3200" dirty="0"/>
               <a:t>HEAD</a:t>
             </a:r>
             <a:endParaRPr kumimoji="1" lang="ja-JP" altLang="en-US" sz="3200" dirty="0"/>
@@ -24976,7 +24814,7 @@
         <p:spPr>
           <a:xfrm>
             <a:off x="2915816" y="4644425"/>
-            <a:ext cx="1329210" cy="584775"/>
+            <a:ext cx="1072730" cy="584775"/>
           </a:xfrm>
           <a:prstGeom prst="rect">
             <a:avLst/>
@@ -24990,12 +24828,12 @@
           <a:lstStyle/>
           <a:p>
             <a:r>
-              <a:rPr kumimoji="1" lang="en-US" altLang="ja-JP" sz="3200" dirty="0" smtClean="0">
+              <a:rPr kumimoji="1" lang="en-US" altLang="ja-JP" sz="3200" dirty="0">
                 <a:solidFill>
                   <a:srgbClr val="00B050"/>
                 </a:solidFill>
               </a:rPr>
-              <a:t>master</a:t>
+              <a:t>main</a:t>
             </a:r>
             <a:endParaRPr kumimoji="1" lang="ja-JP" altLang="en-US" sz="3200" dirty="0">
               <a:solidFill>
@@ -25113,7 +24951,7 @@
           <a:lstStyle/>
           <a:p>
             <a:r>
-              <a:rPr kumimoji="1" lang="en-US" altLang="ja-JP" sz="3200" dirty="0" smtClean="0">
+              <a:rPr kumimoji="1" lang="en-US" altLang="ja-JP" sz="3200" dirty="0">
                 <a:solidFill>
                   <a:srgbClr val="FF0000"/>
                 </a:solidFill>
@@ -25184,7 +25022,7 @@
           <a:lstStyle/>
           <a:p>
             <a:r>
-              <a:rPr kumimoji="1" lang="en-US" altLang="ja-JP" sz="3200" dirty="0" smtClean="0"/>
+              <a:rPr kumimoji="1" lang="en-US" altLang="ja-JP" sz="3200" dirty="0"/>
               <a:t>HEAD</a:t>
             </a:r>
             <a:endParaRPr kumimoji="1" lang="ja-JP" altLang="en-US" sz="3200" dirty="0"/>
@@ -25301,12 +25139,8 @@
           <a:lstStyle/>
           <a:p>
             <a:r>
-              <a:rPr kumimoji="1" lang="en-US" altLang="ja-JP" sz="2400" dirty="0" err="1" smtClean="0"/>
-              <a:t>git</a:t>
-            </a:r>
-            <a:r>
-              <a:rPr kumimoji="1" lang="en-US" altLang="ja-JP" sz="2400" dirty="0" smtClean="0"/>
-              <a:t> checkout master</a:t>
+              <a:rPr kumimoji="1" lang="en-US" altLang="ja-JP" sz="2400" dirty="0"/>
+              <a:t>git checkout main</a:t>
             </a:r>
             <a:endParaRPr kumimoji="1" lang="ja-JP" altLang="en-US" sz="2400" dirty="0"/>
           </a:p>
@@ -25335,21 +25169,20 @@
           <a:lstStyle/>
           <a:p>
             <a:r>
-              <a:rPr lang="ja-JP" altLang="en-US" dirty="0" smtClean="0"/>
+              <a:rPr lang="ja-JP" altLang="en-US" dirty="0"/>
               <a:t>今見ているブランチが</a:t>
             </a:r>
-            <a:endParaRPr lang="en-US" altLang="ja-JP" dirty="0" smtClean="0"/>
-          </a:p>
-          <a:p>
-            <a:r>
-              <a:rPr kumimoji="1" lang="en-US" altLang="ja-JP" dirty="0" smtClean="0"/>
-              <a:t>master</a:t>
-            </a:r>
-            <a:r>
-              <a:rPr kumimoji="1" lang="ja-JP" altLang="en-US" dirty="0" smtClean="0"/>
+            <a:endParaRPr lang="en-US" altLang="ja-JP" dirty="0"/>
+          </a:p>
+          <a:p>
+            <a:r>
+              <a:rPr kumimoji="1" lang="en-US" altLang="ja-JP" dirty="0"/>
+              <a:t>main</a:t>
+            </a:r>
+            <a:r>
+              <a:rPr kumimoji="1" lang="ja-JP" altLang="en-US" dirty="0"/>
               <a:t>に変わった</a:t>
             </a:r>
-            <a:endParaRPr kumimoji="1" lang="ja-JP" altLang="en-US" dirty="0"/>
           </a:p>
         </p:txBody>
       </p:sp>
@@ -25363,13 +25196,6 @@
   <p:clrMapOvr>
     <a:masterClrMapping/>
   </p:clrMapOvr>
-  <p:timing>
-    <p:tnLst>
-      <p:par>
-        <p:cTn id="1" dur="indefinite" restart="never" nodeType="tmRoot"/>
-      </p:par>
-    </p:tnLst>
-  </p:timing>
 </p:sld>
 </file>
 
@@ -25406,10 +25232,9 @@
           <a:lstStyle/>
           <a:p>
             <a:r>
-              <a:rPr kumimoji="1" lang="ja-JP" altLang="en-US" dirty="0" smtClean="0"/>
+              <a:rPr kumimoji="1" lang="ja-JP" altLang="en-US" dirty="0"/>
               <a:t>マージ</a:t>
             </a:r>
-            <a:endParaRPr kumimoji="1" lang="ja-JP" altLang="en-US" dirty="0"/>
           </a:p>
         </p:txBody>
       </p:sp>
@@ -25436,7 +25261,7 @@
           <a:lstStyle/>
           <a:p>
             <a:r>
-              <a:rPr lang="ja-JP" altLang="en-US" sz="2400" dirty="0" smtClean="0"/>
+              <a:rPr lang="ja-JP" altLang="en-US" sz="2400" dirty="0"/>
               <a:t>異なる二つのコミットから、新たなコミットを作ること</a:t>
             </a:r>
             <a:endParaRPr kumimoji="1" lang="ja-JP" altLang="en-US" sz="2400" dirty="0"/>
@@ -25466,15 +25291,15 @@
           <a:lstStyle/>
           <a:p>
             <a:r>
-              <a:rPr kumimoji="1" lang="en-US" altLang="ja-JP" sz="3600" dirty="0" err="1" smtClean="0"/>
+              <a:rPr kumimoji="1" lang="en-US" altLang="ja-JP" sz="3600" dirty="0" err="1"/>
               <a:t>git</a:t>
             </a:r>
             <a:r>
-              <a:rPr kumimoji="1" lang="en-US" altLang="ja-JP" sz="3600" dirty="0" smtClean="0"/>
+              <a:rPr kumimoji="1" lang="en-US" altLang="ja-JP" sz="3600" dirty="0"/>
               <a:t> merge </a:t>
             </a:r>
             <a:r>
-              <a:rPr kumimoji="1" lang="en-US" altLang="ja-JP" sz="3600" i="1" dirty="0" err="1" smtClean="0"/>
+              <a:rPr kumimoji="1" lang="en-US" altLang="ja-JP" sz="3600" i="1" dirty="0" err="1"/>
               <a:t>branchname</a:t>
             </a:r>
             <a:endParaRPr kumimoji="1" lang="ja-JP" altLang="en-US" sz="3600" i="1" dirty="0"/>
@@ -25504,29 +25329,24 @@
           <a:lstStyle/>
           <a:p>
             <a:r>
-              <a:rPr kumimoji="1" lang="ja-JP" altLang="en-US" sz="2400" dirty="0" smtClean="0"/>
+              <a:rPr kumimoji="1" lang="ja-JP" altLang="en-US" sz="2400" dirty="0"/>
               <a:t>現在自分が見ているブランチに、</a:t>
             </a:r>
             <a:r>
-              <a:rPr lang="en-US" altLang="ja-JP" sz="2400" dirty="0" err="1" smtClean="0"/>
+              <a:rPr lang="en-US" altLang="ja-JP" sz="2400" dirty="0" err="1"/>
               <a:t>branchname</a:t>
             </a:r>
             <a:r>
-              <a:rPr lang="ja-JP" altLang="en-US" sz="2400" dirty="0" smtClean="0"/>
+              <a:rPr lang="ja-JP" altLang="en-US" sz="2400" dirty="0"/>
               <a:t>の変更を取り込む</a:t>
             </a:r>
-            <a:endParaRPr lang="en-US" altLang="ja-JP" sz="2400" dirty="0" smtClean="0"/>
+            <a:endParaRPr lang="en-US" altLang="ja-JP" sz="2400" dirty="0"/>
           </a:p>
           <a:p>
             <a:r>
               <a:rPr lang="ja-JP" altLang="en-US" sz="2400" dirty="0"/>
-              <a:t>この時、「歴史が分岐しているかどうか」で動作が</a:t>
-            </a:r>
-            <a:r>
-              <a:rPr lang="ja-JP" altLang="en-US" sz="2400" dirty="0" smtClean="0"/>
-              <a:t>変わる</a:t>
-            </a:r>
-            <a:endParaRPr lang="ja-JP" altLang="en-US" sz="2400" dirty="0"/>
+              <a:t>この時、「歴史が分岐しているかどうか」で動作が変わる</a:t>
+            </a:r>
           </a:p>
         </p:txBody>
       </p:sp>
@@ -25576,11 +25396,11 @@
           <a:lstStyle/>
           <a:p>
             <a:r>
-              <a:rPr kumimoji="1" lang="ja-JP" altLang="en-US" dirty="0" smtClean="0"/>
+              <a:rPr kumimoji="1" lang="ja-JP" altLang="en-US" dirty="0"/>
               <a:t>マージ </a:t>
             </a:r>
             <a:r>
-              <a:rPr kumimoji="1" lang="en-US" altLang="ja-JP" dirty="0" smtClean="0"/>
+              <a:rPr kumimoji="1" lang="en-US" altLang="ja-JP" dirty="0"/>
               <a:t>(Fast Forward)</a:t>
             </a:r>
             <a:endParaRPr kumimoji="1" lang="ja-JP" altLang="en-US" dirty="0"/>
@@ -25854,7 +25674,7 @@
         <p:spPr>
           <a:xfrm>
             <a:off x="2627784" y="1052736"/>
-            <a:ext cx="1329210" cy="584775"/>
+            <a:ext cx="1072730" cy="584775"/>
           </a:xfrm>
           <a:prstGeom prst="rect">
             <a:avLst/>
@@ -25868,12 +25688,12 @@
           <a:lstStyle/>
           <a:p>
             <a:r>
-              <a:rPr kumimoji="1" lang="en-US" altLang="ja-JP" sz="3200" dirty="0" smtClean="0">
+              <a:rPr kumimoji="1" lang="en-US" altLang="ja-JP" sz="3200" dirty="0">
                 <a:solidFill>
                   <a:srgbClr val="00B050"/>
                 </a:solidFill>
               </a:rPr>
-              <a:t>master</a:t>
+              <a:t>main</a:t>
             </a:r>
             <a:endParaRPr kumimoji="1" lang="ja-JP" altLang="en-US" sz="3200" dirty="0">
               <a:solidFill>
@@ -25991,7 +25811,7 @@
           <a:lstStyle/>
           <a:p>
             <a:r>
-              <a:rPr kumimoji="1" lang="en-US" altLang="ja-JP" sz="3200" dirty="0" smtClean="0">
+              <a:rPr kumimoji="1" lang="en-US" altLang="ja-JP" sz="3200" dirty="0">
                 <a:solidFill>
                   <a:srgbClr val="FF0000"/>
                 </a:solidFill>
@@ -26048,7 +25868,7 @@
         <p:spPr>
           <a:xfrm>
             <a:off x="5364088" y="1700808"/>
-            <a:ext cx="3456395" cy="707886"/>
+            <a:ext cx="3533340" cy="707886"/>
           </a:xfrm>
           <a:prstGeom prst="rect">
             <a:avLst/>
@@ -26062,26 +25882,26 @@
           <a:lstStyle/>
           <a:p>
             <a:r>
-              <a:rPr kumimoji="1" lang="ja-JP" altLang="en-US" sz="2000" dirty="0" smtClean="0"/>
+              <a:rPr kumimoji="1" lang="ja-JP" altLang="en-US" sz="2000" dirty="0"/>
               <a:t>現在、自分は</a:t>
             </a:r>
             <a:r>
-              <a:rPr kumimoji="1" lang="en-US" altLang="ja-JP" sz="2000" dirty="0" smtClean="0"/>
+              <a:rPr kumimoji="1" lang="en-US" altLang="ja-JP" sz="2000" dirty="0"/>
               <a:t>branch</a:t>
             </a:r>
             <a:r>
-              <a:rPr kumimoji="1" lang="ja-JP" altLang="en-US" sz="2000" dirty="0" smtClean="0"/>
+              <a:rPr kumimoji="1" lang="ja-JP" altLang="en-US" sz="2000" dirty="0"/>
               <a:t>にいて、</a:t>
             </a:r>
-            <a:endParaRPr kumimoji="1" lang="en-US" altLang="ja-JP" sz="2000" dirty="0" smtClean="0"/>
-          </a:p>
-          <a:p>
-            <a:r>
-              <a:rPr lang="en-US" altLang="ja-JP" sz="2000" dirty="0" smtClean="0"/>
-              <a:t>master</a:t>
-            </a:r>
-            <a:r>
-              <a:rPr lang="ja-JP" altLang="en-US" sz="2000" dirty="0" smtClean="0"/>
+            <a:endParaRPr kumimoji="1" lang="en-US" altLang="ja-JP" sz="2000" dirty="0"/>
+          </a:p>
+          <a:p>
+            <a:r>
+              <a:rPr lang="en-US" altLang="ja-JP" sz="2000" dirty="0"/>
+              <a:t>main</a:t>
+            </a:r>
+            <a:r>
+              <a:rPr lang="ja-JP" altLang="en-US" sz="2000" dirty="0"/>
               <a:t>よりも進んだ状態</a:t>
             </a:r>
             <a:endParaRPr kumimoji="1" lang="ja-JP" altLang="en-US" sz="2000" dirty="0"/>
@@ -26417,7 +26237,7 @@
           <a:lstStyle/>
           <a:p>
             <a:r>
-              <a:rPr kumimoji="1" lang="en-US" altLang="ja-JP" sz="3200" dirty="0" smtClean="0">
+              <a:rPr kumimoji="1" lang="en-US" altLang="ja-JP" sz="3200" dirty="0">
                 <a:solidFill>
                   <a:srgbClr val="FF0000"/>
                 </a:solidFill>
@@ -26536,12 +26356,8 @@
           <a:lstStyle/>
           <a:p>
             <a:r>
-              <a:rPr kumimoji="1" lang="en-US" altLang="ja-JP" sz="2400" dirty="0" err="1" smtClean="0"/>
-              <a:t>git</a:t>
-            </a:r>
-            <a:r>
-              <a:rPr kumimoji="1" lang="en-US" altLang="ja-JP" sz="2400" dirty="0" smtClean="0"/>
-              <a:t> checkout master</a:t>
+              <a:rPr kumimoji="1" lang="en-US" altLang="ja-JP" sz="2400" dirty="0"/>
+              <a:t>git checkout main</a:t>
             </a:r>
             <a:endParaRPr kumimoji="1" lang="ja-JP" altLang="en-US" sz="2400" dirty="0"/>
           </a:p>
@@ -26556,7 +26372,7 @@
         <p:spPr>
           <a:xfrm>
             <a:off x="5436096" y="4973106"/>
-            <a:ext cx="3207929" cy="400110"/>
+            <a:ext cx="3049233" cy="400110"/>
           </a:xfrm>
           <a:prstGeom prst="rect">
             <a:avLst/>
@@ -26570,14 +26386,13 @@
           <a:lstStyle/>
           <a:p>
             <a:r>
-              <a:rPr kumimoji="1" lang="en-US" altLang="ja-JP" sz="2000" dirty="0" smtClean="0"/>
-              <a:t>master</a:t>
-            </a:r>
-            <a:r>
-              <a:rPr kumimoji="1" lang="ja-JP" altLang="en-US" sz="2000" dirty="0" smtClean="0"/>
+              <a:rPr kumimoji="1" lang="en-US" altLang="ja-JP" sz="2000" dirty="0"/>
+              <a:t>main</a:t>
+            </a:r>
+            <a:r>
+              <a:rPr kumimoji="1" lang="ja-JP" altLang="en-US" sz="2000" dirty="0"/>
               <a:t>ブランチに移動した</a:t>
             </a:r>
-            <a:endParaRPr kumimoji="1" lang="ja-JP" altLang="en-US" sz="2000" dirty="0"/>
           </a:p>
         </p:txBody>
       </p:sp>
@@ -26604,7 +26419,7 @@
           <a:lstStyle/>
           <a:p>
             <a:r>
-              <a:rPr kumimoji="1" lang="en-US" altLang="ja-JP" sz="3200" dirty="0" smtClean="0"/>
+              <a:rPr kumimoji="1" lang="en-US" altLang="ja-JP" sz="3200" dirty="0"/>
               <a:t>HEAD</a:t>
             </a:r>
             <a:endParaRPr kumimoji="1" lang="ja-JP" altLang="en-US" sz="3200" dirty="0"/>
@@ -26659,9 +26474,9 @@
         <p:grpSpPr>
           <a:xfrm>
             <a:off x="971600" y="4149080"/>
-            <a:ext cx="2913386" cy="864096"/>
+            <a:ext cx="2656906" cy="864096"/>
             <a:chOff x="971600" y="4149080"/>
-            <a:chExt cx="2913386" cy="864096"/>
+            <a:chExt cx="2656906" cy="864096"/>
           </a:xfrm>
         </p:grpSpPr>
         <p:cxnSp>
@@ -26710,7 +26525,7 @@
           <p:spPr>
             <a:xfrm>
               <a:off x="2555776" y="4149080"/>
-              <a:ext cx="1329210" cy="584775"/>
+              <a:ext cx="1072730" cy="584775"/>
             </a:xfrm>
             <a:prstGeom prst="rect">
               <a:avLst/>
@@ -26724,12 +26539,12 @@
             <a:lstStyle/>
             <a:p>
               <a:r>
-                <a:rPr kumimoji="1" lang="en-US" altLang="ja-JP" sz="3200" dirty="0" smtClean="0">
+                <a:rPr kumimoji="1" lang="en-US" altLang="ja-JP" sz="3200" dirty="0">
                   <a:solidFill>
                     <a:srgbClr val="00B050"/>
                   </a:solidFill>
                 </a:rPr>
-                <a:t>master</a:t>
+                <a:t>main</a:t>
               </a:r>
               <a:endParaRPr kumimoji="1" lang="ja-JP" altLang="en-US" sz="3200" dirty="0">
                 <a:solidFill>
@@ -26762,7 +26577,7 @@
             <a:lstStyle/>
             <a:p>
               <a:r>
-                <a:rPr kumimoji="1" lang="en-US" altLang="ja-JP" sz="3200" dirty="0" smtClean="0"/>
+                <a:rPr kumimoji="1" lang="en-US" altLang="ja-JP" sz="3200" dirty="0"/>
                 <a:t>HEAD</a:t>
               </a:r>
               <a:endParaRPr kumimoji="1" lang="ja-JP" altLang="en-US" sz="3200" dirty="0"/>
@@ -26819,13 +26634,6 @@
   <p:clrMapOvr>
     <a:masterClrMapping/>
   </p:clrMapOvr>
-  <p:timing>
-    <p:tnLst>
-      <p:par>
-        <p:cTn id="1" dur="indefinite" restart="never" nodeType="tmRoot"/>
-      </p:par>
-    </p:tnLst>
-  </p:timing>
 </p:sld>
 </file>
 
@@ -27202,7 +27010,7 @@
           <a:lstStyle/>
           <a:p>
             <a:r>
-              <a:rPr kumimoji="1" lang="en-US" altLang="ja-JP" sz="3200" dirty="0" smtClean="0">
+              <a:rPr kumimoji="1" lang="en-US" altLang="ja-JP" sz="3200" dirty="0">
                 <a:solidFill>
                   <a:srgbClr val="FF0000"/>
                 </a:solidFill>
@@ -27259,7 +27067,7 @@
         <p:spPr>
           <a:xfrm>
             <a:off x="5004048" y="3645024"/>
-            <a:ext cx="2943434" cy="707886"/>
+            <a:ext cx="3020379" cy="707886"/>
           </a:xfrm>
           <a:prstGeom prst="rect">
             <a:avLst/>
@@ -27273,22 +27081,22 @@
           <a:lstStyle/>
           <a:p>
             <a:r>
-              <a:rPr kumimoji="1" lang="en-US" altLang="ja-JP" sz="2000" dirty="0" smtClean="0"/>
-              <a:t>master</a:t>
-            </a:r>
-            <a:r>
-              <a:rPr kumimoji="1" lang="ja-JP" altLang="en-US" sz="2000" dirty="0" smtClean="0"/>
+              <a:rPr kumimoji="1" lang="en-US" altLang="ja-JP" sz="2000" dirty="0"/>
+              <a:t>main</a:t>
+            </a:r>
+            <a:r>
+              <a:rPr kumimoji="1" lang="ja-JP" altLang="en-US" sz="2000" dirty="0"/>
               <a:t>ブランチに</a:t>
             </a:r>
-            <a:endParaRPr kumimoji="1" lang="en-US" altLang="ja-JP" sz="2000" dirty="0" smtClean="0"/>
-          </a:p>
-          <a:p>
-            <a:r>
-              <a:rPr lang="en-US" altLang="ja-JP" sz="2000" dirty="0" smtClean="0"/>
+            <a:endParaRPr kumimoji="1" lang="en-US" altLang="ja-JP" sz="2000" dirty="0"/>
+          </a:p>
+          <a:p>
+            <a:r>
+              <a:rPr lang="en-US" altLang="ja-JP" sz="2000" dirty="0"/>
               <a:t>branch</a:t>
             </a:r>
             <a:r>
-              <a:rPr lang="ja-JP" altLang="en-US" sz="2000" dirty="0" smtClean="0"/>
+              <a:rPr lang="ja-JP" altLang="en-US" sz="2000" dirty="0"/>
               <a:t>の修正を取り込む</a:t>
             </a:r>
             <a:endParaRPr kumimoji="1" lang="ja-JP" altLang="en-US" sz="2000" dirty="0"/>
@@ -27624,7 +27432,7 @@
           <a:lstStyle/>
           <a:p>
             <a:r>
-              <a:rPr kumimoji="1" lang="en-US" altLang="ja-JP" sz="3200" dirty="0" smtClean="0">
+              <a:rPr kumimoji="1" lang="en-US" altLang="ja-JP" sz="3200" dirty="0">
                 <a:solidFill>
                   <a:srgbClr val="FF0000"/>
                 </a:solidFill>
@@ -27681,9 +27489,9 @@
         <p:grpSpPr>
           <a:xfrm>
             <a:off x="2555776" y="4509120"/>
-            <a:ext cx="2913386" cy="864096"/>
+            <a:ext cx="2656906" cy="864096"/>
             <a:chOff x="971600" y="4149080"/>
-            <a:chExt cx="2913386" cy="864096"/>
+            <a:chExt cx="2656906" cy="864096"/>
           </a:xfrm>
         </p:grpSpPr>
         <p:cxnSp>
@@ -27732,7 +27540,7 @@
           <p:spPr>
             <a:xfrm>
               <a:off x="2555776" y="4149080"/>
-              <a:ext cx="1329210" cy="584775"/>
+              <a:ext cx="1072730" cy="584775"/>
             </a:xfrm>
             <a:prstGeom prst="rect">
               <a:avLst/>
@@ -27746,12 +27554,12 @@
             <a:lstStyle/>
             <a:p>
               <a:r>
-                <a:rPr kumimoji="1" lang="en-US" altLang="ja-JP" sz="3200" dirty="0" smtClean="0">
+                <a:rPr kumimoji="1" lang="en-US" altLang="ja-JP" sz="3200" dirty="0">
                   <a:solidFill>
                     <a:srgbClr val="00B050"/>
                   </a:solidFill>
                 </a:rPr>
-                <a:t>master</a:t>
+                <a:t>main</a:t>
               </a:r>
               <a:endParaRPr kumimoji="1" lang="ja-JP" altLang="en-US" sz="3200" dirty="0">
                 <a:solidFill>
@@ -27784,7 +27592,7 @@
             <a:lstStyle/>
             <a:p>
               <a:r>
-                <a:rPr kumimoji="1" lang="en-US" altLang="ja-JP" sz="3200" dirty="0" smtClean="0"/>
+                <a:rPr kumimoji="1" lang="en-US" altLang="ja-JP" sz="3200" dirty="0"/>
                 <a:t>HEAD</a:t>
               </a:r>
               <a:endParaRPr kumimoji="1" lang="ja-JP" altLang="en-US" sz="3200" dirty="0"/>
@@ -27840,9 +27648,9 @@
         <p:grpSpPr>
           <a:xfrm>
             <a:off x="1115616" y="1196752"/>
-            <a:ext cx="2913386" cy="864096"/>
+            <a:ext cx="2656906" cy="864096"/>
             <a:chOff x="971600" y="4149080"/>
-            <a:chExt cx="2913386" cy="864096"/>
+            <a:chExt cx="2656906" cy="864096"/>
           </a:xfrm>
         </p:grpSpPr>
         <p:cxnSp>
@@ -27891,7 +27699,7 @@
           <p:spPr>
             <a:xfrm>
               <a:off x="2555776" y="4149080"/>
-              <a:ext cx="1329210" cy="584775"/>
+              <a:ext cx="1072730" cy="584775"/>
             </a:xfrm>
             <a:prstGeom prst="rect">
               <a:avLst/>
@@ -27905,12 +27713,12 @@
             <a:lstStyle/>
             <a:p>
               <a:r>
-                <a:rPr kumimoji="1" lang="en-US" altLang="ja-JP" sz="3200" dirty="0" smtClean="0">
+                <a:rPr kumimoji="1" lang="en-US" altLang="ja-JP" sz="3200" dirty="0">
                   <a:solidFill>
                     <a:srgbClr val="00B050"/>
                   </a:solidFill>
                 </a:rPr>
-                <a:t>master</a:t>
+                <a:t>main</a:t>
               </a:r>
               <a:endParaRPr kumimoji="1" lang="ja-JP" altLang="en-US" sz="3200" dirty="0">
                 <a:solidFill>
@@ -27943,7 +27751,7 @@
             <a:lstStyle/>
             <a:p>
               <a:r>
-                <a:rPr kumimoji="1" lang="en-US" altLang="ja-JP" sz="3200" dirty="0" smtClean="0"/>
+                <a:rPr kumimoji="1" lang="en-US" altLang="ja-JP" sz="3200" dirty="0"/>
                 <a:t>HEAD</a:t>
               </a:r>
               <a:endParaRPr kumimoji="1" lang="ja-JP" altLang="en-US" sz="3200" dirty="0"/>
@@ -28061,11 +27869,11 @@
           <a:lstStyle/>
           <a:p>
             <a:r>
-              <a:rPr kumimoji="1" lang="en-US" altLang="ja-JP" sz="2400" dirty="0" err="1" smtClean="0"/>
+              <a:rPr kumimoji="1" lang="en-US" altLang="ja-JP" sz="2400" dirty="0" err="1"/>
               <a:t>git</a:t>
             </a:r>
             <a:r>
-              <a:rPr kumimoji="1" lang="en-US" altLang="ja-JP" sz="2400" dirty="0" smtClean="0"/>
+              <a:rPr kumimoji="1" lang="en-US" altLang="ja-JP" sz="2400" dirty="0"/>
               <a:t> merge branch</a:t>
             </a:r>
             <a:endParaRPr kumimoji="1" lang="ja-JP" altLang="en-US" sz="2400" dirty="0"/>
@@ -28095,14 +27903,14 @@
           <a:lstStyle/>
           <a:p>
             <a:r>
-              <a:rPr kumimoji="1" lang="ja-JP" altLang="en-US" dirty="0" smtClean="0"/>
+              <a:rPr kumimoji="1" lang="ja-JP" altLang="en-US" dirty="0"/>
               <a:t>ブランチが移動するだけ</a:t>
             </a:r>
-            <a:endParaRPr kumimoji="1" lang="en-US" altLang="ja-JP" dirty="0" smtClean="0"/>
-          </a:p>
-          <a:p>
-            <a:r>
-              <a:rPr lang="en-US" altLang="ja-JP" dirty="0" smtClean="0"/>
+            <a:endParaRPr kumimoji="1" lang="en-US" altLang="ja-JP" dirty="0"/>
+          </a:p>
+          <a:p>
+            <a:r>
+              <a:rPr lang="en-US" altLang="ja-JP" dirty="0"/>
               <a:t>(Fast Forward)</a:t>
             </a:r>
             <a:endParaRPr kumimoji="1" lang="ja-JP" altLang="en-US" dirty="0"/>
@@ -28119,13 +27927,6 @@
   <p:clrMapOvr>
     <a:masterClrMapping/>
   </p:clrMapOvr>
-  <p:timing>
-    <p:tnLst>
-      <p:par>
-        <p:cTn id="1" dur="indefinite" restart="never" nodeType="tmRoot"/>
-      </p:par>
-    </p:tnLst>
-  </p:timing>
 </p:sld>
 </file>
 
@@ -28162,11 +27963,11 @@
           <a:lstStyle/>
           <a:p>
             <a:r>
-              <a:rPr lang="ja-JP" altLang="en-US" dirty="0" smtClean="0"/>
+              <a:rPr lang="ja-JP" altLang="en-US" dirty="0"/>
               <a:t>マージ </a:t>
             </a:r>
             <a:r>
-              <a:rPr lang="en-US" altLang="ja-JP" dirty="0" smtClean="0"/>
+              <a:rPr lang="en-US" altLang="ja-JP" dirty="0"/>
               <a:t>(non-fast-forward)</a:t>
             </a:r>
             <a:endParaRPr kumimoji="1" lang="ja-JP" altLang="en-US" dirty="0"/>
@@ -28756,9 +28557,9 @@
         <p:grpSpPr>
           <a:xfrm>
             <a:off x="4466926" y="3132257"/>
-            <a:ext cx="1329210" cy="864096"/>
+            <a:ext cx="1072730" cy="864096"/>
             <a:chOff x="2555776" y="4149080"/>
-            <a:chExt cx="1329210" cy="864096"/>
+            <a:chExt cx="1072730" cy="864096"/>
           </a:xfrm>
         </p:grpSpPr>
         <p:cxnSp>
@@ -28807,7 +28608,7 @@
           <p:spPr>
             <a:xfrm>
               <a:off x="2555776" y="4149080"/>
-              <a:ext cx="1329210" cy="584775"/>
+              <a:ext cx="1072730" cy="584775"/>
             </a:xfrm>
             <a:prstGeom prst="rect">
               <a:avLst/>
@@ -28821,12 +28622,12 @@
             <a:lstStyle/>
             <a:p>
               <a:r>
-                <a:rPr kumimoji="1" lang="en-US" altLang="ja-JP" sz="3200" dirty="0" smtClean="0">
+                <a:rPr kumimoji="1" lang="en-US" altLang="ja-JP" sz="3200" dirty="0">
                   <a:solidFill>
                     <a:srgbClr val="00B050"/>
                   </a:solidFill>
                 </a:rPr>
-                <a:t>master</a:t>
+                <a:t>main</a:t>
               </a:r>
               <a:endParaRPr kumimoji="1" lang="ja-JP" altLang="en-US" sz="3200" dirty="0">
                 <a:solidFill>
@@ -28860,7 +28661,7 @@
           <a:lstStyle/>
           <a:p>
             <a:r>
-              <a:rPr kumimoji="1" lang="en-US" altLang="ja-JP" sz="3200" dirty="0" smtClean="0">
+              <a:rPr kumimoji="1" lang="en-US" altLang="ja-JP" sz="3200" dirty="0">
                 <a:solidFill>
                   <a:srgbClr val="FF0000"/>
                 </a:solidFill>
@@ -28931,7 +28732,7 @@
           <a:lstStyle/>
           <a:p>
             <a:r>
-              <a:rPr kumimoji="1" lang="en-US" altLang="ja-JP" sz="3200" dirty="0" smtClean="0"/>
+              <a:rPr kumimoji="1" lang="en-US" altLang="ja-JP" sz="3200" dirty="0"/>
               <a:t>HEAD</a:t>
             </a:r>
             <a:endParaRPr kumimoji="1" lang="ja-JP" altLang="en-US" sz="3200" dirty="0"/>
@@ -29000,10 +28801,9 @@
           <a:lstStyle/>
           <a:p>
             <a:r>
-              <a:rPr kumimoji="1" lang="ja-JP" altLang="en-US" sz="2800" dirty="0" smtClean="0"/>
+              <a:rPr kumimoji="1" lang="ja-JP" altLang="en-US" sz="2800" dirty="0"/>
               <a:t>歴史が分岐している場合</a:t>
             </a:r>
-            <a:endParaRPr kumimoji="1" lang="ja-JP" altLang="en-US" sz="2800" dirty="0"/>
           </a:p>
         </p:txBody>
       </p:sp>
@@ -29030,22 +28830,22 @@
           <a:lstStyle/>
           <a:p>
             <a:r>
-              <a:rPr kumimoji="1" lang="ja-JP" altLang="en-US" sz="2800" dirty="0" smtClean="0"/>
+              <a:rPr kumimoji="1" lang="ja-JP" altLang="en-US" sz="2800" dirty="0"/>
               <a:t>自分</a:t>
             </a:r>
             <a:r>
-              <a:rPr lang="ja-JP" altLang="en-US" sz="2800" dirty="0" smtClean="0"/>
+              <a:rPr lang="ja-JP" altLang="en-US" sz="2800" dirty="0"/>
               <a:t>がブランチで作業している間に</a:t>
             </a:r>
-            <a:endParaRPr lang="en-US" altLang="ja-JP" sz="2800" dirty="0" smtClean="0"/>
-          </a:p>
-          <a:p>
-            <a:r>
-              <a:rPr lang="en-US" altLang="ja-JP" sz="2800" dirty="0" smtClean="0"/>
-              <a:t>master</a:t>
-            </a:r>
-            <a:r>
-              <a:rPr lang="ja-JP" altLang="en-US" sz="2800" dirty="0" smtClean="0"/>
+            <a:endParaRPr lang="en-US" altLang="ja-JP" sz="2800" dirty="0"/>
+          </a:p>
+          <a:p>
+            <a:r>
+              <a:rPr lang="en-US" altLang="ja-JP" sz="2800" dirty="0"/>
+              <a:t>main</a:t>
+            </a:r>
+            <a:r>
+              <a:rPr lang="ja-JP" altLang="en-US" sz="2800" dirty="0"/>
               <a:t>ブランチにコミットが増えていた</a:t>
             </a:r>
             <a:endParaRPr kumimoji="1" lang="ja-JP" altLang="en-US" sz="2800" dirty="0"/>
@@ -29114,10 +28914,9 @@
           <a:lstStyle/>
           <a:p>
             <a:r>
-              <a:rPr kumimoji="1" lang="ja-JP" altLang="en-US" dirty="0" smtClean="0"/>
+              <a:rPr kumimoji="1" lang="ja-JP" altLang="en-US" dirty="0"/>
               <a:t>ここで分岐した</a:t>
             </a:r>
-            <a:endParaRPr kumimoji="1" lang="ja-JP" altLang="en-US" dirty="0"/>
           </a:p>
         </p:txBody>
       </p:sp>
@@ -29144,10 +28943,9 @@
           <a:lstStyle/>
           <a:p>
             <a:r>
-              <a:rPr kumimoji="1" lang="ja-JP" altLang="en-US" dirty="0" smtClean="0"/>
+              <a:rPr kumimoji="1" lang="ja-JP" altLang="en-US" dirty="0"/>
               <a:t>自分はいまここにいる</a:t>
             </a:r>
-            <a:endParaRPr kumimoji="1" lang="ja-JP" altLang="en-US" dirty="0"/>
           </a:p>
         </p:txBody>
       </p:sp>
@@ -29174,10 +28972,9 @@
           <a:lstStyle/>
           <a:p>
             <a:r>
-              <a:rPr kumimoji="1" lang="ja-JP" altLang="en-US" dirty="0" smtClean="0"/>
+              <a:rPr kumimoji="1" lang="ja-JP" altLang="en-US" dirty="0"/>
               <a:t>分岐した後に増えたコミット</a:t>
             </a:r>
-            <a:endParaRPr kumimoji="1" lang="ja-JP" altLang="en-US" dirty="0"/>
           </a:p>
         </p:txBody>
       </p:sp>
@@ -29191,13 +28988,6 @@
   <p:clrMapOvr>
     <a:masterClrMapping/>
   </p:clrMapOvr>
-  <p:timing>
-    <p:tnLst>
-      <p:par>
-        <p:cTn id="1" dur="indefinite" restart="never" nodeType="tmRoot"/>
-      </p:par>
-    </p:tnLst>
-  </p:timing>
 </p:sld>
 </file>
 
@@ -29828,9 +29618,9 @@
         <p:grpSpPr>
           <a:xfrm>
             <a:off x="2915816" y="1196752"/>
-            <a:ext cx="1329210" cy="864096"/>
+            <a:ext cx="1072730" cy="864096"/>
             <a:chOff x="2555776" y="4149080"/>
-            <a:chExt cx="1329210" cy="864096"/>
+            <a:chExt cx="1072730" cy="864096"/>
           </a:xfrm>
         </p:grpSpPr>
         <p:cxnSp>
@@ -29879,7 +29669,7 @@
           <p:spPr>
             <a:xfrm>
               <a:off x="2555776" y="4149080"/>
-              <a:ext cx="1329210" cy="584775"/>
+              <a:ext cx="1072730" cy="584775"/>
             </a:xfrm>
             <a:prstGeom prst="rect">
               <a:avLst/>
@@ -29893,12 +29683,12 @@
             <a:lstStyle/>
             <a:p>
               <a:r>
-                <a:rPr kumimoji="1" lang="en-US" altLang="ja-JP" sz="3200" dirty="0" smtClean="0">
+                <a:rPr kumimoji="1" lang="en-US" altLang="ja-JP" sz="3200" dirty="0">
                   <a:solidFill>
                     <a:srgbClr val="00B050"/>
                   </a:solidFill>
                 </a:rPr>
-                <a:t>master</a:t>
+                <a:t>main</a:t>
               </a:r>
               <a:endParaRPr kumimoji="1" lang="ja-JP" altLang="en-US" sz="3200" dirty="0">
                 <a:solidFill>
@@ -29932,7 +29722,7 @@
           <a:lstStyle/>
           <a:p>
             <a:r>
-              <a:rPr kumimoji="1" lang="en-US" altLang="ja-JP" sz="3200" dirty="0" smtClean="0">
+              <a:rPr kumimoji="1" lang="en-US" altLang="ja-JP" sz="3200" dirty="0">
                 <a:solidFill>
                   <a:srgbClr val="FF0000"/>
                 </a:solidFill>
@@ -30003,7 +29793,7 @@
           <a:lstStyle/>
           <a:p>
             <a:r>
-              <a:rPr kumimoji="1" lang="en-US" altLang="ja-JP" sz="3200" dirty="0" smtClean="0"/>
+              <a:rPr kumimoji="1" lang="en-US" altLang="ja-JP" sz="3200" dirty="0"/>
               <a:t>HEAD</a:t>
             </a:r>
             <a:endParaRPr kumimoji="1" lang="ja-JP" altLang="en-US" sz="3200" dirty="0"/>
@@ -30072,7 +29862,7 @@
           <a:lstStyle/>
           <a:p>
             <a:r>
-              <a:rPr kumimoji="1" lang="en-US" altLang="ja-JP" sz="3200" dirty="0" smtClean="0">
+              <a:rPr kumimoji="1" lang="en-US" altLang="ja-JP" sz="3200" dirty="0">
                 <a:solidFill>
                   <a:schemeClr val="bg1">
                     <a:lumMod val="85000"/>
@@ -30155,12 +29945,8 @@
           <a:lstStyle/>
           <a:p>
             <a:r>
-              <a:rPr kumimoji="1" lang="en-US" altLang="ja-JP" sz="2800" dirty="0" err="1" smtClean="0"/>
-              <a:t>git</a:t>
-            </a:r>
-            <a:r>
-              <a:rPr kumimoji="1" lang="en-US" altLang="ja-JP" sz="2800" dirty="0" smtClean="0"/>
-              <a:t> checkout master</a:t>
+              <a:rPr kumimoji="1" lang="en-US" altLang="ja-JP" sz="2800" dirty="0"/>
+              <a:t>git checkout main</a:t>
             </a:r>
             <a:endParaRPr kumimoji="1" lang="ja-JP" altLang="en-US" sz="2800" dirty="0"/>
           </a:p>
@@ -30175,7 +29961,7 @@
         <p:spPr>
           <a:xfrm>
             <a:off x="4572000" y="2276872"/>
-            <a:ext cx="3464410" cy="400110"/>
+            <a:ext cx="3305713" cy="400110"/>
           </a:xfrm>
           <a:prstGeom prst="rect">
             <a:avLst/>
@@ -30189,15 +29975,15 @@
           <a:lstStyle/>
           <a:p>
             <a:r>
-              <a:rPr lang="ja-JP" altLang="en-US" sz="2000" dirty="0" smtClean="0"/>
+              <a:rPr lang="ja-JP" altLang="en-US" sz="2000" dirty="0"/>
               <a:t>まず、</a:t>
             </a:r>
             <a:r>
-              <a:rPr lang="en-US" altLang="ja-JP" sz="2000" dirty="0" smtClean="0"/>
-              <a:t>master</a:t>
-            </a:r>
-            <a:r>
-              <a:rPr lang="ja-JP" altLang="en-US" sz="2000" dirty="0" smtClean="0"/>
+              <a:rPr lang="en-US" altLang="ja-JP" sz="2000" dirty="0"/>
+              <a:t>main</a:t>
+            </a:r>
+            <a:r>
+              <a:rPr lang="ja-JP" altLang="en-US" sz="2000" dirty="0"/>
               <a:t>ブランチに移る</a:t>
             </a:r>
             <a:endParaRPr kumimoji="1" lang="ja-JP" altLang="en-US" sz="2000" dirty="0"/>
@@ -30227,11 +30013,11 @@
           <a:lstStyle/>
           <a:p>
             <a:r>
-              <a:rPr kumimoji="1" lang="en-US" altLang="ja-JP" sz="2800" dirty="0" err="1" smtClean="0"/>
+              <a:rPr kumimoji="1" lang="en-US" altLang="ja-JP" sz="2800" dirty="0" err="1"/>
               <a:t>git</a:t>
             </a:r>
             <a:r>
-              <a:rPr kumimoji="1" lang="en-US" altLang="ja-JP" sz="2800" dirty="0" smtClean="0"/>
+              <a:rPr kumimoji="1" lang="en-US" altLang="ja-JP" sz="2800" dirty="0"/>
               <a:t> merge branch</a:t>
             </a:r>
             <a:endParaRPr kumimoji="1" lang="ja-JP" altLang="en-US" sz="2800" dirty="0"/>
@@ -30265,14 +30051,14 @@
               <a:buAutoNum type="arabicPeriod"/>
             </a:pPr>
             <a:r>
-              <a:rPr lang="en-US" altLang="ja-JP" sz="2400" dirty="0" smtClean="0"/>
+              <a:rPr lang="en-US" altLang="ja-JP" sz="2400" dirty="0"/>
               <a:t>branch</a:t>
             </a:r>
             <a:r>
-              <a:rPr lang="ja-JP" altLang="en-US" sz="2400" dirty="0" smtClean="0"/>
+              <a:rPr lang="ja-JP" altLang="en-US" sz="2400" dirty="0"/>
               <a:t>の修正を取り込み</a:t>
             </a:r>
-            <a:endParaRPr lang="en-US" altLang="ja-JP" sz="2400" dirty="0" smtClean="0"/>
+            <a:endParaRPr lang="en-US" altLang="ja-JP" sz="2400" dirty="0"/>
           </a:p>
           <a:p>
             <a:pPr marL="457200" indent="-457200">
@@ -30281,13 +30067,9 @@
             </a:pPr>
             <a:r>
               <a:rPr kumimoji="1" lang="ja-JP" altLang="en-US" sz="2400" dirty="0"/>
-              <a:t>新</a:t>
-            </a:r>
-            <a:r>
-              <a:rPr kumimoji="1" lang="ja-JP" altLang="en-US" sz="2400" dirty="0" smtClean="0"/>
-              <a:t>たなコミットができて</a:t>
-            </a:r>
-            <a:endParaRPr kumimoji="1" lang="en-US" altLang="ja-JP" sz="2400" dirty="0" smtClean="0"/>
+              <a:t>新たなコミットができて</a:t>
+            </a:r>
+            <a:endParaRPr kumimoji="1" lang="en-US" altLang="ja-JP" sz="2400" dirty="0"/>
           </a:p>
           <a:p>
             <a:pPr marL="457200" indent="-457200">
@@ -30295,11 +30077,11 @@
               <a:buAutoNum type="arabicPeriod"/>
             </a:pPr>
             <a:r>
-              <a:rPr lang="en-US" altLang="ja-JP" sz="2400" dirty="0" smtClean="0"/>
-              <a:t>master/HEAD</a:t>
-            </a:r>
-            <a:r>
-              <a:rPr lang="ja-JP" altLang="en-US" sz="2400" dirty="0" smtClean="0"/>
+              <a:rPr lang="en-US" altLang="ja-JP" sz="2400" dirty="0"/>
+              <a:t>main/HEAD</a:t>
+            </a:r>
+            <a:r>
+              <a:rPr lang="ja-JP" altLang="en-US" sz="2400" dirty="0"/>
               <a:t>がそこを指す</a:t>
             </a:r>
             <a:endParaRPr kumimoji="1" lang="ja-JP" altLang="en-US" sz="2400" dirty="0"/>
@@ -31031,7 +30813,7 @@
           <a:lstStyle/>
           <a:p>
             <a:r>
-              <a:rPr kumimoji="1" lang="en-US" altLang="ja-JP" sz="3200" dirty="0" smtClean="0">
+              <a:rPr kumimoji="1" lang="en-US" altLang="ja-JP" sz="3200" dirty="0">
                 <a:solidFill>
                   <a:srgbClr val="FF0000"/>
                 </a:solidFill>
@@ -31088,9 +30870,9 @@
         <p:grpSpPr>
           <a:xfrm>
             <a:off x="3635896" y="4077072"/>
-            <a:ext cx="1329210" cy="1008112"/>
+            <a:ext cx="1072730" cy="1008112"/>
             <a:chOff x="2555776" y="4149080"/>
-            <a:chExt cx="1329210" cy="864096"/>
+            <a:chExt cx="1072730" cy="864096"/>
           </a:xfrm>
         </p:grpSpPr>
         <p:cxnSp>
@@ -31139,7 +30921,7 @@
           <p:spPr>
             <a:xfrm>
               <a:off x="2555776" y="4149080"/>
-              <a:ext cx="1329210" cy="584775"/>
+              <a:ext cx="1072730" cy="501236"/>
             </a:xfrm>
             <a:prstGeom prst="rect">
               <a:avLst/>
@@ -31153,12 +30935,12 @@
             <a:lstStyle/>
             <a:p>
               <a:r>
-                <a:rPr kumimoji="1" lang="en-US" altLang="ja-JP" sz="3200" dirty="0" smtClean="0">
+                <a:rPr kumimoji="1" lang="en-US" altLang="ja-JP" sz="3200" dirty="0">
                   <a:solidFill>
                     <a:srgbClr val="00B050"/>
                   </a:solidFill>
                 </a:rPr>
-                <a:t>master</a:t>
+                <a:t>main</a:t>
               </a:r>
               <a:endParaRPr kumimoji="1" lang="ja-JP" altLang="en-US" sz="3200" dirty="0">
                 <a:solidFill>
@@ -31192,7 +30974,7 @@
           <a:lstStyle/>
           <a:p>
             <a:r>
-              <a:rPr kumimoji="1" lang="en-US" altLang="ja-JP" sz="3200" dirty="0" smtClean="0"/>
+              <a:rPr kumimoji="1" lang="en-US" altLang="ja-JP" sz="3200" dirty="0"/>
               <a:t>HEAD</a:t>
             </a:r>
             <a:endParaRPr kumimoji="1" lang="ja-JP" altLang="en-US" sz="3200" dirty="0"/>
@@ -31248,13 +31030,6 @@
   <p:clrMapOvr>
     <a:masterClrMapping/>
   </p:clrMapOvr>
-  <p:timing>
-    <p:tnLst>
-      <p:par>
-        <p:cTn id="1" dur="indefinite" restart="never" nodeType="tmRoot"/>
-      </p:par>
-    </p:tnLst>
-  </p:timing>
 </p:sld>
 </file>
 
@@ -31291,7 +31066,7 @@
           <a:lstStyle/>
           <a:p>
             <a:r>
-              <a:rPr lang="ja-JP" altLang="en-US" dirty="0" smtClean="0"/>
+              <a:rPr lang="ja-JP" altLang="en-US" dirty="0"/>
               <a:t>なぜブランチを使うか？</a:t>
             </a:r>
             <a:endParaRPr kumimoji="1" lang="ja-JP" altLang="en-US" dirty="0"/>
@@ -31321,11 +31096,11 @@
           <a:lstStyle/>
           <a:p>
             <a:r>
-              <a:rPr lang="en-US" altLang="ja-JP" sz="3200" dirty="0" smtClean="0"/>
+              <a:rPr lang="en-US" altLang="ja-JP" sz="3200" dirty="0"/>
               <a:t>A. </a:t>
             </a:r>
             <a:r>
-              <a:rPr lang="ja-JP" altLang="en-US" sz="3200" dirty="0" smtClean="0"/>
+              <a:rPr lang="ja-JP" altLang="en-US" sz="3200" dirty="0"/>
               <a:t>「修正」をまとめるため</a:t>
             </a:r>
             <a:endParaRPr kumimoji="1" lang="ja-JP" altLang="en-US" sz="3200" dirty="0"/>
@@ -31355,19 +31130,15 @@
           <a:lstStyle/>
           <a:p>
             <a:r>
-              <a:rPr lang="en-US" altLang="ja-JP" sz="2800" dirty="0" smtClean="0"/>
-              <a:t>master</a:t>
+              <a:rPr lang="en-US" altLang="ja-JP" sz="2800" dirty="0"/>
+              <a:t>main</a:t>
             </a:r>
             <a:r>
               <a:rPr lang="ja-JP" altLang="en-US" sz="2800" dirty="0"/>
-              <a:t>ブランチだけで作業している</a:t>
-            </a:r>
-            <a:r>
-              <a:rPr lang="ja-JP" altLang="en-US" sz="2800" dirty="0" smtClean="0"/>
-              <a:t>と</a:t>
-            </a:r>
-            <a:r>
-              <a:rPr lang="en-US" altLang="ja-JP" sz="2800" dirty="0" smtClean="0"/>
+              <a:t>ブランチだけで作業していると</a:t>
+            </a:r>
+            <a:r>
+              <a:rPr lang="en-US" altLang="ja-JP" sz="2800" dirty="0"/>
               <a:t>…</a:t>
             </a:r>
             <a:endParaRPr lang="ja-JP" altLang="en-US" sz="2800" dirty="0"/>
@@ -32305,9 +32076,9 @@
         <p:grpSpPr>
           <a:xfrm>
             <a:off x="323528" y="3068960"/>
-            <a:ext cx="2913386" cy="864096"/>
+            <a:ext cx="2656906" cy="864096"/>
             <a:chOff x="971600" y="4149080"/>
-            <a:chExt cx="2913386" cy="864096"/>
+            <a:chExt cx="2656906" cy="864096"/>
           </a:xfrm>
         </p:grpSpPr>
         <p:cxnSp>
@@ -32356,7 +32127,7 @@
           <p:spPr>
             <a:xfrm>
               <a:off x="2555776" y="4149080"/>
-              <a:ext cx="1329210" cy="584775"/>
+              <a:ext cx="1072730" cy="584775"/>
             </a:xfrm>
             <a:prstGeom prst="rect">
               <a:avLst/>
@@ -32370,12 +32141,12 @@
             <a:lstStyle/>
             <a:p>
               <a:r>
-                <a:rPr kumimoji="1" lang="en-US" altLang="ja-JP" sz="3200" dirty="0" smtClean="0">
+                <a:rPr kumimoji="1" lang="en-US" altLang="ja-JP" sz="3200" dirty="0">
                   <a:solidFill>
                     <a:srgbClr val="00B050"/>
                   </a:solidFill>
                 </a:rPr>
-                <a:t>master</a:t>
+                <a:t>main</a:t>
               </a:r>
               <a:endParaRPr kumimoji="1" lang="ja-JP" altLang="en-US" sz="3200" dirty="0">
                 <a:solidFill>
@@ -32408,7 +32179,7 @@
             <a:lstStyle/>
             <a:p>
               <a:r>
-                <a:rPr kumimoji="1" lang="en-US" altLang="ja-JP" sz="3200" dirty="0" smtClean="0"/>
+                <a:rPr kumimoji="1" lang="en-US" altLang="ja-JP" sz="3200" dirty="0"/>
                 <a:t>HEAD</a:t>
               </a:r>
               <a:endParaRPr kumimoji="1" lang="ja-JP" altLang="en-US" sz="3200" dirty="0"/>
@@ -32464,9 +32235,9 @@
         <p:grpSpPr>
           <a:xfrm>
             <a:off x="2483768" y="5301208"/>
-            <a:ext cx="2913386" cy="864096"/>
+            <a:ext cx="2656906" cy="864096"/>
             <a:chOff x="971600" y="4149080"/>
-            <a:chExt cx="2913386" cy="864096"/>
+            <a:chExt cx="2656906" cy="864096"/>
           </a:xfrm>
         </p:grpSpPr>
         <p:cxnSp>
@@ -32515,7 +32286,7 @@
           <p:spPr>
             <a:xfrm>
               <a:off x="2555776" y="4149080"/>
-              <a:ext cx="1329210" cy="584775"/>
+              <a:ext cx="1072730" cy="584775"/>
             </a:xfrm>
             <a:prstGeom prst="rect">
               <a:avLst/>
@@ -32529,12 +32300,12 @@
             <a:lstStyle/>
             <a:p>
               <a:r>
-                <a:rPr kumimoji="1" lang="en-US" altLang="ja-JP" sz="3200" dirty="0" smtClean="0">
+                <a:rPr kumimoji="1" lang="en-US" altLang="ja-JP" sz="3200" dirty="0">
                   <a:solidFill>
                     <a:srgbClr val="00B050"/>
                   </a:solidFill>
                 </a:rPr>
-                <a:t>master</a:t>
+                <a:t>main</a:t>
               </a:r>
               <a:endParaRPr kumimoji="1" lang="ja-JP" altLang="en-US" sz="3200" dirty="0">
                 <a:solidFill>
@@ -32567,7 +32338,7 @@
             <a:lstStyle/>
             <a:p>
               <a:r>
-                <a:rPr kumimoji="1" lang="en-US" altLang="ja-JP" sz="3200" dirty="0" smtClean="0"/>
+                <a:rPr kumimoji="1" lang="en-US" altLang="ja-JP" sz="3200" dirty="0"/>
                 <a:t>HEAD</a:t>
               </a:r>
               <a:endParaRPr kumimoji="1" lang="ja-JP" altLang="en-US" sz="3200" dirty="0"/>
@@ -32685,26 +32456,25 @@
           <a:lstStyle/>
           <a:p>
             <a:r>
-              <a:rPr kumimoji="1" lang="ja-JP" altLang="en-US" sz="2000" dirty="0" smtClean="0"/>
+              <a:rPr kumimoji="1" lang="ja-JP" altLang="en-US" sz="2000" dirty="0"/>
               <a:t>機能</a:t>
             </a:r>
             <a:r>
-              <a:rPr kumimoji="1" lang="en-US" altLang="ja-JP" sz="2000" dirty="0" smtClean="0"/>
+              <a:rPr kumimoji="1" lang="en-US" altLang="ja-JP" sz="2000" dirty="0"/>
               <a:t>A</a:t>
             </a:r>
             <a:r>
-              <a:rPr kumimoji="1" lang="ja-JP" altLang="en-US" sz="2000" dirty="0" smtClean="0"/>
+              <a:rPr kumimoji="1" lang="ja-JP" altLang="en-US" sz="2000" dirty="0"/>
               <a:t>と機能</a:t>
             </a:r>
             <a:r>
-              <a:rPr kumimoji="1" lang="en-US" altLang="ja-JP" sz="2000" dirty="0" smtClean="0"/>
+              <a:rPr kumimoji="1" lang="en-US" altLang="ja-JP" sz="2000" dirty="0"/>
               <a:t>B</a:t>
             </a:r>
             <a:r>
-              <a:rPr kumimoji="1" lang="ja-JP" altLang="en-US" sz="2000" dirty="0" smtClean="0"/>
+              <a:rPr kumimoji="1" lang="ja-JP" altLang="en-US" sz="2000" dirty="0"/>
               <a:t>を実装するぞ</a:t>
             </a:r>
-            <a:endParaRPr kumimoji="1" lang="ja-JP" altLang="en-US" sz="2000" dirty="0"/>
           </a:p>
         </p:txBody>
       </p:sp>
@@ -32731,34 +32501,34 @@
           <a:lstStyle/>
           <a:p>
             <a:r>
-              <a:rPr kumimoji="1" lang="ja-JP" altLang="en-US" dirty="0" smtClean="0"/>
+              <a:rPr kumimoji="1" lang="ja-JP" altLang="en-US" dirty="0"/>
               <a:t>機能</a:t>
             </a:r>
             <a:r>
-              <a:rPr kumimoji="1" lang="en-US" altLang="ja-JP" dirty="0" smtClean="0"/>
+              <a:rPr kumimoji="1" lang="en-US" altLang="ja-JP" dirty="0"/>
               <a:t>B</a:t>
             </a:r>
             <a:r>
-              <a:rPr kumimoji="1" lang="ja-JP" altLang="en-US" dirty="0" smtClean="0"/>
+              <a:rPr kumimoji="1" lang="ja-JP" altLang="en-US" dirty="0"/>
               <a:t>がバグ</a:t>
             </a:r>
             <a:r>
-              <a:rPr kumimoji="1" lang="ja-JP" altLang="en-US" dirty="0" err="1" smtClean="0"/>
+              <a:rPr kumimoji="1" lang="ja-JP" altLang="en-US" dirty="0" err="1"/>
               <a:t>っ</a:t>
             </a:r>
             <a:r>
-              <a:rPr kumimoji="1" lang="ja-JP" altLang="en-US" dirty="0" smtClean="0"/>
+              <a:rPr kumimoji="1" lang="ja-JP" altLang="en-US" dirty="0"/>
               <a:t>たんだけど、</a:t>
             </a:r>
-            <a:endParaRPr kumimoji="1" lang="en-US" altLang="ja-JP" dirty="0" smtClean="0"/>
-          </a:p>
-          <a:p>
-            <a:r>
-              <a:rPr kumimoji="1" lang="ja-JP" altLang="en-US" dirty="0" smtClean="0"/>
+            <a:endParaRPr kumimoji="1" lang="en-US" altLang="ja-JP" dirty="0"/>
+          </a:p>
+          <a:p>
+            <a:r>
+              <a:rPr kumimoji="1" lang="ja-JP" altLang="en-US" dirty="0"/>
               <a:t>何が原因かわからない</a:t>
             </a:r>
             <a:r>
-              <a:rPr kumimoji="1" lang="en-US" altLang="ja-JP" dirty="0" smtClean="0"/>
+              <a:rPr kumimoji="1" lang="en-US" altLang="ja-JP" dirty="0"/>
               <a:t>…</a:t>
             </a:r>
           </a:p>
@@ -32815,13 +32585,6 @@
   <p:clrMapOvr>
     <a:masterClrMapping/>
   </p:clrMapOvr>
-  <p:timing>
-    <p:tnLst>
-      <p:par>
-        <p:cTn id="1" dur="indefinite" restart="never" nodeType="tmRoot"/>
-      </p:par>
-    </p:tnLst>
-  </p:timing>
 </p:sld>
 </file>
 
@@ -32887,10 +32650,9 @@
           <a:lstStyle/>
           <a:p>
             <a:r>
-              <a:rPr lang="ja-JP" altLang="en-US" sz="2800" dirty="0" smtClean="0"/>
+              <a:rPr lang="ja-JP" altLang="en-US" sz="2800" dirty="0"/>
               <a:t>「まとまり」ごとにブランチを分けて作業</a:t>
             </a:r>
-            <a:endParaRPr lang="ja-JP" altLang="en-US" sz="2800" dirty="0"/>
           </a:p>
         </p:txBody>
       </p:sp>
@@ -33213,9 +32975,9 @@
         <p:grpSpPr>
           <a:xfrm>
             <a:off x="1763688" y="2420888"/>
-            <a:ext cx="1329210" cy="864096"/>
+            <a:ext cx="1072730" cy="864096"/>
             <a:chOff x="2555776" y="4149080"/>
-            <a:chExt cx="1329210" cy="864096"/>
+            <a:chExt cx="1072730" cy="864096"/>
           </a:xfrm>
         </p:grpSpPr>
         <p:cxnSp>
@@ -33264,7 +33026,7 @@
           <p:spPr>
             <a:xfrm>
               <a:off x="2555776" y="4149080"/>
-              <a:ext cx="1329210" cy="584775"/>
+              <a:ext cx="1072730" cy="584775"/>
             </a:xfrm>
             <a:prstGeom prst="rect">
               <a:avLst/>
@@ -33278,12 +33040,12 @@
             <a:lstStyle/>
             <a:p>
               <a:r>
-                <a:rPr kumimoji="1" lang="en-US" altLang="ja-JP" sz="3200" dirty="0" smtClean="0">
+                <a:rPr kumimoji="1" lang="en-US" altLang="ja-JP" sz="3200" dirty="0">
                   <a:solidFill>
                     <a:srgbClr val="00B050"/>
                   </a:solidFill>
                 </a:rPr>
-                <a:t>master</a:t>
+                <a:t>main</a:t>
               </a:r>
               <a:endParaRPr kumimoji="1" lang="ja-JP" altLang="en-US" sz="3200" dirty="0">
                 <a:solidFill>
@@ -33666,7 +33428,7 @@
           <a:lstStyle/>
           <a:p>
             <a:r>
-              <a:rPr lang="en-US" altLang="ja-JP" sz="3200" dirty="0" err="1" smtClean="0">
+              <a:rPr lang="en-US" altLang="ja-JP" sz="3200" dirty="0" err="1">
                 <a:solidFill>
                   <a:srgbClr val="FF0000"/>
                 </a:solidFill>
@@ -33778,7 +33540,7 @@
           <a:lstStyle/>
           <a:p>
             <a:r>
-              <a:rPr lang="en-US" altLang="ja-JP" sz="3200" dirty="0" err="1" smtClean="0">
+              <a:rPr lang="en-US" altLang="ja-JP" sz="3200" dirty="0" err="1">
                 <a:solidFill>
                   <a:srgbClr val="FF0000"/>
                 </a:solidFill>
@@ -33857,42 +33619,38 @@
           <a:lstStyle/>
           <a:p>
             <a:r>
-              <a:rPr kumimoji="1" lang="ja-JP" altLang="en-US" dirty="0" smtClean="0"/>
+              <a:rPr kumimoji="1" lang="ja-JP" altLang="en-US" dirty="0"/>
               <a:t>機能</a:t>
             </a:r>
             <a:r>
-              <a:rPr kumimoji="1" lang="en-US" altLang="ja-JP" dirty="0" smtClean="0"/>
+              <a:rPr kumimoji="1" lang="en-US" altLang="ja-JP" dirty="0"/>
               <a:t>B</a:t>
             </a:r>
             <a:r>
-              <a:rPr kumimoji="1" lang="ja-JP" altLang="en-US" dirty="0" smtClean="0"/>
+              <a:rPr kumimoji="1" lang="ja-JP" altLang="en-US" dirty="0"/>
               <a:t>でバグ</a:t>
             </a:r>
             <a:r>
-              <a:rPr kumimoji="1" lang="ja-JP" altLang="en-US" dirty="0" err="1" smtClean="0"/>
+              <a:rPr kumimoji="1" lang="ja-JP" altLang="en-US" dirty="0" err="1"/>
               <a:t>った</a:t>
             </a:r>
             <a:r>
-              <a:rPr kumimoji="1" lang="ja-JP" altLang="en-US" dirty="0" smtClean="0"/>
+              <a:rPr kumimoji="1" lang="ja-JP" altLang="en-US" dirty="0"/>
               <a:t>けど、</a:t>
             </a:r>
-            <a:endParaRPr kumimoji="1" lang="en-US" altLang="ja-JP" dirty="0" smtClean="0"/>
+            <a:endParaRPr kumimoji="1" lang="en-US" altLang="ja-JP" dirty="0"/>
           </a:p>
           <a:p>
             <a:r>
               <a:rPr lang="ja-JP" altLang="en-US" dirty="0"/>
-              <a:t>少</a:t>
-            </a:r>
-            <a:r>
-              <a:rPr lang="ja-JP" altLang="en-US" dirty="0" smtClean="0"/>
-              <a:t>なくとも機能</a:t>
-            </a:r>
-            <a:r>
-              <a:rPr lang="en-US" altLang="ja-JP" dirty="0" smtClean="0"/>
+              <a:t>少なくとも機能</a:t>
+            </a:r>
+            <a:r>
+              <a:rPr lang="en-US" altLang="ja-JP" dirty="0"/>
               <a:t>A</a:t>
             </a:r>
             <a:r>
-              <a:rPr lang="ja-JP" altLang="en-US" dirty="0" smtClean="0"/>
+              <a:rPr lang="ja-JP" altLang="en-US" dirty="0"/>
               <a:t>は無関係</a:t>
             </a:r>
             <a:endParaRPr kumimoji="1" lang="ja-JP" altLang="en-US" dirty="0"/>
@@ -33922,46 +33680,30 @@
           <a:lstStyle/>
           <a:p>
             <a:r>
-              <a:rPr lang="ja-JP" altLang="en-US" sz="2800">
+              <a:rPr lang="ja-JP" altLang="en-US" sz="2800" dirty="0">
                 <a:solidFill>
                   <a:srgbClr val="FF0000"/>
                 </a:solidFill>
               </a:rPr>
-              <a:t>原則</a:t>
-            </a:r>
-            <a:r>
-              <a:rPr lang="ja-JP" altLang="en-US" sz="2800">
+              <a:t>原則として</a:t>
+            </a:r>
+            <a:r>
+              <a:rPr lang="en-US" altLang="ja-JP" sz="2800" dirty="0">
                 <a:solidFill>
                   <a:srgbClr val="FF0000"/>
                 </a:solidFill>
               </a:rPr>
-              <a:t>と</a:t>
-            </a:r>
-            <a:r>
-              <a:rPr lang="ja-JP" altLang="en-US" sz="2800" smtClean="0">
-                <a:solidFill>
-                  <a:srgbClr val="FF0000"/>
-                </a:solidFill>
-              </a:rPr>
-              <a:t>して</a:t>
-            </a:r>
-            <a:r>
-              <a:rPr lang="en-US" altLang="ja-JP" sz="2800" smtClean="0">
-                <a:solidFill>
-                  <a:srgbClr val="FF0000"/>
-                </a:solidFill>
-              </a:rPr>
-              <a:t>master</a:t>
-            </a:r>
-            <a:r>
-              <a:rPr lang="ja-JP" altLang="en-US" sz="2800" smtClean="0">
+              <a:t>main</a:t>
+            </a:r>
+            <a:r>
+              <a:rPr lang="ja-JP" altLang="en-US" sz="2800" dirty="0">
                 <a:solidFill>
                   <a:srgbClr val="FF0000"/>
                 </a:solidFill>
               </a:rPr>
               <a:t>で作業しない</a:t>
             </a:r>
-            <a:endParaRPr lang="en-US" altLang="ja-JP" sz="2800" smtClean="0">
+            <a:endParaRPr lang="en-US" altLang="ja-JP" sz="2800" dirty="0">
               <a:solidFill>
                 <a:srgbClr val="FF0000"/>
               </a:solidFill>
@@ -33969,19 +33711,19 @@
           </a:p>
           <a:p>
             <a:r>
-              <a:rPr lang="ja-JP" altLang="en-US" sz="2800" smtClean="0"/>
+              <a:rPr lang="ja-JP" altLang="en-US" sz="2800" dirty="0"/>
               <a:t>ブランチで作業し、テスト後に</a:t>
             </a:r>
             <a:r>
-              <a:rPr lang="en-US" altLang="ja-JP" sz="2800" smtClean="0"/>
-              <a:t>master</a:t>
-            </a:r>
-            <a:r>
-              <a:rPr lang="ja-JP" altLang="en-US" sz="2800" smtClean="0"/>
+              <a:rPr lang="en-US" altLang="ja-JP" sz="2800" dirty="0"/>
+              <a:t>main</a:t>
+            </a:r>
+            <a:r>
+              <a:rPr lang="ja-JP" altLang="en-US" sz="2800" dirty="0"/>
               <a:t>に</a:t>
             </a:r>
             <a:r>
-              <a:rPr lang="en-US" altLang="ja-JP" sz="2800" smtClean="0"/>
+              <a:rPr lang="en-US" altLang="ja-JP" sz="2800" dirty="0"/>
               <a:t>merge</a:t>
             </a:r>
           </a:p>
@@ -33997,13 +33739,6 @@
   <p:clrMapOvr>
     <a:masterClrMapping/>
   </p:clrMapOvr>
-  <p:timing>
-    <p:tnLst>
-      <p:par>
-        <p:cTn id="1" dur="indefinite" restart="never" nodeType="tmRoot"/>
-      </p:par>
-    </p:tnLst>
-  </p:timing>
 </p:sld>
 </file>
 
@@ -34040,7 +33775,7 @@
           <a:lstStyle/>
           <a:p>
             <a:r>
-              <a:rPr lang="ja-JP" altLang="en-US" dirty="0" smtClean="0"/>
+              <a:rPr lang="ja-JP" altLang="en-US" dirty="0"/>
               <a:t>バージョン管理システムのご利益</a:t>
             </a:r>
             <a:endParaRPr kumimoji="1" lang="ja-JP" altLang="en-US" dirty="0"/>
@@ -34070,22 +33805,13 @@
           <a:lstStyle/>
           <a:p>
             <a:r>
-              <a:rPr lang="ja-JP" altLang="en-US" sz="2000" dirty="0" smtClean="0"/>
+              <a:rPr lang="ja-JP" altLang="en-US" sz="2000" dirty="0"/>
               <a:t>機能</a:t>
             </a:r>
             <a:r>
-              <a:rPr kumimoji="1" lang="ja-JP" altLang="en-US" sz="2000" dirty="0" smtClean="0"/>
-              <a:t>を追加し、</a:t>
-            </a:r>
-            <a:r>
               <a:rPr kumimoji="1" lang="ja-JP" altLang="en-US" sz="2000" dirty="0"/>
-              <a:t>別のインプットを与えたら計算が</a:t>
-            </a:r>
-            <a:r>
-              <a:rPr kumimoji="1" lang="ja-JP" altLang="en-US" sz="2000" dirty="0" smtClean="0"/>
-              <a:t>失敗した</a:t>
-            </a:r>
-            <a:endParaRPr kumimoji="1" lang="ja-JP" altLang="en-US" sz="2000" dirty="0"/>
+              <a:t>を追加し、別のインプットを与えたら計算が失敗した</a:t>
+            </a:r>
           </a:p>
         </p:txBody>
       </p:sp>
@@ -34112,20 +33838,8 @@
           <a:lstStyle/>
           <a:p>
             <a:r>
-              <a:rPr lang="ja-JP" altLang="en-US" sz="2000" dirty="0" smtClean="0"/>
-              <a:t>→機能</a:t>
-            </a:r>
-            <a:r>
               <a:rPr lang="ja-JP" altLang="en-US" sz="2000" dirty="0"/>
-              <a:t>を追加したことによるバグ</a:t>
-            </a:r>
-            <a:r>
-              <a:rPr lang="ja-JP" altLang="en-US" sz="2000" dirty="0" smtClean="0"/>
-              <a:t>？もともと</a:t>
-            </a:r>
-            <a:r>
-              <a:rPr lang="ja-JP" altLang="en-US" sz="2000" dirty="0"/>
-              <a:t>バグっていたものが顕在化？</a:t>
+              <a:t>→機能を追加したことによるバグ？もともとバグっていたものが顕在化？</a:t>
             </a:r>
             <a:endParaRPr lang="en-US" altLang="ja-JP" sz="2000" dirty="0"/>
           </a:p>
@@ -34909,7 +34623,7 @@
           <a:lstStyle/>
           <a:p>
             <a:r>
-              <a:rPr lang="ja-JP" altLang="en-US" sz="2000" dirty="0" smtClean="0">
+              <a:rPr lang="ja-JP" altLang="en-US" sz="2000" dirty="0">
                 <a:solidFill>
                   <a:srgbClr val="FF0000"/>
                 </a:solidFill>
@@ -34917,12 +34631,8 @@
               <a:t>機能追加前</a:t>
             </a:r>
             <a:r>
-              <a:rPr lang="ja-JP" altLang="en-US" sz="2000" dirty="0" smtClean="0"/>
-              <a:t>の</a:t>
-            </a:r>
-            <a:r>
               <a:rPr lang="ja-JP" altLang="en-US" sz="2000" dirty="0"/>
-              <a:t>ソースを取って来て、</a:t>
+              <a:t>のソースを取って来て、</a:t>
             </a:r>
             <a:r>
               <a:rPr lang="en-US" altLang="ja-JP" sz="2000" dirty="0">
@@ -35465,7 +35175,7 @@
           <a:lstStyle/>
           <a:p>
             <a:r>
-              <a:rPr kumimoji="1" lang="ja-JP" altLang="en-US" sz="2000" dirty="0" smtClean="0"/>
+              <a:rPr kumimoji="1" lang="ja-JP" altLang="en-US" sz="2000" dirty="0"/>
               <a:t>もともと</a:t>
             </a:r>
             <a:r>
@@ -35473,12 +35183,8 @@
               <a:t>の</a:t>
             </a:r>
             <a:r>
-              <a:rPr kumimoji="1" lang="ja-JP" altLang="en-US" sz="2000" dirty="0" smtClean="0"/>
-              <a:t>バグ</a:t>
-            </a:r>
-            <a:r>
               <a:rPr kumimoji="1" lang="ja-JP" altLang="en-US" sz="2000" dirty="0"/>
-              <a:t>が顕在化した</a:t>
+              <a:t>バグが顕在化した</a:t>
             </a:r>
           </a:p>
         </p:txBody>
@@ -35527,13 +35233,6 @@
   <p:clrMapOvr>
     <a:masterClrMapping/>
   </p:clrMapOvr>
-  <p:timing>
-    <p:tnLst>
-      <p:par>
-        <p:cTn id="1" dur="indefinite" restart="never" nodeType="tmRoot"/>
-      </p:par>
-    </p:tnLst>
-  </p:timing>
 </p:sld>
 </file>
 
@@ -35570,10 +35269,9 @@
           <a:lstStyle/>
           <a:p>
             <a:r>
-              <a:rPr kumimoji="1" lang="ja-JP" altLang="en-US" dirty="0" smtClean="0"/>
+              <a:rPr kumimoji="1" lang="ja-JP" altLang="en-US" dirty="0"/>
               <a:t>リモートリポジトリ</a:t>
             </a:r>
-            <a:endParaRPr kumimoji="1" lang="ja-JP" altLang="en-US" dirty="0"/>
           </a:p>
         </p:txBody>
       </p:sp>
@@ -35600,10 +35298,9 @@
           <a:lstStyle/>
           <a:p>
             <a:r>
-              <a:rPr kumimoji="1" lang="ja-JP" altLang="en-US" sz="2400" dirty="0" smtClean="0"/>
+              <a:rPr kumimoji="1" lang="ja-JP" altLang="en-US" sz="2400" dirty="0"/>
               <a:t>リモートリポジトリとは、データベースだけのリポジトリ</a:t>
             </a:r>
-            <a:endParaRPr kumimoji="1" lang="ja-JP" altLang="en-US" sz="2400" dirty="0"/>
           </a:p>
         </p:txBody>
       </p:sp>
@@ -35630,15 +35327,15 @@
           <a:lstStyle/>
           <a:p>
             <a:r>
-              <a:rPr lang="en-US" altLang="ja-JP" dirty="0" smtClean="0"/>
+              <a:rPr lang="en-US" altLang="ja-JP" dirty="0"/>
               <a:t>(</a:t>
             </a:r>
             <a:r>
-              <a:rPr lang="ja-JP" altLang="en-US" dirty="0" smtClean="0"/>
+              <a:rPr lang="ja-JP" altLang="en-US" dirty="0"/>
               <a:t>ベアリポジトリ</a:t>
             </a:r>
             <a:r>
-              <a:rPr lang="en-US" altLang="ja-JP" dirty="0" smtClean="0"/>
+              <a:rPr lang="en-US" altLang="ja-JP" dirty="0"/>
               <a:t>)</a:t>
             </a:r>
             <a:endParaRPr kumimoji="1" lang="ja-JP" altLang="en-US" dirty="0"/>
@@ -35889,7 +35586,7 @@
           <a:lstStyle/>
           <a:p>
             <a:r>
-              <a:rPr lang="ja-JP" altLang="en-US" sz="2400" dirty="0" smtClean="0"/>
+              <a:rPr lang="ja-JP" altLang="en-US" sz="2400" dirty="0"/>
               <a:t>ローカルリポジトリ</a:t>
             </a:r>
             <a:endParaRPr kumimoji="1" lang="ja-JP" altLang="en-US" sz="2400" dirty="0"/>
@@ -35919,17 +35616,16 @@
           <a:lstStyle/>
           <a:p>
             <a:r>
-              <a:rPr kumimoji="1" lang="ja-JP" altLang="en-US" dirty="0" smtClean="0"/>
+              <a:rPr kumimoji="1" lang="ja-JP" altLang="en-US" dirty="0"/>
               <a:t>データ</a:t>
             </a:r>
-            <a:endParaRPr kumimoji="1" lang="en-US" altLang="ja-JP" dirty="0" smtClean="0"/>
-          </a:p>
-          <a:p>
-            <a:r>
-              <a:rPr kumimoji="1" lang="ja-JP" altLang="en-US" dirty="0" smtClean="0"/>
+            <a:endParaRPr kumimoji="1" lang="en-US" altLang="ja-JP" dirty="0"/>
+          </a:p>
+          <a:p>
+            <a:r>
+              <a:rPr kumimoji="1" lang="ja-JP" altLang="en-US" dirty="0"/>
               <a:t>ベース</a:t>
             </a:r>
-            <a:endParaRPr kumimoji="1" lang="ja-JP" altLang="en-US" dirty="0"/>
           </a:p>
         </p:txBody>
       </p:sp>
@@ -36117,29 +35813,29 @@
           <a:lstStyle/>
           <a:p>
             <a:r>
-              <a:rPr kumimoji="1" lang="ja-JP" altLang="en-US" dirty="0" smtClean="0"/>
+              <a:rPr kumimoji="1" lang="ja-JP" altLang="en-US" dirty="0"/>
               <a:t>管理されている</a:t>
             </a:r>
-            <a:endParaRPr kumimoji="1" lang="en-US" altLang="ja-JP" dirty="0" smtClean="0"/>
-          </a:p>
-          <a:p>
-            <a:r>
-              <a:rPr lang="ja-JP" altLang="en-US" dirty="0" smtClean="0"/>
+            <a:endParaRPr kumimoji="1" lang="en-US" altLang="ja-JP" dirty="0"/>
+          </a:p>
+          <a:p>
+            <a:r>
+              <a:rPr lang="ja-JP" altLang="en-US" dirty="0"/>
               <a:t>ファイルやフォルダ</a:t>
             </a:r>
-            <a:endParaRPr lang="en-US" altLang="ja-JP" dirty="0" smtClean="0"/>
-          </a:p>
-          <a:p>
-            <a:r>
-              <a:rPr kumimoji="1" lang="en-US" altLang="ja-JP" dirty="0" smtClean="0"/>
+            <a:endParaRPr lang="en-US" altLang="ja-JP" dirty="0"/>
+          </a:p>
+          <a:p>
+            <a:r>
+              <a:rPr kumimoji="1" lang="en-US" altLang="ja-JP" dirty="0"/>
               <a:t>(</a:t>
             </a:r>
             <a:r>
-              <a:rPr kumimoji="1" lang="ja-JP" altLang="en-US" dirty="0" smtClean="0"/>
+              <a:rPr kumimoji="1" lang="ja-JP" altLang="en-US" dirty="0"/>
               <a:t>ワーキングツリー</a:t>
             </a:r>
             <a:r>
-              <a:rPr kumimoji="1" lang="en-US" altLang="ja-JP" dirty="0" smtClean="0"/>
+              <a:rPr kumimoji="1" lang="en-US" altLang="ja-JP" dirty="0"/>
               <a:t>)</a:t>
             </a:r>
             <a:endParaRPr kumimoji="1" lang="ja-JP" altLang="en-US" dirty="0"/>
@@ -36211,7 +35907,7 @@
           <a:lstStyle/>
           <a:p>
             <a:r>
-              <a:rPr lang="ja-JP" altLang="en-US" sz="2400" dirty="0" smtClean="0"/>
+              <a:rPr lang="ja-JP" altLang="en-US" sz="2400" dirty="0"/>
               <a:t>リモートリポジトリ</a:t>
             </a:r>
             <a:endParaRPr kumimoji="1" lang="ja-JP" altLang="en-US" sz="2400" dirty="0"/>
@@ -36339,17 +36035,16 @@
           <a:lstStyle/>
           <a:p>
             <a:r>
-              <a:rPr kumimoji="1" lang="ja-JP" altLang="en-US" dirty="0" smtClean="0"/>
+              <a:rPr kumimoji="1" lang="ja-JP" altLang="en-US" dirty="0"/>
               <a:t>データ</a:t>
             </a:r>
-            <a:endParaRPr kumimoji="1" lang="en-US" altLang="ja-JP" dirty="0" smtClean="0"/>
-          </a:p>
-          <a:p>
-            <a:r>
-              <a:rPr kumimoji="1" lang="ja-JP" altLang="en-US" dirty="0" smtClean="0"/>
+            <a:endParaRPr kumimoji="1" lang="en-US" altLang="ja-JP" dirty="0"/>
+          </a:p>
+          <a:p>
+            <a:r>
+              <a:rPr kumimoji="1" lang="ja-JP" altLang="en-US" dirty="0"/>
               <a:t>ベース</a:t>
             </a:r>
-            <a:endParaRPr kumimoji="1" lang="ja-JP" altLang="en-US" dirty="0"/>
           </a:p>
         </p:txBody>
       </p:sp>
@@ -36376,11 +36071,11 @@
           <a:lstStyle/>
           <a:p>
             <a:r>
-              <a:rPr lang="en-US" altLang="ja-JP" dirty="0" smtClean="0"/>
+              <a:rPr lang="en-US" altLang="ja-JP" dirty="0"/>
               <a:t>.</a:t>
             </a:r>
             <a:r>
-              <a:rPr lang="en-US" altLang="ja-JP" dirty="0" err="1" smtClean="0"/>
+              <a:rPr lang="en-US" altLang="ja-JP" dirty="0" err="1"/>
               <a:t>git</a:t>
             </a:r>
             <a:endParaRPr kumimoji="1" lang="ja-JP" altLang="en-US" dirty="0"/>
@@ -36410,11 +36105,11 @@
           <a:lstStyle/>
           <a:p>
             <a:r>
-              <a:rPr lang="en-US" altLang="ja-JP" dirty="0" smtClean="0"/>
+              <a:rPr lang="en-US" altLang="ja-JP" dirty="0"/>
               <a:t>.</a:t>
             </a:r>
             <a:r>
-              <a:rPr lang="en-US" altLang="ja-JP" dirty="0" err="1" smtClean="0"/>
+              <a:rPr lang="en-US" altLang="ja-JP" dirty="0" err="1"/>
               <a:t>git</a:t>
             </a:r>
             <a:endParaRPr kumimoji="1" lang="ja-JP" altLang="en-US" dirty="0"/>
@@ -36444,22 +36139,22 @@
           <a:lstStyle/>
           <a:p>
             <a:r>
-              <a:rPr lang="ja-JP" altLang="en-US" dirty="0" smtClean="0"/>
+              <a:rPr lang="ja-JP" altLang="en-US" dirty="0"/>
               <a:t>ワーキングツリーを含まず</a:t>
             </a:r>
-            <a:endParaRPr lang="en-US" altLang="ja-JP" dirty="0" smtClean="0"/>
-          </a:p>
-          <a:p>
-            <a:r>
-              <a:rPr lang="en-US" altLang="ja-JP" dirty="0" smtClean="0"/>
+            <a:endParaRPr lang="en-US" altLang="ja-JP" dirty="0"/>
+          </a:p>
+          <a:p>
+            <a:r>
+              <a:rPr lang="en-US" altLang="ja-JP" dirty="0"/>
               <a:t>.</a:t>
             </a:r>
             <a:r>
-              <a:rPr lang="en-US" altLang="ja-JP" dirty="0" err="1" smtClean="0"/>
+              <a:rPr lang="en-US" altLang="ja-JP" dirty="0" err="1"/>
               <a:t>git</a:t>
             </a:r>
             <a:r>
-              <a:rPr lang="ja-JP" altLang="en-US" dirty="0" smtClean="0"/>
+              <a:rPr lang="ja-JP" altLang="en-US" dirty="0"/>
               <a:t>ディレクトリだけを含むと思えばよい</a:t>
             </a:r>
             <a:endParaRPr kumimoji="1" lang="ja-JP" altLang="en-US" dirty="0"/>
@@ -36523,13 +36218,6 @@
   <p:clrMapOvr>
     <a:masterClrMapping/>
   </p:clrMapOvr>
-  <p:timing>
-    <p:tnLst>
-      <p:par>
-        <p:cTn id="1" dur="indefinite" restart="never" nodeType="tmRoot"/>
-      </p:par>
-    </p:tnLst>
-  </p:timing>
 </p:sld>
 </file>
 
@@ -36566,11 +36254,11 @@
           <a:lstStyle/>
           <a:p>
             <a:r>
-              <a:rPr lang="en-US" altLang="ja-JP" dirty="0" err="1" smtClean="0"/>
+              <a:rPr lang="en-US" altLang="ja-JP" dirty="0" err="1"/>
               <a:t>git</a:t>
             </a:r>
             <a:r>
-              <a:rPr lang="en-US" altLang="ja-JP" dirty="0" smtClean="0"/>
+              <a:rPr lang="en-US" altLang="ja-JP" dirty="0"/>
               <a:t> clone</a:t>
             </a:r>
             <a:endParaRPr kumimoji="1" lang="ja-JP" altLang="en-US" dirty="0"/>
@@ -36600,14 +36288,14 @@
           <a:lstStyle/>
           <a:p>
             <a:r>
-              <a:rPr lang="ja-JP" altLang="en-US" sz="2400" dirty="0" smtClean="0"/>
+              <a:rPr lang="ja-JP" altLang="en-US" sz="2400" dirty="0"/>
               <a:t>リモート</a:t>
             </a:r>
-            <a:endParaRPr lang="en-US" altLang="ja-JP" sz="2400" dirty="0" smtClean="0"/>
-          </a:p>
-          <a:p>
-            <a:r>
-              <a:rPr lang="ja-JP" altLang="en-US" sz="2400" dirty="0" smtClean="0"/>
+            <a:endParaRPr lang="en-US" altLang="ja-JP" sz="2400" dirty="0"/>
+          </a:p>
+          <a:p>
+            <a:r>
+              <a:rPr lang="ja-JP" altLang="en-US" sz="2400" dirty="0"/>
               <a:t>リポジトリ</a:t>
             </a:r>
             <a:endParaRPr kumimoji="1" lang="ja-JP" altLang="en-US" sz="2400" dirty="0"/>
@@ -36735,17 +36423,16 @@
           <a:lstStyle/>
           <a:p>
             <a:r>
-              <a:rPr kumimoji="1" lang="ja-JP" altLang="en-US" dirty="0" smtClean="0"/>
+              <a:rPr kumimoji="1" lang="ja-JP" altLang="en-US" dirty="0"/>
               <a:t>データ</a:t>
             </a:r>
-            <a:endParaRPr kumimoji="1" lang="en-US" altLang="ja-JP" dirty="0" smtClean="0"/>
-          </a:p>
-          <a:p>
-            <a:r>
-              <a:rPr kumimoji="1" lang="ja-JP" altLang="en-US" dirty="0" smtClean="0"/>
+            <a:endParaRPr kumimoji="1" lang="en-US" altLang="ja-JP" dirty="0"/>
+          </a:p>
+          <a:p>
+            <a:r>
+              <a:rPr kumimoji="1" lang="ja-JP" altLang="en-US" dirty="0"/>
               <a:t>ベース</a:t>
             </a:r>
-            <a:endParaRPr kumimoji="1" lang="ja-JP" altLang="en-US" dirty="0"/>
           </a:p>
         </p:txBody>
       </p:sp>
@@ -36772,11 +36459,11 @@
           <a:lstStyle/>
           <a:p>
             <a:r>
-              <a:rPr lang="en-US" altLang="ja-JP" dirty="0" smtClean="0"/>
+              <a:rPr lang="en-US" altLang="ja-JP" dirty="0"/>
               <a:t>.</a:t>
             </a:r>
             <a:r>
-              <a:rPr lang="en-US" altLang="ja-JP" dirty="0" err="1" smtClean="0"/>
+              <a:rPr lang="en-US" altLang="ja-JP" dirty="0" err="1"/>
               <a:t>git</a:t>
             </a:r>
             <a:endParaRPr kumimoji="1" lang="ja-JP" altLang="en-US" dirty="0"/>
@@ -37027,7 +36714,7 @@
           <a:lstStyle/>
           <a:p>
             <a:r>
-              <a:rPr lang="ja-JP" altLang="en-US" sz="2400" dirty="0" smtClean="0"/>
+              <a:rPr lang="ja-JP" altLang="en-US" sz="2400" dirty="0"/>
               <a:t>ローカルリポジトリ</a:t>
             </a:r>
             <a:endParaRPr kumimoji="1" lang="ja-JP" altLang="en-US" sz="2400" dirty="0"/>
@@ -37057,17 +36744,16 @@
           <a:lstStyle/>
           <a:p>
             <a:r>
-              <a:rPr kumimoji="1" lang="ja-JP" altLang="en-US" dirty="0" smtClean="0"/>
+              <a:rPr kumimoji="1" lang="ja-JP" altLang="en-US" dirty="0"/>
               <a:t>データ</a:t>
             </a:r>
-            <a:endParaRPr kumimoji="1" lang="en-US" altLang="ja-JP" dirty="0" smtClean="0"/>
-          </a:p>
-          <a:p>
-            <a:r>
-              <a:rPr kumimoji="1" lang="ja-JP" altLang="en-US" dirty="0" smtClean="0"/>
+            <a:endParaRPr kumimoji="1" lang="en-US" altLang="ja-JP" dirty="0"/>
+          </a:p>
+          <a:p>
+            <a:r>
+              <a:rPr kumimoji="1" lang="ja-JP" altLang="en-US" dirty="0"/>
               <a:t>ベース</a:t>
             </a:r>
-            <a:endParaRPr kumimoji="1" lang="ja-JP" altLang="en-US" dirty="0"/>
           </a:p>
         </p:txBody>
       </p:sp>
@@ -37255,29 +36941,29 @@
           <a:lstStyle/>
           <a:p>
             <a:r>
-              <a:rPr kumimoji="1" lang="ja-JP" altLang="en-US" dirty="0" smtClean="0"/>
+              <a:rPr kumimoji="1" lang="ja-JP" altLang="en-US" dirty="0"/>
               <a:t>管理されている</a:t>
             </a:r>
-            <a:endParaRPr kumimoji="1" lang="en-US" altLang="ja-JP" dirty="0" smtClean="0"/>
-          </a:p>
-          <a:p>
-            <a:r>
-              <a:rPr lang="ja-JP" altLang="en-US" dirty="0" smtClean="0"/>
+            <a:endParaRPr kumimoji="1" lang="en-US" altLang="ja-JP" dirty="0"/>
+          </a:p>
+          <a:p>
+            <a:r>
+              <a:rPr lang="ja-JP" altLang="en-US" dirty="0"/>
               <a:t>ファイルやフォルダ</a:t>
             </a:r>
-            <a:endParaRPr lang="en-US" altLang="ja-JP" dirty="0" smtClean="0"/>
-          </a:p>
-          <a:p>
-            <a:r>
-              <a:rPr kumimoji="1" lang="en-US" altLang="ja-JP" dirty="0" smtClean="0"/>
+            <a:endParaRPr lang="en-US" altLang="ja-JP" dirty="0"/>
+          </a:p>
+          <a:p>
+            <a:r>
+              <a:rPr kumimoji="1" lang="en-US" altLang="ja-JP" dirty="0"/>
               <a:t>(</a:t>
             </a:r>
             <a:r>
-              <a:rPr kumimoji="1" lang="ja-JP" altLang="en-US" dirty="0" smtClean="0"/>
+              <a:rPr kumimoji="1" lang="ja-JP" altLang="en-US" dirty="0"/>
               <a:t>ワーキングツリー</a:t>
             </a:r>
             <a:r>
-              <a:rPr kumimoji="1" lang="en-US" altLang="ja-JP" dirty="0" smtClean="0"/>
+              <a:rPr kumimoji="1" lang="en-US" altLang="ja-JP" dirty="0"/>
               <a:t>)</a:t>
             </a:r>
             <a:endParaRPr kumimoji="1" lang="ja-JP" altLang="en-US" dirty="0"/>
@@ -37349,11 +37035,11 @@
           <a:lstStyle/>
           <a:p>
             <a:r>
-              <a:rPr lang="en-US" altLang="ja-JP" dirty="0" smtClean="0"/>
+              <a:rPr lang="en-US" altLang="ja-JP" dirty="0"/>
               <a:t>.</a:t>
             </a:r>
             <a:r>
-              <a:rPr lang="en-US" altLang="ja-JP" dirty="0" err="1" smtClean="0"/>
+              <a:rPr lang="en-US" altLang="ja-JP" dirty="0" err="1"/>
               <a:t>git</a:t>
             </a:r>
             <a:endParaRPr kumimoji="1" lang="ja-JP" altLang="en-US" dirty="0"/>
@@ -37511,17 +37197,16 @@
           <a:lstStyle/>
           <a:p>
             <a:r>
-              <a:rPr lang="ja-JP" altLang="en-US" sz="2800" dirty="0" smtClean="0"/>
+              <a:rPr lang="ja-JP" altLang="en-US" sz="2800" dirty="0"/>
               <a:t>リモートからデータベースをローカルにコピーし、</a:t>
             </a:r>
-            <a:endParaRPr lang="en-US" altLang="ja-JP" sz="2800" dirty="0" smtClean="0"/>
-          </a:p>
-          <a:p>
-            <a:r>
-              <a:rPr kumimoji="1" lang="ja-JP" altLang="en-US" sz="2800" dirty="0" smtClean="0"/>
+            <a:endParaRPr lang="en-US" altLang="ja-JP" sz="2800" dirty="0"/>
+          </a:p>
+          <a:p>
+            <a:r>
+              <a:rPr kumimoji="1" lang="ja-JP" altLang="en-US" sz="2800" dirty="0"/>
               <a:t>ワーキングツリーを展開する</a:t>
             </a:r>
-            <a:endParaRPr kumimoji="1" lang="ja-JP" altLang="en-US" sz="2800" dirty="0"/>
           </a:p>
         </p:txBody>
       </p:sp>
@@ -37535,13 +37220,6 @@
   <p:clrMapOvr>
     <a:masterClrMapping/>
   </p:clrMapOvr>
-  <p:timing>
-    <p:tnLst>
-      <p:par>
-        <p:cTn id="1" dur="indefinite" restart="never" nodeType="tmRoot"/>
-      </p:par>
-    </p:tnLst>
-  </p:timing>
 </p:sld>
 </file>
 
@@ -37578,16 +37256,12 @@
           <a:lstStyle/>
           <a:p>
             <a:r>
-              <a:rPr kumimoji="1" lang="en-US" altLang="ja-JP" err="1" smtClean="0"/>
+              <a:rPr kumimoji="1" lang="en-US" altLang="ja-JP" err="1"/>
               <a:t>git</a:t>
             </a:r>
             <a:r>
-              <a:rPr kumimoji="1" lang="en-US" altLang="ja-JP" smtClean="0"/>
-              <a:t> </a:t>
-            </a:r>
-            <a:r>
-              <a:rPr kumimoji="1" lang="en-US" altLang="ja-JP" smtClean="0"/>
-              <a:t>push</a:t>
+              <a:rPr kumimoji="1" lang="en-US" altLang="ja-JP"/>
+              <a:t> push</a:t>
             </a:r>
             <a:endParaRPr kumimoji="1" lang="ja-JP" altLang="en-US" dirty="0"/>
           </a:p>
@@ -38156,16 +37830,12 @@
           <a:lstStyle/>
           <a:p>
             <a:r>
-              <a:rPr kumimoji="1" lang="en-US" altLang="ja-JP" sz="2400" err="1" smtClean="0"/>
+              <a:rPr kumimoji="1" lang="en-US" altLang="ja-JP" sz="2400" err="1"/>
               <a:t>git</a:t>
             </a:r>
             <a:r>
-              <a:rPr kumimoji="1" lang="en-US" altLang="ja-JP" sz="2400" smtClean="0"/>
-              <a:t> </a:t>
-            </a:r>
-            <a:r>
-              <a:rPr kumimoji="1" lang="en-US" altLang="ja-JP" sz="2400" smtClean="0"/>
-              <a:t>push</a:t>
+              <a:rPr kumimoji="1" lang="en-US" altLang="ja-JP" sz="2400"/>
+              <a:t> push</a:t>
             </a:r>
             <a:endParaRPr kumimoji="1" lang="ja-JP" altLang="en-US" sz="2400" dirty="0"/>
           </a:p>
@@ -38194,10 +37864,9 @@
           <a:lstStyle/>
           <a:p>
             <a:r>
-              <a:rPr kumimoji="1" lang="ja-JP" altLang="en-US" sz="2400" dirty="0" smtClean="0"/>
+              <a:rPr kumimoji="1" lang="ja-JP" altLang="en-US" sz="2400" dirty="0"/>
               <a:t>ローカルリポジトリ</a:t>
             </a:r>
-            <a:endParaRPr kumimoji="1" lang="ja-JP" altLang="en-US" sz="2400" dirty="0"/>
           </a:p>
         </p:txBody>
       </p:sp>
@@ -38224,10 +37893,9 @@
           <a:lstStyle/>
           <a:p>
             <a:r>
-              <a:rPr kumimoji="1" lang="ja-JP" altLang="en-US" sz="2400" dirty="0" smtClean="0"/>
+              <a:rPr kumimoji="1" lang="ja-JP" altLang="en-US" sz="2400" dirty="0"/>
               <a:t>リモートリポジトリ</a:t>
             </a:r>
-            <a:endParaRPr kumimoji="1" lang="ja-JP" altLang="en-US" sz="2400" dirty="0"/>
           </a:p>
         </p:txBody>
       </p:sp>
@@ -38911,10 +38579,9 @@
           <a:lstStyle/>
           <a:p>
             <a:r>
-              <a:rPr kumimoji="1" lang="ja-JP" altLang="en-US" sz="2400" dirty="0" smtClean="0"/>
+              <a:rPr kumimoji="1" lang="ja-JP" altLang="en-US" sz="2400" dirty="0"/>
               <a:t>ローカルリポジトリ</a:t>
             </a:r>
-            <a:endParaRPr kumimoji="1" lang="ja-JP" altLang="en-US" sz="2400" dirty="0"/>
           </a:p>
         </p:txBody>
       </p:sp>
@@ -38941,10 +38608,9 @@
           <a:lstStyle/>
           <a:p>
             <a:r>
-              <a:rPr kumimoji="1" lang="ja-JP" altLang="en-US" sz="2400" dirty="0" smtClean="0"/>
+              <a:rPr kumimoji="1" lang="ja-JP" altLang="en-US" sz="2400" dirty="0"/>
               <a:t>リモートリポジトリ</a:t>
             </a:r>
-            <a:endParaRPr kumimoji="1" lang="ja-JP" altLang="en-US" sz="2400" dirty="0"/>
           </a:p>
         </p:txBody>
       </p:sp>
@@ -39217,13 +38883,6 @@
   <p:clrMapOvr>
     <a:masterClrMapping/>
   </p:clrMapOvr>
-  <p:timing>
-    <p:tnLst>
-      <p:par>
-        <p:cTn id="1" dur="indefinite" restart="never" nodeType="tmRoot"/>
-      </p:par>
-    </p:tnLst>
-  </p:timing>
 </p:sld>
 </file>
 
@@ -39260,11 +38919,11 @@
           <a:lstStyle/>
           <a:p>
             <a:r>
-              <a:rPr kumimoji="1" lang="en-US" altLang="ja-JP" dirty="0" err="1" smtClean="0"/>
+              <a:rPr kumimoji="1" lang="en-US" altLang="ja-JP" dirty="0" err="1"/>
               <a:t>git</a:t>
             </a:r>
             <a:r>
-              <a:rPr kumimoji="1" lang="en-US" altLang="ja-JP" dirty="0" smtClean="0"/>
+              <a:rPr kumimoji="1" lang="en-US" altLang="ja-JP" dirty="0"/>
               <a:t> fetch</a:t>
             </a:r>
             <a:endParaRPr kumimoji="1" lang="ja-JP" altLang="en-US" dirty="0"/>
@@ -39921,11 +39580,11 @@
           <a:lstStyle/>
           <a:p>
             <a:r>
-              <a:rPr kumimoji="1" lang="en-US" altLang="ja-JP" sz="2400" dirty="0" err="1" smtClean="0"/>
+              <a:rPr kumimoji="1" lang="en-US" altLang="ja-JP" sz="2400" dirty="0" err="1"/>
               <a:t>git</a:t>
             </a:r>
             <a:r>
-              <a:rPr kumimoji="1" lang="en-US" altLang="ja-JP" sz="2400" dirty="0" smtClean="0"/>
+              <a:rPr kumimoji="1" lang="en-US" altLang="ja-JP" sz="2400" dirty="0"/>
               <a:t> fetch</a:t>
             </a:r>
             <a:endParaRPr kumimoji="1" lang="ja-JP" altLang="en-US" sz="2400" dirty="0"/>
@@ -39955,10 +39614,9 @@
           <a:lstStyle/>
           <a:p>
             <a:r>
-              <a:rPr kumimoji="1" lang="ja-JP" altLang="en-US" sz="2400" dirty="0" smtClean="0"/>
+              <a:rPr kumimoji="1" lang="ja-JP" altLang="en-US" sz="2400" dirty="0"/>
               <a:t>ローカルリポジトリ</a:t>
             </a:r>
-            <a:endParaRPr kumimoji="1" lang="ja-JP" altLang="en-US" sz="2400" dirty="0"/>
           </a:p>
         </p:txBody>
       </p:sp>
@@ -39985,10 +39643,9 @@
           <a:lstStyle/>
           <a:p>
             <a:r>
-              <a:rPr kumimoji="1" lang="ja-JP" altLang="en-US" sz="2400" dirty="0" smtClean="0"/>
+              <a:rPr kumimoji="1" lang="ja-JP" altLang="en-US" sz="2400" dirty="0"/>
               <a:t>リモートリポジトリ</a:t>
             </a:r>
-            <a:endParaRPr kumimoji="1" lang="ja-JP" altLang="en-US" sz="2400" dirty="0"/>
           </a:p>
         </p:txBody>
       </p:sp>
@@ -40015,7 +39672,7 @@
           <a:lstStyle/>
           <a:p>
             <a:r>
-              <a:rPr lang="ja-JP" altLang="en-US" sz="2400" dirty="0" smtClean="0"/>
+              <a:rPr lang="ja-JP" altLang="en-US" sz="2400" dirty="0"/>
               <a:t>リモートで変更された「歴史」をローカルに取ってくる</a:t>
             </a:r>
             <a:endParaRPr kumimoji="1" lang="ja-JP" altLang="en-US" sz="2400" dirty="0"/>
@@ -40672,10 +40329,9 @@
           <a:lstStyle/>
           <a:p>
             <a:r>
-              <a:rPr kumimoji="1" lang="ja-JP" altLang="en-US" sz="2400" dirty="0" smtClean="0"/>
+              <a:rPr kumimoji="1" lang="ja-JP" altLang="en-US" sz="2400" dirty="0"/>
               <a:t>ローカルリポジトリ</a:t>
             </a:r>
-            <a:endParaRPr kumimoji="1" lang="ja-JP" altLang="en-US" sz="2400" dirty="0"/>
           </a:p>
         </p:txBody>
       </p:sp>
@@ -40702,10 +40358,9 @@
           <a:lstStyle/>
           <a:p>
             <a:r>
-              <a:rPr kumimoji="1" lang="ja-JP" altLang="en-US" sz="2400" dirty="0" smtClean="0"/>
+              <a:rPr kumimoji="1" lang="ja-JP" altLang="en-US" sz="2400" dirty="0"/>
               <a:t>リモートリポジトリ</a:t>
             </a:r>
-            <a:endParaRPr kumimoji="1" lang="ja-JP" altLang="en-US" sz="2400" dirty="0"/>
           </a:p>
         </p:txBody>
       </p:sp>
@@ -40891,13 +40546,6 @@
   <p:clrMapOvr>
     <a:masterClrMapping/>
   </p:clrMapOvr>
-  <p:timing>
-    <p:tnLst>
-      <p:par>
-        <p:cTn id="1" dur="indefinite" restart="never" nodeType="tmRoot"/>
-      </p:par>
-    </p:tnLst>
-  </p:timing>
 </p:sld>
 </file>
 
@@ -40934,11 +40582,11 @@
           <a:lstStyle/>
           <a:p>
             <a:r>
-              <a:rPr kumimoji="1" lang="en-US" altLang="ja-JP" dirty="0" err="1" smtClean="0"/>
+              <a:rPr kumimoji="1" lang="en-US" altLang="ja-JP" dirty="0" err="1"/>
               <a:t>git</a:t>
             </a:r>
             <a:r>
-              <a:rPr kumimoji="1" lang="en-US" altLang="ja-JP" dirty="0" smtClean="0"/>
+              <a:rPr kumimoji="1" lang="en-US" altLang="ja-JP" dirty="0"/>
               <a:t> fetch</a:t>
             </a:r>
             <a:endParaRPr kumimoji="1" lang="ja-JP" altLang="en-US" dirty="0"/>
@@ -41264,7 +40912,7 @@
         <p:spPr>
           <a:xfrm>
             <a:off x="3836183" y="3861048"/>
-            <a:ext cx="2392001" cy="584775"/>
+            <a:ext cx="2188420" cy="584775"/>
           </a:xfrm>
           <a:prstGeom prst="rect">
             <a:avLst/>
@@ -41278,12 +40926,12 @@
           <a:lstStyle/>
           <a:p>
             <a:r>
-              <a:rPr kumimoji="1" lang="en-US" altLang="ja-JP" sz="3200" dirty="0" smtClean="0">
+              <a:rPr kumimoji="1" lang="en-US" altLang="ja-JP" sz="3200" dirty="0">
                 <a:solidFill>
                   <a:srgbClr val="FF0000"/>
                 </a:solidFill>
               </a:rPr>
-              <a:t>origin/master</a:t>
+              <a:t>origin/main</a:t>
             </a:r>
             <a:endParaRPr kumimoji="1" lang="ja-JP" altLang="en-US" sz="3200" dirty="0">
               <a:solidFill>
@@ -41353,50 +41001,33 @@
           <a:lstStyle/>
           <a:p>
             <a:r>
-              <a:rPr kumimoji="1" lang="en-US" altLang="ja-JP" sz="2800" err="1" smtClean="0"/>
-              <a:t>git</a:t>
-            </a:r>
-            <a:r>
-              <a:rPr kumimoji="1" lang="en-US" altLang="ja-JP" sz="2800" smtClean="0"/>
-              <a:t> </a:t>
-            </a:r>
-            <a:r>
-              <a:rPr kumimoji="1" lang="en-US" altLang="ja-JP" sz="2800" smtClean="0"/>
-              <a:t>fetch</a:t>
-            </a:r>
-            <a:r>
-              <a:rPr lang="ja-JP" altLang="en-US" sz="2800"/>
-              <a:t>で</a:t>
-            </a:r>
-            <a:r>
-              <a:rPr lang="ja-JP" altLang="en-US" sz="2800" smtClean="0"/>
-              <a:t>ローカル</a:t>
-            </a:r>
-            <a:r>
-              <a:rPr lang="ja-JP" altLang="en-US" sz="2800" dirty="0" smtClean="0"/>
-              <a:t>の</a:t>
-            </a:r>
-            <a:r>
-              <a:rPr kumimoji="1" lang="en-US" altLang="ja-JP" sz="2800" dirty="0" smtClean="0"/>
-              <a:t>master</a:t>
-            </a:r>
-            <a:r>
-              <a:rPr kumimoji="1" lang="ja-JP" altLang="en-US" sz="2800" dirty="0" smtClean="0"/>
+              <a:rPr kumimoji="1" lang="en-US" altLang="ja-JP" sz="2800" dirty="0"/>
+              <a:t>git fetch</a:t>
+            </a:r>
+            <a:r>
+              <a:rPr lang="ja-JP" altLang="en-US" sz="2800" dirty="0"/>
+              <a:t>でローカルの</a:t>
+            </a:r>
+            <a:r>
+              <a:rPr kumimoji="1" lang="en-US" altLang="ja-JP" sz="2800" dirty="0"/>
+              <a:t>main</a:t>
+            </a:r>
+            <a:r>
+              <a:rPr kumimoji="1" lang="ja-JP" altLang="en-US" sz="2800" dirty="0"/>
               <a:t>や</a:t>
             </a:r>
             <a:r>
-              <a:rPr kumimoji="1" lang="en-US" altLang="ja-JP" sz="2800" dirty="0" smtClean="0"/>
+              <a:rPr kumimoji="1" lang="en-US" altLang="ja-JP" sz="2800" dirty="0"/>
               <a:t>HEAD</a:t>
             </a:r>
             <a:r>
-              <a:rPr kumimoji="1" lang="ja-JP" altLang="en-US" sz="2800" dirty="0" err="1" smtClean="0"/>
+              <a:rPr kumimoji="1" lang="ja-JP" altLang="en-US" sz="2800" dirty="0" err="1"/>
               <a:t>は修</a:t>
             </a:r>
             <a:r>
-              <a:rPr kumimoji="1" lang="ja-JP" altLang="en-US" sz="2800" dirty="0" smtClean="0"/>
+              <a:rPr kumimoji="1" lang="ja-JP" altLang="en-US" sz="2800" dirty="0"/>
               <a:t>正されない</a:t>
             </a:r>
-            <a:endParaRPr kumimoji="1" lang="ja-JP" altLang="en-US" sz="2800" dirty="0"/>
           </a:p>
         </p:txBody>
       </p:sp>
@@ -41409,9 +41040,9 @@
         <p:grpSpPr>
           <a:xfrm>
             <a:off x="1403648" y="2276872"/>
-            <a:ext cx="2913386" cy="864096"/>
+            <a:ext cx="2656906" cy="864096"/>
             <a:chOff x="971600" y="4149080"/>
-            <a:chExt cx="2913386" cy="864096"/>
+            <a:chExt cx="2656906" cy="864096"/>
           </a:xfrm>
         </p:grpSpPr>
         <p:cxnSp>
@@ -41460,7 +41091,7 @@
           <p:spPr>
             <a:xfrm>
               <a:off x="2555776" y="4149080"/>
-              <a:ext cx="1329210" cy="584775"/>
+              <a:ext cx="1072730" cy="584775"/>
             </a:xfrm>
             <a:prstGeom prst="rect">
               <a:avLst/>
@@ -41474,12 +41105,12 @@
             <a:lstStyle/>
             <a:p>
               <a:r>
-                <a:rPr kumimoji="1" lang="en-US" altLang="ja-JP" sz="3200" dirty="0" smtClean="0">
+                <a:rPr kumimoji="1" lang="en-US" altLang="ja-JP" sz="3200" dirty="0">
                   <a:solidFill>
                     <a:srgbClr val="00B050"/>
                   </a:solidFill>
                 </a:rPr>
-                <a:t>master</a:t>
+                <a:t>main</a:t>
               </a:r>
               <a:endParaRPr kumimoji="1" lang="ja-JP" altLang="en-US" sz="3200" dirty="0">
                 <a:solidFill>
@@ -41512,7 +41143,7 @@
             <a:lstStyle/>
             <a:p>
               <a:r>
-                <a:rPr kumimoji="1" lang="en-US" altLang="ja-JP" sz="3200" dirty="0" smtClean="0"/>
+                <a:rPr kumimoji="1" lang="en-US" altLang="ja-JP" sz="3200" dirty="0"/>
                 <a:t>HEAD</a:t>
               </a:r>
               <a:endParaRPr kumimoji="1" lang="ja-JP" altLang="en-US" sz="3200" dirty="0"/>
@@ -41629,18 +41260,17 @@
           <a:lstStyle/>
           <a:p>
             <a:r>
-              <a:rPr kumimoji="1" lang="en-US" altLang="ja-JP" sz="2400" dirty="0" err="1" smtClean="0"/>
+              <a:rPr kumimoji="1" lang="en-US" altLang="ja-JP" sz="2400" dirty="0" err="1"/>
               <a:t>git</a:t>
             </a:r>
             <a:r>
-              <a:rPr kumimoji="1" lang="en-US" altLang="ja-JP" sz="2400" dirty="0" smtClean="0"/>
+              <a:rPr kumimoji="1" lang="en-US" altLang="ja-JP" sz="2400" dirty="0"/>
               <a:t> fetch</a:t>
             </a:r>
             <a:r>
-              <a:rPr kumimoji="1" lang="ja-JP" altLang="en-US" sz="2400" dirty="0" smtClean="0"/>
+              <a:rPr kumimoji="1" lang="ja-JP" altLang="en-US" sz="2400" dirty="0"/>
               <a:t>で追加された部分</a:t>
             </a:r>
-            <a:endParaRPr kumimoji="1" lang="ja-JP" altLang="en-US" sz="2400" dirty="0"/>
           </a:p>
         </p:txBody>
       </p:sp>
@@ -41667,19 +41297,19 @@
           <a:lstStyle/>
           <a:p>
             <a:r>
-              <a:rPr lang="en-US" altLang="ja-JP" sz="2000" dirty="0" smtClean="0"/>
+              <a:rPr lang="en-US" altLang="ja-JP" sz="2000" dirty="0"/>
               <a:t>※ </a:t>
             </a:r>
             <a:r>
-              <a:rPr lang="ja-JP" altLang="en-US" sz="2000" dirty="0" smtClean="0"/>
+              <a:rPr lang="ja-JP" altLang="en-US" sz="2000" dirty="0"/>
               <a:t>リモートのブランチは </a:t>
             </a:r>
             <a:r>
-              <a:rPr lang="en-US" altLang="ja-JP" sz="2000" dirty="0" smtClean="0"/>
+              <a:rPr lang="en-US" altLang="ja-JP" sz="2000" dirty="0"/>
               <a:t>origin/branch</a:t>
             </a:r>
             <a:r>
-              <a:rPr lang="ja-JP" altLang="en-US" sz="2000" dirty="0" smtClean="0"/>
+              <a:rPr lang="ja-JP" altLang="en-US" sz="2000" dirty="0"/>
               <a:t>名という名前にすることが多い</a:t>
             </a:r>
             <a:endParaRPr kumimoji="1" lang="ja-JP" altLang="en-US" sz="2000" dirty="0"/>
@@ -41696,13 +41326,6 @@
   <p:clrMapOvr>
     <a:masterClrMapping/>
   </p:clrMapOvr>
-  <p:timing>
-    <p:tnLst>
-      <p:par>
-        <p:cTn id="1" dur="indefinite" restart="never" nodeType="tmRoot"/>
-      </p:par>
-    </p:tnLst>
-  </p:timing>
 </p:sld>
 </file>
 
@@ -41739,11 +41362,11 @@
           <a:lstStyle/>
           <a:p>
             <a:r>
-              <a:rPr kumimoji="1" lang="en-US" altLang="ja-JP" dirty="0" err="1" smtClean="0"/>
+              <a:rPr kumimoji="1" lang="en-US" altLang="ja-JP" dirty="0" err="1"/>
               <a:t>git</a:t>
             </a:r>
             <a:r>
-              <a:rPr kumimoji="1" lang="en-US" altLang="ja-JP" dirty="0" smtClean="0"/>
+              <a:rPr kumimoji="1" lang="en-US" altLang="ja-JP" dirty="0"/>
               <a:t> fetch</a:t>
             </a:r>
             <a:endParaRPr kumimoji="1" lang="ja-JP" altLang="en-US" dirty="0"/>
@@ -42069,7 +41692,7 @@
         <p:spPr>
           <a:xfrm>
             <a:off x="2555776" y="3060249"/>
-            <a:ext cx="2392001" cy="584775"/>
+            <a:ext cx="2188420" cy="584775"/>
           </a:xfrm>
           <a:prstGeom prst="rect">
             <a:avLst/>
@@ -42083,12 +41706,12 @@
           <a:lstStyle/>
           <a:p>
             <a:r>
-              <a:rPr kumimoji="1" lang="en-US" altLang="ja-JP" sz="3200" dirty="0" smtClean="0">
+              <a:rPr kumimoji="1" lang="en-US" altLang="ja-JP" sz="3200" dirty="0">
                 <a:solidFill>
                   <a:srgbClr val="FF0000"/>
                 </a:solidFill>
               </a:rPr>
-              <a:t>origin/master</a:t>
+              <a:t>origin/main</a:t>
             </a:r>
             <a:endParaRPr kumimoji="1" lang="ja-JP" altLang="en-US" sz="3200" dirty="0">
               <a:solidFill>
@@ -42144,9 +41767,9 @@
         <p:grpSpPr>
           <a:xfrm>
             <a:off x="179512" y="1476073"/>
-            <a:ext cx="2913386" cy="864096"/>
+            <a:ext cx="2656906" cy="864096"/>
             <a:chOff x="971600" y="4149080"/>
-            <a:chExt cx="2913386" cy="864096"/>
+            <a:chExt cx="2656906" cy="864096"/>
           </a:xfrm>
         </p:grpSpPr>
         <p:cxnSp>
@@ -42195,7 +41818,7 @@
           <p:spPr>
             <a:xfrm>
               <a:off x="2555776" y="4149080"/>
-              <a:ext cx="1329210" cy="584775"/>
+              <a:ext cx="1072730" cy="584775"/>
             </a:xfrm>
             <a:prstGeom prst="rect">
               <a:avLst/>
@@ -42209,12 +41832,12 @@
             <a:lstStyle/>
             <a:p>
               <a:r>
-                <a:rPr kumimoji="1" lang="en-US" altLang="ja-JP" sz="3200" dirty="0" smtClean="0">
+                <a:rPr kumimoji="1" lang="en-US" altLang="ja-JP" sz="3200" dirty="0">
                   <a:solidFill>
                     <a:srgbClr val="00B050"/>
                   </a:solidFill>
                 </a:rPr>
-                <a:t>master</a:t>
+                <a:t>main</a:t>
               </a:r>
               <a:endParaRPr kumimoji="1" lang="ja-JP" altLang="en-US" sz="3200" dirty="0">
                 <a:solidFill>
@@ -42247,7 +41870,7 @@
             <a:lstStyle/>
             <a:p>
               <a:r>
-                <a:rPr kumimoji="1" lang="en-US" altLang="ja-JP" sz="3200" dirty="0" smtClean="0"/>
+                <a:rPr kumimoji="1" lang="en-US" altLang="ja-JP" sz="3200" dirty="0"/>
                 <a:t>HEAD</a:t>
               </a:r>
               <a:endParaRPr kumimoji="1" lang="ja-JP" altLang="en-US" sz="3200" dirty="0"/>
@@ -42613,7 +42236,7 @@
         <p:spPr>
           <a:xfrm>
             <a:off x="2555776" y="5949280"/>
-            <a:ext cx="2392001" cy="584775"/>
+            <a:ext cx="2188420" cy="584775"/>
           </a:xfrm>
           <a:prstGeom prst="rect">
             <a:avLst/>
@@ -42627,12 +42250,12 @@
           <a:lstStyle/>
           <a:p>
             <a:r>
-              <a:rPr kumimoji="1" lang="en-US" altLang="ja-JP" sz="3200" dirty="0" smtClean="0">
+              <a:rPr kumimoji="1" lang="en-US" altLang="ja-JP" sz="3200" dirty="0">
                 <a:solidFill>
                   <a:srgbClr val="FF0000"/>
                 </a:solidFill>
               </a:rPr>
-              <a:t>origin/master</a:t>
+              <a:t>origin/main</a:t>
             </a:r>
             <a:endParaRPr kumimoji="1" lang="ja-JP" altLang="en-US" sz="3200" dirty="0">
               <a:solidFill>
@@ -42688,9 +42311,9 @@
         <p:grpSpPr>
           <a:xfrm>
             <a:off x="899592" y="4365104"/>
-            <a:ext cx="2913386" cy="864096"/>
+            <a:ext cx="2656906" cy="864096"/>
             <a:chOff x="971600" y="4149080"/>
-            <a:chExt cx="2913386" cy="864096"/>
+            <a:chExt cx="2656906" cy="864096"/>
           </a:xfrm>
         </p:grpSpPr>
         <p:cxnSp>
@@ -42739,7 +42362,7 @@
           <p:spPr>
             <a:xfrm>
               <a:off x="2555776" y="4149080"/>
-              <a:ext cx="1329210" cy="584775"/>
+              <a:ext cx="1072730" cy="584775"/>
             </a:xfrm>
             <a:prstGeom prst="rect">
               <a:avLst/>
@@ -42753,12 +42376,12 @@
             <a:lstStyle/>
             <a:p>
               <a:r>
-                <a:rPr kumimoji="1" lang="en-US" altLang="ja-JP" sz="3200" dirty="0" smtClean="0">
+                <a:rPr kumimoji="1" lang="en-US" altLang="ja-JP" sz="3200" dirty="0">
                   <a:solidFill>
                     <a:srgbClr val="00B050"/>
                   </a:solidFill>
                 </a:rPr>
-                <a:t>master</a:t>
+                <a:t>main</a:t>
               </a:r>
               <a:endParaRPr kumimoji="1" lang="ja-JP" altLang="en-US" sz="3200" dirty="0">
                 <a:solidFill>
@@ -42791,7 +42414,7 @@
             <a:lstStyle/>
             <a:p>
               <a:r>
-                <a:rPr kumimoji="1" lang="en-US" altLang="ja-JP" sz="3200" dirty="0" smtClean="0"/>
+                <a:rPr kumimoji="1" lang="en-US" altLang="ja-JP" sz="3200" dirty="0"/>
                 <a:t>HEAD</a:t>
               </a:r>
               <a:endParaRPr kumimoji="1" lang="ja-JP" altLang="en-US" sz="3200" dirty="0"/>
@@ -42909,12 +42532,8 @@
           <a:lstStyle/>
           <a:p>
             <a:r>
-              <a:rPr kumimoji="1" lang="en-US" altLang="ja-JP" sz="2400" dirty="0" err="1" smtClean="0"/>
-              <a:t>git</a:t>
-            </a:r>
-            <a:r>
-              <a:rPr kumimoji="1" lang="en-US" altLang="ja-JP" sz="2400" dirty="0" smtClean="0"/>
-              <a:t> merge origin/master</a:t>
+              <a:rPr kumimoji="1" lang="en-US" altLang="ja-JP" sz="2400" dirty="0"/>
+              <a:t>git merge origin/main</a:t>
             </a:r>
             <a:endParaRPr kumimoji="1" lang="ja-JP" altLang="en-US" sz="2400" dirty="0"/>
           </a:p>
@@ -42943,7 +42562,7 @@
           <a:lstStyle/>
           <a:p>
             <a:r>
-              <a:rPr lang="ja-JP" altLang="en-US" sz="2400" dirty="0" smtClean="0"/>
+              <a:rPr lang="ja-JP" altLang="en-US" sz="2400" dirty="0"/>
               <a:t>リモートのブランチをマージすることで修正を取り込む</a:t>
             </a:r>
             <a:endParaRPr kumimoji="1" lang="ja-JP" altLang="en-US" sz="2400" dirty="0"/>
@@ -42960,13 +42579,6 @@
   <p:clrMapOvr>
     <a:masterClrMapping/>
   </p:clrMapOvr>
-  <p:timing>
-    <p:tnLst>
-      <p:par>
-        <p:cTn id="1" dur="indefinite" restart="never" nodeType="tmRoot"/>
-      </p:par>
-    </p:tnLst>
-  </p:timing>
 </p:sld>
 </file>
 
@@ -43003,11 +42615,11 @@
           <a:lstStyle/>
           <a:p>
             <a:r>
-              <a:rPr kumimoji="1" lang="en-US" altLang="ja-JP" dirty="0" err="1" smtClean="0"/>
+              <a:rPr kumimoji="1" lang="en-US" altLang="ja-JP" dirty="0" err="1"/>
               <a:t>git</a:t>
             </a:r>
             <a:r>
-              <a:rPr kumimoji="1" lang="en-US" altLang="ja-JP" dirty="0" smtClean="0"/>
+              <a:rPr kumimoji="1" lang="en-US" altLang="ja-JP" dirty="0"/>
               <a:t> pull</a:t>
             </a:r>
             <a:endParaRPr kumimoji="1" lang="ja-JP" altLang="en-US" dirty="0"/>
@@ -43037,30 +42649,25 @@
           <a:lstStyle/>
           <a:p>
             <a:r>
-              <a:rPr kumimoji="1" lang="en-US" altLang="ja-JP" sz="2800" dirty="0" err="1" smtClean="0"/>
+              <a:rPr kumimoji="1" lang="en-US" altLang="ja-JP" sz="2800" dirty="0" err="1"/>
               <a:t>git</a:t>
             </a:r>
             <a:r>
-              <a:rPr kumimoji="1" lang="en-US" altLang="ja-JP" sz="2800" dirty="0" smtClean="0"/>
+              <a:rPr kumimoji="1" lang="en-US" altLang="ja-JP" sz="2800" dirty="0"/>
               <a:t> fetch</a:t>
             </a:r>
             <a:r>
-              <a:rPr kumimoji="1" lang="ja-JP" altLang="en-US" sz="2800" dirty="0" smtClean="0"/>
+              <a:rPr kumimoji="1" lang="ja-JP" altLang="en-US" sz="2800" dirty="0"/>
               <a:t>して</a:t>
             </a:r>
             <a:r>
-              <a:rPr kumimoji="1" lang="en-US" altLang="ja-JP" sz="2800" dirty="0" err="1" smtClean="0"/>
-              <a:t>git</a:t>
-            </a:r>
-            <a:r>
-              <a:rPr kumimoji="1" lang="en-US" altLang="ja-JP" sz="2800" dirty="0" smtClean="0"/>
-              <a:t> merge origin/master</a:t>
-            </a:r>
-            <a:r>
-              <a:rPr kumimoji="1" lang="ja-JP" altLang="en-US" sz="2800" dirty="0" smtClean="0"/>
+              <a:rPr kumimoji="1" lang="en-US" altLang="ja-JP" sz="2800" dirty="0"/>
+              <a:t>git merge origin/main</a:t>
+            </a:r>
+            <a:r>
+              <a:rPr kumimoji="1" lang="ja-JP" altLang="en-US" sz="2800" dirty="0"/>
               <a:t>を一度に行う</a:t>
             </a:r>
-            <a:endParaRPr kumimoji="1" lang="ja-JP" altLang="en-US" sz="2800" dirty="0"/>
           </a:p>
         </p:txBody>
       </p:sp>
@@ -43667,11 +43274,11 @@
           <a:lstStyle/>
           <a:p>
             <a:r>
-              <a:rPr kumimoji="1" lang="en-US" altLang="ja-JP" sz="2400" dirty="0" err="1" smtClean="0"/>
+              <a:rPr kumimoji="1" lang="en-US" altLang="ja-JP" sz="2400" dirty="0" err="1"/>
               <a:t>git</a:t>
             </a:r>
             <a:r>
-              <a:rPr kumimoji="1" lang="en-US" altLang="ja-JP" sz="2400" dirty="0" smtClean="0"/>
+              <a:rPr kumimoji="1" lang="en-US" altLang="ja-JP" sz="2400" dirty="0"/>
               <a:t> pull</a:t>
             </a:r>
             <a:endParaRPr kumimoji="1" lang="ja-JP" altLang="en-US" sz="2400" dirty="0"/>
@@ -43701,10 +43308,9 @@
           <a:lstStyle/>
           <a:p>
             <a:r>
-              <a:rPr kumimoji="1" lang="ja-JP" altLang="en-US" sz="2400" dirty="0" smtClean="0"/>
+              <a:rPr kumimoji="1" lang="ja-JP" altLang="en-US" sz="2400" dirty="0"/>
               <a:t>ローカルリポジトリ</a:t>
             </a:r>
-            <a:endParaRPr kumimoji="1" lang="ja-JP" altLang="en-US" sz="2400" dirty="0"/>
           </a:p>
         </p:txBody>
       </p:sp>
@@ -43731,10 +43337,9 @@
           <a:lstStyle/>
           <a:p>
             <a:r>
-              <a:rPr kumimoji="1" lang="ja-JP" altLang="en-US" sz="2400" dirty="0" smtClean="0"/>
+              <a:rPr kumimoji="1" lang="ja-JP" altLang="en-US" sz="2400" dirty="0"/>
               <a:t>リモートリポジトリ</a:t>
             </a:r>
-            <a:endParaRPr kumimoji="1" lang="ja-JP" altLang="en-US" sz="2400" dirty="0"/>
           </a:p>
         </p:txBody>
       </p:sp>
@@ -44116,10 +43721,9 @@
           <a:lstStyle/>
           <a:p>
             <a:r>
-              <a:rPr kumimoji="1" lang="ja-JP" altLang="en-US" sz="2400" dirty="0" smtClean="0"/>
+              <a:rPr kumimoji="1" lang="ja-JP" altLang="en-US" sz="2400" dirty="0"/>
               <a:t>ローカルリポジトリ</a:t>
             </a:r>
-            <a:endParaRPr kumimoji="1" lang="ja-JP" altLang="en-US" sz="2400" dirty="0"/>
           </a:p>
         </p:txBody>
       </p:sp>
@@ -44219,9 +43823,9 @@
         <p:grpSpPr>
           <a:xfrm>
             <a:off x="683568" y="4437112"/>
-            <a:ext cx="2913386" cy="864096"/>
+            <a:ext cx="2656906" cy="864096"/>
             <a:chOff x="971600" y="4149080"/>
-            <a:chExt cx="2913386" cy="864096"/>
+            <a:chExt cx="2656906" cy="864096"/>
           </a:xfrm>
         </p:grpSpPr>
         <p:cxnSp>
@@ -44270,7 +43874,7 @@
           <p:spPr>
             <a:xfrm>
               <a:off x="2555776" y="4149080"/>
-              <a:ext cx="1329210" cy="584775"/>
+              <a:ext cx="1072730" cy="584775"/>
             </a:xfrm>
             <a:prstGeom prst="rect">
               <a:avLst/>
@@ -44284,12 +43888,12 @@
             <a:lstStyle/>
             <a:p>
               <a:r>
-                <a:rPr kumimoji="1" lang="en-US" altLang="ja-JP" sz="3200" dirty="0" smtClean="0">
+                <a:rPr kumimoji="1" lang="en-US" altLang="ja-JP" sz="3200" dirty="0">
                   <a:solidFill>
                     <a:srgbClr val="00B050"/>
                   </a:solidFill>
                 </a:rPr>
-                <a:t>master</a:t>
+                <a:t>main</a:t>
               </a:r>
               <a:endParaRPr kumimoji="1" lang="ja-JP" altLang="en-US" sz="3200" dirty="0">
                 <a:solidFill>
@@ -44322,7 +43926,7 @@
             <a:lstStyle/>
             <a:p>
               <a:r>
-                <a:rPr kumimoji="1" lang="en-US" altLang="ja-JP" sz="3200" dirty="0" smtClean="0"/>
+                <a:rPr kumimoji="1" lang="en-US" altLang="ja-JP" sz="3200" dirty="0"/>
                 <a:t>HEAD</a:t>
               </a:r>
               <a:endParaRPr kumimoji="1" lang="ja-JP" altLang="en-US" sz="3200" dirty="0"/>
@@ -44378,7 +43982,7 @@
         <p:spPr>
           <a:xfrm>
             <a:off x="4067944" y="4365104"/>
-            <a:ext cx="3704860" cy="461665"/>
+            <a:ext cx="3555782" cy="461665"/>
           </a:xfrm>
           <a:prstGeom prst="rect">
             <a:avLst/>
@@ -44392,22 +43996,21 @@
           <a:lstStyle/>
           <a:p>
             <a:r>
-              <a:rPr kumimoji="1" lang="en-US" altLang="ja-JP" sz="2400" dirty="0" smtClean="0"/>
+              <a:rPr kumimoji="1" lang="en-US" altLang="ja-JP" sz="2400" dirty="0"/>
               <a:t>HEAD</a:t>
             </a:r>
             <a:r>
-              <a:rPr kumimoji="1" lang="ja-JP" altLang="en-US" sz="2400" dirty="0" smtClean="0"/>
+              <a:rPr kumimoji="1" lang="ja-JP" altLang="en-US" sz="2400" dirty="0"/>
               <a:t>→</a:t>
             </a:r>
             <a:r>
-              <a:rPr kumimoji="1" lang="en-US" altLang="ja-JP" sz="2400" dirty="0" smtClean="0"/>
-              <a:t>master</a:t>
-            </a:r>
-            <a:r>
-              <a:rPr kumimoji="1" lang="ja-JP" altLang="en-US" sz="2400" dirty="0" smtClean="0"/>
+              <a:rPr kumimoji="1" lang="en-US" altLang="ja-JP" sz="2400" dirty="0"/>
+              <a:t>main</a:t>
+            </a:r>
+            <a:r>
+              <a:rPr kumimoji="1" lang="ja-JP" altLang="en-US" sz="2400" dirty="0"/>
               <a:t>も移動する</a:t>
             </a:r>
-            <a:endParaRPr kumimoji="1" lang="ja-JP" altLang="en-US" sz="2400" dirty="0"/>
           </a:p>
         </p:txBody>
       </p:sp>
@@ -44434,7 +44037,7 @@
           <a:lstStyle/>
           <a:p>
             <a:r>
-              <a:rPr lang="ja-JP" altLang="en-US" sz="2400" dirty="0" smtClean="0">
+              <a:rPr lang="ja-JP" altLang="en-US" sz="2400" dirty="0">
                 <a:solidFill>
                   <a:srgbClr val="FF0000"/>
                 </a:solidFill>
@@ -44442,7 +44045,7 @@
               <a:t>事故が起こりやすいので慣れるまで</a:t>
             </a:r>
             <a:r>
-              <a:rPr lang="en-US" altLang="ja-JP" sz="2400" dirty="0" err="1" smtClean="0">
+              <a:rPr lang="en-US" altLang="ja-JP" sz="2400" dirty="0" err="1">
                 <a:solidFill>
                   <a:srgbClr val="FF0000"/>
                 </a:solidFill>
@@ -44450,7 +44053,7 @@
               <a:t>git</a:t>
             </a:r>
             <a:r>
-              <a:rPr lang="en-US" altLang="ja-JP" sz="2400" dirty="0" smtClean="0">
+              <a:rPr lang="en-US" altLang="ja-JP" sz="2400" dirty="0">
                 <a:solidFill>
                   <a:srgbClr val="FF0000"/>
                 </a:solidFill>
@@ -44458,7 +44061,7 @@
               <a:t> pull</a:t>
             </a:r>
             <a:r>
-              <a:rPr lang="ja-JP" altLang="en-US" sz="2400" dirty="0" smtClean="0">
+              <a:rPr lang="ja-JP" altLang="en-US" sz="2400" dirty="0">
                 <a:solidFill>
                   <a:srgbClr val="FF0000"/>
                 </a:solidFill>
@@ -44530,13 +44133,6 @@
   <p:clrMapOvr>
     <a:masterClrMapping/>
   </p:clrMapOvr>
-  <p:timing>
-    <p:tnLst>
-      <p:par>
-        <p:cTn id="1" dur="indefinite" restart="never" nodeType="tmRoot"/>
-      </p:par>
-    </p:tnLst>
-  </p:timing>
 </p:sld>
 </file>
 
@@ -44573,12 +44169,8 @@
           <a:lstStyle/>
           <a:p>
             <a:r>
-              <a:rPr lang="ja-JP" altLang="en-US" dirty="0" smtClean="0"/>
-              <a:t>まと</a:t>
-            </a:r>
-            <a:r>
               <a:rPr lang="ja-JP" altLang="en-US" dirty="0"/>
-              <a:t>め</a:t>
+              <a:t>まとめ</a:t>
             </a:r>
             <a:endParaRPr kumimoji="1" lang="ja-JP" altLang="en-US" dirty="0"/>
           </a:p>
@@ -44607,22 +44199,21 @@
           <a:lstStyle/>
           <a:p>
             <a:r>
-              <a:rPr kumimoji="1" lang="en-US" altLang="ja-JP" sz="3600" dirty="0" err="1" smtClean="0"/>
+              <a:rPr kumimoji="1" lang="en-US" altLang="ja-JP" sz="3600" dirty="0" err="1"/>
               <a:t>Git</a:t>
             </a:r>
             <a:r>
-              <a:rPr kumimoji="1" lang="ja-JP" altLang="en-US" sz="3600" dirty="0" smtClean="0"/>
+              <a:rPr kumimoji="1" lang="ja-JP" altLang="en-US" sz="3600" dirty="0"/>
               <a:t>は慣れるまでは</a:t>
             </a:r>
             <a:r>
-              <a:rPr kumimoji="1" lang="ja-JP" altLang="en-US" sz="3600" dirty="0" err="1" smtClean="0"/>
+              <a:rPr kumimoji="1" lang="ja-JP" altLang="en-US" sz="3600" dirty="0" err="1"/>
               <a:t>そこそこ</a:t>
             </a:r>
             <a:r>
-              <a:rPr kumimoji="1" lang="ja-JP" altLang="en-US" sz="3600" dirty="0" smtClean="0"/>
+              <a:rPr kumimoji="1" lang="ja-JP" altLang="en-US" sz="3600" dirty="0"/>
               <a:t>大変</a:t>
             </a:r>
-            <a:endParaRPr kumimoji="1" lang="ja-JP" altLang="en-US" sz="3600" dirty="0"/>
           </a:p>
         </p:txBody>
       </p:sp>
@@ -44649,14 +44240,14 @@
           <a:lstStyle/>
           <a:p>
             <a:r>
-              <a:rPr kumimoji="1" lang="ja-JP" altLang="en-US" sz="3600" dirty="0" smtClean="0"/>
+              <a:rPr kumimoji="1" lang="ja-JP" altLang="en-US" sz="3600" dirty="0"/>
               <a:t>しかし、使わない場合に比べて</a:t>
             </a:r>
-            <a:endParaRPr kumimoji="1" lang="en-US" altLang="ja-JP" sz="3600" dirty="0" smtClean="0"/>
-          </a:p>
-          <a:p>
-            <a:r>
-              <a:rPr lang="ja-JP" altLang="en-US" sz="3600" dirty="0" smtClean="0"/>
+            <a:endParaRPr kumimoji="1" lang="en-US" altLang="ja-JP" sz="3600" dirty="0"/>
+          </a:p>
+          <a:p>
+            <a:r>
+              <a:rPr lang="ja-JP" altLang="en-US" sz="3600" dirty="0"/>
               <a:t>開発効率は倍以上になる</a:t>
             </a:r>
             <a:endParaRPr kumimoji="1" lang="ja-JP" altLang="en-US" sz="3600" dirty="0"/>
@@ -44686,15 +44277,15 @@
           <a:lstStyle/>
           <a:p>
             <a:r>
-              <a:rPr lang="ja-JP" altLang="en-US" sz="3600" dirty="0" smtClean="0"/>
+              <a:rPr lang="ja-JP" altLang="en-US" sz="3600" dirty="0"/>
               <a:t>使わない場合は人生を</a:t>
             </a:r>
             <a:r>
-              <a:rPr lang="en-US" altLang="ja-JP" sz="3600" dirty="0" smtClean="0"/>
+              <a:rPr lang="en-US" altLang="ja-JP" sz="3600" dirty="0"/>
               <a:t>2</a:t>
             </a:r>
             <a:r>
-              <a:rPr lang="ja-JP" altLang="en-US" sz="3600" dirty="0" smtClean="0"/>
+              <a:rPr lang="ja-JP" altLang="en-US" sz="3600" dirty="0"/>
               <a:t>倍以上損している</a:t>
             </a:r>
             <a:endParaRPr kumimoji="1" lang="ja-JP" altLang="en-US" sz="3600" dirty="0"/>
@@ -44724,16 +44315,12 @@
           <a:lstStyle/>
           <a:p>
             <a:r>
-              <a:rPr lang="en-US" altLang="ja-JP" dirty="0" smtClean="0"/>
+              <a:rPr lang="en-US" altLang="ja-JP" dirty="0"/>
               <a:t>※</a:t>
             </a:r>
             <a:r>
               <a:rPr lang="ja-JP" altLang="en-US" dirty="0"/>
-              <a:t> </a:t>
-            </a:r>
-            <a:r>
-              <a:rPr lang="ja-JP" altLang="en-US" dirty="0" smtClean="0"/>
-              <a:t>個人差あり</a:t>
+              <a:t> 個人差あり</a:t>
             </a:r>
             <a:endParaRPr kumimoji="1" lang="ja-JP" altLang="en-US" dirty="0"/>
           </a:p>
@@ -44762,16 +44349,12 @@
           <a:lstStyle/>
           <a:p>
             <a:r>
-              <a:rPr lang="en-US" altLang="ja-JP" dirty="0" smtClean="0"/>
+              <a:rPr lang="en-US" altLang="ja-JP" dirty="0"/>
               <a:t>※</a:t>
             </a:r>
             <a:r>
               <a:rPr lang="ja-JP" altLang="en-US" dirty="0"/>
-              <a:t> </a:t>
-            </a:r>
-            <a:r>
-              <a:rPr lang="ja-JP" altLang="en-US" dirty="0" smtClean="0"/>
-              <a:t>個人差あり</a:t>
+              <a:t> 個人差あり</a:t>
             </a:r>
             <a:endParaRPr kumimoji="1" lang="ja-JP" altLang="en-US" dirty="0"/>
           </a:p>
@@ -44800,7 +44383,7 @@
           <a:lstStyle/>
           <a:p>
             <a:r>
-              <a:rPr lang="ja-JP" altLang="en-US" sz="3600" dirty="0" smtClean="0"/>
+              <a:rPr lang="ja-JP" altLang="en-US" sz="3600" dirty="0"/>
               <a:t>普段から少しずつ使って慣れましょう</a:t>
             </a:r>
             <a:endParaRPr kumimoji="1" lang="ja-JP" altLang="en-US" sz="3600" dirty="0"/>
@@ -44817,13 +44400,6 @@
   <p:clrMapOvr>
     <a:masterClrMapping/>
   </p:clrMapOvr>
-  <p:timing>
-    <p:tnLst>
-      <p:par>
-        <p:cTn id="1" dur="indefinite" restart="never" nodeType="tmRoot"/>
-      </p:par>
-    </p:tnLst>
-  </p:timing>
 </p:sld>
 </file>
 
@@ -44889,17 +44465,16 @@
           <a:lstStyle/>
           <a:p>
             <a:r>
-              <a:rPr kumimoji="1" lang="ja-JP" altLang="en-US" sz="2000" dirty="0" smtClean="0"/>
+              <a:rPr kumimoji="1" lang="ja-JP" altLang="en-US" sz="2000" dirty="0"/>
               <a:t>いつの間にかバグが入っていて、いつ入ったバグかわからない</a:t>
             </a:r>
             <a:endParaRPr lang="en-US" altLang="ja-JP" sz="2000" dirty="0"/>
           </a:p>
           <a:p>
             <a:r>
-              <a:rPr kumimoji="1" lang="ja-JP" altLang="en-US" sz="2000" dirty="0" smtClean="0"/>
+              <a:rPr kumimoji="1" lang="ja-JP" altLang="en-US" sz="2000" dirty="0"/>
               <a:t>→「歴史」を二分探索</a:t>
             </a:r>
-            <a:endParaRPr kumimoji="1" lang="ja-JP" altLang="en-US" sz="2000" dirty="0"/>
           </a:p>
         </p:txBody>
       </p:sp>
@@ -45438,18 +45013,14 @@
             <a:p>
               <a:r>
                 <a:rPr lang="en-US" altLang="en-US" sz="1800" dirty="0"/>
-                <a:t>(3</a:t>
+                <a:t>(3)</a:t>
               </a:r>
               <a:r>
-                <a:rPr lang="en-US" altLang="en-US" sz="1800" dirty="0" smtClean="0"/>
-                <a:t>)</a:t>
-              </a:r>
-              <a:r>
-                <a:rPr lang="en-US" altLang="en-US" sz="1800" dirty="0" err="1" smtClean="0"/>
+                <a:rPr lang="en-US" altLang="en-US" sz="1800" dirty="0" err="1"/>
                 <a:t>ここでバグ混入</a:t>
               </a:r>
               <a:r>
-                <a:rPr lang="ja-JP" altLang="en-US" dirty="0" smtClean="0"/>
+                <a:rPr lang="ja-JP" altLang="en-US" dirty="0"/>
                 <a:t>と確定</a:t>
               </a:r>
               <a:endParaRPr kumimoji="1" lang="ja-JP" altLang="en-US" sz="1800" dirty="0"/>
@@ -45544,13 +45115,8 @@
               </a:r>
               <a:r>
                 <a:rPr kumimoji="1" lang="ja-JP" altLang="en-US" sz="1800" dirty="0"/>
-                <a:t>ここまでは動作することを</a:t>
+                <a:t>ここまでは動作することを確認</a:t>
               </a:r>
-              <a:r>
-                <a:rPr kumimoji="1" lang="ja-JP" altLang="en-US" sz="1800" dirty="0" smtClean="0"/>
-                <a:t>確認</a:t>
-              </a:r>
-              <a:endParaRPr kumimoji="1" lang="ja-JP" altLang="en-US" sz="1800" dirty="0"/>
             </a:p>
           </p:txBody>
         </p:sp>
@@ -45683,23 +45249,23 @@
           <a:lstStyle/>
           <a:p>
             <a:r>
-              <a:rPr kumimoji="1" lang="en-US" altLang="ja-JP" sz="2400" dirty="0" smtClean="0"/>
+              <a:rPr kumimoji="1" lang="en-US" altLang="ja-JP" sz="2400" dirty="0"/>
               <a:t>Ver. 2</a:t>
             </a:r>
             <a:r>
-              <a:rPr kumimoji="1" lang="ja-JP" altLang="en-US" sz="2400" dirty="0" smtClean="0"/>
+              <a:rPr kumimoji="1" lang="ja-JP" altLang="en-US" sz="2400" dirty="0"/>
               <a:t>と</a:t>
             </a:r>
             <a:r>
-              <a:rPr kumimoji="1" lang="en-US" altLang="ja-JP" sz="2400" dirty="0" smtClean="0"/>
+              <a:rPr kumimoji="1" lang="en-US" altLang="ja-JP" sz="2400" dirty="0"/>
               <a:t>Ver</a:t>
             </a:r>
             <a:r>
-              <a:rPr lang="en-US" altLang="ja-JP" sz="2400" dirty="0" smtClean="0"/>
+              <a:rPr lang="en-US" altLang="ja-JP" sz="2400" dirty="0"/>
               <a:t>. 3</a:t>
             </a:r>
             <a:r>
-              <a:rPr lang="ja-JP" altLang="en-US" sz="2400" dirty="0" smtClean="0"/>
+              <a:rPr lang="ja-JP" altLang="en-US" sz="2400" dirty="0"/>
               <a:t>の差分をとれば、何が原因かがすぐにわかる</a:t>
             </a:r>
             <a:endParaRPr kumimoji="1" lang="ja-JP" altLang="en-US" sz="2400" dirty="0"/>
@@ -45729,10 +45295,9 @@
           <a:lstStyle/>
           <a:p>
             <a:r>
-              <a:rPr kumimoji="1" lang="ja-JP" altLang="en-US" sz="2400" dirty="0" smtClean="0"/>
+              <a:rPr kumimoji="1" lang="ja-JP" altLang="en-US" sz="2400" dirty="0"/>
               <a:t>「容疑者」を絞るのは捜査の基本</a:t>
             </a:r>
-            <a:endParaRPr kumimoji="1" lang="ja-JP" altLang="en-US" sz="2400" dirty="0"/>
           </a:p>
         </p:txBody>
       </p:sp>
@@ -45995,10 +45560,9 @@
           <a:lstStyle/>
           <a:p>
             <a:r>
-              <a:rPr kumimoji="1" lang="ja-JP" altLang="en-US" dirty="0" smtClean="0"/>
+              <a:rPr kumimoji="1" lang="ja-JP" altLang="en-US" dirty="0"/>
               <a:t>開発時間のほとんどはデバッグ</a:t>
             </a:r>
-            <a:endParaRPr kumimoji="1" lang="ja-JP" altLang="en-US" dirty="0"/>
           </a:p>
         </p:txBody>
       </p:sp>
@@ -46025,32 +45589,20 @@
           <a:lstStyle/>
           <a:p>
             <a:r>
-              <a:rPr kumimoji="1" lang="ja-JP" altLang="en-US" sz="2000" dirty="0" smtClean="0"/>
-              <a:t>年</a:t>
-            </a:r>
-            <a:r>
               <a:rPr kumimoji="1" lang="ja-JP" altLang="en-US" sz="2000" dirty="0"/>
-              <a:t>に二編</a:t>
+              <a:t>年に二編</a:t>
             </a:r>
             <a:r>
               <a:rPr lang="ja-JP" altLang="en-US" sz="2000" dirty="0"/>
-              <a:t>論文を</a:t>
-            </a:r>
-            <a:r>
-              <a:rPr lang="ja-JP" altLang="en-US" sz="2000" dirty="0" smtClean="0"/>
-              <a:t>書きたい</a:t>
-            </a:r>
-            <a:r>
-              <a:rPr lang="en-US" altLang="ja-JP" sz="2000" dirty="0" smtClean="0"/>
+              <a:t>論文を書きたい</a:t>
+            </a:r>
+            <a:r>
+              <a:rPr lang="en-US" altLang="ja-JP" sz="2000" dirty="0"/>
               <a:t>→  </a:t>
             </a:r>
             <a:r>
               <a:rPr lang="ja-JP" altLang="en-US" sz="2000" dirty="0"/>
-              <a:t>半年で一つの</a:t>
-            </a:r>
-            <a:r>
-              <a:rPr lang="ja-JP" altLang="en-US" sz="2000" dirty="0" smtClean="0"/>
-              <a:t>研究を完結させたい</a:t>
+              <a:t>半年で一つの研究を完結させたい</a:t>
             </a:r>
             <a:endParaRPr lang="en-US" altLang="ja-JP" sz="2000" dirty="0"/>
           </a:p>
@@ -46655,10 +46207,9 @@
           <a:lstStyle/>
           <a:p>
             <a:r>
-              <a:rPr kumimoji="1" lang="ja-JP" altLang="en-US" sz="2800" dirty="0" smtClean="0"/>
+              <a:rPr kumimoji="1" lang="ja-JP" altLang="en-US" sz="2800" dirty="0"/>
               <a:t>半年</a:t>
             </a:r>
-            <a:endParaRPr kumimoji="1" lang="ja-JP" altLang="en-US" sz="2800" dirty="0"/>
           </a:p>
         </p:txBody>
       </p:sp>
@@ -46685,26 +46236,18 @@
           <a:lstStyle/>
           <a:p>
             <a:r>
-              <a:rPr kumimoji="1" lang="ja-JP" altLang="en-US" sz="2000" dirty="0" smtClean="0"/>
+              <a:rPr kumimoji="1" lang="ja-JP" altLang="en-US" sz="2000" dirty="0"/>
               <a:t>デバッグの時間を減らすことが</a:t>
             </a:r>
             <a:r>
-              <a:rPr lang="ja-JP" altLang="en-US" sz="2000" dirty="0" smtClean="0"/>
-              <a:t>最も</a:t>
-            </a:r>
-            <a:r>
               <a:rPr lang="ja-JP" altLang="en-US" sz="2000" dirty="0"/>
-              <a:t>効果的</a:t>
-            </a:r>
-            <a:r>
-              <a:rPr lang="ja-JP" altLang="en-US" sz="2000" dirty="0" smtClean="0"/>
-              <a:t>な「高速化」</a:t>
-            </a:r>
-            <a:endParaRPr lang="en-US" altLang="ja-JP" sz="2000" dirty="0" smtClean="0"/>
-          </a:p>
-          <a:p>
-            <a:r>
-              <a:rPr lang="ja-JP" altLang="en-US" sz="2000" dirty="0" smtClean="0"/>
+              <a:t>最も効果的な「高速化」</a:t>
+            </a:r>
+            <a:endParaRPr lang="en-US" altLang="ja-JP" sz="2000" dirty="0"/>
+          </a:p>
+          <a:p>
+            <a:r>
+              <a:rPr lang="ja-JP" altLang="en-US" sz="2000" dirty="0"/>
               <a:t>バージョン管理システムはデバッグ時間を減らす強力なツール</a:t>
             </a:r>
             <a:endParaRPr kumimoji="1" lang="ja-JP" altLang="en-US" sz="2000" dirty="0"/>
@@ -46721,13 +46264,6 @@
   <p:clrMapOvr>
     <a:masterClrMapping/>
   </p:clrMapOvr>
-  <p:timing>
-    <p:tnLst>
-      <p:par>
-        <p:cTn id="1" dur="indefinite" restart="never" nodeType="tmRoot"/>
-      </p:par>
-    </p:tnLst>
-  </p:timing>
 </p:sld>
 </file>
 
@@ -46764,15 +46300,15 @@
           <a:lstStyle/>
           <a:p>
             <a:r>
-              <a:rPr lang="en-US" altLang="ja-JP" dirty="0" err="1" smtClean="0"/>
+              <a:rPr lang="en-US" altLang="ja-JP" dirty="0" err="1"/>
               <a:t>Git</a:t>
             </a:r>
             <a:r>
-              <a:rPr lang="ja-JP" altLang="en-US" dirty="0" err="1" smtClean="0"/>
+              <a:rPr lang="ja-JP" altLang="en-US" dirty="0" err="1"/>
               <a:t>は簡</a:t>
             </a:r>
             <a:r>
-              <a:rPr lang="ja-JP" altLang="en-US" dirty="0" smtClean="0"/>
+              <a:rPr lang="ja-JP" altLang="en-US" dirty="0"/>
               <a:t>単？</a:t>
             </a:r>
             <a:endParaRPr kumimoji="1" lang="ja-JP" altLang="en-US" dirty="0"/>
@@ -46802,18 +46338,18 @@
           <a:lstStyle/>
           <a:p>
             <a:r>
-              <a:rPr lang="ja-JP" altLang="en-US" sz="3200" dirty="0" smtClean="0"/>
+              <a:rPr lang="ja-JP" altLang="en-US" sz="3200" dirty="0"/>
               <a:t>正直な話、</a:t>
             </a:r>
             <a:r>
-              <a:rPr lang="en-US" altLang="ja-JP" sz="3200" dirty="0" err="1" smtClean="0"/>
+              <a:rPr lang="en-US" altLang="ja-JP" sz="3200" dirty="0" err="1"/>
               <a:t>Git</a:t>
             </a:r>
             <a:r>
-              <a:rPr lang="ja-JP" altLang="en-US" sz="3200" dirty="0" smtClean="0"/>
+              <a:rPr lang="ja-JP" altLang="en-US" sz="3200" dirty="0"/>
               <a:t>は簡単ではない</a:t>
             </a:r>
-            <a:endParaRPr lang="en-US" altLang="ja-JP" sz="3200" dirty="0" smtClean="0"/>
+            <a:endParaRPr lang="en-US" altLang="ja-JP" sz="3200" dirty="0"/>
           </a:p>
         </p:txBody>
       </p:sp>
@@ -46850,10 +46386,10 @@
               <a:buChar char="•"/>
             </a:pPr>
             <a:r>
-              <a:rPr kumimoji="1" lang="ja-JP" altLang="en-US" sz="3200" dirty="0" smtClean="0"/>
+              <a:rPr kumimoji="1" lang="ja-JP" altLang="en-US" sz="3200" dirty="0"/>
               <a:t>コマンドが多い</a:t>
             </a:r>
-            <a:endParaRPr kumimoji="1" lang="en-US" altLang="ja-JP" sz="3200" dirty="0" smtClean="0"/>
+            <a:endParaRPr kumimoji="1" lang="en-US" altLang="ja-JP" sz="3200" dirty="0"/>
           </a:p>
           <a:p>
             <a:pPr marL="457200" indent="-457200">
@@ -46861,27 +46397,19 @@
               <a:buChar char="•"/>
             </a:pPr>
             <a:r>
-              <a:rPr lang="ja-JP" altLang="en-US" sz="3200" dirty="0" smtClean="0"/>
-              <a:t>使い方に自由度が</a:t>
-            </a:r>
-            <a:r>
               <a:rPr lang="ja-JP" altLang="en-US" sz="3200" dirty="0"/>
-              <a:t>高</a:t>
-            </a:r>
-            <a:r>
-              <a:rPr lang="ja-JP" altLang="en-US" sz="3200" dirty="0" smtClean="0"/>
-              <a:t>い</a:t>
-            </a:r>
-            <a:r>
-              <a:rPr lang="en-US" altLang="ja-JP" sz="3200" dirty="0" smtClean="0"/>
+              <a:t>使い方に自由度が高い</a:t>
+            </a:r>
+            <a:r>
+              <a:rPr lang="en-US" altLang="ja-JP" sz="3200" dirty="0"/>
               <a:t>(</a:t>
             </a:r>
             <a:r>
-              <a:rPr lang="ja-JP" altLang="en-US" sz="3200" dirty="0" smtClean="0"/>
+              <a:rPr lang="ja-JP" altLang="en-US" sz="3200" dirty="0"/>
               <a:t>人によって違う</a:t>
             </a:r>
             <a:r>
-              <a:rPr lang="en-US" altLang="ja-JP" sz="3200" dirty="0" smtClean="0"/>
+              <a:rPr lang="en-US" altLang="ja-JP" sz="3200" dirty="0"/>
               <a:t>)</a:t>
             </a:r>
           </a:p>
@@ -46891,10 +46419,9 @@
               <a:buChar char="•"/>
             </a:pPr>
             <a:r>
-              <a:rPr kumimoji="1" lang="ja-JP" altLang="en-US" sz="3200" dirty="0" smtClean="0"/>
+              <a:rPr kumimoji="1" lang="ja-JP" altLang="en-US" sz="3200" dirty="0"/>
               <a:t>よくわからない状態になりがち</a:t>
             </a:r>
-            <a:endParaRPr kumimoji="1" lang="ja-JP" altLang="en-US" sz="3200" dirty="0"/>
           </a:p>
         </p:txBody>
       </p:sp>
@@ -46921,19 +46448,15 @@
           <a:lstStyle/>
           <a:p>
             <a:r>
-              <a:rPr lang="ja-JP" altLang="en-US" sz="2400" dirty="0" smtClean="0"/>
+              <a:rPr lang="ja-JP" altLang="en-US" sz="2400" dirty="0"/>
               <a:t>慣れるまで時間がかかると思って、根気よく使ってみよう</a:t>
             </a:r>
-            <a:endParaRPr lang="en-US" altLang="ja-JP" sz="2400" dirty="0" smtClean="0"/>
+            <a:endParaRPr lang="en-US" altLang="ja-JP" sz="2400" dirty="0"/>
           </a:p>
           <a:p>
             <a:r>
               <a:rPr lang="ja-JP" altLang="en-US" sz="2400" dirty="0"/>
-              <a:t>使い慣</a:t>
-            </a:r>
-            <a:r>
-              <a:rPr lang="ja-JP" altLang="en-US" sz="2400" dirty="0" smtClean="0"/>
-              <a:t>れると、無い生活は考えられません</a:t>
+              <a:t>使い慣れると、無い生活は考えられません</a:t>
             </a:r>
             <a:endParaRPr kumimoji="1" lang="ja-JP" altLang="en-US" sz="2400" dirty="0"/>
           </a:p>
@@ -46949,13 +46472,6 @@
   <p:clrMapOvr>
     <a:masterClrMapping/>
   </p:clrMapOvr>
-  <p:timing>
-    <p:tnLst>
-      <p:par>
-        <p:cTn id="1" dur="indefinite" restart="never" nodeType="tmRoot"/>
-      </p:par>
-    </p:tnLst>
-  </p:timing>
 </p:sld>
 </file>
 
@@ -46992,10 +46508,9 @@
           <a:lstStyle/>
           <a:p>
             <a:r>
-              <a:rPr kumimoji="1" lang="ja-JP" altLang="en-US" dirty="0" smtClean="0"/>
+              <a:rPr kumimoji="1" lang="ja-JP" altLang="en-US" dirty="0"/>
               <a:t>とりあえず覚えたいコマンド</a:t>
             </a:r>
-            <a:endParaRPr kumimoji="1" lang="ja-JP" altLang="en-US" dirty="0"/>
           </a:p>
         </p:txBody>
       </p:sp>
@@ -47022,36 +46537,36 @@
           <a:lstStyle/>
           <a:p>
             <a:r>
-              <a:rPr kumimoji="1" lang="en-US" altLang="ja-JP" sz="3600" dirty="0" err="1" smtClean="0"/>
+              <a:rPr kumimoji="1" lang="en-US" altLang="ja-JP" sz="3600" dirty="0" err="1"/>
               <a:t>git</a:t>
             </a:r>
             <a:r>
-              <a:rPr kumimoji="1" lang="en-US" altLang="ja-JP" sz="3600" dirty="0" smtClean="0"/>
+              <a:rPr kumimoji="1" lang="en-US" altLang="ja-JP" sz="3600" dirty="0"/>
               <a:t> </a:t>
             </a:r>
             <a:r>
-              <a:rPr kumimoji="1" lang="en-US" altLang="ja-JP" sz="3600" dirty="0" err="1" smtClean="0"/>
+              <a:rPr kumimoji="1" lang="en-US" altLang="ja-JP" sz="3600" dirty="0" err="1"/>
               <a:t>init</a:t>
             </a:r>
-            <a:endParaRPr kumimoji="1" lang="en-US" altLang="ja-JP" sz="3600" dirty="0" smtClean="0"/>
-          </a:p>
-          <a:p>
-            <a:r>
-              <a:rPr lang="en-US" altLang="ja-JP" sz="3600" dirty="0" err="1" smtClean="0"/>
+            <a:endParaRPr kumimoji="1" lang="en-US" altLang="ja-JP" sz="3600" dirty="0"/>
+          </a:p>
+          <a:p>
+            <a:r>
+              <a:rPr lang="en-US" altLang="ja-JP" sz="3600" dirty="0" err="1"/>
               <a:t>git</a:t>
             </a:r>
             <a:r>
-              <a:rPr lang="en-US" altLang="ja-JP" sz="3600" dirty="0" smtClean="0"/>
+              <a:rPr lang="en-US" altLang="ja-JP" sz="3600" dirty="0"/>
               <a:t> add</a:t>
             </a:r>
           </a:p>
           <a:p>
             <a:r>
-              <a:rPr lang="en-US" altLang="ja-JP" sz="3600" dirty="0" err="1" smtClean="0"/>
+              <a:rPr lang="en-US" altLang="ja-JP" sz="3600" dirty="0" err="1"/>
               <a:t>git</a:t>
             </a:r>
             <a:r>
-              <a:rPr lang="en-US" altLang="ja-JP" sz="3600" dirty="0" smtClean="0"/>
+              <a:rPr lang="en-US" altLang="ja-JP" sz="3600" dirty="0"/>
               <a:t> commit</a:t>
             </a:r>
           </a:p>
@@ -47080,34 +46595,34 @@
           <a:lstStyle/>
           <a:p>
             <a:r>
-              <a:rPr kumimoji="1" lang="en-US" altLang="ja-JP" sz="3600" dirty="0" err="1" smtClean="0"/>
+              <a:rPr kumimoji="1" lang="en-US" altLang="ja-JP" sz="3600" dirty="0" err="1"/>
               <a:t>git</a:t>
             </a:r>
             <a:r>
-              <a:rPr kumimoji="1" lang="en-US" altLang="ja-JP" sz="3600" dirty="0" smtClean="0"/>
+              <a:rPr kumimoji="1" lang="en-US" altLang="ja-JP" sz="3600" dirty="0"/>
               <a:t> status</a:t>
             </a:r>
           </a:p>
           <a:p>
             <a:r>
-              <a:rPr kumimoji="1" lang="en-US" altLang="ja-JP" sz="3600" dirty="0" err="1" smtClean="0"/>
+              <a:rPr kumimoji="1" lang="en-US" altLang="ja-JP" sz="3600" dirty="0" err="1"/>
               <a:t>git</a:t>
             </a:r>
             <a:r>
-              <a:rPr kumimoji="1" lang="en-US" altLang="ja-JP" sz="3600" dirty="0" smtClean="0"/>
+              <a:rPr kumimoji="1" lang="en-US" altLang="ja-JP" sz="3600" dirty="0"/>
               <a:t> diff</a:t>
             </a:r>
           </a:p>
           <a:p>
             <a:r>
-              <a:rPr lang="en-US" altLang="ja-JP" sz="3600" dirty="0" err="1" smtClean="0"/>
+              <a:rPr lang="en-US" altLang="ja-JP" sz="3600" dirty="0" err="1"/>
               <a:t>git</a:t>
             </a:r>
             <a:r>
-              <a:rPr lang="en-US" altLang="ja-JP" sz="3600" dirty="0" smtClean="0"/>
+              <a:rPr lang="en-US" altLang="ja-JP" sz="3600" dirty="0"/>
               <a:t> log</a:t>
             </a:r>
-            <a:endParaRPr kumimoji="1" lang="en-US" altLang="ja-JP" sz="3600" dirty="0" smtClean="0"/>
+            <a:endParaRPr kumimoji="1" lang="en-US" altLang="ja-JP" sz="3600" dirty="0"/>
           </a:p>
         </p:txBody>
       </p:sp>
@@ -47134,41 +46649,41 @@
           <a:lstStyle/>
           <a:p>
             <a:r>
-              <a:rPr kumimoji="1" lang="en-US" altLang="ja-JP" sz="3600" dirty="0" err="1" smtClean="0"/>
+              <a:rPr kumimoji="1" lang="en-US" altLang="ja-JP" sz="3600" dirty="0" err="1"/>
               <a:t>git</a:t>
             </a:r>
             <a:r>
-              <a:rPr kumimoji="1" lang="en-US" altLang="ja-JP" sz="3600" dirty="0" smtClean="0"/>
+              <a:rPr kumimoji="1" lang="en-US" altLang="ja-JP" sz="3600" dirty="0"/>
               <a:t> clone</a:t>
             </a:r>
           </a:p>
           <a:p>
             <a:r>
-              <a:rPr lang="en-US" altLang="ja-JP" sz="3600" dirty="0" err="1" smtClean="0"/>
+              <a:rPr lang="en-US" altLang="ja-JP" sz="3600" dirty="0" err="1"/>
               <a:t>git</a:t>
             </a:r>
             <a:r>
-              <a:rPr lang="en-US" altLang="ja-JP" sz="3600" dirty="0" smtClean="0"/>
+              <a:rPr lang="en-US" altLang="ja-JP" sz="3600" dirty="0"/>
               <a:t> remote</a:t>
             </a:r>
           </a:p>
           <a:p>
             <a:r>
-              <a:rPr lang="en-US" altLang="ja-JP" sz="3600" dirty="0" err="1" smtClean="0"/>
+              <a:rPr lang="en-US" altLang="ja-JP" sz="3600" dirty="0" err="1"/>
               <a:t>git</a:t>
             </a:r>
             <a:r>
-              <a:rPr lang="en-US" altLang="ja-JP" sz="3600" dirty="0" smtClean="0"/>
+              <a:rPr lang="en-US" altLang="ja-JP" sz="3600" dirty="0"/>
               <a:t> fetch</a:t>
             </a:r>
           </a:p>
           <a:p>
             <a:r>
-              <a:rPr kumimoji="1" lang="en-US" altLang="ja-JP" sz="3600" dirty="0" err="1" smtClean="0"/>
+              <a:rPr kumimoji="1" lang="en-US" altLang="ja-JP" sz="3600" dirty="0" err="1"/>
               <a:t>git</a:t>
             </a:r>
             <a:r>
-              <a:rPr kumimoji="1" lang="en-US" altLang="ja-JP" sz="3600" dirty="0" smtClean="0"/>
+              <a:rPr kumimoji="1" lang="en-US" altLang="ja-JP" sz="3600" dirty="0"/>
               <a:t> push</a:t>
             </a:r>
           </a:p>
@@ -47182,7 +46697,7 @@
         </p:nvSpPr>
         <p:spPr>
           <a:xfrm>
-            <a:off x="611560" y="4149080"/>
+            <a:off x="611560" y="4005064"/>
             <a:ext cx="3096344" cy="1200329"/>
           </a:xfrm>
           <a:prstGeom prst="rect">
@@ -47196,12 +46711,8 @@
           <a:lstStyle/>
           <a:p>
             <a:r>
-              <a:rPr lang="en-US" altLang="ja-JP" sz="3600" dirty="0" err="1"/>
-              <a:t>git</a:t>
-            </a:r>
-            <a:r>
               <a:rPr lang="en-US" altLang="ja-JP" sz="3600" dirty="0"/>
-              <a:t> checkout</a:t>
+              <a:t>git switch</a:t>
             </a:r>
           </a:p>
           <a:p>
@@ -47271,7 +46782,7 @@
         </p:nvSpPr>
         <p:spPr>
           <a:xfrm>
-            <a:off x="467544" y="4221088"/>
+            <a:off x="467544" y="4077072"/>
             <a:ext cx="3024336" cy="1152128"/>
           </a:xfrm>
           <a:prstGeom prst="roundRect">
@@ -47427,10 +46938,9 @@
           <a:lstStyle/>
           <a:p>
             <a:r>
-              <a:rPr kumimoji="1" lang="ja-JP" altLang="en-US" dirty="0" smtClean="0"/>
+              <a:rPr kumimoji="1" lang="ja-JP" altLang="en-US" dirty="0"/>
               <a:t>ローカルリポジトリの操作</a:t>
             </a:r>
-            <a:endParaRPr kumimoji="1" lang="ja-JP" altLang="en-US" dirty="0"/>
           </a:p>
         </p:txBody>
       </p:sp>
@@ -47442,7 +46952,7 @@
         </p:nvSpPr>
         <p:spPr>
           <a:xfrm>
-            <a:off x="971307" y="3789040"/>
+            <a:off x="971307" y="3645024"/>
             <a:ext cx="1800493" cy="369332"/>
           </a:xfrm>
           <a:prstGeom prst="rect">
@@ -47457,7 +46967,7 @@
           <a:lstStyle/>
           <a:p>
             <a:r>
-              <a:rPr lang="ja-JP" altLang="en-US" dirty="0" smtClean="0"/>
+              <a:rPr lang="ja-JP" altLang="en-US" dirty="0"/>
               <a:t>ブランチの操作</a:t>
             </a:r>
             <a:endParaRPr kumimoji="1" lang="ja-JP" altLang="en-US" dirty="0"/>
@@ -47487,10 +46997,10 @@
           <a:lstStyle/>
           <a:p>
             <a:r>
-              <a:rPr lang="ja-JP" altLang="en-US" dirty="0" smtClean="0"/>
+              <a:rPr lang="ja-JP" altLang="en-US" dirty="0"/>
               <a:t>状態や歴史の確認</a:t>
             </a:r>
-            <a:endParaRPr kumimoji="1" lang="en-US" altLang="ja-JP" dirty="0" smtClean="0"/>
+            <a:endParaRPr kumimoji="1" lang="en-US" altLang="ja-JP" dirty="0"/>
           </a:p>
         </p:txBody>
       </p:sp>
@@ -47517,10 +47027,10 @@
           <a:lstStyle/>
           <a:p>
             <a:r>
-              <a:rPr kumimoji="1" lang="ja-JP" altLang="en-US" dirty="0" smtClean="0"/>
+              <a:rPr kumimoji="1" lang="ja-JP" altLang="en-US" dirty="0"/>
               <a:t>リモートとのやりとり</a:t>
             </a:r>
-            <a:endParaRPr kumimoji="1" lang="en-US" altLang="ja-JP" dirty="0" smtClean="0"/>
+            <a:endParaRPr kumimoji="1" lang="en-US" altLang="ja-JP" dirty="0"/>
           </a:p>
         </p:txBody>
       </p:sp>
@@ -47588,14 +47098,14 @@
           <a:lstStyle/>
           <a:p>
             <a:r>
-              <a:rPr kumimoji="1" lang="ja-JP" altLang="en-US" dirty="0" smtClean="0"/>
+              <a:rPr kumimoji="1" lang="ja-JP" altLang="en-US" dirty="0"/>
               <a:t>「とりあえず」でも</a:t>
             </a:r>
-            <a:endParaRPr kumimoji="1" lang="en-US" altLang="ja-JP" dirty="0" smtClean="0"/>
-          </a:p>
-          <a:p>
-            <a:r>
-              <a:rPr lang="ja-JP" altLang="en-US" dirty="0" smtClean="0"/>
+            <a:endParaRPr kumimoji="1" lang="en-US" altLang="ja-JP" dirty="0"/>
+          </a:p>
+          <a:p>
+            <a:r>
+              <a:rPr lang="ja-JP" altLang="en-US" dirty="0"/>
               <a:t>こんなにある</a:t>
             </a:r>
             <a:endParaRPr kumimoji="1" lang="ja-JP" altLang="en-US" dirty="0"/>
@@ -47612,13 +47122,6 @@
   <p:clrMapOvr>
     <a:masterClrMapping/>
   </p:clrMapOvr>
-  <p:timing>
-    <p:tnLst>
-      <p:par>
-        <p:cTn id="1" dur="indefinite" restart="never" nodeType="tmRoot"/>
-      </p:par>
-    </p:tnLst>
-  </p:timing>
 </p:sld>
 </file>
 
@@ -47655,14 +47158,13 @@
           <a:lstStyle/>
           <a:p>
             <a:r>
-              <a:rPr kumimoji="1" lang="en-US" altLang="ja-JP" dirty="0" err="1" smtClean="0"/>
+              <a:rPr kumimoji="1" lang="en-US" altLang="ja-JP" dirty="0" err="1"/>
               <a:t>Git</a:t>
             </a:r>
             <a:r>
-              <a:rPr kumimoji="1" lang="ja-JP" altLang="en-US" dirty="0" smtClean="0"/>
+              <a:rPr kumimoji="1" lang="ja-JP" altLang="en-US" dirty="0"/>
               <a:t>の仕組み</a:t>
             </a:r>
-            <a:endParaRPr kumimoji="1" lang="ja-JP" altLang="en-US" dirty="0"/>
           </a:p>
         </p:txBody>
       </p:sp>
@@ -47693,10 +47195,10 @@
               <a:buChar char="•"/>
             </a:pPr>
             <a:r>
-              <a:rPr lang="ja-JP" altLang="en-US" sz="2400" dirty="0" smtClean="0"/>
+              <a:rPr lang="ja-JP" altLang="en-US" sz="2400" dirty="0"/>
               <a:t>「リポジトリ」という単位で管理する</a:t>
             </a:r>
-            <a:endParaRPr lang="en-US" altLang="ja-JP" sz="2400" dirty="0" smtClean="0"/>
+            <a:endParaRPr lang="en-US" altLang="ja-JP" sz="2400" dirty="0"/>
           </a:p>
           <a:p>
             <a:pPr marL="342900" indent="-342900">
@@ -47715,10 +47217,10 @@
               <a:buChar char="•"/>
             </a:pPr>
             <a:r>
-              <a:rPr kumimoji="1" lang="ja-JP" altLang="en-US" sz="2400" dirty="0" smtClean="0"/>
+              <a:rPr kumimoji="1" lang="ja-JP" altLang="en-US" sz="2400" dirty="0"/>
               <a:t>データベースには「歴史」が保存される</a:t>
             </a:r>
-            <a:endParaRPr kumimoji="1" lang="en-US" altLang="ja-JP" sz="2400" dirty="0" smtClean="0"/>
+            <a:endParaRPr kumimoji="1" lang="en-US" altLang="ja-JP" sz="2400" dirty="0"/>
           </a:p>
           <a:p>
             <a:pPr marL="342900" indent="-342900">
@@ -47726,7 +47228,7 @@
               <a:buChar char="•"/>
             </a:pPr>
             <a:r>
-              <a:rPr lang="ja-JP" altLang="en-US" sz="2400" dirty="0" smtClean="0"/>
+              <a:rPr lang="ja-JP" altLang="en-US" sz="2400" dirty="0"/>
               <a:t>「コミット」により、「歴史」が追加される</a:t>
             </a:r>
             <a:endParaRPr kumimoji="1" lang="ja-JP" altLang="en-US" sz="2400" dirty="0"/>
@@ -48007,17 +47509,16 @@
           <a:lstStyle/>
           <a:p>
             <a:r>
-              <a:rPr kumimoji="1" lang="ja-JP" altLang="en-US" dirty="0" smtClean="0"/>
+              <a:rPr kumimoji="1" lang="ja-JP" altLang="en-US" dirty="0"/>
               <a:t>データ</a:t>
             </a:r>
-            <a:endParaRPr kumimoji="1" lang="en-US" altLang="ja-JP" dirty="0" smtClean="0"/>
-          </a:p>
-          <a:p>
-            <a:r>
-              <a:rPr kumimoji="1" lang="ja-JP" altLang="en-US" dirty="0" smtClean="0"/>
+            <a:endParaRPr kumimoji="1" lang="en-US" altLang="ja-JP" dirty="0"/>
+          </a:p>
+          <a:p>
+            <a:r>
+              <a:rPr kumimoji="1" lang="ja-JP" altLang="en-US" dirty="0"/>
               <a:t>ベース</a:t>
             </a:r>
-            <a:endParaRPr kumimoji="1" lang="ja-JP" altLang="en-US" dirty="0"/>
           </a:p>
         </p:txBody>
       </p:sp>
@@ -48290,14 +47791,14 @@
           <a:lstStyle/>
           <a:p>
             <a:r>
-              <a:rPr kumimoji="1" lang="ja-JP" altLang="en-US" dirty="0" smtClean="0"/>
+              <a:rPr kumimoji="1" lang="ja-JP" altLang="en-US" dirty="0"/>
               <a:t>管理されている</a:t>
             </a:r>
-            <a:endParaRPr kumimoji="1" lang="en-US" altLang="ja-JP" dirty="0" smtClean="0"/>
-          </a:p>
-          <a:p>
-            <a:r>
-              <a:rPr lang="ja-JP" altLang="en-US" dirty="0" smtClean="0"/>
+            <a:endParaRPr kumimoji="1" lang="en-US" altLang="ja-JP" dirty="0"/>
+          </a:p>
+          <a:p>
+            <a:r>
+              <a:rPr lang="ja-JP" altLang="en-US" dirty="0"/>
               <a:t>ファイルやフォルダ</a:t>
             </a:r>
             <a:endParaRPr kumimoji="1" lang="ja-JP" altLang="en-US" dirty="0"/>
@@ -48327,30 +47828,29 @@
           <a:lstStyle/>
           <a:p>
             <a:r>
-              <a:rPr kumimoji="1" lang="en-US" altLang="ja-JP" dirty="0" smtClean="0"/>
+              <a:rPr kumimoji="1" lang="en-US" altLang="ja-JP" dirty="0"/>
               <a:t>※ </a:t>
             </a:r>
             <a:r>
-              <a:rPr kumimoji="1" lang="ja-JP" altLang="en-US" dirty="0" smtClean="0"/>
+              <a:rPr kumimoji="1" lang="ja-JP" altLang="en-US" dirty="0"/>
               <a:t>データベースの実体は </a:t>
             </a:r>
             <a:r>
-              <a:rPr kumimoji="1" lang="en-US" altLang="ja-JP" dirty="0" smtClean="0"/>
+              <a:rPr kumimoji="1" lang="en-US" altLang="ja-JP" dirty="0"/>
               <a:t>.</a:t>
             </a:r>
             <a:r>
-              <a:rPr kumimoji="1" lang="en-US" altLang="ja-JP" dirty="0" err="1" smtClean="0"/>
+              <a:rPr kumimoji="1" lang="en-US" altLang="ja-JP" dirty="0" err="1"/>
               <a:t>git</a:t>
             </a:r>
             <a:r>
-              <a:rPr kumimoji="1" lang="en-US" altLang="ja-JP" dirty="0" smtClean="0"/>
+              <a:rPr kumimoji="1" lang="en-US" altLang="ja-JP" dirty="0"/>
               <a:t> </a:t>
             </a:r>
             <a:r>
-              <a:rPr kumimoji="1" lang="ja-JP" altLang="en-US" dirty="0" smtClean="0"/>
+              <a:rPr kumimoji="1" lang="ja-JP" altLang="en-US" dirty="0"/>
               <a:t>というディレクトリに保存されている</a:t>
             </a:r>
-            <a:endParaRPr kumimoji="1" lang="ja-JP" altLang="en-US" dirty="0"/>
           </a:p>
         </p:txBody>
       </p:sp>
